--- a/04-shared_examples.pptx
+++ b/04-shared_examples.pptx
@@ -6,10 +6,10 @@
     <p:sldMasterId id="2147483847" r:id="rId6"/>
   </p:sldMasterIdLst>
   <p:notesMasterIdLst>
-    <p:notesMasterId r:id="rId21"/>
+    <p:notesMasterId r:id="rId22"/>
   </p:notesMasterIdLst>
   <p:handoutMasterIdLst>
-    <p:handoutMasterId r:id="rId22"/>
+    <p:handoutMasterId r:id="rId23"/>
   </p:handoutMasterIdLst>
   <p:sldIdLst>
     <p:sldId id="561" r:id="rId7"/>
@@ -17,15 +17,16 @@
     <p:sldId id="590" r:id="rId9"/>
     <p:sldId id="601" r:id="rId10"/>
     <p:sldId id="602" r:id="rId11"/>
-    <p:sldId id="603" r:id="rId12"/>
-    <p:sldId id="600" r:id="rId13"/>
-    <p:sldId id="605" r:id="rId14"/>
-    <p:sldId id="597" r:id="rId15"/>
-    <p:sldId id="604" r:id="rId16"/>
-    <p:sldId id="598" r:id="rId17"/>
-    <p:sldId id="594" r:id="rId18"/>
-    <p:sldId id="599" r:id="rId19"/>
-    <p:sldId id="376" r:id="rId20"/>
+    <p:sldId id="600" r:id="rId12"/>
+    <p:sldId id="605" r:id="rId13"/>
+    <p:sldId id="597" r:id="rId14"/>
+    <p:sldId id="606" r:id="rId15"/>
+    <p:sldId id="607" r:id="rId16"/>
+    <p:sldId id="604" r:id="rId17"/>
+    <p:sldId id="598" r:id="rId18"/>
+    <p:sldId id="594" r:id="rId19"/>
+    <p:sldId id="599" r:id="rId20"/>
+    <p:sldId id="376" r:id="rId21"/>
   </p:sldIdLst>
   <p:sldSz cx="16256000" cy="9144000"/>
   <p:notesSz cx="6858000" cy="9144000"/>
@@ -156,7 +157,7 @@
   </p:defaultTextStyle>
   <p:extLst>
     <p:ext uri="{EFAFB233-063F-42B5-8137-9DF3F51BA10A}">
-      <p15:sldGuideLst xmlns="" xmlns:p15="http://schemas.microsoft.com/office/powerpoint/2012/main">
+      <p15:sldGuideLst xmlns:p15="http://schemas.microsoft.com/office/powerpoint/2012/main" xmlns="">
         <p15:guide id="1" orient="horz" pos="894">
           <p15:clr>
             <a:srgbClr val="A4A3A4"/>
@@ -170,7 +171,7 @@
       </p15:sldGuideLst>
     </p:ext>
     <p:ext uri="{2D200454-40CA-4A62-9FC3-DE9A4176ACB9}">
-      <p15:notesGuideLst xmlns="" xmlns:p15="http://schemas.microsoft.com/office/powerpoint/2012/main"/>
+      <p15:notesGuideLst xmlns:p15="http://schemas.microsoft.com/office/powerpoint/2012/main" xmlns=""/>
     </p:ext>
   </p:extLst>
 </p:presentation>
@@ -287,7 +288,7 @@
               <a:pPr>
                 <a:defRPr/>
               </a:pPr>
-              <a:t>10/24/16</a:t>
+              <a:t>10/25/16</a:t>
             </a:fld>
             <a:endParaRPr lang="en-US" dirty="0"/>
           </a:p>
@@ -470,7 +471,7 @@
               <a:pPr>
                 <a:defRPr/>
               </a:pPr>
-              <a:t>10/24/16</a:t>
+              <a:t>10/25/16</a:t>
             </a:fld>
             <a:endParaRPr lang="en-US" dirty="0"/>
           </a:p>
@@ -1344,7 +1345,7 @@
               <a:pPr>
                 <a:defRPr/>
               </a:pPr>
-              <a:t>7</a:t>
+              <a:t>6</a:t>
             </a:fld>
             <a:endParaRPr lang="en-US" dirty="0"/>
           </a:p>
@@ -1478,7 +1479,7 @@
               <a:pPr>
                 <a:defRPr/>
               </a:pPr>
-              <a:t>9</a:t>
+              <a:t>8</a:t>
             </a:fld>
             <a:endParaRPr lang="en-US" dirty="0"/>
           </a:p>
@@ -1612,7 +1613,7 @@
               <a:pPr>
                 <a:defRPr/>
               </a:pPr>
-              <a:t>11</a:t>
+              <a:t>12</a:t>
             </a:fld>
             <a:endParaRPr lang="en-US" dirty="0"/>
           </a:p>
@@ -1766,7 +1767,7 @@
               <a:pPr>
                 <a:defRPr/>
               </a:pPr>
-              <a:t>12</a:t>
+              <a:t>13</a:t>
             </a:fld>
             <a:endParaRPr lang="en-US" dirty="0"/>
           </a:p>
@@ -1900,7 +1901,7 @@
               <a:pPr>
                 <a:defRPr/>
               </a:pPr>
-              <a:t>13</a:t>
+              <a:t>14</a:t>
             </a:fld>
             <a:endParaRPr lang="en-US" dirty="0"/>
           </a:p>
@@ -11158,7 +11159,7 @@
       </p:grpSpPr>
       <p:sp>
         <p:nvSpPr>
-          <p:cNvPr id="6" name="Title 5"/>
+          <p:cNvPr id="2" name="Title 1"/>
           <p:cNvSpPr>
             <a:spLocks noGrp="1"/>
           </p:cNvSpPr>
@@ -11173,7 +11174,7 @@
           <a:p>
             <a:r>
               <a:rPr lang="en-US" dirty="0" smtClean="0"/>
-              <a:t>A Place to Share Examples</a:t>
+              <a:t>Finding Similar Expressed Expectations</a:t>
             </a:r>
             <a:endParaRPr lang="en-US" dirty="0"/>
           </a:p>
@@ -11192,7 +11193,7 @@
         <p:spPr/>
         <p:txBody>
           <a:bodyPr>
-            <a:normAutofit lnSpcReduction="10000"/>
+            <a:noAutofit/>
           </a:bodyPr>
           <a:lstStyle/>
           <a:p>
@@ -11202,21 +11203,34 @@
               </a:lnSpc>
             </a:pPr>
             <a:r>
-              <a:rPr lang="en-US" dirty="0"/>
-              <a:t> </a:t>
-            </a:r>
-            <a:r>
-              <a:rPr lang="en-US" dirty="0" smtClean="0"/>
-              <a:t> </a:t>
-            </a:r>
-            <a:r>
-              <a:rPr lang="en-US" dirty="0" err="1" smtClean="0"/>
-              <a:t>shared_examples</a:t>
-            </a:r>
-            <a:r>
-              <a:rPr lang="en-US" dirty="0" smtClean="0"/>
-              <a:t> 'installs packages' do</a:t>
-            </a:r>
+              <a:rPr lang="en-US" sz="2400" dirty="0" smtClean="0"/>
+              <a:t>  context </a:t>
+            </a:r>
+            <a:r>
+              <a:rPr lang="en-US" sz="2400" dirty="0"/>
+              <a:t>'when no attributes are specified, on an </a:t>
+            </a:r>
+            <a:r>
+              <a:rPr lang="en-US" sz="2400" dirty="0" err="1"/>
+              <a:t>unspecif</a:t>
+            </a:r>
+            <a:r>
+              <a:rPr lang="en-US" sz="2400" dirty="0"/>
+              <a:t>...</a:t>
+            </a:r>
+            <a:r>
+              <a:rPr lang="en-US" sz="2400" dirty="0" err="1"/>
+              <a:t>orm</a:t>
+            </a:r>
+            <a:r>
+              <a:rPr lang="en-US" sz="2400" dirty="0"/>
+              <a:t>' </a:t>
+            </a:r>
+            <a:r>
+              <a:rPr lang="en-US" sz="2400" dirty="0" smtClean="0"/>
+              <a:t>do</a:t>
+            </a:r>
+            <a:endParaRPr lang="en-US" sz="2400" dirty="0"/>
           </a:p>
           <a:p>
             <a:pPr>
@@ -11225,16 +11239,24 @@
               </a:lnSpc>
             </a:pPr>
             <a:r>
-              <a:rPr lang="en-US" dirty="0"/>
-              <a:t> </a:t>
-            </a:r>
-            <a:r>
-              <a:rPr lang="en-US" dirty="0" smtClean="0"/>
-              <a:t>   it </a:t>
-            </a:r>
-            <a:r>
-              <a:rPr lang="en-US" dirty="0"/>
-              <a:t>'installs the necessary packages' do</a:t>
+              <a:rPr lang="en-US" sz="2400" dirty="0" smtClean="0"/>
+              <a:t>    </a:t>
+            </a:r>
+            <a:r>
+              <a:rPr lang="en-US" sz="2400" dirty="0" smtClean="0"/>
+              <a:t>let</a:t>
+            </a:r>
+            <a:r>
+              <a:rPr lang="en-US" sz="2400" dirty="0" smtClean="0"/>
+              <a:t>(:</a:t>
+            </a:r>
+            <a:r>
+              <a:rPr lang="en-US" sz="2400" dirty="0" err="1" smtClean="0"/>
+              <a:t>installed_packages</a:t>
+            </a:r>
+            <a:r>
+              <a:rPr lang="en-US" sz="2400" dirty="0" smtClean="0"/>
+              <a:t>) ...</a:t>
             </a:r>
           </a:p>
           <a:p>
@@ -11244,24 +11266,12 @@
               </a:lnSpc>
             </a:pPr>
             <a:r>
-              <a:rPr lang="en-US" dirty="0"/>
-              <a:t>  </a:t>
-            </a:r>
-            <a:r>
-              <a:rPr lang="en-US" dirty="0" smtClean="0"/>
-              <a:t>    </a:t>
-            </a:r>
-            <a:r>
-              <a:rPr lang="en-US" dirty="0" err="1" smtClean="0"/>
-              <a:t>installed_packages.each</a:t>
-            </a:r>
-            <a:r>
-              <a:rPr lang="en-US" dirty="0" smtClean="0"/>
+              <a:rPr lang="en-US" sz="2400" dirty="0"/>
               <a:t> </a:t>
             </a:r>
             <a:r>
-              <a:rPr lang="en-US" dirty="0"/>
-              <a:t>do |name|</a:t>
+              <a:rPr lang="en-US" sz="2400" dirty="0" smtClean="0"/>
+              <a:t>   it 'installs the necessary packages' do</a:t>
             </a:r>
           </a:p>
           <a:p>
@@ -11271,28 +11281,16 @@
               </a:lnSpc>
             </a:pPr>
             <a:r>
-              <a:rPr lang="en-US" dirty="0" smtClean="0"/>
-              <a:t>        expect</a:t>
-            </a:r>
-            <a:r>
-              <a:rPr lang="en-US" dirty="0"/>
-              <a:t>(</a:t>
-            </a:r>
-            <a:r>
-              <a:rPr lang="en-US" dirty="0" err="1"/>
-              <a:t>chef_run</a:t>
-            </a:r>
-            <a:r>
-              <a:rPr lang="en-US" dirty="0"/>
-              <a:t>).to </a:t>
-            </a:r>
-            <a:r>
-              <a:rPr lang="en-US" dirty="0" err="1"/>
-              <a:t>install_package</a:t>
-            </a:r>
-            <a:r>
-              <a:rPr lang="en-US" dirty="0"/>
-              <a:t>(name)</a:t>
+              <a:rPr lang="en-US" sz="2400" dirty="0" smtClean="0"/>
+              <a:t>      </a:t>
+            </a:r>
+            <a:r>
+              <a:rPr lang="en-US" sz="2400" dirty="0" err="1" smtClean="0"/>
+              <a:t>installed_packages.each</a:t>
+            </a:r>
+            <a:r>
+              <a:rPr lang="en-US" sz="2400" dirty="0" smtClean="0"/>
+              <a:t> do |name|</a:t>
             </a:r>
           </a:p>
           <a:p>
@@ -11302,14 +11300,25 @@
               </a:lnSpc>
             </a:pPr>
             <a:r>
-              <a:rPr lang="en-US" dirty="0"/>
-              <a:t>    </a:t>
-            </a:r>
-            <a:r>
-              <a:rPr lang="en-US" dirty="0" smtClean="0"/>
-              <a:t>  end</a:t>
-            </a:r>
-            <a:endParaRPr lang="en-US" dirty="0"/>
+              <a:rPr lang="en-US" sz="2400" dirty="0" smtClean="0"/>
+              <a:t>        expect(</a:t>
+            </a:r>
+            <a:r>
+              <a:rPr lang="en-US" sz="2400" dirty="0" err="1" smtClean="0"/>
+              <a:t>chef_run</a:t>
+            </a:r>
+            <a:r>
+              <a:rPr lang="en-US" sz="2400" dirty="0" smtClean="0"/>
+              <a:t>).to </a:t>
+            </a:r>
+            <a:r>
+              <a:rPr lang="en-US" sz="2400" dirty="0" err="1" smtClean="0"/>
+              <a:t>install_package</a:t>
+            </a:r>
+            <a:r>
+              <a:rPr lang="en-US" sz="2400" dirty="0" smtClean="0"/>
+              <a:t>(name)</a:t>
+            </a:r>
           </a:p>
           <a:p>
             <a:pPr>
@@ -11318,13 +11327,10 @@
               </a:lnSpc>
             </a:pPr>
             <a:r>
-              <a:rPr lang="en-US" dirty="0"/>
-              <a:t>  </a:t>
-            </a:r>
-            <a:r>
-              <a:rPr lang="en-US" dirty="0" smtClean="0"/>
-              <a:t>  end</a:t>
-            </a:r>
+              <a:rPr lang="en-US" sz="2400" dirty="0" smtClean="0"/>
+              <a:t>      end</a:t>
+            </a:r>
+            <a:endParaRPr lang="en-US" sz="2400" dirty="0"/>
           </a:p>
           <a:p>
             <a:pPr>
@@ -11333,12 +11339,12 @@
               </a:lnSpc>
             </a:pPr>
             <a:r>
-              <a:rPr lang="en-US" dirty="0"/>
+              <a:rPr lang="en-US" sz="2400" dirty="0"/>
               <a:t> </a:t>
             </a:r>
             <a:r>
-              <a:rPr lang="en-US" dirty="0" smtClean="0"/>
-              <a:t> end</a:t>
+              <a:rPr lang="en-US" sz="2400" dirty="0" smtClean="0"/>
+              <a:t>   end</a:t>
             </a:r>
           </a:p>
           <a:p>
@@ -11348,32 +11354,12 @@
               </a:lnSpc>
             </a:pPr>
             <a:r>
-              <a:rPr lang="en-US" dirty="0"/>
+              <a:rPr lang="en-US" sz="2400" dirty="0"/>
               <a:t> </a:t>
             </a:r>
             <a:r>
-              <a:rPr lang="en-US" dirty="0" smtClean="0"/>
-              <a:t> context </a:t>
-            </a:r>
-            <a:r>
-              <a:rPr lang="en-US" dirty="0"/>
-              <a:t>'when no attributes are specified, on an </a:t>
-            </a:r>
-            <a:r>
-              <a:rPr lang="en-US" dirty="0" err="1"/>
-              <a:t>unspecif</a:t>
-            </a:r>
-            <a:r>
-              <a:rPr lang="en-US" dirty="0"/>
-              <a:t>...</a:t>
-            </a:r>
-            <a:r>
-              <a:rPr lang="en-US" dirty="0" err="1"/>
-              <a:t>orm</a:t>
-            </a:r>
-            <a:r>
-              <a:rPr lang="en-US" dirty="0"/>
-              <a:t>' do</a:t>
+              <a:rPr lang="en-US" sz="2400" dirty="0" smtClean="0"/>
+              <a:t> end</a:t>
             </a:r>
           </a:p>
           <a:p>
@@ -11383,24 +11369,24 @@
               </a:lnSpc>
             </a:pPr>
             <a:r>
-              <a:rPr lang="en-US" dirty="0"/>
-              <a:t>    # let(</a:t>
-            </a:r>
-            <a:r>
-              <a:rPr lang="en-US" dirty="0" smtClean="0"/>
-              <a:t>:</a:t>
-            </a:r>
-            <a:r>
-              <a:rPr lang="en-US" dirty="0" err="1" smtClean="0"/>
-              <a:t>installed_packages</a:t>
-            </a:r>
-            <a:r>
-              <a:rPr lang="en-US" dirty="0"/>
-              <a:t>) ..</a:t>
-            </a:r>
-            <a:r>
-              <a:rPr lang="en-US" dirty="0" smtClean="0"/>
-              <a:t>.</a:t>
+              <a:rPr lang="en-US" sz="2400" dirty="0" smtClean="0"/>
+              <a:t>  </a:t>
+            </a:r>
+            <a:r>
+              <a:rPr lang="en-US" sz="2400" dirty="0"/>
+              <a:t>context 'when no attributes are specified, on </a:t>
+            </a:r>
+            <a:r>
+              <a:rPr lang="en-US" sz="2400" dirty="0" err="1"/>
+              <a:t>CentOS'</a:t>
+            </a:r>
+            <a:r>
+              <a:rPr lang="en-US" sz="2400" dirty="0"/>
+              <a:t> </a:t>
+            </a:r>
+            <a:r>
+              <a:rPr lang="en-US" sz="2400" dirty="0" smtClean="0"/>
+              <a:t>do</a:t>
             </a:r>
           </a:p>
           <a:p>
@@ -11410,22 +11396,41 @@
               </a:lnSpc>
             </a:pPr>
             <a:r>
-              <a:rPr lang="en-US" dirty="0"/>
+              <a:rPr lang="en-US" sz="2400" dirty="0"/>
               <a:t> </a:t>
             </a:r>
             <a:r>
-              <a:rPr lang="en-US" dirty="0" smtClean="0"/>
+              <a:rPr lang="en-US" sz="2400" dirty="0" smtClean="0"/>
               <a:t>   </a:t>
             </a:r>
             <a:r>
-              <a:rPr lang="en-US" dirty="0" err="1" smtClean="0"/>
-              <a:t>it_behaves_like</a:t>
-            </a:r>
-            <a:r>
-              <a:rPr lang="en-US" dirty="0" smtClean="0"/>
-              <a:t> 'installs packages'</a:t>
-            </a:r>
-            <a:endParaRPr lang="en-US" dirty="0"/>
+              <a:rPr lang="en-US" sz="2400" dirty="0" smtClean="0"/>
+              <a:t>let</a:t>
+            </a:r>
+            <a:r>
+              <a:rPr lang="en-US" sz="2400" dirty="0"/>
+              <a:t>(</a:t>
+            </a:r>
+            <a:r>
+              <a:rPr lang="en-US" sz="2400" dirty="0" smtClean="0"/>
+              <a:t>:</a:t>
+            </a:r>
+            <a:r>
+              <a:rPr lang="en-US" sz="2400" dirty="0" err="1"/>
+              <a:t>installed_packages</a:t>
+            </a:r>
+            <a:r>
+              <a:rPr lang="en-US" sz="2400" dirty="0" smtClean="0"/>
+              <a:t>) </a:t>
+            </a:r>
+            <a:r>
+              <a:rPr lang="en-US" sz="2400" dirty="0"/>
+              <a:t>..</a:t>
+            </a:r>
+            <a:r>
+              <a:rPr lang="en-US" sz="2400" dirty="0" smtClean="0"/>
+              <a:t>.    </a:t>
+            </a:r>
           </a:p>
           <a:p>
             <a:pPr>
@@ -11434,8 +11439,12 @@
               </a:lnSpc>
             </a:pPr>
             <a:r>
-              <a:rPr lang="en-US" dirty="0" smtClean="0"/>
-              <a:t>  end</a:t>
+              <a:rPr lang="en-US" sz="2400" dirty="0" smtClean="0"/>
+              <a:t>    it </a:t>
+            </a:r>
+            <a:r>
+              <a:rPr lang="en-US" sz="2400" dirty="0"/>
+              <a:t>'installs the necessary packages' do</a:t>
             </a:r>
           </a:p>
           <a:p>
@@ -11445,20 +11454,20 @@
               </a:lnSpc>
             </a:pPr>
             <a:r>
-              <a:rPr lang="en-US" dirty="0" smtClean="0"/>
-              <a:t>  </a:t>
-            </a:r>
-            <a:r>
-              <a:rPr lang="en-US" dirty="0"/>
-              <a:t>context 'when no attributes are specified, on </a:t>
-            </a:r>
-            <a:r>
-              <a:rPr lang="en-US" dirty="0" err="1"/>
-              <a:t>CentOS'</a:t>
-            </a:r>
-            <a:r>
-              <a:rPr lang="en-US" dirty="0"/>
-              <a:t> do</a:t>
+              <a:rPr lang="en-US" sz="2400" dirty="0"/>
+              <a:t>      </a:t>
+            </a:r>
+            <a:r>
+              <a:rPr lang="en-US" sz="2400" dirty="0" err="1" smtClean="0"/>
+              <a:t>installed_packages.each</a:t>
+            </a:r>
+            <a:r>
+              <a:rPr lang="en-US" sz="2400" dirty="0" smtClean="0"/>
+              <a:t> </a:t>
+            </a:r>
+            <a:r>
+              <a:rPr lang="en-US" sz="2400" dirty="0"/>
+              <a:t>do |name|</a:t>
             </a:r>
           </a:p>
           <a:p>
@@ -11468,20 +11477,24 @@
               </a:lnSpc>
             </a:pPr>
             <a:r>
-              <a:rPr lang="en-US" dirty="0"/>
-              <a:t>    # let(</a:t>
-            </a:r>
-            <a:r>
-              <a:rPr lang="en-US" dirty="0" smtClean="0"/>
-              <a:t>:</a:t>
-            </a:r>
-            <a:r>
-              <a:rPr lang="en-US" dirty="0" err="1" smtClean="0"/>
-              <a:t>installed_packages</a:t>
-            </a:r>
-            <a:r>
-              <a:rPr lang="en-US" dirty="0"/>
-              <a:t>) ...    </a:t>
+              <a:rPr lang="en-US" sz="2400" dirty="0"/>
+              <a:t>        expect(</a:t>
+            </a:r>
+            <a:r>
+              <a:rPr lang="en-US" sz="2400" dirty="0" err="1"/>
+              <a:t>chef_run</a:t>
+            </a:r>
+            <a:r>
+              <a:rPr lang="en-US" sz="2400" dirty="0"/>
+              <a:t>).to </a:t>
+            </a:r>
+            <a:r>
+              <a:rPr lang="en-US" sz="2400" dirty="0" err="1"/>
+              <a:t>install_package</a:t>
+            </a:r>
+            <a:r>
+              <a:rPr lang="en-US" sz="2400" dirty="0"/>
+              <a:t>(name)</a:t>
             </a:r>
           </a:p>
           <a:p>
@@ -11491,22 +11504,9 @@
               </a:lnSpc>
             </a:pPr>
             <a:r>
-              <a:rPr lang="en-US" dirty="0" smtClean="0"/>
-              <a:t>    </a:t>
-            </a:r>
-            <a:r>
-              <a:rPr lang="en-US" dirty="0" err="1" smtClean="0"/>
-              <a:t>it_behaves_like</a:t>
-            </a:r>
-            <a:r>
-              <a:rPr lang="en-US" dirty="0" smtClean="0"/>
-              <a:t> 'installs packages</a:t>
-            </a:r>
-            <a:r>
-              <a:rPr lang="en-US" dirty="0"/>
-              <a:t>'</a:t>
-            </a:r>
-            <a:endParaRPr lang="en-US" dirty="0" smtClean="0"/>
+              <a:rPr lang="en-US" sz="2400" dirty="0"/>
+              <a:t>      end</a:t>
+            </a:r>
           </a:p>
           <a:p>
             <a:pPr>
@@ -11515,89 +11515,610 @@
               </a:lnSpc>
             </a:pPr>
             <a:r>
-              <a:rPr lang="en-US" dirty="0" smtClean="0"/>
+              <a:rPr lang="en-US" sz="2400" dirty="0"/>
+              <a:t>    </a:t>
+            </a:r>
+            <a:r>
+              <a:rPr lang="en-US" sz="2400" dirty="0" smtClean="0"/>
+              <a:t>end</a:t>
+            </a:r>
+          </a:p>
+          <a:p>
+            <a:pPr>
+              <a:lnSpc>
+                <a:spcPct val="90000"/>
+              </a:lnSpc>
+            </a:pPr>
+            <a:r>
+              <a:rPr lang="en-US" sz="2400" dirty="0" smtClean="0"/>
               <a:t>  end</a:t>
             </a:r>
-            <a:endParaRPr lang="en-US" dirty="0"/>
-          </a:p>
-        </p:txBody>
-      </p:sp>
-      <p:sp>
-        <p:nvSpPr>
-          <p:cNvPr id="10" name="Text Placeholder 7"/>
-          <p:cNvSpPr>
-            <a:spLocks noGrp="1"/>
-          </p:cNvSpPr>
-          <p:nvPr>
-            <p:ph type="body" sz="quarter" idx="12"/>
-          </p:nvPr>
+            <a:endParaRPr lang="en-US" sz="2400" dirty="0"/>
+          </a:p>
+        </p:txBody>
+      </p:sp>
+      <p:cxnSp>
+        <p:nvCxnSpPr>
+          <p:cNvPr id="10" name="Straight Connector 9"/>
+          <p:cNvCxnSpPr>
+            <a:stCxn id="7" idx="2"/>
+          </p:cNvCxnSpPr>
+          <p:nvPr/>
+        </p:nvCxnSpPr>
+        <p:spPr>
+          <a:xfrm flipV="1">
+            <a:off x="12397619" y="3132667"/>
+            <a:ext cx="834571" cy="6048"/>
+          </a:xfrm>
+          <a:prstGeom prst="line">
+            <a:avLst/>
+          </a:prstGeom>
+          <a:ln w="63500">
+            <a:solidFill>
+              <a:schemeClr val="accent1"/>
+            </a:solidFill>
+          </a:ln>
+        </p:spPr>
+        <p:style>
+          <a:lnRef idx="3">
+            <a:schemeClr val="accent1"/>
+          </a:lnRef>
+          <a:fillRef idx="0">
+            <a:schemeClr val="accent1"/>
+          </a:fillRef>
+          <a:effectRef idx="2">
+            <a:schemeClr val="accent1"/>
+          </a:effectRef>
+          <a:fontRef idx="minor">
+            <a:schemeClr val="tx1"/>
+          </a:fontRef>
+        </p:style>
+      </p:cxnSp>
+      <p:cxnSp>
+        <p:nvCxnSpPr>
+          <p:cNvPr id="11" name="Straight Connector 10"/>
+          <p:cNvCxnSpPr/>
+          <p:nvPr/>
+        </p:nvCxnSpPr>
+        <p:spPr>
+          <a:xfrm flipV="1">
+            <a:off x="12380686" y="6562877"/>
+            <a:ext cx="834571" cy="6048"/>
+          </a:xfrm>
+          <a:prstGeom prst="line">
+            <a:avLst/>
+          </a:prstGeom>
+          <a:ln w="63500">
+            <a:solidFill>
+              <a:schemeClr val="accent1"/>
+            </a:solidFill>
+          </a:ln>
+        </p:spPr>
+        <p:style>
+          <a:lnRef idx="3">
+            <a:schemeClr val="accent1"/>
+          </a:lnRef>
+          <a:fillRef idx="0">
+            <a:schemeClr val="accent1"/>
+          </a:fillRef>
+          <a:effectRef idx="2">
+            <a:schemeClr val="accent1"/>
+          </a:effectRef>
+          <a:fontRef idx="minor">
+            <a:schemeClr val="tx1"/>
+          </a:fontRef>
+        </p:style>
+      </p:cxnSp>
+      <p:cxnSp>
+        <p:nvCxnSpPr>
+          <p:cNvPr id="14" name="Straight Connector 13"/>
+          <p:cNvCxnSpPr/>
+          <p:nvPr/>
+        </p:nvCxnSpPr>
+        <p:spPr>
+          <a:xfrm flipV="1">
+            <a:off x="12356495" y="1978781"/>
+            <a:ext cx="834571" cy="6048"/>
+          </a:xfrm>
+          <a:prstGeom prst="line">
+            <a:avLst/>
+          </a:prstGeom>
+          <a:ln w="63500">
+            <a:solidFill>
+              <a:schemeClr val="accent4"/>
+            </a:solidFill>
+          </a:ln>
+        </p:spPr>
+        <p:style>
+          <a:lnRef idx="3">
+            <a:schemeClr val="accent1"/>
+          </a:lnRef>
+          <a:fillRef idx="0">
+            <a:schemeClr val="accent1"/>
+          </a:fillRef>
+          <a:effectRef idx="2">
+            <a:schemeClr val="accent1"/>
+          </a:effectRef>
+          <a:fontRef idx="minor">
+            <a:schemeClr val="tx1"/>
+          </a:fontRef>
+        </p:style>
+      </p:cxnSp>
+      <p:cxnSp>
+        <p:nvCxnSpPr>
+          <p:cNvPr id="15" name="Straight Connector 14"/>
+          <p:cNvCxnSpPr/>
+          <p:nvPr/>
+        </p:nvCxnSpPr>
+        <p:spPr>
+          <a:xfrm flipV="1">
+            <a:off x="12363752" y="5457372"/>
+            <a:ext cx="834571" cy="6048"/>
+          </a:xfrm>
+          <a:prstGeom prst="line">
+            <a:avLst/>
+          </a:prstGeom>
+          <a:ln w="63500">
+            <a:solidFill>
+              <a:schemeClr val="accent4"/>
+            </a:solidFill>
+          </a:ln>
+        </p:spPr>
+        <p:style>
+          <a:lnRef idx="3">
+            <a:schemeClr val="accent1"/>
+          </a:lnRef>
+          <a:fillRef idx="0">
+            <a:schemeClr val="accent1"/>
+          </a:fillRef>
+          <a:effectRef idx="2">
+            <a:schemeClr val="accent1"/>
+          </a:effectRef>
+          <a:fontRef idx="minor">
+            <a:schemeClr val="tx1"/>
+          </a:fontRef>
+        </p:style>
+      </p:cxnSp>
+      <p:sp>
+        <p:nvSpPr>
+          <p:cNvPr id="16" name="Rectangle 15"/>
+          <p:cNvSpPr/>
+          <p:nvPr/>
+        </p:nvSpPr>
+        <p:spPr bwMode="auto">
+          <a:xfrm>
+            <a:off x="13183810" y="1717524"/>
+            <a:ext cx="2152952" cy="532191"/>
+          </a:xfrm>
+          <a:prstGeom prst="rect">
+            <a:avLst/>
+          </a:prstGeom>
+          <a:solidFill>
+            <a:schemeClr val="accent4"/>
+          </a:solidFill>
+          <a:ln>
+            <a:noFill/>
+            <a:headEnd type="none" w="med" len="med"/>
+            <a:tailEnd type="none" w="med" len="med"/>
+          </a:ln>
+          <a:effectLst/>
+        </p:spPr>
+        <p:style>
+          <a:lnRef idx="1">
+            <a:schemeClr val="accent4"/>
+          </a:lnRef>
+          <a:fillRef idx="3">
+            <a:schemeClr val="accent4"/>
+          </a:fillRef>
+          <a:effectRef idx="2">
+            <a:schemeClr val="accent4"/>
+          </a:effectRef>
+          <a:fontRef idx="minor">
+            <a:schemeClr val="lt1"/>
+          </a:fontRef>
+        </p:style>
+        <p:txBody>
+          <a:bodyPr vert="horz" wrap="square" lIns="91436" tIns="45718" rIns="91436" bIns="45718" numCol="1" rtlCol="0" anchor="ctr" anchorCtr="0" compatLnSpc="1">
+            <a:prstTxWarp prst="textNoShape">
+              <a:avLst/>
+            </a:prstTxWarp>
+          </a:bodyPr>
+          <a:lstStyle/>
+          <a:p>
+            <a:pPr algn="ctr" defTabSz="914099"/>
+            <a:r>
+              <a:rPr lang="en-US" sz="2400" b="1" dirty="0" smtClean="0">
+                <a:gradFill>
+                  <a:gsLst>
+                    <a:gs pos="0">
+                      <a:srgbClr val="FFFFFF"/>
+                    </a:gs>
+                    <a:gs pos="100000">
+                      <a:srgbClr val="FFFFFF"/>
+                    </a:gs>
+                  </a:gsLst>
+                  <a:lin ang="5400000" scaled="0"/>
+                </a:gradFill>
+              </a:rPr>
+              <a:t>different</a:t>
+            </a:r>
+          </a:p>
+        </p:txBody>
+      </p:sp>
+      <p:sp>
+        <p:nvSpPr>
+          <p:cNvPr id="17" name="Rectangle 16"/>
+          <p:cNvSpPr/>
+          <p:nvPr/>
+        </p:nvSpPr>
+        <p:spPr bwMode="auto">
+          <a:xfrm>
+            <a:off x="13178973" y="2873827"/>
+            <a:ext cx="2152952" cy="532191"/>
+          </a:xfrm>
+          <a:prstGeom prst="rect">
+            <a:avLst/>
+          </a:prstGeom>
+          <a:solidFill>
+            <a:schemeClr val="accent1"/>
+          </a:solidFill>
+          <a:ln>
+            <a:noFill/>
+            <a:headEnd type="none" w="med" len="med"/>
+            <a:tailEnd type="none" w="med" len="med"/>
+          </a:ln>
+          <a:effectLst/>
+        </p:spPr>
+        <p:style>
+          <a:lnRef idx="1">
+            <a:schemeClr val="accent4"/>
+          </a:lnRef>
+          <a:fillRef idx="3">
+            <a:schemeClr val="accent4"/>
+          </a:fillRef>
+          <a:effectRef idx="2">
+            <a:schemeClr val="accent4"/>
+          </a:effectRef>
+          <a:fontRef idx="minor">
+            <a:schemeClr val="lt1"/>
+          </a:fontRef>
+        </p:style>
+        <p:txBody>
+          <a:bodyPr vert="horz" wrap="square" lIns="91436" tIns="45718" rIns="91436" bIns="45718" numCol="1" rtlCol="0" anchor="ctr" anchorCtr="0" compatLnSpc="1">
+            <a:prstTxWarp prst="textNoShape">
+              <a:avLst/>
+            </a:prstTxWarp>
+          </a:bodyPr>
+          <a:lstStyle/>
+          <a:p>
+            <a:pPr algn="ctr" defTabSz="914099"/>
+            <a:r>
+              <a:rPr lang="en-US" sz="2400" dirty="0" smtClean="0">
+                <a:gradFill>
+                  <a:gsLst>
+                    <a:gs pos="0">
+                      <a:srgbClr val="FFFFFF"/>
+                    </a:gs>
+                    <a:gs pos="100000">
+                      <a:srgbClr val="FFFFFF"/>
+                    </a:gs>
+                  </a:gsLst>
+                  <a:lin ang="5400000" scaled="0"/>
+                </a:gradFill>
+              </a:rPr>
+              <a:t>same</a:t>
+            </a:r>
+          </a:p>
+        </p:txBody>
+      </p:sp>
+      <p:sp>
+        <p:nvSpPr>
+          <p:cNvPr id="18" name="Rectangle 17"/>
+          <p:cNvSpPr/>
+          <p:nvPr/>
+        </p:nvSpPr>
+        <p:spPr bwMode="auto">
+          <a:xfrm>
+            <a:off x="13178972" y="5196114"/>
+            <a:ext cx="2152952" cy="532191"/>
+          </a:xfrm>
+          <a:prstGeom prst="rect">
+            <a:avLst/>
+          </a:prstGeom>
+          <a:solidFill>
+            <a:schemeClr val="accent4"/>
+          </a:solidFill>
+          <a:ln>
+            <a:noFill/>
+            <a:headEnd type="none" w="med" len="med"/>
+            <a:tailEnd type="none" w="med" len="med"/>
+          </a:ln>
+          <a:effectLst/>
+        </p:spPr>
+        <p:style>
+          <a:lnRef idx="1">
+            <a:schemeClr val="accent4"/>
+          </a:lnRef>
+          <a:fillRef idx="3">
+            <a:schemeClr val="accent4"/>
+          </a:fillRef>
+          <a:effectRef idx="2">
+            <a:schemeClr val="accent4"/>
+          </a:effectRef>
+          <a:fontRef idx="minor">
+            <a:schemeClr val="lt1"/>
+          </a:fontRef>
+        </p:style>
+        <p:txBody>
+          <a:bodyPr vert="horz" wrap="square" lIns="91436" tIns="45718" rIns="91436" bIns="45718" numCol="1" rtlCol="0" anchor="ctr" anchorCtr="0" compatLnSpc="1">
+            <a:prstTxWarp prst="textNoShape">
+              <a:avLst/>
+            </a:prstTxWarp>
+          </a:bodyPr>
+          <a:lstStyle/>
+          <a:p>
+            <a:pPr algn="ctr" defTabSz="914099"/>
+            <a:r>
+              <a:rPr lang="en-US" sz="2400" b="1" dirty="0" smtClean="0">
+                <a:gradFill>
+                  <a:gsLst>
+                    <a:gs pos="0">
+                      <a:srgbClr val="FFFFFF"/>
+                    </a:gs>
+                    <a:gs pos="100000">
+                      <a:srgbClr val="FFFFFF"/>
+                    </a:gs>
+                  </a:gsLst>
+                  <a:lin ang="5400000" scaled="0"/>
+                </a:gradFill>
+              </a:rPr>
+              <a:t>different</a:t>
+            </a:r>
+          </a:p>
+        </p:txBody>
+      </p:sp>
+      <p:sp>
+        <p:nvSpPr>
+          <p:cNvPr id="19" name="Rectangle 18"/>
+          <p:cNvSpPr/>
+          <p:nvPr/>
+        </p:nvSpPr>
+        <p:spPr bwMode="auto">
+          <a:xfrm>
+            <a:off x="13178972" y="6308876"/>
+            <a:ext cx="2152952" cy="532191"/>
+          </a:xfrm>
+          <a:prstGeom prst="rect">
+            <a:avLst/>
+          </a:prstGeom>
+          <a:solidFill>
+            <a:schemeClr val="accent1"/>
+          </a:solidFill>
+          <a:ln>
+            <a:noFill/>
+            <a:headEnd type="none" w="med" len="med"/>
+            <a:tailEnd type="none" w="med" len="med"/>
+          </a:ln>
+          <a:effectLst/>
+        </p:spPr>
+        <p:style>
+          <a:lnRef idx="1">
+            <a:schemeClr val="accent4"/>
+          </a:lnRef>
+          <a:fillRef idx="3">
+            <a:schemeClr val="accent4"/>
+          </a:fillRef>
+          <a:effectRef idx="2">
+            <a:schemeClr val="accent4"/>
+          </a:effectRef>
+          <a:fontRef idx="minor">
+            <a:schemeClr val="lt1"/>
+          </a:fontRef>
+        </p:style>
+        <p:txBody>
+          <a:bodyPr vert="horz" wrap="square" lIns="91436" tIns="45718" rIns="91436" bIns="45718" numCol="1" rtlCol="0" anchor="ctr" anchorCtr="0" compatLnSpc="1">
+            <a:prstTxWarp prst="textNoShape">
+              <a:avLst/>
+            </a:prstTxWarp>
+          </a:bodyPr>
+          <a:lstStyle/>
+          <a:p>
+            <a:pPr algn="ctr" defTabSz="914099"/>
+            <a:r>
+              <a:rPr lang="en-US" sz="2400" b="1" dirty="0" smtClean="0">
+                <a:gradFill>
+                  <a:gsLst>
+                    <a:gs pos="0">
+                      <a:srgbClr val="FFFFFF"/>
+                    </a:gs>
+                    <a:gs pos="100000">
+                      <a:srgbClr val="FFFFFF"/>
+                    </a:gs>
+                  </a:gsLst>
+                  <a:lin ang="5400000" scaled="0"/>
+                </a:gradFill>
+              </a:rPr>
+              <a:t>same</a:t>
+            </a:r>
+          </a:p>
+        </p:txBody>
+      </p:sp>
+      <p:sp>
+        <p:nvSpPr>
+          <p:cNvPr id="7" name="Right Bracket 6"/>
+          <p:cNvSpPr/>
+          <p:nvPr/>
         </p:nvSpPr>
         <p:spPr>
           <a:xfrm>
-            <a:off x="620713" y="1354138"/>
-            <a:ext cx="14927262" cy="3144837"/>
-          </a:xfrm>
-        </p:spPr>
-        <p:txBody>
-          <a:bodyPr/>
+            <a:off x="12045696" y="2334381"/>
+            <a:ext cx="351923" cy="1608667"/>
+          </a:xfrm>
+          <a:prstGeom prst="rightBracket">
+            <a:avLst/>
+          </a:prstGeom>
+          <a:ln w="63500">
+            <a:solidFill>
+              <a:schemeClr val="accent1"/>
+            </a:solidFill>
+          </a:ln>
+        </p:spPr>
+        <p:style>
+          <a:lnRef idx="3">
+            <a:schemeClr val="accent1"/>
+          </a:lnRef>
+          <a:fillRef idx="0">
+            <a:schemeClr val="accent1"/>
+          </a:fillRef>
+          <a:effectRef idx="2">
+            <a:schemeClr val="accent1"/>
+          </a:effectRef>
+          <a:fontRef idx="minor">
+            <a:schemeClr val="tx1"/>
+          </a:fontRef>
+        </p:style>
+        <p:txBody>
+          <a:bodyPr rtlCol="0" anchor="ctr"/>
           <a:lstStyle/>
           <a:p>
-            <a:endParaRPr lang="en-US" dirty="0"/>
-          </a:p>
-        </p:txBody>
-      </p:sp>
-      <p:sp>
-        <p:nvSpPr>
-          <p:cNvPr id="12" name="Text Placeholder 7"/>
-          <p:cNvSpPr>
-            <a:spLocks noGrp="1"/>
-          </p:cNvSpPr>
-          <p:nvPr>
-            <p:ph type="body" sz="quarter" idx="12"/>
-          </p:nvPr>
+            <a:pPr algn="ctr"/>
+            <a:endParaRPr lang="en-US"/>
+          </a:p>
+        </p:txBody>
+      </p:sp>
+      <p:sp>
+        <p:nvSpPr>
+          <p:cNvPr id="8" name="Right Bracket 7"/>
+          <p:cNvSpPr/>
+          <p:nvPr/>
         </p:nvSpPr>
         <p:spPr>
           <a:xfrm>
-            <a:off x="615950" y="5321300"/>
-            <a:ext cx="14927263" cy="503238"/>
-          </a:xfrm>
-        </p:spPr>
-        <p:txBody>
-          <a:bodyPr/>
+            <a:off x="12045696" y="5764587"/>
+            <a:ext cx="347084" cy="1608667"/>
+          </a:xfrm>
+          <a:prstGeom prst="rightBracket">
+            <a:avLst/>
+          </a:prstGeom>
+          <a:ln w="63500">
+            <a:solidFill>
+              <a:schemeClr val="accent1"/>
+            </a:solidFill>
+          </a:ln>
+        </p:spPr>
+        <p:style>
+          <a:lnRef idx="3">
+            <a:schemeClr val="accent1"/>
+          </a:lnRef>
+          <a:fillRef idx="0">
+            <a:schemeClr val="accent1"/>
+          </a:fillRef>
+          <a:effectRef idx="2">
+            <a:schemeClr val="accent1"/>
+          </a:effectRef>
+          <a:fontRef idx="minor">
+            <a:schemeClr val="tx1"/>
+          </a:fontRef>
+        </p:style>
+        <p:txBody>
+          <a:bodyPr rtlCol="0" anchor="ctr"/>
           <a:lstStyle/>
           <a:p>
-            <a:endParaRPr lang="en-US" dirty="0"/>
-          </a:p>
-        </p:txBody>
-      </p:sp>
-      <p:sp>
-        <p:nvSpPr>
-          <p:cNvPr id="13" name="Text Placeholder 7"/>
-          <p:cNvSpPr>
-            <a:spLocks noGrp="1"/>
-          </p:cNvSpPr>
-          <p:nvPr>
-            <p:ph type="body" sz="quarter" idx="12"/>
-          </p:nvPr>
+            <a:pPr algn="ctr"/>
+            <a:endParaRPr lang="en-US"/>
+          </a:p>
+        </p:txBody>
+      </p:sp>
+      <p:sp>
+        <p:nvSpPr>
+          <p:cNvPr id="12" name="Right Bracket 11"/>
+          <p:cNvSpPr/>
+          <p:nvPr/>
         </p:nvSpPr>
         <p:spPr>
           <a:xfrm>
-            <a:off x="611112" y="7082367"/>
-            <a:ext cx="14927263" cy="503238"/>
-          </a:xfrm>
-        </p:spPr>
-        <p:txBody>
-          <a:bodyPr/>
+            <a:off x="12045696" y="1765905"/>
+            <a:ext cx="339828" cy="435428"/>
+          </a:xfrm>
+          <a:prstGeom prst="rightBracket">
+            <a:avLst/>
+          </a:prstGeom>
+          <a:ln w="63500">
+            <a:solidFill>
+              <a:schemeClr val="accent4"/>
+            </a:solidFill>
+          </a:ln>
+        </p:spPr>
+        <p:style>
+          <a:lnRef idx="3">
+            <a:schemeClr val="accent1"/>
+          </a:lnRef>
+          <a:fillRef idx="0">
+            <a:schemeClr val="accent1"/>
+          </a:fillRef>
+          <a:effectRef idx="2">
+            <a:schemeClr val="accent1"/>
+          </a:effectRef>
+          <a:fontRef idx="minor">
+            <a:schemeClr val="tx1"/>
+          </a:fontRef>
+        </p:style>
+        <p:txBody>
+          <a:bodyPr rtlCol="0" anchor="ctr"/>
           <a:lstStyle/>
           <a:p>
-            <a:endParaRPr lang="en-US" dirty="0"/>
+            <a:pPr algn="ctr"/>
+            <a:endParaRPr lang="en-US"/>
+          </a:p>
+        </p:txBody>
+      </p:sp>
+      <p:sp>
+        <p:nvSpPr>
+          <p:cNvPr id="13" name="Right Bracket 12"/>
+          <p:cNvSpPr/>
+          <p:nvPr/>
+        </p:nvSpPr>
+        <p:spPr>
+          <a:xfrm>
+            <a:off x="12045696" y="5244495"/>
+            <a:ext cx="334990" cy="435428"/>
+          </a:xfrm>
+          <a:prstGeom prst="rightBracket">
+            <a:avLst/>
+          </a:prstGeom>
+          <a:ln w="63500">
+            <a:solidFill>
+              <a:schemeClr val="accent4"/>
+            </a:solidFill>
+          </a:ln>
+        </p:spPr>
+        <p:style>
+          <a:lnRef idx="3">
+            <a:schemeClr val="accent1"/>
+          </a:lnRef>
+          <a:fillRef idx="0">
+            <a:schemeClr val="accent1"/>
+          </a:fillRef>
+          <a:effectRef idx="2">
+            <a:schemeClr val="accent1"/>
+          </a:effectRef>
+          <a:fontRef idx="minor">
+            <a:schemeClr val="tx1"/>
+          </a:fontRef>
+        </p:style>
+        <p:txBody>
+          <a:bodyPr rtlCol="0" anchor="ctr"/>
+          <a:lstStyle/>
+          <a:p>
+            <a:pPr algn="ctr"/>
+            <a:endParaRPr lang="en-US"/>
           </a:p>
         </p:txBody>
       </p:sp>
     </p:spTree>
     <p:extLst>
       <p:ext uri="{BB962C8B-B14F-4D97-AF65-F5344CB8AC3E}">
-        <p14:creationId xmlns:p14="http://schemas.microsoft.com/office/powerpoint/2010/main" val="611667617"/>
+        <p14:creationId xmlns:p14="http://schemas.microsoft.com/office/powerpoint/2010/main" val="1120801799"/>
       </p:ext>
     </p:extLst>
   </p:cSld>
@@ -11636,72 +12157,7 @@
       </p:grpSpPr>
       <p:sp>
         <p:nvSpPr>
-          <p:cNvPr id="7" name="Rectangle 6"/>
-          <p:cNvSpPr/>
-          <p:nvPr/>
-        </p:nvSpPr>
-        <p:spPr bwMode="auto">
-          <a:xfrm>
-            <a:off x="0" y="4840941"/>
-            <a:ext cx="16256000" cy="3376707"/>
-          </a:xfrm>
-          <a:prstGeom prst="rect">
-            <a:avLst/>
-          </a:prstGeom>
-          <a:solidFill>
-            <a:schemeClr val="tx2">
-              <a:alpha val="50000"/>
-            </a:schemeClr>
-          </a:solidFill>
-          <a:ln>
-            <a:noFill/>
-            <a:headEnd type="none" w="med" len="med"/>
-            <a:tailEnd type="none" w="med" len="med"/>
-          </a:ln>
-          <a:effectLst/>
-        </p:spPr>
-        <p:style>
-          <a:lnRef idx="1">
-            <a:schemeClr val="accent4"/>
-          </a:lnRef>
-          <a:fillRef idx="3">
-            <a:schemeClr val="accent4"/>
-          </a:fillRef>
-          <a:effectRef idx="2">
-            <a:schemeClr val="accent4"/>
-          </a:effectRef>
-          <a:fontRef idx="minor">
-            <a:schemeClr val="lt1"/>
-          </a:fontRef>
-        </p:style>
-        <p:txBody>
-          <a:bodyPr vert="horz" wrap="square" lIns="91436" tIns="45718" rIns="91436" bIns="45718" numCol="1" rtlCol="0" anchor="ctr" anchorCtr="0" compatLnSpc="1">
-            <a:prstTxWarp prst="textNoShape">
-              <a:avLst/>
-            </a:prstTxWarp>
-          </a:bodyPr>
-          <a:lstStyle/>
-          <a:p>
-            <a:pPr algn="ctr" defTabSz="914099"/>
-            <a:endParaRPr lang="en-US" sz="2400" dirty="0" err="1" smtClean="0">
-              <a:gradFill>
-                <a:gsLst>
-                  <a:gs pos="0">
-                    <a:srgbClr val="FFFFFF"/>
-                  </a:gs>
-                  <a:gs pos="100000">
-                    <a:srgbClr val="FFFFFF"/>
-                  </a:gs>
-                </a:gsLst>
-                <a:lin ang="5400000" scaled="0"/>
-              </a:gradFill>
-            </a:endParaRPr>
-          </a:p>
-        </p:txBody>
-      </p:sp>
-      <p:sp>
-        <p:nvSpPr>
-          <p:cNvPr id="2" name="Title 1"/>
+          <p:cNvPr id="6" name="Title 5"/>
           <p:cNvSpPr>
             <a:spLocks noGrp="1"/>
           </p:cNvSpPr>
@@ -11709,38 +12165,381 @@
             <p:ph type="title"/>
           </p:nvPr>
         </p:nvSpPr>
-        <p:spPr>
-          <a:effectLst>
-            <a:outerShdw blurRad="50800" dist="76200" dir="5400000" algn="t" rotWithShape="0">
-              <a:prstClr val="black">
-                <a:alpha val="40000"/>
-              </a:prstClr>
-            </a:outerShdw>
-          </a:effectLst>
-        </p:spPr>
+        <p:spPr/>
+        <p:txBody>
+          <a:bodyPr/>
+          <a:lstStyle/>
+          <a:p>
+            <a:r>
+              <a:rPr lang="en-US" dirty="0" smtClean="0"/>
+              <a:t>A Place to Share Examples</a:t>
+            </a:r>
+            <a:endParaRPr lang="en-US" dirty="0"/>
+          </a:p>
+        </p:txBody>
+      </p:sp>
+      <p:sp>
+        <p:nvSpPr>
+          <p:cNvPr id="3" name="Content Placeholder 2"/>
+          <p:cNvSpPr>
+            <a:spLocks noGrp="1"/>
+          </p:cNvSpPr>
+          <p:nvPr>
+            <p:ph sz="quarter" idx="10"/>
+          </p:nvPr>
+        </p:nvSpPr>
+        <p:spPr/>
         <p:txBody>
           <a:bodyPr>
-            <a:normAutofit/>
+            <a:normAutofit lnSpcReduction="10000"/>
           </a:bodyPr>
           <a:lstStyle/>
           <a:p>
-            <a:r>
-              <a:rPr lang="en-US" dirty="0" err="1">
-                <a:latin typeface="Courier New"/>
-                <a:cs typeface="Courier New"/>
-              </a:rPr>
+            <a:pPr>
+              <a:lnSpc>
+                <a:spcPct val="90000"/>
+              </a:lnSpc>
+            </a:pPr>
+            <a:r>
+              <a:rPr lang="en-US" dirty="0"/>
+              <a:t> </a:t>
+            </a:r>
+            <a:r>
+              <a:rPr lang="en-US" dirty="0" smtClean="0"/>
+              <a:t> </a:t>
+            </a:r>
+            <a:r>
+              <a:rPr lang="en-US" dirty="0" err="1" smtClean="0"/>
               <a:t>shared_examples</a:t>
             </a:r>
-            <a:endParaRPr lang="en-US" dirty="0">
-              <a:latin typeface="Courier New"/>
-              <a:cs typeface="Courier New"/>
-            </a:endParaRPr>
-          </a:p>
-        </p:txBody>
-      </p:sp>
-      <p:sp>
-        <p:nvSpPr>
-          <p:cNvPr id="4" name="Text Placeholder 3"/>
+            <a:r>
+              <a:rPr lang="en-US" dirty="0" smtClean="0"/>
+              <a:t> 'installs packages' do</a:t>
+            </a:r>
+          </a:p>
+          <a:p>
+            <a:pPr>
+              <a:lnSpc>
+                <a:spcPct val="90000"/>
+              </a:lnSpc>
+            </a:pPr>
+            <a:r>
+              <a:rPr lang="en-US" dirty="0"/>
+              <a:t> </a:t>
+            </a:r>
+            <a:r>
+              <a:rPr lang="en-US" dirty="0" smtClean="0"/>
+              <a:t>   it </a:t>
+            </a:r>
+            <a:r>
+              <a:rPr lang="en-US" dirty="0"/>
+              <a:t>'installs the necessary packages' do</a:t>
+            </a:r>
+          </a:p>
+          <a:p>
+            <a:pPr>
+              <a:lnSpc>
+                <a:spcPct val="90000"/>
+              </a:lnSpc>
+            </a:pPr>
+            <a:r>
+              <a:rPr lang="en-US" dirty="0"/>
+              <a:t>  </a:t>
+            </a:r>
+            <a:r>
+              <a:rPr lang="en-US" dirty="0" smtClean="0"/>
+              <a:t>    </a:t>
+            </a:r>
+            <a:r>
+              <a:rPr lang="en-US" dirty="0" err="1" smtClean="0"/>
+              <a:t>installed_packages.each</a:t>
+            </a:r>
+            <a:r>
+              <a:rPr lang="en-US" dirty="0" smtClean="0"/>
+              <a:t> </a:t>
+            </a:r>
+            <a:r>
+              <a:rPr lang="en-US" dirty="0"/>
+              <a:t>do |name|</a:t>
+            </a:r>
+          </a:p>
+          <a:p>
+            <a:pPr>
+              <a:lnSpc>
+                <a:spcPct val="90000"/>
+              </a:lnSpc>
+            </a:pPr>
+            <a:r>
+              <a:rPr lang="en-US" dirty="0" smtClean="0"/>
+              <a:t>        expect</a:t>
+            </a:r>
+            <a:r>
+              <a:rPr lang="en-US" dirty="0"/>
+              <a:t>(</a:t>
+            </a:r>
+            <a:r>
+              <a:rPr lang="en-US" dirty="0" err="1"/>
+              <a:t>chef_run</a:t>
+            </a:r>
+            <a:r>
+              <a:rPr lang="en-US" dirty="0"/>
+              <a:t>).to </a:t>
+            </a:r>
+            <a:r>
+              <a:rPr lang="en-US" dirty="0" err="1"/>
+              <a:t>install_package</a:t>
+            </a:r>
+            <a:r>
+              <a:rPr lang="en-US" dirty="0"/>
+              <a:t>(name)</a:t>
+            </a:r>
+          </a:p>
+          <a:p>
+            <a:pPr>
+              <a:lnSpc>
+                <a:spcPct val="90000"/>
+              </a:lnSpc>
+            </a:pPr>
+            <a:r>
+              <a:rPr lang="en-US" dirty="0"/>
+              <a:t>    </a:t>
+            </a:r>
+            <a:r>
+              <a:rPr lang="en-US" dirty="0" smtClean="0"/>
+              <a:t>  end</a:t>
+            </a:r>
+            <a:endParaRPr lang="en-US" dirty="0"/>
+          </a:p>
+          <a:p>
+            <a:pPr>
+              <a:lnSpc>
+                <a:spcPct val="90000"/>
+              </a:lnSpc>
+            </a:pPr>
+            <a:r>
+              <a:rPr lang="en-US" dirty="0"/>
+              <a:t>  </a:t>
+            </a:r>
+            <a:r>
+              <a:rPr lang="en-US" dirty="0" smtClean="0"/>
+              <a:t>  end</a:t>
+            </a:r>
+          </a:p>
+          <a:p>
+            <a:pPr>
+              <a:lnSpc>
+                <a:spcPct val="90000"/>
+              </a:lnSpc>
+            </a:pPr>
+            <a:r>
+              <a:rPr lang="en-US" dirty="0"/>
+              <a:t> </a:t>
+            </a:r>
+            <a:r>
+              <a:rPr lang="en-US" dirty="0" smtClean="0"/>
+              <a:t> end</a:t>
+            </a:r>
+          </a:p>
+          <a:p>
+            <a:pPr>
+              <a:lnSpc>
+                <a:spcPct val="90000"/>
+              </a:lnSpc>
+            </a:pPr>
+            <a:r>
+              <a:rPr lang="en-US" dirty="0"/>
+              <a:t> </a:t>
+            </a:r>
+            <a:r>
+              <a:rPr lang="en-US" dirty="0" smtClean="0"/>
+              <a:t> context </a:t>
+            </a:r>
+            <a:r>
+              <a:rPr lang="en-US" dirty="0"/>
+              <a:t>'when no attributes are specified, on an </a:t>
+            </a:r>
+            <a:r>
+              <a:rPr lang="en-US" dirty="0" err="1"/>
+              <a:t>unspecif</a:t>
+            </a:r>
+            <a:r>
+              <a:rPr lang="en-US" dirty="0"/>
+              <a:t>...</a:t>
+            </a:r>
+            <a:r>
+              <a:rPr lang="en-US" dirty="0" err="1"/>
+              <a:t>orm</a:t>
+            </a:r>
+            <a:r>
+              <a:rPr lang="en-US" dirty="0"/>
+              <a:t>' do</a:t>
+            </a:r>
+          </a:p>
+          <a:p>
+            <a:pPr>
+              <a:lnSpc>
+                <a:spcPct val="90000"/>
+              </a:lnSpc>
+            </a:pPr>
+            <a:r>
+              <a:rPr lang="en-US" dirty="0"/>
+              <a:t>    </a:t>
+            </a:r>
+            <a:r>
+              <a:rPr lang="en-US" dirty="0" smtClean="0"/>
+              <a:t>let</a:t>
+            </a:r>
+            <a:r>
+              <a:rPr lang="en-US" dirty="0"/>
+              <a:t>(</a:t>
+            </a:r>
+            <a:r>
+              <a:rPr lang="en-US" dirty="0" smtClean="0"/>
+              <a:t>:</a:t>
+            </a:r>
+            <a:r>
+              <a:rPr lang="en-US" dirty="0" err="1" smtClean="0"/>
+              <a:t>installed_packages</a:t>
+            </a:r>
+            <a:r>
+              <a:rPr lang="en-US" dirty="0"/>
+              <a:t>) ..</a:t>
+            </a:r>
+            <a:r>
+              <a:rPr lang="en-US" dirty="0" smtClean="0"/>
+              <a:t>.</a:t>
+            </a:r>
+          </a:p>
+          <a:p>
+            <a:pPr>
+              <a:lnSpc>
+                <a:spcPct val="90000"/>
+              </a:lnSpc>
+            </a:pPr>
+            <a:r>
+              <a:rPr lang="en-US" dirty="0"/>
+              <a:t> </a:t>
+            </a:r>
+            <a:r>
+              <a:rPr lang="en-US" dirty="0" smtClean="0"/>
+              <a:t>   </a:t>
+            </a:r>
+            <a:r>
+              <a:rPr lang="en-US" dirty="0" err="1" smtClean="0"/>
+              <a:t>it_behaves_like</a:t>
+            </a:r>
+            <a:r>
+              <a:rPr lang="en-US" dirty="0" smtClean="0"/>
+              <a:t> 'installs packages'</a:t>
+            </a:r>
+            <a:endParaRPr lang="en-US" dirty="0"/>
+          </a:p>
+          <a:p>
+            <a:pPr>
+              <a:lnSpc>
+                <a:spcPct val="90000"/>
+              </a:lnSpc>
+            </a:pPr>
+            <a:r>
+              <a:rPr lang="en-US" dirty="0" smtClean="0"/>
+              <a:t>  end</a:t>
+            </a:r>
+          </a:p>
+          <a:p>
+            <a:pPr>
+              <a:lnSpc>
+                <a:spcPct val="90000"/>
+              </a:lnSpc>
+            </a:pPr>
+            <a:r>
+              <a:rPr lang="en-US" dirty="0" smtClean="0"/>
+              <a:t>  </a:t>
+            </a:r>
+            <a:r>
+              <a:rPr lang="en-US" dirty="0"/>
+              <a:t>context 'when no attributes are specified, on </a:t>
+            </a:r>
+            <a:r>
+              <a:rPr lang="en-US" dirty="0" err="1"/>
+              <a:t>CentOS'</a:t>
+            </a:r>
+            <a:r>
+              <a:rPr lang="en-US" dirty="0"/>
+              <a:t> do</a:t>
+            </a:r>
+          </a:p>
+          <a:p>
+            <a:pPr>
+              <a:lnSpc>
+                <a:spcPct val="90000"/>
+              </a:lnSpc>
+            </a:pPr>
+            <a:r>
+              <a:rPr lang="en-US" dirty="0"/>
+              <a:t>    </a:t>
+            </a:r>
+            <a:r>
+              <a:rPr lang="en-US" dirty="0" smtClean="0"/>
+              <a:t>let</a:t>
+            </a:r>
+            <a:r>
+              <a:rPr lang="en-US" dirty="0"/>
+              <a:t>(</a:t>
+            </a:r>
+            <a:r>
+              <a:rPr lang="en-US" dirty="0" smtClean="0"/>
+              <a:t>:</a:t>
+            </a:r>
+            <a:r>
+              <a:rPr lang="en-US" dirty="0" err="1" smtClean="0"/>
+              <a:t>installed_packages</a:t>
+            </a:r>
+            <a:r>
+              <a:rPr lang="en-US" dirty="0"/>
+              <a:t>) ...    </a:t>
+            </a:r>
+          </a:p>
+          <a:p>
+            <a:pPr>
+              <a:lnSpc>
+                <a:spcPct val="90000"/>
+              </a:lnSpc>
+            </a:pPr>
+            <a:r>
+              <a:rPr lang="en-US" dirty="0" smtClean="0"/>
+              <a:t>    </a:t>
+            </a:r>
+            <a:r>
+              <a:rPr lang="en-US" dirty="0" err="1" smtClean="0"/>
+              <a:t>it_behaves_like</a:t>
+            </a:r>
+            <a:r>
+              <a:rPr lang="en-US" dirty="0" smtClean="0"/>
+              <a:t> 'installs packages</a:t>
+            </a:r>
+            <a:r>
+              <a:rPr lang="en-US" dirty="0"/>
+              <a:t>'</a:t>
+            </a:r>
+            <a:endParaRPr lang="en-US" dirty="0" smtClean="0"/>
+          </a:p>
+          <a:p>
+            <a:pPr>
+              <a:lnSpc>
+                <a:spcPct val="90000"/>
+              </a:lnSpc>
+            </a:pPr>
+            <a:r>
+              <a:rPr lang="en-US" dirty="0" smtClean="0"/>
+              <a:t>  end</a:t>
+            </a:r>
+            <a:endParaRPr lang="en-US" dirty="0"/>
+          </a:p>
+        </p:txBody>
+      </p:sp>
+      <p:sp>
+        <p:nvSpPr>
+          <p:cNvPr id="10" name="Text Placeholder 7"/>
           <p:cNvSpPr>
             <a:spLocks noGrp="1"/>
           </p:cNvSpPr>
@@ -11750,91 +12549,70 @@
         </p:nvSpPr>
         <p:spPr>
           <a:xfrm>
-            <a:off x="650040" y="5213473"/>
-            <a:ext cx="6987278" cy="2765115"/>
+            <a:off x="620713" y="1354138"/>
+            <a:ext cx="14927262" cy="3144837"/>
           </a:xfrm>
         </p:spPr>
         <p:txBody>
           <a:bodyPr/>
           <a:lstStyle/>
           <a:p>
-            <a:pPr marL="457200" indent="-457200">
-              <a:buFont typeface="Wingdings" charset="2"/>
-              <a:buChar char="ü"/>
-            </a:pPr>
-            <a:r>
-              <a:rPr lang="en-US" b="1" dirty="0" smtClean="0"/>
-              <a:t>Concepts</a:t>
-            </a:r>
-          </a:p>
-          <a:p>
-            <a:pPr marL="457200" indent="-457200">
-              <a:buFont typeface="Wingdings" charset="2"/>
-              <a:buChar char="ü"/>
-            </a:pPr>
-            <a:r>
-              <a:rPr lang="en-US" b="1" dirty="0" smtClean="0"/>
-              <a:t>Demonstration</a:t>
-            </a:r>
-          </a:p>
-          <a:p>
-            <a:pPr marL="457200" indent="-457200">
-              <a:buFont typeface="Wingdings" charset="2"/>
-              <a:buChar char="ü"/>
-            </a:pPr>
-            <a:r>
-              <a:rPr lang="en-US" b="1" dirty="0" smtClean="0"/>
-              <a:t>Review</a:t>
-            </a:r>
-          </a:p>
-          <a:p>
-            <a:pPr marL="457200" indent="-457200">
-              <a:buFont typeface="Wingdings" charset="2"/>
-              <a:buChar char="q"/>
-            </a:pPr>
-            <a:r>
-              <a:rPr lang="en-US" b="1" dirty="0" smtClean="0"/>
-              <a:t>Exercise</a:t>
-            </a:r>
-          </a:p>
-        </p:txBody>
-      </p:sp>
-      <p:sp>
-        <p:nvSpPr>
-          <p:cNvPr id="3" name="TextBox 2"/>
-          <p:cNvSpPr txBox="1"/>
-          <p:nvPr/>
-        </p:nvSpPr>
-        <p:spPr bwMode="white">
+            <a:endParaRPr lang="en-US" dirty="0"/>
+          </a:p>
+        </p:txBody>
+      </p:sp>
+      <p:sp>
+        <p:nvSpPr>
+          <p:cNvPr id="12" name="Text Placeholder 7"/>
+          <p:cNvSpPr>
+            <a:spLocks noGrp="1"/>
+          </p:cNvSpPr>
+          <p:nvPr>
+            <p:ph type="body" sz="quarter" idx="12"/>
+          </p:nvPr>
+        </p:nvSpPr>
+        <p:spPr>
           <a:xfrm>
-            <a:off x="582706" y="2345765"/>
-            <a:ext cx="6977529" cy="2166470"/>
-          </a:xfrm>
-          <a:prstGeom prst="rect">
-            <a:avLst/>
-          </a:prstGeom>
-        </p:spPr>
-        <p:txBody>
-          <a:bodyPr vert="horz" wrap="square" lIns="91440" tIns="91440" rIns="91440" bIns="91440" rtlCol="0">
-            <a:normAutofit/>
-          </a:bodyPr>
+            <a:off x="615950" y="5321300"/>
+            <a:ext cx="14927263" cy="503238"/>
+          </a:xfrm>
+        </p:spPr>
+        <p:txBody>
+          <a:bodyPr/>
           <a:lstStyle/>
           <a:p>
-            <a:r>
-              <a:rPr lang="en-US" sz="3200" dirty="0" smtClean="0">
-                <a:solidFill>
-                  <a:schemeClr val="bg1"/>
-                </a:solidFill>
-              </a:rPr>
-              <a:t>Motivational thing to say</a:t>
-            </a:r>
+            <a:endParaRPr lang="en-US" dirty="0"/>
+          </a:p>
+        </p:txBody>
+      </p:sp>
+      <p:sp>
+        <p:nvSpPr>
+          <p:cNvPr id="13" name="Text Placeholder 7"/>
+          <p:cNvSpPr>
+            <a:spLocks noGrp="1"/>
+          </p:cNvSpPr>
+          <p:nvPr>
+            <p:ph type="body" sz="quarter" idx="12"/>
+          </p:nvPr>
+        </p:nvSpPr>
+        <p:spPr>
+          <a:xfrm>
+            <a:off x="611112" y="7082367"/>
+            <a:ext cx="14927263" cy="503238"/>
+          </a:xfrm>
+        </p:spPr>
+        <p:txBody>
+          <a:bodyPr/>
+          <a:lstStyle/>
+          <a:p>
+            <a:endParaRPr lang="en-US" dirty="0"/>
           </a:p>
         </p:txBody>
       </p:sp>
     </p:spTree>
     <p:extLst>
       <p:ext uri="{BB962C8B-B14F-4D97-AF65-F5344CB8AC3E}">
-        <p14:creationId xmlns:p14="http://schemas.microsoft.com/office/powerpoint/2010/main" val="734062504"/>
+        <p14:creationId xmlns:p14="http://schemas.microsoft.com/office/powerpoint/2010/main" val="611667617"/>
       </p:ext>
     </p:extLst>
   </p:cSld>
@@ -11873,107 +12651,22 @@
       </p:grpSpPr>
       <p:sp>
         <p:nvSpPr>
-          <p:cNvPr id="2" name="Title 1"/>
-          <p:cNvSpPr>
-            <a:spLocks noGrp="1"/>
-          </p:cNvSpPr>
-          <p:nvPr>
-            <p:ph type="title"/>
-          </p:nvPr>
-        </p:nvSpPr>
-        <p:spPr/>
-        <p:txBody>
-          <a:bodyPr/>
-          <a:lstStyle/>
-          <a:p>
-            <a:r>
-              <a:rPr lang="en-US" dirty="0" smtClean="0"/>
-              <a:t>Exercise</a:t>
-            </a:r>
-            <a:endParaRPr lang="en-US" dirty="0"/>
-          </a:p>
-        </p:txBody>
-      </p:sp>
-      <p:sp>
-        <p:nvSpPr>
-          <p:cNvPr id="4" name="Text Placeholder 3"/>
-          <p:cNvSpPr>
-            <a:spLocks noGrp="1"/>
-          </p:cNvSpPr>
-          <p:nvPr>
-            <p:ph type="body" sz="quarter" idx="12"/>
-          </p:nvPr>
-        </p:nvSpPr>
-        <p:spPr/>
-        <p:txBody>
-          <a:bodyPr anchor="ctr"/>
-          <a:lstStyle/>
-          <a:p>
-            <a:pPr algn="ctr"/>
-            <a:r>
-              <a:rPr lang="en-US" sz="6000" dirty="0" smtClean="0">
-                <a:latin typeface="Apple Chancery" charset="0"/>
-                <a:ea typeface="Apple Chancery" charset="0"/>
-                <a:cs typeface="Apple Chancery" charset="0"/>
-              </a:rPr>
-              <a:t>Find </a:t>
-            </a:r>
-            <a:r>
-              <a:rPr lang="en-US" sz="6000" smtClean="0">
-                <a:latin typeface="Apple Chancery" charset="0"/>
-                <a:ea typeface="Apple Chancery" charset="0"/>
-                <a:cs typeface="Apple Chancery" charset="0"/>
-              </a:rPr>
-              <a:t>shared examples</a:t>
-            </a:r>
-            <a:r>
-              <a:rPr lang="en-US" sz="6000" dirty="0" smtClean="0">
-                <a:latin typeface="Apple Chancery" charset="0"/>
-                <a:ea typeface="Apple Chancery" charset="0"/>
-                <a:cs typeface="Apple Chancery" charset="0"/>
-              </a:rPr>
-              <a:t>; extract.</a:t>
-            </a:r>
-            <a:endParaRPr lang="en-US" sz="6000" dirty="0" smtClean="0">
-              <a:latin typeface="Apple Chancery" charset="0"/>
-              <a:ea typeface="Apple Chancery" charset="0"/>
-              <a:cs typeface="Apple Chancery" charset="0"/>
-            </a:endParaRPr>
-          </a:p>
-          <a:p>
-            <a:pPr algn="ctr"/>
-            <a:r>
-              <a:rPr lang="en-US" sz="6000" dirty="0" smtClean="0">
-                <a:latin typeface="Apple Chancery" charset="0"/>
-                <a:ea typeface="Apple Chancery" charset="0"/>
-                <a:cs typeface="Apple Chancery" charset="0"/>
-              </a:rPr>
-              <a:t>Find Success.</a:t>
-            </a:r>
-            <a:endParaRPr lang="en-US" sz="6000" dirty="0">
-              <a:latin typeface="Apple Chancery" charset="0"/>
-              <a:ea typeface="Apple Chancery" charset="0"/>
-              <a:cs typeface="Apple Chancery" charset="0"/>
-            </a:endParaRPr>
-          </a:p>
-        </p:txBody>
-      </p:sp>
-      <p:sp>
-        <p:nvSpPr>
-          <p:cNvPr id="5" name="Oval 4"/>
+          <p:cNvPr id="7" name="Rectangle 6"/>
           <p:cNvSpPr/>
           <p:nvPr/>
         </p:nvSpPr>
         <p:spPr bwMode="auto">
           <a:xfrm>
-            <a:off x="7713134" y="1856198"/>
-            <a:ext cx="524933" cy="524933"/>
-          </a:xfrm>
-          <a:prstGeom prst="ellipse">
+            <a:off x="0" y="4840941"/>
+            <a:ext cx="16256000" cy="3376707"/>
+          </a:xfrm>
+          <a:prstGeom prst="rect">
             <a:avLst/>
           </a:prstGeom>
           <a:solidFill>
-            <a:schemeClr val="accent1"/>
+            <a:schemeClr val="tx2">
+              <a:alpha val="50000"/>
+            </a:schemeClr>
           </a:solidFill>
           <a:ln>
             <a:noFill/>
@@ -12023,163 +12716,108 @@
       </p:sp>
       <p:sp>
         <p:nvSpPr>
-          <p:cNvPr id="10" name="Right Brace 9"/>
-          <p:cNvSpPr/>
-          <p:nvPr/>
+          <p:cNvPr id="2" name="Title 1"/>
+          <p:cNvSpPr>
+            <a:spLocks noGrp="1"/>
+          </p:cNvSpPr>
+          <p:nvPr>
+            <p:ph type="title"/>
+          </p:nvPr>
         </p:nvSpPr>
         <p:spPr>
-          <a:xfrm rot="16200000">
-            <a:off x="7789332" y="924864"/>
-            <a:ext cx="457200" cy="3369734"/>
-          </a:xfrm>
-          <a:prstGeom prst="rightBrace">
-            <a:avLst>
-              <a:gd name="adj1" fmla="val 8333"/>
-              <a:gd name="adj2" fmla="val 48995"/>
-            </a:avLst>
-          </a:prstGeom>
-          <a:ln w="63500">
-            <a:solidFill>
-              <a:schemeClr val="accent1"/>
-            </a:solidFill>
-          </a:ln>
-        </p:spPr>
-        <p:style>
-          <a:lnRef idx="3">
-            <a:schemeClr val="accent1"/>
-          </a:lnRef>
-          <a:fillRef idx="0">
-            <a:schemeClr val="accent1"/>
-          </a:fillRef>
-          <a:effectRef idx="2">
-            <a:schemeClr val="accent1"/>
-          </a:effectRef>
-          <a:fontRef idx="minor">
-            <a:schemeClr val="tx1"/>
-          </a:fontRef>
-        </p:style>
-        <p:txBody>
-          <a:bodyPr rtlCol="0" anchor="ctr"/>
-          <a:lstStyle/>
-          <a:p>
-            <a:pPr algn="ctr"/>
-            <a:endParaRPr lang="en-US"/>
-          </a:p>
-        </p:txBody>
-      </p:sp>
-      <p:sp>
-        <p:nvSpPr>
-          <p:cNvPr id="12" name="Right Brace 11"/>
-          <p:cNvSpPr/>
-          <p:nvPr/>
-        </p:nvSpPr>
-        <p:spPr>
-          <a:xfrm rot="5400000">
-            <a:off x="7789332" y="4763443"/>
-            <a:ext cx="457200" cy="3369734"/>
-          </a:xfrm>
-          <a:prstGeom prst="rightBrace">
-            <a:avLst>
-              <a:gd name="adj1" fmla="val 8333"/>
-              <a:gd name="adj2" fmla="val 49830"/>
-            </a:avLst>
-          </a:prstGeom>
-          <a:ln w="63500">
-            <a:solidFill>
-              <a:schemeClr val="accent1"/>
-            </a:solidFill>
-          </a:ln>
-        </p:spPr>
-        <p:style>
-          <a:lnRef idx="3">
-            <a:schemeClr val="accent1"/>
-          </a:lnRef>
-          <a:fillRef idx="0">
-            <a:schemeClr val="accent1"/>
-          </a:fillRef>
-          <a:effectRef idx="2">
-            <a:schemeClr val="accent1"/>
-          </a:effectRef>
-          <a:fontRef idx="minor">
-            <a:schemeClr val="tx1"/>
-          </a:fontRef>
-        </p:style>
-        <p:txBody>
-          <a:bodyPr rtlCol="0" anchor="ctr"/>
-          <a:lstStyle/>
-          <a:p>
-            <a:pPr algn="ctr"/>
-            <a:endParaRPr lang="en-US"/>
-          </a:p>
-        </p:txBody>
-      </p:sp>
-      <p:sp>
-        <p:nvSpPr>
-          <p:cNvPr id="11" name="Oval 10"/>
-          <p:cNvSpPr/>
-          <p:nvPr/>
-        </p:nvSpPr>
-        <p:spPr bwMode="auto">
-          <a:xfrm rot="10800000">
-            <a:off x="7755466" y="6677218"/>
-            <a:ext cx="524933" cy="524933"/>
-          </a:xfrm>
-          <a:prstGeom prst="ellipse">
-            <a:avLst/>
-          </a:prstGeom>
-          <a:solidFill>
-            <a:schemeClr val="accent1"/>
-          </a:solidFill>
-          <a:ln>
-            <a:noFill/>
-            <a:headEnd type="none" w="med" len="med"/>
-            <a:tailEnd type="none" w="med" len="med"/>
-          </a:ln>
-          <a:effectLst/>
-        </p:spPr>
-        <p:style>
-          <a:lnRef idx="1">
-            <a:schemeClr val="accent4"/>
-          </a:lnRef>
-          <a:fillRef idx="3">
-            <a:schemeClr val="accent4"/>
-          </a:fillRef>
-          <a:effectRef idx="2">
-            <a:schemeClr val="accent4"/>
-          </a:effectRef>
-          <a:fontRef idx="minor">
-            <a:schemeClr val="lt1"/>
-          </a:fontRef>
-        </p:style>
-        <p:txBody>
-          <a:bodyPr vert="horz" wrap="square" lIns="91436" tIns="45718" rIns="91436" bIns="45718" numCol="1" rtlCol="0" anchor="ctr" anchorCtr="0" compatLnSpc="1">
-            <a:prstTxWarp prst="textNoShape">
-              <a:avLst/>
-            </a:prstTxWarp>
+          <a:effectLst>
+            <a:outerShdw blurRad="50800" dist="76200" dir="5400000" algn="t" rotWithShape="0">
+              <a:prstClr val="black">
+                <a:alpha val="40000"/>
+              </a:prstClr>
+            </a:outerShdw>
+          </a:effectLst>
+        </p:spPr>
+        <p:txBody>
+          <a:bodyPr>
+            <a:normAutofit/>
           </a:bodyPr>
           <a:lstStyle/>
           <a:p>
-            <a:pPr algn="ctr" defTabSz="914099"/>
-            <a:endParaRPr lang="en-US" sz="2400" dirty="0" err="1" smtClean="0">
-              <a:gradFill>
-                <a:gsLst>
-                  <a:gs pos="0">
-                    <a:srgbClr val="FFFFFF"/>
-                  </a:gs>
-                  <a:gs pos="100000">
-                    <a:srgbClr val="FFFFFF"/>
-                  </a:gs>
-                </a:gsLst>
-                <a:lin ang="5400000" scaled="0"/>
-              </a:gradFill>
+            <a:r>
+              <a:rPr lang="en-US" dirty="0" err="1">
+                <a:latin typeface="Courier New"/>
+                <a:cs typeface="Courier New"/>
+              </a:rPr>
+              <a:t>shared_examples</a:t>
+            </a:r>
+            <a:endParaRPr lang="en-US" dirty="0">
+              <a:latin typeface="Courier New"/>
+              <a:cs typeface="Courier New"/>
             </a:endParaRPr>
+          </a:p>
+        </p:txBody>
+      </p:sp>
+      <p:sp>
+        <p:nvSpPr>
+          <p:cNvPr id="4" name="Text Placeholder 3"/>
+          <p:cNvSpPr>
+            <a:spLocks noGrp="1"/>
+          </p:cNvSpPr>
+          <p:nvPr>
+            <p:ph type="body" sz="quarter" idx="12"/>
+          </p:nvPr>
+        </p:nvSpPr>
+        <p:spPr>
+          <a:xfrm>
+            <a:off x="650040" y="5213473"/>
+            <a:ext cx="6987278" cy="2765115"/>
+          </a:xfrm>
+        </p:spPr>
+        <p:txBody>
+          <a:bodyPr/>
+          <a:lstStyle/>
+          <a:p>
+            <a:pPr marL="457200" indent="-457200">
+              <a:buFont typeface="Wingdings" charset="2"/>
+              <a:buChar char="ü"/>
+            </a:pPr>
+            <a:r>
+              <a:rPr lang="en-US" b="1" dirty="0" smtClean="0"/>
+              <a:t>Concepts</a:t>
+            </a:r>
+          </a:p>
+          <a:p>
+            <a:pPr marL="457200" indent="-457200">
+              <a:buFont typeface="Wingdings" charset="2"/>
+              <a:buChar char="ü"/>
+            </a:pPr>
+            <a:r>
+              <a:rPr lang="en-US" b="1" dirty="0" smtClean="0"/>
+              <a:t>Demonstration</a:t>
+            </a:r>
+          </a:p>
+          <a:p>
+            <a:pPr marL="457200" indent="-457200">
+              <a:buFont typeface="Wingdings" charset="2"/>
+              <a:buChar char="ü"/>
+            </a:pPr>
+            <a:r>
+              <a:rPr lang="en-US" b="1" dirty="0" smtClean="0"/>
+              <a:t>Review</a:t>
+            </a:r>
+          </a:p>
+          <a:p>
+            <a:pPr marL="457200" indent="-457200">
+              <a:buFont typeface="Wingdings" charset="2"/>
+              <a:buChar char="q"/>
+            </a:pPr>
+            <a:r>
+              <a:rPr lang="en-US" b="1" dirty="0" smtClean="0"/>
+              <a:t>Exercise</a:t>
+            </a:r>
           </a:p>
         </p:txBody>
       </p:sp>
     </p:spTree>
     <p:extLst>
       <p:ext uri="{BB962C8B-B14F-4D97-AF65-F5344CB8AC3E}">
-        <p14:creationId xmlns:p14="http://schemas.microsoft.com/office/powerpoint/2010/main" val="691883677"/>
+        <p14:creationId xmlns:p14="http://schemas.microsoft.com/office/powerpoint/2010/main" val="734062504"/>
       </p:ext>
     </p:extLst>
   </p:cSld>
@@ -12218,6 +12856,346 @@
       </p:grpSpPr>
       <p:sp>
         <p:nvSpPr>
+          <p:cNvPr id="2" name="Title 1"/>
+          <p:cNvSpPr>
+            <a:spLocks noGrp="1"/>
+          </p:cNvSpPr>
+          <p:nvPr>
+            <p:ph type="title"/>
+          </p:nvPr>
+        </p:nvSpPr>
+        <p:spPr/>
+        <p:txBody>
+          <a:bodyPr/>
+          <a:lstStyle/>
+          <a:p>
+            <a:r>
+              <a:rPr lang="en-US" dirty="0" smtClean="0"/>
+              <a:t>Exercise</a:t>
+            </a:r>
+            <a:endParaRPr lang="en-US" dirty="0"/>
+          </a:p>
+        </p:txBody>
+      </p:sp>
+      <p:sp>
+        <p:nvSpPr>
+          <p:cNvPr id="4" name="Text Placeholder 3"/>
+          <p:cNvSpPr>
+            <a:spLocks noGrp="1"/>
+          </p:cNvSpPr>
+          <p:nvPr>
+            <p:ph type="body" sz="quarter" idx="12"/>
+          </p:nvPr>
+        </p:nvSpPr>
+        <p:spPr/>
+        <p:txBody>
+          <a:bodyPr anchor="ctr"/>
+          <a:lstStyle/>
+          <a:p>
+            <a:pPr algn="ctr"/>
+            <a:r>
+              <a:rPr lang="en-US" sz="6000" dirty="0" smtClean="0">
+                <a:latin typeface="Apple Chancery" charset="0"/>
+                <a:ea typeface="Apple Chancery" charset="0"/>
+                <a:cs typeface="Apple Chancery" charset="0"/>
+              </a:rPr>
+              <a:t>Find </a:t>
+            </a:r>
+            <a:r>
+              <a:rPr lang="en-US" sz="6000" smtClean="0">
+                <a:latin typeface="Apple Chancery" charset="0"/>
+                <a:ea typeface="Apple Chancery" charset="0"/>
+                <a:cs typeface="Apple Chancery" charset="0"/>
+              </a:rPr>
+              <a:t>shared examples</a:t>
+            </a:r>
+            <a:r>
+              <a:rPr lang="en-US" sz="6000" dirty="0" smtClean="0">
+                <a:latin typeface="Apple Chancery" charset="0"/>
+                <a:ea typeface="Apple Chancery" charset="0"/>
+                <a:cs typeface="Apple Chancery" charset="0"/>
+              </a:rPr>
+              <a:t>; extract.</a:t>
+            </a:r>
+          </a:p>
+          <a:p>
+            <a:pPr algn="ctr"/>
+            <a:r>
+              <a:rPr lang="en-US" sz="6000" dirty="0" smtClean="0">
+                <a:latin typeface="Apple Chancery" charset="0"/>
+                <a:ea typeface="Apple Chancery" charset="0"/>
+                <a:cs typeface="Apple Chancery" charset="0"/>
+              </a:rPr>
+              <a:t>Find Success.</a:t>
+            </a:r>
+            <a:endParaRPr lang="en-US" sz="6000" dirty="0">
+              <a:latin typeface="Apple Chancery" charset="0"/>
+              <a:ea typeface="Apple Chancery" charset="0"/>
+              <a:cs typeface="Apple Chancery" charset="0"/>
+            </a:endParaRPr>
+          </a:p>
+        </p:txBody>
+      </p:sp>
+      <p:sp>
+        <p:nvSpPr>
+          <p:cNvPr id="5" name="Oval 4"/>
+          <p:cNvSpPr/>
+          <p:nvPr/>
+        </p:nvSpPr>
+        <p:spPr bwMode="auto">
+          <a:xfrm>
+            <a:off x="7713134" y="1856198"/>
+            <a:ext cx="524933" cy="524933"/>
+          </a:xfrm>
+          <a:prstGeom prst="ellipse">
+            <a:avLst/>
+          </a:prstGeom>
+          <a:solidFill>
+            <a:schemeClr val="accent1"/>
+          </a:solidFill>
+          <a:ln>
+            <a:noFill/>
+            <a:headEnd type="none" w="med" len="med"/>
+            <a:tailEnd type="none" w="med" len="med"/>
+          </a:ln>
+          <a:effectLst/>
+        </p:spPr>
+        <p:style>
+          <a:lnRef idx="1">
+            <a:schemeClr val="accent4"/>
+          </a:lnRef>
+          <a:fillRef idx="3">
+            <a:schemeClr val="accent4"/>
+          </a:fillRef>
+          <a:effectRef idx="2">
+            <a:schemeClr val="accent4"/>
+          </a:effectRef>
+          <a:fontRef idx="minor">
+            <a:schemeClr val="lt1"/>
+          </a:fontRef>
+        </p:style>
+        <p:txBody>
+          <a:bodyPr vert="horz" wrap="square" lIns="91436" tIns="45718" rIns="91436" bIns="45718" numCol="1" rtlCol="0" anchor="ctr" anchorCtr="0" compatLnSpc="1">
+            <a:prstTxWarp prst="textNoShape">
+              <a:avLst/>
+            </a:prstTxWarp>
+          </a:bodyPr>
+          <a:lstStyle/>
+          <a:p>
+            <a:pPr algn="ctr" defTabSz="914099"/>
+            <a:endParaRPr lang="en-US" sz="2400" dirty="0" err="1" smtClean="0">
+              <a:gradFill>
+                <a:gsLst>
+                  <a:gs pos="0">
+                    <a:srgbClr val="FFFFFF"/>
+                  </a:gs>
+                  <a:gs pos="100000">
+                    <a:srgbClr val="FFFFFF"/>
+                  </a:gs>
+                </a:gsLst>
+                <a:lin ang="5400000" scaled="0"/>
+              </a:gradFill>
+            </a:endParaRPr>
+          </a:p>
+        </p:txBody>
+      </p:sp>
+      <p:sp>
+        <p:nvSpPr>
+          <p:cNvPr id="10" name="Right Brace 9"/>
+          <p:cNvSpPr/>
+          <p:nvPr/>
+        </p:nvSpPr>
+        <p:spPr>
+          <a:xfrm rot="16200000">
+            <a:off x="7789332" y="924864"/>
+            <a:ext cx="457200" cy="3369734"/>
+          </a:xfrm>
+          <a:prstGeom prst="rightBrace">
+            <a:avLst>
+              <a:gd name="adj1" fmla="val 8333"/>
+              <a:gd name="adj2" fmla="val 48995"/>
+            </a:avLst>
+          </a:prstGeom>
+          <a:ln w="63500">
+            <a:solidFill>
+              <a:schemeClr val="accent1"/>
+            </a:solidFill>
+          </a:ln>
+        </p:spPr>
+        <p:style>
+          <a:lnRef idx="3">
+            <a:schemeClr val="accent1"/>
+          </a:lnRef>
+          <a:fillRef idx="0">
+            <a:schemeClr val="accent1"/>
+          </a:fillRef>
+          <a:effectRef idx="2">
+            <a:schemeClr val="accent1"/>
+          </a:effectRef>
+          <a:fontRef idx="minor">
+            <a:schemeClr val="tx1"/>
+          </a:fontRef>
+        </p:style>
+        <p:txBody>
+          <a:bodyPr rtlCol="0" anchor="ctr"/>
+          <a:lstStyle/>
+          <a:p>
+            <a:pPr algn="ctr"/>
+            <a:endParaRPr lang="en-US"/>
+          </a:p>
+        </p:txBody>
+      </p:sp>
+      <p:sp>
+        <p:nvSpPr>
+          <p:cNvPr id="12" name="Right Brace 11"/>
+          <p:cNvSpPr/>
+          <p:nvPr/>
+        </p:nvSpPr>
+        <p:spPr>
+          <a:xfrm rot="5400000">
+            <a:off x="7789332" y="4763443"/>
+            <a:ext cx="457200" cy="3369734"/>
+          </a:xfrm>
+          <a:prstGeom prst="rightBrace">
+            <a:avLst>
+              <a:gd name="adj1" fmla="val 8333"/>
+              <a:gd name="adj2" fmla="val 49830"/>
+            </a:avLst>
+          </a:prstGeom>
+          <a:ln w="63500">
+            <a:solidFill>
+              <a:schemeClr val="accent1"/>
+            </a:solidFill>
+          </a:ln>
+        </p:spPr>
+        <p:style>
+          <a:lnRef idx="3">
+            <a:schemeClr val="accent1"/>
+          </a:lnRef>
+          <a:fillRef idx="0">
+            <a:schemeClr val="accent1"/>
+          </a:fillRef>
+          <a:effectRef idx="2">
+            <a:schemeClr val="accent1"/>
+          </a:effectRef>
+          <a:fontRef idx="minor">
+            <a:schemeClr val="tx1"/>
+          </a:fontRef>
+        </p:style>
+        <p:txBody>
+          <a:bodyPr rtlCol="0" anchor="ctr"/>
+          <a:lstStyle/>
+          <a:p>
+            <a:pPr algn="ctr"/>
+            <a:endParaRPr lang="en-US"/>
+          </a:p>
+        </p:txBody>
+      </p:sp>
+      <p:sp>
+        <p:nvSpPr>
+          <p:cNvPr id="11" name="Oval 10"/>
+          <p:cNvSpPr/>
+          <p:nvPr/>
+        </p:nvSpPr>
+        <p:spPr bwMode="auto">
+          <a:xfrm rot="10800000">
+            <a:off x="7755466" y="6677218"/>
+            <a:ext cx="524933" cy="524933"/>
+          </a:xfrm>
+          <a:prstGeom prst="ellipse">
+            <a:avLst/>
+          </a:prstGeom>
+          <a:solidFill>
+            <a:schemeClr val="accent1"/>
+          </a:solidFill>
+          <a:ln>
+            <a:noFill/>
+            <a:headEnd type="none" w="med" len="med"/>
+            <a:tailEnd type="none" w="med" len="med"/>
+          </a:ln>
+          <a:effectLst/>
+        </p:spPr>
+        <p:style>
+          <a:lnRef idx="1">
+            <a:schemeClr val="accent4"/>
+          </a:lnRef>
+          <a:fillRef idx="3">
+            <a:schemeClr val="accent4"/>
+          </a:fillRef>
+          <a:effectRef idx="2">
+            <a:schemeClr val="accent4"/>
+          </a:effectRef>
+          <a:fontRef idx="minor">
+            <a:schemeClr val="lt1"/>
+          </a:fontRef>
+        </p:style>
+        <p:txBody>
+          <a:bodyPr vert="horz" wrap="square" lIns="91436" tIns="45718" rIns="91436" bIns="45718" numCol="1" rtlCol="0" anchor="ctr" anchorCtr="0" compatLnSpc="1">
+            <a:prstTxWarp prst="textNoShape">
+              <a:avLst/>
+            </a:prstTxWarp>
+          </a:bodyPr>
+          <a:lstStyle/>
+          <a:p>
+            <a:pPr algn="ctr" defTabSz="914099"/>
+            <a:endParaRPr lang="en-US" sz="2400" dirty="0" err="1" smtClean="0">
+              <a:gradFill>
+                <a:gsLst>
+                  <a:gs pos="0">
+                    <a:srgbClr val="FFFFFF"/>
+                  </a:gs>
+                  <a:gs pos="100000">
+                    <a:srgbClr val="FFFFFF"/>
+                  </a:gs>
+                </a:gsLst>
+                <a:lin ang="5400000" scaled="0"/>
+              </a:gradFill>
+            </a:endParaRPr>
+          </a:p>
+        </p:txBody>
+      </p:sp>
+    </p:spTree>
+    <p:extLst>
+      <p:ext uri="{BB962C8B-B14F-4D97-AF65-F5344CB8AC3E}">
+        <p14:creationId xmlns:p14="http://schemas.microsoft.com/office/powerpoint/2010/main" val="691883677"/>
+      </p:ext>
+    </p:extLst>
+  </p:cSld>
+  <p:clrMapOvr>
+    <a:masterClrMapping/>
+  </p:clrMapOvr>
+  <p:transition xmlns:p14="http://schemas.microsoft.com/office/powerpoint/2010/main" spd="med">
+    <p:fade/>
+  </p:transition>
+  <p:timing>
+    <p:tnLst>
+      <p:par>
+        <p:cTn xmlns:p14="http://schemas.microsoft.com/office/powerpoint/2010/main" id="1" dur="indefinite" restart="never" nodeType="tmRoot"/>
+      </p:par>
+    </p:tnLst>
+  </p:timing>
+</p:sld>
+</file>
+
+<file path=ppt/slides/slide14.xml><?xml version="1.0" encoding="utf-8"?>
+<p:sld xmlns:a="http://schemas.openxmlformats.org/drawingml/2006/main" xmlns:r="http://schemas.openxmlformats.org/officeDocument/2006/relationships" xmlns:p="http://schemas.openxmlformats.org/presentationml/2006/main">
+  <p:cSld>
+    <p:spTree>
+      <p:nvGrpSpPr>
+        <p:cNvPr id="1" name=""/>
+        <p:cNvGrpSpPr/>
+        <p:nvPr/>
+      </p:nvGrpSpPr>
+      <p:grpSpPr>
+        <a:xfrm>
+          <a:off x="0" y="0"/>
+          <a:ext cx="0" cy="0"/>
+          <a:chOff x="0" y="0"/>
+          <a:chExt cx="0" cy="0"/>
+        </a:xfrm>
+      </p:grpSpPr>
+      <p:sp>
+        <p:nvSpPr>
           <p:cNvPr id="7" name="Rectangle 6"/>
           <p:cNvSpPr/>
           <p:nvPr/>
@@ -12377,38 +13355,6 @@
             <a:r>
               <a:rPr lang="en-US" b="1" dirty="0" smtClean="0"/>
               <a:t>Exercise</a:t>
-            </a:r>
-          </a:p>
-        </p:txBody>
-      </p:sp>
-      <p:sp>
-        <p:nvSpPr>
-          <p:cNvPr id="3" name="TextBox 2"/>
-          <p:cNvSpPr txBox="1"/>
-          <p:nvPr/>
-        </p:nvSpPr>
-        <p:spPr bwMode="white">
-          <a:xfrm>
-            <a:off x="582706" y="2345765"/>
-            <a:ext cx="6977529" cy="2166470"/>
-          </a:xfrm>
-          <a:prstGeom prst="rect">
-            <a:avLst/>
-          </a:prstGeom>
-        </p:spPr>
-        <p:txBody>
-          <a:bodyPr vert="horz" wrap="square" lIns="91440" tIns="91440" rIns="91440" bIns="91440" rtlCol="0">
-            <a:normAutofit/>
-          </a:bodyPr>
-          <a:lstStyle/>
-          <a:p>
-            <a:r>
-              <a:rPr lang="en-US" sz="3200" dirty="0" smtClean="0">
-                <a:solidFill>
-                  <a:schemeClr val="bg1"/>
-                </a:solidFill>
-              </a:rPr>
-              <a:t>Motivational thing to say</a:t>
             </a:r>
           </a:p>
         </p:txBody>
@@ -12436,7 +13382,7 @@
 </p:sld>
 </file>
 
-<file path=ppt/slides/slide14.xml><?xml version="1.0" encoding="utf-8"?>
+<file path=ppt/slides/slide15.xml><?xml version="1.0" encoding="utf-8"?>
 <p:sld xmlns:a="http://schemas.openxmlformats.org/drawingml/2006/main" xmlns:r="http://schemas.openxmlformats.org/officeDocument/2006/relationships" xmlns:p="http://schemas.openxmlformats.org/presentationml/2006/main">
   <p:cSld>
     <p:spTree>
@@ -12562,12 +13508,20 @@
               <a:t> </a:t>
             </a:r>
             <a:r>
+              <a:rPr lang="en-US" sz="7200" dirty="0">
+                <a:latin typeface="Apple Chancery" charset="0"/>
+                <a:ea typeface="Apple Chancery" charset="0"/>
+                <a:cs typeface="Apple Chancery" charset="0"/>
+              </a:rPr>
+              <a:t>t</a:t>
+            </a:r>
+            <a:r>
               <a:rPr lang="en-US" sz="7200" dirty="0" smtClean="0">
                 <a:latin typeface="Apple Chancery" charset="0"/>
                 <a:ea typeface="Apple Chancery" charset="0"/>
                 <a:cs typeface="Apple Chancery" charset="0"/>
               </a:rPr>
-              <a:t>to </a:t>
+              <a:t>o </a:t>
             </a:r>
             <a:r>
               <a:rPr lang="en-US" sz="7200" dirty="0" smtClean="0">
@@ -12578,12 +13532,12 @@
               <a:t>express </a:t>
             </a:r>
             <a:r>
-              <a:rPr lang="en-US" sz="7200" dirty="0" err="1" smtClean="0">
+              <a:rPr lang="en-US" sz="7200" dirty="0" smtClean="0">
                 <a:latin typeface="Apple Chancery" charset="0"/>
                 <a:ea typeface="Apple Chancery" charset="0"/>
                 <a:cs typeface="Apple Chancery" charset="0"/>
               </a:rPr>
-              <a:t>similarties</a:t>
+              <a:t>similarities.</a:t>
             </a:r>
             <a:endParaRPr lang="en-US" sz="7200" dirty="0" smtClean="0">
               <a:latin typeface="Apple Chancery" charset="0"/>
@@ -13016,38 +13970,6 @@
           </a:p>
         </p:txBody>
       </p:sp>
-      <p:sp>
-        <p:nvSpPr>
-          <p:cNvPr id="3" name="TextBox 2"/>
-          <p:cNvSpPr txBox="1"/>
-          <p:nvPr/>
-        </p:nvSpPr>
-        <p:spPr bwMode="white">
-          <a:xfrm>
-            <a:off x="582706" y="2345765"/>
-            <a:ext cx="6977529" cy="2166470"/>
-          </a:xfrm>
-          <a:prstGeom prst="rect">
-            <a:avLst/>
-          </a:prstGeom>
-        </p:spPr>
-        <p:txBody>
-          <a:bodyPr vert="horz" wrap="square" lIns="91440" tIns="91440" rIns="91440" bIns="91440" rtlCol="0">
-            <a:normAutofit/>
-          </a:bodyPr>
-          <a:lstStyle/>
-          <a:p>
-            <a:r>
-              <a:rPr lang="en-US" sz="3200" dirty="0" smtClean="0">
-                <a:solidFill>
-                  <a:schemeClr val="bg1"/>
-                </a:solidFill>
-              </a:rPr>
-              <a:t>Motivational thing to say</a:t>
-            </a:r>
-          </a:p>
-        </p:txBody>
-      </p:sp>
     </p:spTree>
     <p:extLst>
       <p:ext uri="{BB962C8B-B14F-4D97-AF65-F5344CB8AC3E}">
@@ -13334,7 +14256,15 @@
             </a:pPr>
             <a:r>
               <a:rPr lang="en-US" sz="2400" dirty="0" smtClean="0"/>
-              <a:t>    # let(:</a:t>
+              <a:t>    </a:t>
+            </a:r>
+            <a:r>
+              <a:rPr lang="en-US" sz="2400" dirty="0" smtClean="0"/>
+              <a:t>let</a:t>
+            </a:r>
+            <a:r>
+              <a:rPr lang="en-US" sz="2400" dirty="0" smtClean="0"/>
+              <a:t>(:</a:t>
             </a:r>
             <a:r>
               <a:rPr lang="en-US" sz="2400" dirty="0" err="1" smtClean="0"/>
@@ -13490,8 +14420,12 @@
               <a:t>   </a:t>
             </a:r>
             <a:r>
+              <a:rPr lang="en-US" sz="2400" dirty="0" smtClean="0"/>
+              <a:t>let</a:t>
+            </a:r>
+            <a:r>
               <a:rPr lang="en-US" sz="2400" dirty="0"/>
-              <a:t># let(</a:t>
+              <a:t>(</a:t>
             </a:r>
             <a:r>
               <a:rPr lang="en-US" sz="2400" dirty="0" smtClean="0"/>
@@ -13622,15 +14556,13 @@
       <p:cxnSp>
         <p:nvCxnSpPr>
           <p:cNvPr id="10" name="Straight Connector 9"/>
-          <p:cNvCxnSpPr>
-            <a:stCxn id="7" idx="2"/>
-          </p:cNvCxnSpPr>
+          <p:cNvCxnSpPr/>
           <p:nvPr/>
         </p:nvCxnSpPr>
         <p:spPr>
-          <a:xfrm flipV="1">
-            <a:off x="12397619" y="3132667"/>
-            <a:ext cx="834571" cy="6048"/>
+          <a:xfrm>
+            <a:off x="12408657" y="3268627"/>
+            <a:ext cx="763396" cy="13879"/>
           </a:xfrm>
           <a:prstGeom prst="line">
             <a:avLst/>
@@ -13664,7 +14596,7 @@
         </p:nvCxnSpPr>
         <p:spPr>
           <a:xfrm flipV="1">
-            <a:off x="12380686" y="6562877"/>
+            <a:off x="12380686" y="6686092"/>
             <a:ext cx="834571" cy="6048"/>
           </a:xfrm>
           <a:prstGeom prst="line">
@@ -13835,7 +14767,7 @@
         </p:nvSpPr>
         <p:spPr bwMode="auto">
           <a:xfrm>
-            <a:off x="13178973" y="2873827"/>
+            <a:off x="13179950" y="3010834"/>
             <a:ext cx="2152952" cy="532191"/>
           </a:xfrm>
           <a:prstGeom prst="rect">
@@ -13967,7 +14899,7 @@
         </p:nvSpPr>
         <p:spPr bwMode="auto">
           <a:xfrm>
-            <a:off x="13178972" y="6308876"/>
+            <a:off x="13178972" y="6432091"/>
             <a:ext cx="2152952" cy="532191"/>
           </a:xfrm>
           <a:prstGeom prst="rect">
@@ -14034,7 +14966,7 @@
         <p:spPr>
           <a:xfrm>
             <a:off x="12045696" y="2334381"/>
-            <a:ext cx="351923" cy="1608667"/>
+            <a:ext cx="355480" cy="1923854"/>
           </a:xfrm>
           <a:prstGeom prst="rightBracket">
             <a:avLst/>
@@ -14077,7 +15009,7 @@
         <p:spPr>
           <a:xfrm>
             <a:off x="12045696" y="5764587"/>
-            <a:ext cx="347084" cy="1608667"/>
+            <a:ext cx="347084" cy="1912677"/>
           </a:xfrm>
           <a:prstGeom prst="rightBracket">
             <a:avLst/>
@@ -14239,7 +15171,72 @@
       </p:grpSpPr>
       <p:sp>
         <p:nvSpPr>
-          <p:cNvPr id="6" name="Title 5"/>
+          <p:cNvPr id="7" name="Rectangle 6"/>
+          <p:cNvSpPr/>
+          <p:nvPr/>
+        </p:nvSpPr>
+        <p:spPr bwMode="auto">
+          <a:xfrm>
+            <a:off x="0" y="4840941"/>
+            <a:ext cx="16256000" cy="3376707"/>
+          </a:xfrm>
+          <a:prstGeom prst="rect">
+            <a:avLst/>
+          </a:prstGeom>
+          <a:solidFill>
+            <a:schemeClr val="tx2">
+              <a:alpha val="50000"/>
+            </a:schemeClr>
+          </a:solidFill>
+          <a:ln>
+            <a:noFill/>
+            <a:headEnd type="none" w="med" len="med"/>
+            <a:tailEnd type="none" w="med" len="med"/>
+          </a:ln>
+          <a:effectLst/>
+        </p:spPr>
+        <p:style>
+          <a:lnRef idx="1">
+            <a:schemeClr val="accent4"/>
+          </a:lnRef>
+          <a:fillRef idx="3">
+            <a:schemeClr val="accent4"/>
+          </a:fillRef>
+          <a:effectRef idx="2">
+            <a:schemeClr val="accent4"/>
+          </a:effectRef>
+          <a:fontRef idx="minor">
+            <a:schemeClr val="lt1"/>
+          </a:fontRef>
+        </p:style>
+        <p:txBody>
+          <a:bodyPr vert="horz" wrap="square" lIns="91436" tIns="45718" rIns="91436" bIns="45718" numCol="1" rtlCol="0" anchor="ctr" anchorCtr="0" compatLnSpc="1">
+            <a:prstTxWarp prst="textNoShape">
+              <a:avLst/>
+            </a:prstTxWarp>
+          </a:bodyPr>
+          <a:lstStyle/>
+          <a:p>
+            <a:pPr algn="ctr" defTabSz="914099"/>
+            <a:endParaRPr lang="en-US" sz="2400" dirty="0" err="1" smtClean="0">
+              <a:gradFill>
+                <a:gsLst>
+                  <a:gs pos="0">
+                    <a:srgbClr val="FFFFFF"/>
+                  </a:gs>
+                  <a:gs pos="100000">
+                    <a:srgbClr val="FFFFFF"/>
+                  </a:gs>
+                </a:gsLst>
+                <a:lin ang="5400000" scaled="0"/>
+              </a:gradFill>
+            </a:endParaRPr>
+          </a:p>
+        </p:txBody>
+      </p:sp>
+      <p:sp>
+        <p:nvSpPr>
+          <p:cNvPr id="2" name="Title 1"/>
           <p:cNvSpPr>
             <a:spLocks noGrp="1"/>
           </p:cNvSpPr>
@@ -14247,365 +15244,38 @@
             <p:ph type="title"/>
           </p:nvPr>
         </p:nvSpPr>
-        <p:spPr/>
-        <p:txBody>
-          <a:bodyPr/>
-          <a:lstStyle/>
-          <a:p>
-            <a:r>
-              <a:rPr lang="en-US" dirty="0" smtClean="0"/>
-              <a:t>A Place to Share Examples</a:t>
-            </a:r>
-            <a:endParaRPr lang="en-US" dirty="0"/>
-          </a:p>
-        </p:txBody>
-      </p:sp>
-      <p:sp>
-        <p:nvSpPr>
-          <p:cNvPr id="3" name="Content Placeholder 2"/>
-          <p:cNvSpPr>
-            <a:spLocks noGrp="1"/>
-          </p:cNvSpPr>
-          <p:nvPr>
-            <p:ph sz="quarter" idx="10"/>
-          </p:nvPr>
-        </p:nvSpPr>
-        <p:spPr/>
+        <p:spPr>
+          <a:effectLst>
+            <a:outerShdw blurRad="50800" dist="76200" dir="5400000" algn="t" rotWithShape="0">
+              <a:prstClr val="black">
+                <a:alpha val="40000"/>
+              </a:prstClr>
+            </a:outerShdw>
+          </a:effectLst>
+        </p:spPr>
         <p:txBody>
           <a:bodyPr>
-            <a:normAutofit lnSpcReduction="10000"/>
+            <a:normAutofit/>
           </a:bodyPr>
           <a:lstStyle/>
           <a:p>
-            <a:pPr>
-              <a:lnSpc>
-                <a:spcPct val="90000"/>
-              </a:lnSpc>
-            </a:pPr>
-            <a:r>
-              <a:rPr lang="en-US" dirty="0"/>
-              <a:t> </a:t>
-            </a:r>
-            <a:r>
-              <a:rPr lang="en-US" dirty="0" smtClean="0"/>
-              <a:t> </a:t>
-            </a:r>
-            <a:r>
-              <a:rPr lang="en-US" dirty="0" err="1" smtClean="0"/>
+            <a:r>
+              <a:rPr lang="en-US" dirty="0" err="1">
+                <a:latin typeface="Courier New"/>
+                <a:cs typeface="Courier New"/>
+              </a:rPr>
               <a:t>shared_examples</a:t>
             </a:r>
-            <a:r>
-              <a:rPr lang="en-US" dirty="0" smtClean="0"/>
-              <a:t> 'installs packages' do</a:t>
-            </a:r>
-          </a:p>
-          <a:p>
-            <a:pPr>
-              <a:lnSpc>
-                <a:spcPct val="90000"/>
-              </a:lnSpc>
-            </a:pPr>
-            <a:r>
-              <a:rPr lang="en-US" dirty="0"/>
-              <a:t> </a:t>
-            </a:r>
-            <a:r>
-              <a:rPr lang="en-US" dirty="0" smtClean="0"/>
-              <a:t>   it </a:t>
-            </a:r>
-            <a:r>
-              <a:rPr lang="en-US" dirty="0"/>
-              <a:t>'installs the necessary packages' do</a:t>
-            </a:r>
-          </a:p>
-          <a:p>
-            <a:pPr>
-              <a:lnSpc>
-                <a:spcPct val="90000"/>
-              </a:lnSpc>
-            </a:pPr>
-            <a:r>
-              <a:rPr lang="en-US" dirty="0"/>
-              <a:t>  </a:t>
-            </a:r>
-            <a:r>
-              <a:rPr lang="en-US" dirty="0" smtClean="0"/>
-              <a:t>    </a:t>
-            </a:r>
-            <a:r>
-              <a:rPr lang="en-US" dirty="0" err="1" smtClean="0"/>
-              <a:t>installed_packages.each</a:t>
-            </a:r>
-            <a:r>
-              <a:rPr lang="en-US" dirty="0" smtClean="0"/>
-              <a:t> </a:t>
-            </a:r>
-            <a:r>
-              <a:rPr lang="en-US" dirty="0"/>
-              <a:t>do |name|</a:t>
-            </a:r>
-          </a:p>
-          <a:p>
-            <a:pPr>
-              <a:lnSpc>
-                <a:spcPct val="90000"/>
-              </a:lnSpc>
-            </a:pPr>
-            <a:r>
-              <a:rPr lang="en-US" dirty="0" smtClean="0"/>
-              <a:t>        expect</a:t>
-            </a:r>
-            <a:r>
-              <a:rPr lang="en-US" dirty="0"/>
-              <a:t>(</a:t>
-            </a:r>
-            <a:r>
-              <a:rPr lang="en-US" dirty="0" err="1"/>
-              <a:t>chef_run</a:t>
-            </a:r>
-            <a:r>
-              <a:rPr lang="en-US" dirty="0"/>
-              <a:t>).to </a:t>
-            </a:r>
-            <a:r>
-              <a:rPr lang="en-US" dirty="0" err="1"/>
-              <a:t>install_package</a:t>
-            </a:r>
-            <a:r>
-              <a:rPr lang="en-US" dirty="0"/>
-              <a:t>(name)</a:t>
-            </a:r>
-          </a:p>
-          <a:p>
-            <a:pPr>
-              <a:lnSpc>
-                <a:spcPct val="90000"/>
-              </a:lnSpc>
-            </a:pPr>
-            <a:r>
-              <a:rPr lang="en-US" dirty="0"/>
-              <a:t>    </a:t>
-            </a:r>
-            <a:r>
-              <a:rPr lang="en-US" dirty="0" smtClean="0"/>
-              <a:t>  end</a:t>
-            </a:r>
-            <a:endParaRPr lang="en-US" dirty="0"/>
-          </a:p>
-          <a:p>
-            <a:pPr>
-              <a:lnSpc>
-                <a:spcPct val="90000"/>
-              </a:lnSpc>
-            </a:pPr>
-            <a:r>
-              <a:rPr lang="en-US" dirty="0"/>
-              <a:t>  </a:t>
-            </a:r>
-            <a:r>
-              <a:rPr lang="en-US" dirty="0" smtClean="0"/>
-              <a:t>  end</a:t>
-            </a:r>
-          </a:p>
-          <a:p>
-            <a:pPr>
-              <a:lnSpc>
-                <a:spcPct val="90000"/>
-              </a:lnSpc>
-            </a:pPr>
-            <a:r>
-              <a:rPr lang="en-US" dirty="0"/>
-              <a:t> </a:t>
-            </a:r>
-            <a:r>
-              <a:rPr lang="en-US" dirty="0" smtClean="0"/>
-              <a:t> end</a:t>
-            </a:r>
-          </a:p>
-          <a:p>
-            <a:pPr>
-              <a:lnSpc>
-                <a:spcPct val="90000"/>
-              </a:lnSpc>
-            </a:pPr>
-            <a:r>
-              <a:rPr lang="en-US" dirty="0"/>
-              <a:t> </a:t>
-            </a:r>
-            <a:r>
-              <a:rPr lang="en-US" dirty="0" smtClean="0"/>
-              <a:t> context </a:t>
-            </a:r>
-            <a:r>
-              <a:rPr lang="en-US" dirty="0"/>
-              <a:t>'when no attributes are specified, on an </a:t>
-            </a:r>
-            <a:r>
-              <a:rPr lang="en-US" dirty="0" err="1"/>
-              <a:t>unspecif</a:t>
-            </a:r>
-            <a:r>
-              <a:rPr lang="en-US" dirty="0"/>
-              <a:t>...</a:t>
-            </a:r>
-            <a:r>
-              <a:rPr lang="en-US" dirty="0" err="1"/>
-              <a:t>orm</a:t>
-            </a:r>
-            <a:r>
-              <a:rPr lang="en-US" dirty="0"/>
-              <a:t>' do</a:t>
-            </a:r>
-          </a:p>
-          <a:p>
-            <a:pPr>
-              <a:lnSpc>
-                <a:spcPct val="90000"/>
-              </a:lnSpc>
-            </a:pPr>
-            <a:r>
-              <a:rPr lang="en-US" dirty="0"/>
-              <a:t>    # let(</a:t>
-            </a:r>
-            <a:r>
-              <a:rPr lang="en-US" dirty="0" smtClean="0"/>
-              <a:t>:</a:t>
-            </a:r>
-            <a:r>
-              <a:rPr lang="en-US" dirty="0" err="1" smtClean="0"/>
-              <a:t>installed_packages</a:t>
-            </a:r>
-            <a:r>
-              <a:rPr lang="en-US" dirty="0"/>
-              <a:t>) ..</a:t>
-            </a:r>
-            <a:r>
-              <a:rPr lang="en-US" dirty="0" smtClean="0"/>
-              <a:t>.</a:t>
-            </a:r>
-          </a:p>
-          <a:p>
-            <a:pPr>
-              <a:lnSpc>
-                <a:spcPct val="90000"/>
-              </a:lnSpc>
-            </a:pPr>
-            <a:r>
-              <a:rPr lang="en-US" dirty="0"/>
-              <a:t> </a:t>
-            </a:r>
-            <a:r>
-              <a:rPr lang="en-US" dirty="0" smtClean="0"/>
-              <a:t>   </a:t>
-            </a:r>
-            <a:r>
-              <a:rPr lang="en-US" dirty="0" err="1" smtClean="0"/>
-              <a:t>it_behaves_like</a:t>
-            </a:r>
-            <a:r>
-              <a:rPr lang="en-US" dirty="0" smtClean="0"/>
-              <a:t> 'installs packages'</a:t>
-            </a:r>
-            <a:endParaRPr lang="en-US" dirty="0"/>
-          </a:p>
-          <a:p>
-            <a:pPr>
-              <a:lnSpc>
-                <a:spcPct val="90000"/>
-              </a:lnSpc>
-            </a:pPr>
-            <a:r>
-              <a:rPr lang="en-US" dirty="0" smtClean="0"/>
-              <a:t>  end</a:t>
-            </a:r>
-          </a:p>
-          <a:p>
-            <a:pPr>
-              <a:lnSpc>
-                <a:spcPct val="90000"/>
-              </a:lnSpc>
-            </a:pPr>
-            <a:r>
-              <a:rPr lang="en-US" dirty="0" smtClean="0"/>
-              <a:t>  </a:t>
-            </a:r>
-            <a:r>
-              <a:rPr lang="en-US" dirty="0"/>
-              <a:t>context 'when no attributes are specified, on </a:t>
-            </a:r>
-            <a:r>
-              <a:rPr lang="en-US" dirty="0" err="1"/>
-              <a:t>CentOS'</a:t>
-            </a:r>
-            <a:r>
-              <a:rPr lang="en-US" dirty="0"/>
-              <a:t> do</a:t>
-            </a:r>
-          </a:p>
-          <a:p>
-            <a:pPr>
-              <a:lnSpc>
-                <a:spcPct val="90000"/>
-              </a:lnSpc>
-            </a:pPr>
-            <a:r>
-              <a:rPr lang="en-US" dirty="0"/>
-              <a:t>    # let(</a:t>
-            </a:r>
-            <a:r>
-              <a:rPr lang="en-US" dirty="0" smtClean="0"/>
-              <a:t>:</a:t>
-            </a:r>
-            <a:r>
-              <a:rPr lang="en-US" dirty="0" err="1" smtClean="0"/>
-              <a:t>installed_packages</a:t>
-            </a:r>
-            <a:r>
-              <a:rPr lang="en-US" dirty="0"/>
-              <a:t>) ...    </a:t>
-            </a:r>
-          </a:p>
-          <a:p>
-            <a:pPr>
-              <a:lnSpc>
-                <a:spcPct val="90000"/>
-              </a:lnSpc>
-            </a:pPr>
-            <a:r>
-              <a:rPr lang="en-US" dirty="0" smtClean="0"/>
-              <a:t>    </a:t>
-            </a:r>
-            <a:r>
-              <a:rPr lang="en-US" dirty="0" err="1" smtClean="0"/>
-              <a:t>it_behaves_like</a:t>
-            </a:r>
-            <a:r>
-              <a:rPr lang="en-US" dirty="0" smtClean="0"/>
-              <a:t> 'installs packages</a:t>
-            </a:r>
-            <a:r>
-              <a:rPr lang="en-US" dirty="0"/>
-              <a:t>'</a:t>
-            </a:r>
-            <a:endParaRPr lang="en-US" dirty="0" smtClean="0"/>
-          </a:p>
-          <a:p>
-            <a:pPr>
-              <a:lnSpc>
-                <a:spcPct val="90000"/>
-              </a:lnSpc>
-            </a:pPr>
-            <a:r>
-              <a:rPr lang="en-US" dirty="0" smtClean="0"/>
-              <a:t>  end</a:t>
-            </a:r>
-            <a:endParaRPr lang="en-US" dirty="0"/>
-          </a:p>
-        </p:txBody>
-      </p:sp>
-      <p:sp>
-        <p:nvSpPr>
-          <p:cNvPr id="10" name="Text Placeholder 7"/>
+            <a:endParaRPr lang="en-US" dirty="0">
+              <a:latin typeface="Courier New"/>
+              <a:cs typeface="Courier New"/>
+            </a:endParaRPr>
+          </a:p>
+        </p:txBody>
+      </p:sp>
+      <p:sp>
+        <p:nvSpPr>
+          <p:cNvPr id="4" name="Text Placeholder 3"/>
           <p:cNvSpPr>
             <a:spLocks noGrp="1"/>
           </p:cNvSpPr>
@@ -14615,70 +15285,59 @@
         </p:nvSpPr>
         <p:spPr>
           <a:xfrm>
-            <a:off x="620713" y="1354138"/>
-            <a:ext cx="14927262" cy="3144837"/>
+            <a:off x="650040" y="5213473"/>
+            <a:ext cx="6987278" cy="2765115"/>
           </a:xfrm>
         </p:spPr>
         <p:txBody>
           <a:bodyPr/>
           <a:lstStyle/>
           <a:p>
-            <a:endParaRPr lang="en-US" dirty="0"/>
-          </a:p>
-        </p:txBody>
-      </p:sp>
-      <p:sp>
-        <p:nvSpPr>
-          <p:cNvPr id="12" name="Text Placeholder 7"/>
-          <p:cNvSpPr>
-            <a:spLocks noGrp="1"/>
-          </p:cNvSpPr>
-          <p:nvPr>
-            <p:ph type="body" sz="quarter" idx="12"/>
-          </p:nvPr>
-        </p:nvSpPr>
-        <p:spPr>
-          <a:xfrm>
-            <a:off x="615950" y="5321300"/>
-            <a:ext cx="14927263" cy="503238"/>
-          </a:xfrm>
-        </p:spPr>
-        <p:txBody>
-          <a:bodyPr/>
-          <a:lstStyle/>
-          <a:p>
-            <a:endParaRPr lang="en-US" dirty="0"/>
-          </a:p>
-        </p:txBody>
-      </p:sp>
-      <p:sp>
-        <p:nvSpPr>
-          <p:cNvPr id="13" name="Text Placeholder 7"/>
-          <p:cNvSpPr>
-            <a:spLocks noGrp="1"/>
-          </p:cNvSpPr>
-          <p:nvPr>
-            <p:ph type="body" sz="quarter" idx="12"/>
-          </p:nvPr>
-        </p:nvSpPr>
-        <p:spPr>
-          <a:xfrm>
-            <a:off x="611112" y="7082367"/>
-            <a:ext cx="14927263" cy="503238"/>
-          </a:xfrm>
-        </p:spPr>
-        <p:txBody>
-          <a:bodyPr/>
-          <a:lstStyle/>
-          <a:p>
-            <a:endParaRPr lang="en-US" dirty="0"/>
+            <a:pPr marL="457200" indent="-457200">
+              <a:buFont typeface="Wingdings" charset="2"/>
+              <a:buChar char="ü"/>
+            </a:pPr>
+            <a:r>
+              <a:rPr lang="en-US" b="1" dirty="0" smtClean="0"/>
+              <a:t>Concepts</a:t>
+            </a:r>
+          </a:p>
+          <a:p>
+            <a:pPr marL="457200" indent="-457200">
+              <a:buFont typeface="Wingdings" charset="2"/>
+              <a:buChar char="q"/>
+            </a:pPr>
+            <a:r>
+              <a:rPr lang="en-US" b="1" dirty="0" smtClean="0"/>
+              <a:t>Demonstration</a:t>
+            </a:r>
+          </a:p>
+          <a:p>
+            <a:pPr marL="457200" indent="-457200">
+              <a:buFont typeface="Wingdings" charset="2"/>
+              <a:buChar char="q"/>
+            </a:pPr>
+            <a:r>
+              <a:rPr lang="en-US" b="1" dirty="0" smtClean="0"/>
+              <a:t>Review</a:t>
+            </a:r>
+          </a:p>
+          <a:p>
+            <a:pPr marL="457200" indent="-457200">
+              <a:buFont typeface="Wingdings" charset="2"/>
+              <a:buChar char="q"/>
+            </a:pPr>
+            <a:r>
+              <a:rPr lang="en-US" b="1" dirty="0" smtClean="0"/>
+              <a:t>Exercise</a:t>
+            </a:r>
           </a:p>
         </p:txBody>
       </p:sp>
     </p:spTree>
     <p:extLst>
       <p:ext uri="{BB962C8B-B14F-4D97-AF65-F5344CB8AC3E}">
-        <p14:creationId xmlns:p14="http://schemas.microsoft.com/office/powerpoint/2010/main" val="1943266846"/>
+        <p14:creationId xmlns:p14="http://schemas.microsoft.com/office/powerpoint/2010/main" val="328462156"/>
       </p:ext>
     </p:extLst>
   </p:cSld>
@@ -14717,205 +15376,71 @@
       </p:grpSpPr>
       <p:sp>
         <p:nvSpPr>
-          <p:cNvPr id="7" name="Rectangle 6"/>
-          <p:cNvSpPr/>
-          <p:nvPr/>
-        </p:nvSpPr>
-        <p:spPr bwMode="auto">
-          <a:xfrm>
-            <a:off x="0" y="4840941"/>
-            <a:ext cx="16256000" cy="3376707"/>
-          </a:xfrm>
-          <a:prstGeom prst="rect">
-            <a:avLst/>
-          </a:prstGeom>
-          <a:solidFill>
-            <a:schemeClr val="tx2">
-              <a:alpha val="50000"/>
-            </a:schemeClr>
-          </a:solidFill>
-          <a:ln>
-            <a:noFill/>
-            <a:headEnd type="none" w="med" len="med"/>
-            <a:tailEnd type="none" w="med" len="med"/>
-          </a:ln>
-          <a:effectLst/>
-        </p:spPr>
-        <p:style>
-          <a:lnRef idx="1">
-            <a:schemeClr val="accent4"/>
-          </a:lnRef>
-          <a:fillRef idx="3">
-            <a:schemeClr val="accent4"/>
-          </a:fillRef>
-          <a:effectRef idx="2">
-            <a:schemeClr val="accent4"/>
-          </a:effectRef>
-          <a:fontRef idx="minor">
-            <a:schemeClr val="lt1"/>
-          </a:fontRef>
-        </p:style>
-        <p:txBody>
-          <a:bodyPr vert="horz" wrap="square" lIns="91436" tIns="45718" rIns="91436" bIns="45718" numCol="1" rtlCol="0" anchor="ctr" anchorCtr="0" compatLnSpc="1">
-            <a:prstTxWarp prst="textNoShape">
-              <a:avLst/>
-            </a:prstTxWarp>
-          </a:bodyPr>
-          <a:lstStyle/>
-          <a:p>
-            <a:pPr algn="ctr" defTabSz="914099"/>
-            <a:endParaRPr lang="en-US" sz="2400" dirty="0" err="1" smtClean="0">
-              <a:gradFill>
-                <a:gsLst>
-                  <a:gs pos="0">
-                    <a:srgbClr val="FFFFFF"/>
-                  </a:gs>
-                  <a:gs pos="100000">
-                    <a:srgbClr val="FFFFFF"/>
-                  </a:gs>
-                </a:gsLst>
-                <a:lin ang="5400000" scaled="0"/>
-              </a:gradFill>
-            </a:endParaRPr>
-          </a:p>
-        </p:txBody>
-      </p:sp>
-      <p:sp>
-        <p:nvSpPr>
           <p:cNvPr id="2" name="Title 1"/>
           <p:cNvSpPr>
             <a:spLocks noGrp="1"/>
           </p:cNvSpPr>
           <p:nvPr>
-            <p:ph type="title"/>
+            <p:ph type="ctrTitle"/>
           </p:nvPr>
         </p:nvSpPr>
-        <p:spPr>
-          <a:effectLst>
-            <a:outerShdw blurRad="50800" dist="76200" dir="5400000" algn="t" rotWithShape="0">
-              <a:prstClr val="black">
-                <a:alpha val="40000"/>
-              </a:prstClr>
-            </a:outerShdw>
-          </a:effectLst>
-        </p:spPr>
+        <p:spPr/>
         <p:txBody>
           <a:bodyPr>
-            <a:normAutofit/>
+            <a:normAutofit fontScale="90000"/>
           </a:bodyPr>
           <a:lstStyle/>
           <a:p>
             <a:r>
-              <a:rPr lang="en-US" dirty="0" err="1">
-                <a:latin typeface="Courier New"/>
-                <a:cs typeface="Courier New"/>
-              </a:rPr>
-              <a:t>shared_examples</a:t>
-            </a:r>
-            <a:endParaRPr lang="en-US" dirty="0">
-              <a:latin typeface="Courier New"/>
-              <a:cs typeface="Courier New"/>
-            </a:endParaRPr>
-          </a:p>
-        </p:txBody>
-      </p:sp>
-      <p:sp>
-        <p:nvSpPr>
-          <p:cNvPr id="4" name="Text Placeholder 3"/>
+              <a:rPr lang="en-US" dirty="0" smtClean="0"/>
+              <a:t>Live Demonstration</a:t>
+            </a:r>
+            <a:endParaRPr lang="en-US" dirty="0"/>
+          </a:p>
+        </p:txBody>
+      </p:sp>
+      <p:sp>
+        <p:nvSpPr>
+          <p:cNvPr id="3" name="Subtitle 2"/>
           <p:cNvSpPr>
             <a:spLocks noGrp="1"/>
           </p:cNvSpPr>
           <p:nvPr>
-            <p:ph type="body" sz="quarter" idx="12"/>
+            <p:ph type="subTitle" idx="1"/>
           </p:nvPr>
         </p:nvSpPr>
-        <p:spPr>
-          <a:xfrm>
-            <a:off x="650040" y="5213473"/>
-            <a:ext cx="6987278" cy="2765115"/>
-          </a:xfrm>
-        </p:spPr>
-        <p:txBody>
-          <a:bodyPr/>
+        <p:spPr/>
+        <p:txBody>
+          <a:bodyPr anchor="ctr"/>
           <a:lstStyle/>
           <a:p>
-            <a:pPr marL="457200" indent="-457200">
-              <a:buFont typeface="Wingdings" charset="2"/>
-              <a:buChar char="ü"/>
-            </a:pPr>
-            <a:r>
-              <a:rPr lang="en-US" b="1" dirty="0" smtClean="0"/>
-              <a:t>Concepts</a:t>
-            </a:r>
-          </a:p>
-          <a:p>
-            <a:pPr marL="457200" indent="-457200">
-              <a:buFont typeface="Wingdings" charset="2"/>
-              <a:buChar char="q"/>
-            </a:pPr>
-            <a:r>
-              <a:rPr lang="en-US" b="1" dirty="0" smtClean="0"/>
-              <a:t>Demonstration</a:t>
-            </a:r>
-          </a:p>
-          <a:p>
-            <a:pPr marL="457200" indent="-457200">
-              <a:buFont typeface="Wingdings" charset="2"/>
-              <a:buChar char="q"/>
-            </a:pPr>
-            <a:r>
-              <a:rPr lang="en-US" b="1" dirty="0" smtClean="0"/>
-              <a:t>Review</a:t>
-            </a:r>
-          </a:p>
-          <a:p>
-            <a:pPr marL="457200" indent="-457200">
-              <a:buFont typeface="Wingdings" charset="2"/>
-              <a:buChar char="q"/>
-            </a:pPr>
-            <a:r>
-              <a:rPr lang="en-US" b="1" dirty="0" smtClean="0"/>
-              <a:t>Exercise</a:t>
-            </a:r>
-          </a:p>
-        </p:txBody>
-      </p:sp>
-      <p:sp>
-        <p:nvSpPr>
-          <p:cNvPr id="3" name="TextBox 2"/>
-          <p:cNvSpPr txBox="1"/>
-          <p:nvPr/>
-        </p:nvSpPr>
-        <p:spPr bwMode="white">
-          <a:xfrm>
-            <a:off x="582706" y="2345765"/>
-            <a:ext cx="6977529" cy="2166470"/>
-          </a:xfrm>
-          <a:prstGeom prst="rect">
-            <a:avLst/>
-          </a:prstGeom>
-        </p:spPr>
-        <p:txBody>
-          <a:bodyPr vert="horz" wrap="square" lIns="91440" tIns="91440" rIns="91440" bIns="91440" rtlCol="0">
-            <a:normAutofit/>
-          </a:bodyPr>
-          <a:lstStyle/>
-          <a:p>
-            <a:r>
-              <a:rPr lang="en-US" sz="3200" dirty="0" smtClean="0">
-                <a:solidFill>
-                  <a:schemeClr val="bg1"/>
-                </a:solidFill>
+            <a:pPr algn="ctr"/>
+            <a:r>
+              <a:rPr lang="en-US" sz="4000" b="1" dirty="0" smtClean="0">
+                <a:hlinkClick r:id="rId2"/>
               </a:rPr>
-              <a:t>Motivational thing to say</a:t>
-            </a:r>
+              <a:t>https</a:t>
+            </a:r>
+            <a:r>
+              <a:rPr lang="en-US" sz="4000" b="1" dirty="0">
+                <a:hlinkClick r:id="rId2"/>
+              </a:rPr>
+              <a:t>://</a:t>
+            </a:r>
+            <a:r>
+              <a:rPr lang="en-US" sz="4000" b="1" dirty="0" smtClean="0">
+                <a:hlinkClick r:id="rId2"/>
+              </a:rPr>
+              <a:t>goo.gl/ChkP47</a:t>
+            </a:r>
+            <a:endParaRPr lang="en-US" sz="4000" b="1" dirty="0" smtClean="0"/>
           </a:p>
         </p:txBody>
       </p:sp>
     </p:spTree>
     <p:extLst>
       <p:ext uri="{BB962C8B-B14F-4D97-AF65-F5344CB8AC3E}">
-        <p14:creationId xmlns:p14="http://schemas.microsoft.com/office/powerpoint/2010/main" val="328462156"/>
+        <p14:creationId xmlns:p14="http://schemas.microsoft.com/office/powerpoint/2010/main" val="2331603093"/>
       </p:ext>
     </p:extLst>
   </p:cSld>
@@ -14954,71 +15479,173 @@
       </p:grpSpPr>
       <p:sp>
         <p:nvSpPr>
+          <p:cNvPr id="7" name="Rectangle 6"/>
+          <p:cNvSpPr/>
+          <p:nvPr/>
+        </p:nvSpPr>
+        <p:spPr bwMode="auto">
+          <a:xfrm>
+            <a:off x="0" y="4840941"/>
+            <a:ext cx="16256000" cy="3376707"/>
+          </a:xfrm>
+          <a:prstGeom prst="rect">
+            <a:avLst/>
+          </a:prstGeom>
+          <a:solidFill>
+            <a:schemeClr val="tx2">
+              <a:alpha val="50000"/>
+            </a:schemeClr>
+          </a:solidFill>
+          <a:ln>
+            <a:noFill/>
+            <a:headEnd type="none" w="med" len="med"/>
+            <a:tailEnd type="none" w="med" len="med"/>
+          </a:ln>
+          <a:effectLst/>
+        </p:spPr>
+        <p:style>
+          <a:lnRef idx="1">
+            <a:schemeClr val="accent4"/>
+          </a:lnRef>
+          <a:fillRef idx="3">
+            <a:schemeClr val="accent4"/>
+          </a:fillRef>
+          <a:effectRef idx="2">
+            <a:schemeClr val="accent4"/>
+          </a:effectRef>
+          <a:fontRef idx="minor">
+            <a:schemeClr val="lt1"/>
+          </a:fontRef>
+        </p:style>
+        <p:txBody>
+          <a:bodyPr vert="horz" wrap="square" lIns="91436" tIns="45718" rIns="91436" bIns="45718" numCol="1" rtlCol="0" anchor="ctr" anchorCtr="0" compatLnSpc="1">
+            <a:prstTxWarp prst="textNoShape">
+              <a:avLst/>
+            </a:prstTxWarp>
+          </a:bodyPr>
+          <a:lstStyle/>
+          <a:p>
+            <a:pPr algn="ctr" defTabSz="914099"/>
+            <a:endParaRPr lang="en-US" sz="2400" dirty="0" err="1" smtClean="0">
+              <a:gradFill>
+                <a:gsLst>
+                  <a:gs pos="0">
+                    <a:srgbClr val="FFFFFF"/>
+                  </a:gs>
+                  <a:gs pos="100000">
+                    <a:srgbClr val="FFFFFF"/>
+                  </a:gs>
+                </a:gsLst>
+                <a:lin ang="5400000" scaled="0"/>
+              </a:gradFill>
+            </a:endParaRPr>
+          </a:p>
+        </p:txBody>
+      </p:sp>
+      <p:sp>
+        <p:nvSpPr>
           <p:cNvPr id="2" name="Title 1"/>
           <p:cNvSpPr>
             <a:spLocks noGrp="1"/>
           </p:cNvSpPr>
           <p:nvPr>
-            <p:ph type="ctrTitle"/>
+            <p:ph type="title"/>
           </p:nvPr>
         </p:nvSpPr>
-        <p:spPr/>
+        <p:spPr>
+          <a:effectLst>
+            <a:outerShdw blurRad="50800" dist="76200" dir="5400000" algn="t" rotWithShape="0">
+              <a:prstClr val="black">
+                <a:alpha val="40000"/>
+              </a:prstClr>
+            </a:outerShdw>
+          </a:effectLst>
+        </p:spPr>
         <p:txBody>
           <a:bodyPr>
-            <a:normAutofit fontScale="90000"/>
+            <a:normAutofit/>
           </a:bodyPr>
           <a:lstStyle/>
           <a:p>
             <a:r>
-              <a:rPr lang="en-US" dirty="0" smtClean="0"/>
-              <a:t>Live Demonstration</a:t>
-            </a:r>
-            <a:endParaRPr lang="en-US" dirty="0"/>
-          </a:p>
-        </p:txBody>
-      </p:sp>
-      <p:sp>
-        <p:nvSpPr>
-          <p:cNvPr id="3" name="Subtitle 2"/>
+              <a:rPr lang="en-US" dirty="0" err="1">
+                <a:latin typeface="Courier New"/>
+                <a:cs typeface="Courier New"/>
+              </a:rPr>
+              <a:t>shared_examples</a:t>
+            </a:r>
+            <a:endParaRPr lang="en-US" dirty="0">
+              <a:latin typeface="Courier New"/>
+              <a:cs typeface="Courier New"/>
+            </a:endParaRPr>
+          </a:p>
+        </p:txBody>
+      </p:sp>
+      <p:sp>
+        <p:nvSpPr>
+          <p:cNvPr id="4" name="Text Placeholder 3"/>
           <p:cNvSpPr>
             <a:spLocks noGrp="1"/>
           </p:cNvSpPr>
           <p:nvPr>
-            <p:ph type="subTitle" idx="1"/>
+            <p:ph type="body" sz="quarter" idx="12"/>
           </p:nvPr>
         </p:nvSpPr>
-        <p:spPr/>
-        <p:txBody>
-          <a:bodyPr anchor="ctr"/>
+        <p:spPr>
+          <a:xfrm>
+            <a:off x="650040" y="5213473"/>
+            <a:ext cx="6987278" cy="2765115"/>
+          </a:xfrm>
+        </p:spPr>
+        <p:txBody>
+          <a:bodyPr/>
           <a:lstStyle/>
           <a:p>
-            <a:pPr algn="ctr"/>
-            <a:r>
-              <a:rPr lang="en-US" sz="4000" b="1" dirty="0" smtClean="0">
-                <a:hlinkClick r:id="rId2"/>
-              </a:rPr>
-              <a:t>https</a:t>
-            </a:r>
-            <a:r>
-              <a:rPr lang="en-US" sz="4000" b="1" dirty="0">
-                <a:hlinkClick r:id="rId2"/>
-              </a:rPr>
-              <a:t>://</a:t>
-            </a:r>
-            <a:r>
-              <a:rPr lang="en-US" sz="4000" b="1" dirty="0" smtClean="0">
-                <a:hlinkClick r:id="rId2"/>
-              </a:rPr>
-              <a:t>goo.gl/ChkP47</a:t>
-            </a:r>
-            <a:endParaRPr lang="en-US" sz="4000" b="1" dirty="0" smtClean="0"/>
+            <a:pPr marL="457200" indent="-457200">
+              <a:buFont typeface="Wingdings" charset="2"/>
+              <a:buChar char="ü"/>
+            </a:pPr>
+            <a:r>
+              <a:rPr lang="en-US" b="1" dirty="0" smtClean="0"/>
+              <a:t>Concepts</a:t>
+            </a:r>
+          </a:p>
+          <a:p>
+            <a:pPr marL="457200" indent="-457200">
+              <a:buFont typeface="Wingdings" charset="2"/>
+              <a:buChar char="ü"/>
+            </a:pPr>
+            <a:r>
+              <a:rPr lang="en-US" b="1" dirty="0" smtClean="0"/>
+              <a:t>Demonstration</a:t>
+            </a:r>
+          </a:p>
+          <a:p>
+            <a:pPr marL="457200" indent="-457200">
+              <a:buFont typeface="Wingdings" charset="2"/>
+              <a:buChar char="q"/>
+            </a:pPr>
+            <a:r>
+              <a:rPr lang="en-US" b="1" dirty="0" smtClean="0"/>
+              <a:t>Review</a:t>
+            </a:r>
+          </a:p>
+          <a:p>
+            <a:pPr marL="457200" indent="-457200">
+              <a:buFont typeface="Wingdings" charset="2"/>
+              <a:buChar char="q"/>
+            </a:pPr>
+            <a:r>
+              <a:rPr lang="en-US" b="1" dirty="0" smtClean="0"/>
+              <a:t>Exercise</a:t>
+            </a:r>
           </a:p>
         </p:txBody>
       </p:sp>
     </p:spTree>
     <p:extLst>
       <p:ext uri="{BB962C8B-B14F-4D97-AF65-F5344CB8AC3E}">
-        <p14:creationId xmlns:p14="http://schemas.microsoft.com/office/powerpoint/2010/main" val="2331603093"/>
+        <p14:creationId xmlns:p14="http://schemas.microsoft.com/office/powerpoint/2010/main" val="3064320720"/>
       </p:ext>
     </p:extLst>
   </p:cSld>
@@ -15057,96 +15684,23 @@
       </p:grpSpPr>
       <p:sp>
         <p:nvSpPr>
-          <p:cNvPr id="7" name="Rectangle 6"/>
-          <p:cNvSpPr/>
-          <p:nvPr/>
-        </p:nvSpPr>
-        <p:spPr bwMode="auto">
-          <a:xfrm>
-            <a:off x="0" y="4840941"/>
-            <a:ext cx="16256000" cy="3376707"/>
-          </a:xfrm>
-          <a:prstGeom prst="rect">
-            <a:avLst/>
-          </a:prstGeom>
-          <a:solidFill>
-            <a:schemeClr val="tx2">
-              <a:alpha val="50000"/>
-            </a:schemeClr>
-          </a:solidFill>
-          <a:ln>
-            <a:noFill/>
-            <a:headEnd type="none" w="med" len="med"/>
-            <a:tailEnd type="none" w="med" len="med"/>
-          </a:ln>
-          <a:effectLst/>
-        </p:spPr>
-        <p:style>
-          <a:lnRef idx="1">
-            <a:schemeClr val="accent4"/>
-          </a:lnRef>
-          <a:fillRef idx="3">
-            <a:schemeClr val="accent4"/>
-          </a:fillRef>
-          <a:effectRef idx="2">
-            <a:schemeClr val="accent4"/>
-          </a:effectRef>
-          <a:fontRef idx="minor">
-            <a:schemeClr val="lt1"/>
-          </a:fontRef>
-        </p:style>
-        <p:txBody>
-          <a:bodyPr vert="horz" wrap="square" lIns="91436" tIns="45718" rIns="91436" bIns="45718" numCol="1" rtlCol="0" anchor="ctr" anchorCtr="0" compatLnSpc="1">
-            <a:prstTxWarp prst="textNoShape">
-              <a:avLst/>
-            </a:prstTxWarp>
-          </a:bodyPr>
-          <a:lstStyle/>
-          <a:p>
-            <a:pPr algn="ctr" defTabSz="914099"/>
-            <a:endParaRPr lang="en-US" sz="2400" dirty="0" err="1" smtClean="0">
-              <a:gradFill>
-                <a:gsLst>
-                  <a:gs pos="0">
-                    <a:srgbClr val="FFFFFF"/>
-                  </a:gs>
-                  <a:gs pos="100000">
-                    <a:srgbClr val="FFFFFF"/>
-                  </a:gs>
-                </a:gsLst>
-                <a:lin ang="5400000" scaled="0"/>
-              </a:gradFill>
-            </a:endParaRPr>
-          </a:p>
-        </p:txBody>
-      </p:sp>
-      <p:sp>
-        <p:nvSpPr>
           <p:cNvPr id="2" name="Title 1"/>
           <p:cNvSpPr>
             <a:spLocks noGrp="1"/>
           </p:cNvSpPr>
           <p:nvPr>
-            <p:ph type="title"/>
+            <p:ph type="ctrTitle"/>
           </p:nvPr>
         </p:nvSpPr>
-        <p:spPr>
-          <a:effectLst>
-            <a:outerShdw blurRad="50800" dist="76200" dir="5400000" algn="t" rotWithShape="0">
-              <a:prstClr val="black">
-                <a:alpha val="40000"/>
-              </a:prstClr>
-            </a:outerShdw>
-          </a:effectLst>
-        </p:spPr>
+        <p:spPr/>
         <p:txBody>
           <a:bodyPr>
-            <a:normAutofit/>
+            <a:normAutofit fontScale="90000"/>
           </a:bodyPr>
           <a:lstStyle/>
           <a:p>
             <a:r>
-              <a:rPr lang="en-US" dirty="0" err="1">
+              <a:rPr lang="en-US" dirty="0" err="1" smtClean="0">
                 <a:latin typeface="Courier New"/>
                 <a:cs typeface="Courier New"/>
               </a:rPr>
@@ -15161,101 +15715,100 @@
       </p:sp>
       <p:sp>
         <p:nvSpPr>
-          <p:cNvPr id="4" name="Text Placeholder 3"/>
+          <p:cNvPr id="3" name="Subtitle 2"/>
           <p:cNvSpPr>
             <a:spLocks noGrp="1"/>
           </p:cNvSpPr>
           <p:nvPr>
-            <p:ph type="body" sz="quarter" idx="12"/>
+            <p:ph type="subTitle" idx="1"/>
           </p:nvPr>
         </p:nvSpPr>
-        <p:spPr>
-          <a:xfrm>
-            <a:off x="650040" y="5213473"/>
-            <a:ext cx="6987278" cy="2765115"/>
-          </a:xfrm>
-        </p:spPr>
+        <p:spPr/>
         <p:txBody>
           <a:bodyPr/>
           <a:lstStyle/>
           <a:p>
-            <a:pPr marL="457200" indent="-457200">
-              <a:buFont typeface="Wingdings" charset="2"/>
-              <a:buChar char="ü"/>
-            </a:pPr>
-            <a:r>
-              <a:rPr lang="en-US" b="1" dirty="0" smtClean="0"/>
-              <a:t>Concepts</a:t>
-            </a:r>
-          </a:p>
-          <a:p>
-            <a:pPr marL="457200" indent="-457200">
-              <a:buFont typeface="Wingdings" charset="2"/>
-              <a:buChar char="ü"/>
-            </a:pPr>
-            <a:r>
-              <a:rPr lang="en-US" b="1" dirty="0" smtClean="0"/>
-              <a:t>Demonstration</a:t>
-            </a:r>
-          </a:p>
-          <a:p>
-            <a:pPr marL="457200" indent="-457200">
-              <a:buFont typeface="Wingdings" charset="2"/>
-              <a:buChar char="q"/>
-            </a:pPr>
-            <a:r>
-              <a:rPr lang="en-US" b="1" dirty="0" smtClean="0"/>
-              <a:t>Review</a:t>
-            </a:r>
-          </a:p>
-          <a:p>
-            <a:pPr marL="457200" indent="-457200">
-              <a:buFont typeface="Wingdings" charset="2"/>
-              <a:buChar char="q"/>
-            </a:pPr>
-            <a:r>
-              <a:rPr lang="en-US" b="1" dirty="0" smtClean="0"/>
-              <a:t>Exercise</a:t>
-            </a:r>
-          </a:p>
-        </p:txBody>
-      </p:sp>
-      <p:sp>
-        <p:nvSpPr>
-          <p:cNvPr id="3" name="TextBox 2"/>
+            <a:r>
+              <a:rPr lang="en-US" dirty="0"/>
+              <a:t>Shared examples let you describe </a:t>
+            </a:r>
+            <a:r>
+              <a:rPr lang="en-US" dirty="0" smtClean="0"/>
+              <a:t>behavior </a:t>
+            </a:r>
+            <a:r>
+              <a:rPr lang="en-US" dirty="0"/>
+              <a:t>of classes or modules. When declared</a:t>
+            </a:r>
+            <a:r>
+              <a:rPr lang="en-US" dirty="0" smtClean="0"/>
+              <a:t>, a </a:t>
+            </a:r>
+            <a:r>
+              <a:rPr lang="en-US" dirty="0"/>
+              <a:t>shared group's content is stored. It is only realized in the context </a:t>
+            </a:r>
+            <a:r>
+              <a:rPr lang="en-US" dirty="0" smtClean="0"/>
+              <a:t>of another </a:t>
+            </a:r>
+            <a:r>
+              <a:rPr lang="en-US" dirty="0"/>
+              <a:t>example group, which provides any context the shared </a:t>
+            </a:r>
+            <a:r>
+              <a:rPr lang="en-US" dirty="0" smtClean="0"/>
+              <a:t>group needs to run</a:t>
+            </a:r>
+            <a:r>
+              <a:rPr lang="en-US" dirty="0"/>
+              <a:t>.</a:t>
+            </a:r>
+          </a:p>
+        </p:txBody>
+      </p:sp>
+      <p:sp>
+        <p:nvSpPr>
+          <p:cNvPr id="4" name="TextBox 3"/>
           <p:cNvSpPr txBox="1"/>
           <p:nvPr/>
         </p:nvSpPr>
         <p:spPr bwMode="white">
           <a:xfrm>
-            <a:off x="582706" y="2345765"/>
-            <a:ext cx="6977529" cy="2166470"/>
+            <a:off x="1676399" y="7010401"/>
+            <a:ext cx="12310534" cy="914400"/>
           </a:xfrm>
           <a:prstGeom prst="rect">
             <a:avLst/>
           </a:prstGeom>
         </p:spPr>
         <p:txBody>
-          <a:bodyPr vert="horz" wrap="square" lIns="91440" tIns="91440" rIns="91440" bIns="91440" rtlCol="0">
+          <a:bodyPr vert="horz" wrap="none" lIns="91440" tIns="91440" rIns="91440" bIns="91440" rtlCol="0" anchor="ctr">
             <a:normAutofit/>
           </a:bodyPr>
           <a:lstStyle/>
           <a:p>
-            <a:r>
-              <a:rPr lang="en-US" sz="3200" dirty="0" smtClean="0">
-                <a:solidFill>
-                  <a:schemeClr val="bg1"/>
-                </a:solidFill>
-              </a:rPr>
-              <a:t>Motivational thing to say</a:t>
-            </a:r>
+            <a:pPr algn="ctr"/>
+            <a:r>
+              <a:rPr lang="en-US" sz="3200" dirty="0"/>
+              <a:t>https://</a:t>
+            </a:r>
+            <a:r>
+              <a:rPr lang="en-US" sz="3200" dirty="0" err="1"/>
+              <a:t>goo.gl</a:t>
+            </a:r>
+            <a:r>
+              <a:rPr lang="en-US" sz="3200" dirty="0"/>
+              <a:t>/yi12tM</a:t>
+            </a:r>
+            <a:endParaRPr lang="en-US" sz="3200" dirty="0" smtClean="0"/>
           </a:p>
         </p:txBody>
       </p:sp>
     </p:spTree>
     <p:extLst>
       <p:ext uri="{BB962C8B-B14F-4D97-AF65-F5344CB8AC3E}">
-        <p14:creationId xmlns:p14="http://schemas.microsoft.com/office/powerpoint/2010/main" val="3064320720"/>
+        <p14:creationId xmlns:p14="http://schemas.microsoft.com/office/powerpoint/2010/main" val="3421657502"/>
       </p:ext>
     </p:extLst>
   </p:cSld>
@@ -15651,7 +16204,7 @@
   <a:extraClrSchemeLst/>
   <a:extLst>
     <a:ext uri="{05A4C25C-085E-4340-85A3-A5531E510DB2}">
-      <thm15:themeFamily xmlns="" xmlns:thm15="http://schemas.microsoft.com/office/thememl/2012/main" name="Chef-TemplateComps_v09-16x9-Light.potx" id="{078CEFDB-FA7A-4E36-9964-13EF367585CB}" vid="{8B87B0F3-7308-43D5-8388-E1B49EA02652}"/>
+      <thm15:themeFamily xmlns:thm15="http://schemas.microsoft.com/office/thememl/2012/main" xmlns="" name="Chef-TemplateComps_v09-16x9-Light.potx" id="{078CEFDB-FA7A-4E36-9964-13EF367585CB}" vid="{8B87B0F3-7308-43D5-8388-E1B49EA02652}"/>
     </a:ext>
   </a:extLst>
 </a:theme>
@@ -16033,7 +16586,7 @@
   <a:extraClrSchemeLst/>
   <a:extLst>
     <a:ext uri="{05A4C25C-085E-4340-85A3-A5531E510DB2}">
-      <thm15:themeFamily xmlns="" xmlns:thm15="http://schemas.microsoft.com/office/thememl/2012/main" name="Chef-TemplateComps_v09-16x9-Light.potx" id="{078CEFDB-FA7A-4E36-9964-13EF367585CB}" vid="{8B87B0F3-7308-43D5-8388-E1B49EA02652}"/>
+      <thm15:themeFamily xmlns:thm15="http://schemas.microsoft.com/office/thememl/2012/main" xmlns="" name="Chef-TemplateComps_v09-16x9-Light.potx" id="{078CEFDB-FA7A-4E36-9964-13EF367585CB}" vid="{8B87B0F3-7308-43D5-8388-E1B49EA02652}"/>
     </a:ext>
   </a:extLst>
 </a:theme>

--- a/04-shared_examples.pptx
+++ b/04-shared_examples.pptx
@@ -6,27 +6,30 @@
     <p:sldMasterId id="2147483847" r:id="rId6"/>
   </p:sldMasterIdLst>
   <p:notesMasterIdLst>
-    <p:notesMasterId r:id="rId22"/>
+    <p:notesMasterId r:id="rId25"/>
   </p:notesMasterIdLst>
   <p:handoutMasterIdLst>
-    <p:handoutMasterId r:id="rId23"/>
+    <p:handoutMasterId r:id="rId26"/>
   </p:handoutMasterIdLst>
   <p:sldIdLst>
     <p:sldId id="561" r:id="rId7"/>
     <p:sldId id="583" r:id="rId8"/>
     <p:sldId id="590" r:id="rId9"/>
     <p:sldId id="601" r:id="rId10"/>
-    <p:sldId id="602" r:id="rId11"/>
-    <p:sldId id="600" r:id="rId12"/>
-    <p:sldId id="605" r:id="rId13"/>
-    <p:sldId id="597" r:id="rId14"/>
-    <p:sldId id="606" r:id="rId15"/>
-    <p:sldId id="607" r:id="rId16"/>
-    <p:sldId id="604" r:id="rId17"/>
-    <p:sldId id="598" r:id="rId18"/>
-    <p:sldId id="594" r:id="rId19"/>
-    <p:sldId id="599" r:id="rId20"/>
-    <p:sldId id="376" r:id="rId21"/>
+    <p:sldId id="608" r:id="rId11"/>
+    <p:sldId id="610" r:id="rId12"/>
+    <p:sldId id="609" r:id="rId13"/>
+    <p:sldId id="602" r:id="rId14"/>
+    <p:sldId id="600" r:id="rId15"/>
+    <p:sldId id="605" r:id="rId16"/>
+    <p:sldId id="597" r:id="rId17"/>
+    <p:sldId id="606" r:id="rId18"/>
+    <p:sldId id="607" r:id="rId19"/>
+    <p:sldId id="604" r:id="rId20"/>
+    <p:sldId id="598" r:id="rId21"/>
+    <p:sldId id="594" r:id="rId22"/>
+    <p:sldId id="599" r:id="rId23"/>
+    <p:sldId id="376" r:id="rId24"/>
   </p:sldIdLst>
   <p:sldSz cx="16256000" cy="9144000"/>
   <p:notesSz cx="6858000" cy="9144000"/>
@@ -157,7 +160,7 @@
   </p:defaultTextStyle>
   <p:extLst>
     <p:ext uri="{EFAFB233-063F-42B5-8137-9DF3F51BA10A}">
-      <p15:sldGuideLst xmlns:p15="http://schemas.microsoft.com/office/powerpoint/2012/main" xmlns="">
+      <p15:sldGuideLst xmlns:p15="http://schemas.microsoft.com/office/powerpoint/2012/main">
         <p15:guide id="1" orient="horz" pos="894">
           <p15:clr>
             <a:srgbClr val="A4A3A4"/>
@@ -168,10 +171,15 @@
             <a:srgbClr val="A4A3A4"/>
           </p15:clr>
         </p15:guide>
+        <p15:guide id="3" pos="5129">
+          <p15:clr>
+            <a:srgbClr val="A4A3A4"/>
+          </p15:clr>
+        </p15:guide>
       </p15:sldGuideLst>
     </p:ext>
     <p:ext uri="{2D200454-40CA-4A62-9FC3-DE9A4176ACB9}">
-      <p15:notesGuideLst xmlns:p15="http://schemas.microsoft.com/office/powerpoint/2012/main" xmlns=""/>
+      <p15:notesGuideLst xmlns:p15="http://schemas.microsoft.com/office/powerpoint/2012/main"/>
     </p:ext>
   </p:extLst>
 </p:presentation>
@@ -239,6 +247,10 @@
             <a:pPr>
               <a:defRPr/>
             </a:pPr>
+            <a:r>
+              <a:rPr lang="en-US" smtClean="0"/>
+              <a:t>Elegant Tests</a:t>
+            </a:r>
             <a:endParaRPr lang="en-US"/>
           </a:p>
         </p:txBody>
@@ -283,13 +295,10 @@
             <a:pPr>
               <a:defRPr/>
             </a:pPr>
-            <a:fld id="{04CB1577-BF96-2D40-B4CA-2BF6DA80CBA7}" type="datetime1">
-              <a:rPr lang="en-CA"/>
-              <a:pPr>
-                <a:defRPr/>
-              </a:pPr>
-              <a:t>10/25/16</a:t>
-            </a:fld>
+            <a:r>
+              <a:rPr lang="en-US" smtClean="0"/>
+              <a:t>Chef Software, Inc.</a:t>
+            </a:r>
             <a:endParaRPr lang="en-US" dirty="0"/>
           </a:p>
         </p:txBody>
@@ -400,7 +409,7 @@
     </p:extLst>
   </p:cSld>
   <p:clrMap bg1="lt1" tx1="dk1" bg2="lt2" tx2="dk2" accent1="accent1" accent2="accent2" accent3="accent3" accent4="accent4" accent5="accent5" accent6="accent6" hlink="hlink" folHlink="folHlink"/>
-  <p:hf dt="0"/>
+  <p:hf sldNum="0" ftr="0"/>
 </p:handoutMaster>
 </file>
 
@@ -438,7 +447,7 @@
         </p:nvSpPr>
         <p:spPr>
           <a:xfrm>
-            <a:off x="3884613" y="0"/>
+            <a:off x="3884613" y="108860"/>
             <a:ext cx="2971800" cy="457200"/>
           </a:xfrm>
           <a:prstGeom prst="rect">
@@ -466,13 +475,10 @@
             <a:pPr>
               <a:defRPr/>
             </a:pPr>
-            <a:fld id="{72FDBE47-C34F-CF4A-9709-1411AD5B3286}" type="datetime1">
-              <a:rPr lang="en-CA"/>
-              <a:pPr>
-                <a:defRPr/>
-              </a:pPr>
-              <a:t>10/25/16</a:t>
-            </a:fld>
+            <a:r>
+              <a:rPr lang="en-US" smtClean="0"/>
+              <a:t>Chef Software, Inc.</a:t>
+            </a:r>
             <a:endParaRPr lang="en-US" dirty="0"/>
           </a:p>
         </p:txBody>
@@ -523,8 +529,8 @@
         </p:nvSpPr>
         <p:spPr>
           <a:xfrm>
-            <a:off x="685800" y="4343400"/>
-            <a:ext cx="5486400" cy="4114800"/>
+            <a:off x="402771" y="4343400"/>
+            <a:ext cx="6074229" cy="4114800"/>
           </a:xfrm>
           <a:prstGeom prst="rect">
             <a:avLst/>
@@ -570,57 +576,6 @@
               <a:t>Fifth level</a:t>
             </a:r>
             <a:endParaRPr lang="en-US" noProof="0" dirty="0"/>
-          </a:p>
-        </p:txBody>
-      </p:sp>
-      <p:sp>
-        <p:nvSpPr>
-          <p:cNvPr id="7" name="Slide Number Placeholder 6"/>
-          <p:cNvSpPr>
-            <a:spLocks noGrp="1"/>
-          </p:cNvSpPr>
-          <p:nvPr>
-            <p:ph type="sldNum" sz="quarter" idx="5"/>
-          </p:nvPr>
-        </p:nvSpPr>
-        <p:spPr>
-          <a:xfrm>
-            <a:off x="6172200" y="8685213"/>
-            <a:ext cx="684213" cy="457200"/>
-          </a:xfrm>
-          <a:prstGeom prst="rect">
-            <a:avLst/>
-          </a:prstGeom>
-        </p:spPr>
-        <p:txBody>
-          <a:bodyPr vert="horz" lIns="91440" tIns="45720" rIns="91440" bIns="45720" rtlCol="0" anchor="b"/>
-          <a:lstStyle>
-            <a:lvl1pPr algn="r" defTabSz="1219120" fontAlgn="auto">
-              <a:spcBef>
-                <a:spcPts val="0"/>
-              </a:spcBef>
-              <a:spcAft>
-                <a:spcPts val="0"/>
-              </a:spcAft>
-              <a:defRPr sz="1200" smtClean="0">
-                <a:latin typeface="Arial" panose="020B0604020202020204" pitchFamily="34" charset="0"/>
-                <a:ea typeface="+mn-ea"/>
-                <a:cs typeface="Arial" panose="020B0604020202020204" pitchFamily="34" charset="0"/>
-              </a:defRPr>
-            </a:lvl1pPr>
-          </a:lstStyle>
-          <a:p>
-            <a:pPr>
-              <a:defRPr/>
-            </a:pPr>
-            <a:fld id="{DC3734AA-3150-D947-AC52-2F5DF48BFCD5}" type="slidenum">
-              <a:rPr lang="en-US"/>
-              <a:pPr>
-                <a:defRPr/>
-              </a:pPr>
-              <a:t>‹#›</a:t>
-            </a:fld>
-            <a:endParaRPr lang="en-US" dirty="0"/>
           </a:p>
         </p:txBody>
       </p:sp>
@@ -636,7 +591,7 @@
         </p:nvSpPr>
         <p:spPr>
           <a:xfrm>
-            <a:off x="0" y="0"/>
+            <a:off x="0" y="108860"/>
             <a:ext cx="2971800" cy="457200"/>
           </a:xfrm>
           <a:prstGeom prst="rect">
@@ -664,53 +619,10 @@
             <a:pPr>
               <a:defRPr/>
             </a:pPr>
-            <a:endParaRPr lang="en-US"/>
-          </a:p>
-        </p:txBody>
-      </p:sp>
-      <p:sp>
-        <p:nvSpPr>
-          <p:cNvPr id="9" name="Footer Placeholder 3"/>
-          <p:cNvSpPr>
-            <a:spLocks noGrp="1"/>
-          </p:cNvSpPr>
-          <p:nvPr>
-            <p:ph type="ftr" sz="quarter" idx="4"/>
-          </p:nvPr>
-        </p:nvSpPr>
-        <p:spPr>
-          <a:xfrm>
-            <a:off x="0" y="8685213"/>
-            <a:ext cx="6248400" cy="457200"/>
-          </a:xfrm>
-          <a:prstGeom prst="rect">
-            <a:avLst/>
-          </a:prstGeom>
-        </p:spPr>
-        <p:txBody>
-          <a:bodyPr vert="horz" lIns="91440" tIns="45720" rIns="91440" bIns="45720" rtlCol="0" anchor="b"/>
-          <a:lstStyle>
-            <a:lvl1pPr algn="l" defTabSz="1219120" fontAlgn="auto">
-              <a:spcBef>
-                <a:spcPts val="0"/>
-              </a:spcBef>
-              <a:spcAft>
-                <a:spcPts val="0"/>
-              </a:spcAft>
-              <a:defRPr sz="900" dirty="0" smtClean="0">
-                <a:solidFill>
-                  <a:srgbClr val="000000"/>
-                </a:solidFill>
-                <a:latin typeface="Arial" panose="020B0604020202020204" pitchFamily="34" charset="0"/>
-                <a:ea typeface="+mn-ea"/>
-                <a:cs typeface="Arial" panose="020B0604020202020204" pitchFamily="34" charset="0"/>
-              </a:defRPr>
-            </a:lvl1pPr>
-          </a:lstStyle>
-          <a:p>
-            <a:pPr>
-              <a:defRPr/>
-            </a:pPr>
+            <a:r>
+              <a:rPr lang="en-US" smtClean="0"/>
+              <a:t>Elegant Tests</a:t>
+            </a:r>
             <a:endParaRPr lang="en-US"/>
           </a:p>
         </p:txBody>
@@ -723,7 +635,7 @@
     </p:extLst>
   </p:cSld>
   <p:clrMap bg1="lt1" tx1="dk1" bg2="lt2" tx2="dk2" accent1="accent1" accent2="accent2" accent3="accent3" accent4="accent4" accent5="accent5" accent6="accent6" hlink="hlink" folHlink="folHlink"/>
-  <p:hf dt="0"/>
+  <p:hf sldNum="0" ftr="0"/>
   <p:notesStyle>
     <a:lvl1pPr algn="l" defTabSz="1217613" rtl="0" fontAlgn="base">
       <a:lnSpc>
@@ -911,40 +823,28 @@
             <p:ph type="body" idx="1"/>
           </p:nvPr>
         </p:nvSpPr>
-        <p:spPr/>
+        <p:spPr>
+          <a:xfrm>
+            <a:off x="370114" y="4343400"/>
+            <a:ext cx="6096000" cy="4114800"/>
+          </a:xfrm>
+        </p:spPr>
         <p:txBody>
           <a:bodyPr/>
           <a:lstStyle/>
           <a:p>
-            <a:endParaRPr lang="en-US" dirty="0"/>
-          </a:p>
-        </p:txBody>
-      </p:sp>
-      <p:sp>
-        <p:nvSpPr>
-          <p:cNvPr id="4" name="Slide Number Placeholder 3"/>
-          <p:cNvSpPr>
-            <a:spLocks noGrp="1"/>
-          </p:cNvSpPr>
-          <p:nvPr>
-            <p:ph type="sldNum" sz="quarter" idx="10"/>
-          </p:nvPr>
-        </p:nvSpPr>
-        <p:spPr/>
-        <p:txBody>
-          <a:bodyPr/>
-          <a:lstStyle/>
-          <a:p>
-            <a:pPr>
-              <a:defRPr/>
-            </a:pPr>
-            <a:fld id="{DC3734AA-3150-D947-AC52-2F5DF48BFCD5}" type="slidenum">
-              <a:rPr lang="en-US" smtClean="0"/>
-              <a:pPr>
-                <a:defRPr/>
-              </a:pPr>
-              <a:t>1</a:t>
-            </a:fld>
+            <a:r>
+              <a:rPr lang="en-US" dirty="0" smtClean="0"/>
+              <a:t>The second technique we are going to explore is </a:t>
+            </a:r>
+            <a:r>
+              <a:rPr lang="en-US" dirty="0" err="1" smtClean="0"/>
+              <a:t>shared_examples</a:t>
+            </a:r>
+            <a:r>
+              <a:rPr lang="en-US" dirty="0" smtClean="0"/>
+              <a:t>.</a:t>
+            </a:r>
             <a:endParaRPr lang="en-US" dirty="0"/>
           </a:p>
         </p:txBody>
@@ -959,7 +859,12 @@
             <p:ph type="hdr" sz="quarter" idx="11"/>
           </p:nvPr>
         </p:nvSpPr>
-        <p:spPr/>
+        <p:spPr>
+          <a:xfrm>
+            <a:off x="0" y="108860"/>
+            <a:ext cx="2971800" cy="457200"/>
+          </a:xfrm>
+        </p:spPr>
         <p:txBody>
           <a:bodyPr/>
           <a:lstStyle/>
@@ -967,21 +872,30 @@
             <a:pPr>
               <a:defRPr/>
             </a:pPr>
-            <a:endParaRPr lang="en-US"/>
-          </a:p>
-        </p:txBody>
-      </p:sp>
-      <p:sp>
-        <p:nvSpPr>
-          <p:cNvPr id="6" name="Footer Placeholder 5"/>
+            <a:r>
+              <a:rPr lang="en-US" dirty="0" smtClean="0"/>
+              <a:t>Elegant Tests</a:t>
+            </a:r>
+            <a:endParaRPr lang="en-US" dirty="0"/>
+          </a:p>
+        </p:txBody>
+      </p:sp>
+      <p:sp>
+        <p:nvSpPr>
+          <p:cNvPr id="7" name="Date Placeholder 6"/>
           <p:cNvSpPr>
             <a:spLocks noGrp="1"/>
           </p:cNvSpPr>
           <p:nvPr>
-            <p:ph type="ftr" sz="quarter" idx="12"/>
+            <p:ph type="dt" idx="13"/>
           </p:nvPr>
         </p:nvSpPr>
-        <p:spPr/>
+        <p:spPr>
+          <a:xfrm>
+            <a:off x="3884613" y="108860"/>
+            <a:ext cx="2971800" cy="457200"/>
+          </a:xfrm>
+        </p:spPr>
         <p:txBody>
           <a:bodyPr/>
           <a:lstStyle/>
@@ -989,7 +903,11 @@
             <a:pPr>
               <a:defRPr/>
             </a:pPr>
-            <a:endParaRPr lang="en-US"/>
+            <a:r>
+              <a:rPr lang="en-US" smtClean="0"/>
+              <a:t>Chef Software, Inc.</a:t>
+            </a:r>
+            <a:endParaRPr lang="en-US" dirty="0"/>
           </a:p>
         </p:txBody>
       </p:sp>
@@ -997,6 +915,1138 @@
     <p:extLst>
       <p:ext uri="{BB962C8B-B14F-4D97-AF65-F5344CB8AC3E}">
         <p14:creationId xmlns:p14="http://schemas.microsoft.com/office/powerpoint/2010/main" val="858490020"/>
+      </p:ext>
+    </p:extLst>
+  </p:cSld>
+  <p:clrMapOvr>
+    <a:masterClrMapping/>
+  </p:clrMapOvr>
+</p:notes>
+</file>
+
+<file path=ppt/notesSlides/notesSlide10.xml><?xml version="1.0" encoding="utf-8"?>
+<p:notes xmlns:a="http://schemas.openxmlformats.org/drawingml/2006/main" xmlns:r="http://schemas.openxmlformats.org/officeDocument/2006/relationships" xmlns:p="http://schemas.openxmlformats.org/presentationml/2006/main">
+  <p:cSld>
+    <p:spTree>
+      <p:nvGrpSpPr>
+        <p:cNvPr id="1" name=""/>
+        <p:cNvGrpSpPr/>
+        <p:nvPr/>
+      </p:nvGrpSpPr>
+      <p:grpSpPr>
+        <a:xfrm>
+          <a:off x="0" y="0"/>
+          <a:ext cx="0" cy="0"/>
+          <a:chOff x="0" y="0"/>
+          <a:chExt cx="0" cy="0"/>
+        </a:xfrm>
+      </p:grpSpPr>
+      <p:sp>
+        <p:nvSpPr>
+          <p:cNvPr id="2" name="Slide Image Placeholder 1"/>
+          <p:cNvSpPr>
+            <a:spLocks noGrp="1" noRot="1" noChangeAspect="1"/>
+          </p:cNvSpPr>
+          <p:nvPr>
+            <p:ph type="sldImg"/>
+          </p:nvPr>
+        </p:nvSpPr>
+        <p:spPr/>
+      </p:sp>
+      <p:sp>
+        <p:nvSpPr>
+          <p:cNvPr id="3" name="Notes Placeholder 2"/>
+          <p:cNvSpPr>
+            <a:spLocks noGrp="1"/>
+          </p:cNvSpPr>
+          <p:nvPr>
+            <p:ph type="body" idx="1"/>
+          </p:nvPr>
+        </p:nvSpPr>
+        <p:spPr/>
+        <p:txBody>
+          <a:bodyPr/>
+          <a:lstStyle/>
+          <a:p>
+            <a:r>
+              <a:rPr lang="en-US" dirty="0" smtClean="0"/>
+              <a:t>In this demonstration I will show you how to extract the package names into a let helper, create similar looking examples, and then extract those examples into a </a:t>
+            </a:r>
+            <a:r>
+              <a:rPr lang="en-US" dirty="0" err="1" smtClean="0"/>
+              <a:t>shared_examples</a:t>
+            </a:r>
+            <a:r>
+              <a:rPr lang="en-US" dirty="0" smtClean="0"/>
+              <a:t> block.</a:t>
+            </a:r>
+            <a:endParaRPr lang="en-US" dirty="0"/>
+          </a:p>
+        </p:txBody>
+      </p:sp>
+      <p:sp>
+        <p:nvSpPr>
+          <p:cNvPr id="4" name="Date Placeholder 3"/>
+          <p:cNvSpPr>
+            <a:spLocks noGrp="1"/>
+          </p:cNvSpPr>
+          <p:nvPr>
+            <p:ph type="dt" idx="10"/>
+          </p:nvPr>
+        </p:nvSpPr>
+        <p:spPr/>
+        <p:txBody>
+          <a:bodyPr/>
+          <a:lstStyle/>
+          <a:p>
+            <a:pPr>
+              <a:defRPr/>
+            </a:pPr>
+            <a:r>
+              <a:rPr lang="en-US" smtClean="0"/>
+              <a:t>Chef Software, Inc.</a:t>
+            </a:r>
+            <a:endParaRPr lang="en-US" dirty="0"/>
+          </a:p>
+        </p:txBody>
+      </p:sp>
+      <p:sp>
+        <p:nvSpPr>
+          <p:cNvPr id="5" name="Header Placeholder 4"/>
+          <p:cNvSpPr>
+            <a:spLocks noGrp="1"/>
+          </p:cNvSpPr>
+          <p:nvPr>
+            <p:ph type="hdr" sz="quarter" idx="11"/>
+          </p:nvPr>
+        </p:nvSpPr>
+        <p:spPr/>
+        <p:txBody>
+          <a:bodyPr/>
+          <a:lstStyle/>
+          <a:p>
+            <a:pPr>
+              <a:defRPr/>
+            </a:pPr>
+            <a:r>
+              <a:rPr lang="en-US" smtClean="0"/>
+              <a:t>Elegant Tests</a:t>
+            </a:r>
+            <a:endParaRPr lang="en-US"/>
+          </a:p>
+        </p:txBody>
+      </p:sp>
+    </p:spTree>
+    <p:extLst>
+      <p:ext uri="{BB962C8B-B14F-4D97-AF65-F5344CB8AC3E}">
+        <p14:creationId xmlns:p14="http://schemas.microsoft.com/office/powerpoint/2010/main" val="1763100843"/>
+      </p:ext>
+    </p:extLst>
+  </p:cSld>
+  <p:clrMapOvr>
+    <a:masterClrMapping/>
+  </p:clrMapOvr>
+</p:notes>
+</file>
+
+<file path=ppt/notesSlides/notesSlide11.xml><?xml version="1.0" encoding="utf-8"?>
+<p:notes xmlns:a="http://schemas.openxmlformats.org/drawingml/2006/main" xmlns:r="http://schemas.openxmlformats.org/officeDocument/2006/relationships" xmlns:p="http://schemas.openxmlformats.org/presentationml/2006/main">
+  <p:cSld>
+    <p:spTree>
+      <p:nvGrpSpPr>
+        <p:cNvPr id="1" name=""/>
+        <p:cNvGrpSpPr/>
+        <p:nvPr/>
+      </p:nvGrpSpPr>
+      <p:grpSpPr>
+        <a:xfrm>
+          <a:off x="0" y="0"/>
+          <a:ext cx="0" cy="0"/>
+          <a:chOff x="0" y="0"/>
+          <a:chExt cx="0" cy="0"/>
+        </a:xfrm>
+      </p:grpSpPr>
+      <p:sp>
+        <p:nvSpPr>
+          <p:cNvPr id="2" name="Slide Image Placeholder 1"/>
+          <p:cNvSpPr>
+            <a:spLocks noGrp="1" noRot="1" noChangeAspect="1"/>
+          </p:cNvSpPr>
+          <p:nvPr>
+            <p:ph type="sldImg"/>
+          </p:nvPr>
+        </p:nvSpPr>
+        <p:spPr/>
+      </p:sp>
+      <p:sp>
+        <p:nvSpPr>
+          <p:cNvPr id="3" name="Notes Placeholder 2"/>
+          <p:cNvSpPr>
+            <a:spLocks noGrp="1"/>
+          </p:cNvSpPr>
+          <p:nvPr>
+            <p:ph type="body" idx="1"/>
+          </p:nvPr>
+        </p:nvSpPr>
+        <p:spPr/>
+        <p:txBody>
+          <a:bodyPr/>
+          <a:lstStyle/>
+          <a:p>
+            <a:endParaRPr lang="en-US" dirty="0"/>
+          </a:p>
+        </p:txBody>
+      </p:sp>
+      <p:sp>
+        <p:nvSpPr>
+          <p:cNvPr id="5" name="Header Placeholder 4"/>
+          <p:cNvSpPr>
+            <a:spLocks noGrp="1"/>
+          </p:cNvSpPr>
+          <p:nvPr>
+            <p:ph type="hdr" sz="quarter" idx="11"/>
+          </p:nvPr>
+        </p:nvSpPr>
+        <p:spPr/>
+        <p:txBody>
+          <a:bodyPr/>
+          <a:lstStyle/>
+          <a:p>
+            <a:pPr>
+              <a:defRPr/>
+            </a:pPr>
+            <a:r>
+              <a:rPr lang="en-US" smtClean="0"/>
+              <a:t>Elegant Tests</a:t>
+            </a:r>
+            <a:endParaRPr lang="en-US"/>
+          </a:p>
+        </p:txBody>
+      </p:sp>
+      <p:sp>
+        <p:nvSpPr>
+          <p:cNvPr id="7" name="Date Placeholder 6"/>
+          <p:cNvSpPr>
+            <a:spLocks noGrp="1"/>
+          </p:cNvSpPr>
+          <p:nvPr>
+            <p:ph type="dt" idx="13"/>
+          </p:nvPr>
+        </p:nvSpPr>
+        <p:spPr/>
+        <p:txBody>
+          <a:bodyPr/>
+          <a:lstStyle/>
+          <a:p>
+            <a:pPr>
+              <a:defRPr/>
+            </a:pPr>
+            <a:r>
+              <a:rPr lang="en-US" smtClean="0"/>
+              <a:t>Chef Software, Inc.</a:t>
+            </a:r>
+            <a:endParaRPr lang="en-US" dirty="0"/>
+          </a:p>
+        </p:txBody>
+      </p:sp>
+    </p:spTree>
+    <p:extLst>
+      <p:ext uri="{BB962C8B-B14F-4D97-AF65-F5344CB8AC3E}">
+        <p14:creationId xmlns:p14="http://schemas.microsoft.com/office/powerpoint/2010/main" val="103301370"/>
+      </p:ext>
+    </p:extLst>
+  </p:cSld>
+  <p:clrMapOvr>
+    <a:masterClrMapping/>
+  </p:clrMapOvr>
+</p:notes>
+</file>
+
+<file path=ppt/notesSlides/notesSlide12.xml><?xml version="1.0" encoding="utf-8"?>
+<p:notes xmlns:a="http://schemas.openxmlformats.org/drawingml/2006/main" xmlns:r="http://schemas.openxmlformats.org/officeDocument/2006/relationships" xmlns:p="http://schemas.openxmlformats.org/presentationml/2006/main">
+  <p:cSld>
+    <p:spTree>
+      <p:nvGrpSpPr>
+        <p:cNvPr id="1" name=""/>
+        <p:cNvGrpSpPr/>
+        <p:nvPr/>
+      </p:nvGrpSpPr>
+      <p:grpSpPr>
+        <a:xfrm>
+          <a:off x="0" y="0"/>
+          <a:ext cx="0" cy="0"/>
+          <a:chOff x="0" y="0"/>
+          <a:chExt cx="0" cy="0"/>
+        </a:xfrm>
+      </p:grpSpPr>
+      <p:sp>
+        <p:nvSpPr>
+          <p:cNvPr id="2" name="Slide Image Placeholder 1"/>
+          <p:cNvSpPr>
+            <a:spLocks noGrp="1" noRot="1" noChangeAspect="1"/>
+          </p:cNvSpPr>
+          <p:nvPr>
+            <p:ph type="sldImg"/>
+          </p:nvPr>
+        </p:nvSpPr>
+        <p:spPr/>
+      </p:sp>
+      <p:sp>
+        <p:nvSpPr>
+          <p:cNvPr id="3" name="Notes Placeholder 2"/>
+          <p:cNvSpPr>
+            <a:spLocks noGrp="1"/>
+          </p:cNvSpPr>
+          <p:nvPr>
+            <p:ph type="body" idx="1"/>
+          </p:nvPr>
+        </p:nvSpPr>
+        <p:spPr/>
+        <p:txBody>
+          <a:bodyPr/>
+          <a:lstStyle/>
+          <a:p>
+            <a:r>
+              <a:rPr lang="en-US" dirty="0" err="1" smtClean="0"/>
+              <a:t>shared_examples</a:t>
+            </a:r>
+            <a:r>
+              <a:rPr lang="en-US" dirty="0" smtClean="0"/>
+              <a:t> allow us to describe examples independent of an example group and then include those examples within the example groups when needed.</a:t>
+            </a:r>
+            <a:endParaRPr lang="en-US" dirty="0"/>
+          </a:p>
+        </p:txBody>
+      </p:sp>
+      <p:sp>
+        <p:nvSpPr>
+          <p:cNvPr id="4" name="Date Placeholder 3"/>
+          <p:cNvSpPr>
+            <a:spLocks noGrp="1"/>
+          </p:cNvSpPr>
+          <p:nvPr>
+            <p:ph type="dt" idx="10"/>
+          </p:nvPr>
+        </p:nvSpPr>
+        <p:spPr/>
+        <p:txBody>
+          <a:bodyPr/>
+          <a:lstStyle/>
+          <a:p>
+            <a:pPr>
+              <a:defRPr/>
+            </a:pPr>
+            <a:r>
+              <a:rPr lang="en-US" smtClean="0"/>
+              <a:t>Chef Software, Inc.</a:t>
+            </a:r>
+            <a:endParaRPr lang="en-US" dirty="0"/>
+          </a:p>
+        </p:txBody>
+      </p:sp>
+      <p:sp>
+        <p:nvSpPr>
+          <p:cNvPr id="5" name="Header Placeholder 4"/>
+          <p:cNvSpPr>
+            <a:spLocks noGrp="1"/>
+          </p:cNvSpPr>
+          <p:nvPr>
+            <p:ph type="hdr" sz="quarter" idx="11"/>
+          </p:nvPr>
+        </p:nvSpPr>
+        <p:spPr/>
+        <p:txBody>
+          <a:bodyPr/>
+          <a:lstStyle/>
+          <a:p>
+            <a:pPr>
+              <a:defRPr/>
+            </a:pPr>
+            <a:r>
+              <a:rPr lang="en-US" smtClean="0"/>
+              <a:t>Elegant Tests</a:t>
+            </a:r>
+            <a:endParaRPr lang="en-US"/>
+          </a:p>
+        </p:txBody>
+      </p:sp>
+    </p:spTree>
+    <p:extLst>
+      <p:ext uri="{BB962C8B-B14F-4D97-AF65-F5344CB8AC3E}">
+        <p14:creationId xmlns:p14="http://schemas.microsoft.com/office/powerpoint/2010/main" val="503581562"/>
+      </p:ext>
+    </p:extLst>
+  </p:cSld>
+  <p:clrMapOvr>
+    <a:masterClrMapping/>
+  </p:clrMapOvr>
+</p:notes>
+</file>
+
+<file path=ppt/notesSlides/notesSlide13.xml><?xml version="1.0" encoding="utf-8"?>
+<p:notes xmlns:a="http://schemas.openxmlformats.org/drawingml/2006/main" xmlns:r="http://schemas.openxmlformats.org/officeDocument/2006/relationships" xmlns:p="http://schemas.openxmlformats.org/presentationml/2006/main">
+  <p:cSld>
+    <p:spTree>
+      <p:nvGrpSpPr>
+        <p:cNvPr id="1" name=""/>
+        <p:cNvGrpSpPr/>
+        <p:nvPr/>
+      </p:nvGrpSpPr>
+      <p:grpSpPr>
+        <a:xfrm>
+          <a:off x="0" y="0"/>
+          <a:ext cx="0" cy="0"/>
+          <a:chOff x="0" y="0"/>
+          <a:chExt cx="0" cy="0"/>
+        </a:xfrm>
+      </p:grpSpPr>
+      <p:sp>
+        <p:nvSpPr>
+          <p:cNvPr id="2" name="Slide Image Placeholder 1"/>
+          <p:cNvSpPr>
+            <a:spLocks noGrp="1" noRot="1" noChangeAspect="1"/>
+          </p:cNvSpPr>
+          <p:nvPr>
+            <p:ph type="sldImg"/>
+          </p:nvPr>
+        </p:nvSpPr>
+        <p:spPr/>
+      </p:sp>
+      <p:sp>
+        <p:nvSpPr>
+          <p:cNvPr id="3" name="Notes Placeholder 2"/>
+          <p:cNvSpPr>
+            <a:spLocks noGrp="1"/>
+          </p:cNvSpPr>
+          <p:nvPr>
+            <p:ph type="body" idx="1"/>
+          </p:nvPr>
+        </p:nvSpPr>
+        <p:spPr/>
+        <p:txBody>
+          <a:bodyPr/>
+          <a:lstStyle/>
+          <a:p>
+            <a:r>
+              <a:rPr lang="en-US" dirty="0" smtClean="0"/>
+              <a:t>I refactored the code to look like the following across at least two example groups to create identical examples.</a:t>
+            </a:r>
+            <a:endParaRPr lang="en-US" dirty="0"/>
+          </a:p>
+        </p:txBody>
+      </p:sp>
+      <p:sp>
+        <p:nvSpPr>
+          <p:cNvPr id="4" name="Date Placeholder 3"/>
+          <p:cNvSpPr>
+            <a:spLocks noGrp="1"/>
+          </p:cNvSpPr>
+          <p:nvPr>
+            <p:ph type="dt" idx="10"/>
+          </p:nvPr>
+        </p:nvSpPr>
+        <p:spPr/>
+        <p:txBody>
+          <a:bodyPr/>
+          <a:lstStyle/>
+          <a:p>
+            <a:pPr>
+              <a:defRPr/>
+            </a:pPr>
+            <a:r>
+              <a:rPr lang="en-US" smtClean="0"/>
+              <a:t>Chef Software, Inc.</a:t>
+            </a:r>
+            <a:endParaRPr lang="en-US" dirty="0"/>
+          </a:p>
+        </p:txBody>
+      </p:sp>
+      <p:sp>
+        <p:nvSpPr>
+          <p:cNvPr id="5" name="Header Placeholder 4"/>
+          <p:cNvSpPr>
+            <a:spLocks noGrp="1"/>
+          </p:cNvSpPr>
+          <p:nvPr>
+            <p:ph type="hdr" sz="quarter" idx="11"/>
+          </p:nvPr>
+        </p:nvSpPr>
+        <p:spPr/>
+        <p:txBody>
+          <a:bodyPr/>
+          <a:lstStyle/>
+          <a:p>
+            <a:pPr>
+              <a:defRPr/>
+            </a:pPr>
+            <a:r>
+              <a:rPr lang="en-US" smtClean="0"/>
+              <a:t>Elegant Tests</a:t>
+            </a:r>
+            <a:endParaRPr lang="en-US"/>
+          </a:p>
+        </p:txBody>
+      </p:sp>
+    </p:spTree>
+    <p:extLst>
+      <p:ext uri="{BB962C8B-B14F-4D97-AF65-F5344CB8AC3E}">
+        <p14:creationId xmlns:p14="http://schemas.microsoft.com/office/powerpoint/2010/main" val="680712481"/>
+      </p:ext>
+    </p:extLst>
+  </p:cSld>
+  <p:clrMapOvr>
+    <a:masterClrMapping/>
+  </p:clrMapOvr>
+</p:notes>
+</file>
+
+<file path=ppt/notesSlides/notesSlide14.xml><?xml version="1.0" encoding="utf-8"?>
+<p:notes xmlns:a="http://schemas.openxmlformats.org/drawingml/2006/main" xmlns:r="http://schemas.openxmlformats.org/officeDocument/2006/relationships" xmlns:p="http://schemas.openxmlformats.org/presentationml/2006/main">
+  <p:cSld>
+    <p:spTree>
+      <p:nvGrpSpPr>
+        <p:cNvPr id="1" name=""/>
+        <p:cNvGrpSpPr/>
+        <p:nvPr/>
+      </p:nvGrpSpPr>
+      <p:grpSpPr>
+        <a:xfrm>
+          <a:off x="0" y="0"/>
+          <a:ext cx="0" cy="0"/>
+          <a:chOff x="0" y="0"/>
+          <a:chExt cx="0" cy="0"/>
+        </a:xfrm>
+      </p:grpSpPr>
+      <p:sp>
+        <p:nvSpPr>
+          <p:cNvPr id="2" name="Slide Image Placeholder 1"/>
+          <p:cNvSpPr>
+            <a:spLocks noGrp="1" noRot="1" noChangeAspect="1"/>
+          </p:cNvSpPr>
+          <p:nvPr>
+            <p:ph type="sldImg"/>
+          </p:nvPr>
+        </p:nvSpPr>
+        <p:spPr/>
+      </p:sp>
+      <p:sp>
+        <p:nvSpPr>
+          <p:cNvPr id="3" name="Notes Placeholder 2"/>
+          <p:cNvSpPr>
+            <a:spLocks noGrp="1"/>
+          </p:cNvSpPr>
+          <p:nvPr>
+            <p:ph type="body" idx="1"/>
+          </p:nvPr>
+        </p:nvSpPr>
+        <p:spPr/>
+        <p:txBody>
+          <a:bodyPr/>
+          <a:lstStyle/>
+          <a:p>
+            <a:r>
+              <a:rPr lang="en-US" dirty="0" smtClean="0"/>
+              <a:t>We can then take that example and move it to its own special context which is defined with a special block named </a:t>
+            </a:r>
+            <a:r>
+              <a:rPr lang="en-US" dirty="0" err="1" smtClean="0"/>
+              <a:t>shared_examples</a:t>
+            </a:r>
+            <a:r>
+              <a:rPr lang="en-US" dirty="0" smtClean="0"/>
+              <a:t>.</a:t>
+            </a:r>
+          </a:p>
+          <a:p>
+            <a:r>
+              <a:rPr lang="en-US" dirty="0" smtClean="0"/>
+              <a:t>The </a:t>
+            </a:r>
+            <a:r>
+              <a:rPr lang="en-US" dirty="0" err="1" smtClean="0"/>
+              <a:t>shared_examples</a:t>
+            </a:r>
+            <a:r>
+              <a:rPr lang="en-US" dirty="0" smtClean="0"/>
+              <a:t> method takes an argument which is the name that describes all the examples that reside within it.</a:t>
+            </a:r>
+            <a:r>
+              <a:rPr lang="en-US" dirty="0"/>
+              <a:t> </a:t>
+            </a:r>
+            <a:r>
+              <a:rPr lang="en-US" dirty="0" smtClean="0"/>
+              <a:t>Defining the example is the same as you would define examples in an example group.</a:t>
+            </a:r>
+          </a:p>
+          <a:p>
+            <a:r>
+              <a:rPr lang="en-US" dirty="0" smtClean="0"/>
+              <a:t>The examples defined within </a:t>
+            </a:r>
+            <a:r>
+              <a:rPr lang="en-US" dirty="0" err="1" smtClean="0"/>
+              <a:t>shared_examples</a:t>
+            </a:r>
+            <a:r>
+              <a:rPr lang="en-US" dirty="0" smtClean="0"/>
+              <a:t> is not evaluated until it is invoked within an example group through the method '</a:t>
+            </a:r>
+            <a:r>
+              <a:rPr lang="en-US" dirty="0" err="1" smtClean="0"/>
+              <a:t>it_behaves_like</a:t>
+            </a:r>
+            <a:r>
+              <a:rPr lang="en-US" dirty="0" smtClean="0"/>
+              <a:t>'. This method accepts a single parameter and that is the named of the </a:t>
+            </a:r>
+            <a:r>
+              <a:rPr lang="en-US" dirty="0" err="1" smtClean="0"/>
+              <a:t>shared_examples</a:t>
+            </a:r>
+            <a:r>
+              <a:rPr lang="en-US" dirty="0" smtClean="0"/>
+              <a:t> group we defined above.</a:t>
+            </a:r>
+          </a:p>
+          <a:p>
+            <a:r>
+              <a:rPr lang="en-US" b="1" dirty="0" smtClean="0"/>
+              <a:t>Note:</a:t>
+            </a:r>
+            <a:r>
+              <a:rPr lang="en-US" dirty="0" smtClean="0"/>
+              <a:t> The </a:t>
+            </a:r>
+            <a:r>
+              <a:rPr lang="en-US" dirty="0" err="1" smtClean="0"/>
+              <a:t>shared_examples</a:t>
+            </a:r>
+            <a:r>
+              <a:rPr lang="en-US" dirty="0" smtClean="0"/>
+              <a:t> helper must be defined before its use in the first example group. So often you can move it to the top of the specification file or within the parent context.</a:t>
+            </a:r>
+            <a:endParaRPr lang="en-US" dirty="0"/>
+          </a:p>
+        </p:txBody>
+      </p:sp>
+      <p:sp>
+        <p:nvSpPr>
+          <p:cNvPr id="4" name="Date Placeholder 3"/>
+          <p:cNvSpPr>
+            <a:spLocks noGrp="1"/>
+          </p:cNvSpPr>
+          <p:nvPr>
+            <p:ph type="dt" idx="10"/>
+          </p:nvPr>
+        </p:nvSpPr>
+        <p:spPr/>
+        <p:txBody>
+          <a:bodyPr/>
+          <a:lstStyle/>
+          <a:p>
+            <a:pPr>
+              <a:defRPr/>
+            </a:pPr>
+            <a:r>
+              <a:rPr lang="en-US" smtClean="0"/>
+              <a:t>Chef Software, Inc.</a:t>
+            </a:r>
+            <a:endParaRPr lang="en-US" dirty="0"/>
+          </a:p>
+        </p:txBody>
+      </p:sp>
+      <p:sp>
+        <p:nvSpPr>
+          <p:cNvPr id="5" name="Header Placeholder 4"/>
+          <p:cNvSpPr>
+            <a:spLocks noGrp="1"/>
+          </p:cNvSpPr>
+          <p:nvPr>
+            <p:ph type="hdr" sz="quarter" idx="11"/>
+          </p:nvPr>
+        </p:nvSpPr>
+        <p:spPr/>
+        <p:txBody>
+          <a:bodyPr/>
+          <a:lstStyle/>
+          <a:p>
+            <a:pPr>
+              <a:defRPr/>
+            </a:pPr>
+            <a:r>
+              <a:rPr lang="en-US" smtClean="0"/>
+              <a:t>Elegant Tests</a:t>
+            </a:r>
+            <a:endParaRPr lang="en-US"/>
+          </a:p>
+        </p:txBody>
+      </p:sp>
+    </p:spTree>
+    <p:extLst>
+      <p:ext uri="{BB962C8B-B14F-4D97-AF65-F5344CB8AC3E}">
+        <p14:creationId xmlns:p14="http://schemas.microsoft.com/office/powerpoint/2010/main" val="1134269582"/>
+      </p:ext>
+    </p:extLst>
+  </p:cSld>
+  <p:clrMapOvr>
+    <a:masterClrMapping/>
+  </p:clrMapOvr>
+</p:notes>
+</file>
+
+<file path=ppt/notesSlides/notesSlide15.xml><?xml version="1.0" encoding="utf-8"?>
+<p:notes xmlns:a="http://schemas.openxmlformats.org/drawingml/2006/main" xmlns:r="http://schemas.openxmlformats.org/officeDocument/2006/relationships" xmlns:p="http://schemas.openxmlformats.org/presentationml/2006/main">
+  <p:cSld>
+    <p:spTree>
+      <p:nvGrpSpPr>
+        <p:cNvPr id="1" name=""/>
+        <p:cNvGrpSpPr/>
+        <p:nvPr/>
+      </p:nvGrpSpPr>
+      <p:grpSpPr>
+        <a:xfrm>
+          <a:off x="0" y="0"/>
+          <a:ext cx="0" cy="0"/>
+          <a:chOff x="0" y="0"/>
+          <a:chExt cx="0" cy="0"/>
+        </a:xfrm>
+      </p:grpSpPr>
+      <p:sp>
+        <p:nvSpPr>
+          <p:cNvPr id="2" name="Slide Image Placeholder 1"/>
+          <p:cNvSpPr>
+            <a:spLocks noGrp="1" noRot="1" noChangeAspect="1"/>
+          </p:cNvSpPr>
+          <p:nvPr>
+            <p:ph type="sldImg"/>
+          </p:nvPr>
+        </p:nvSpPr>
+        <p:spPr/>
+      </p:sp>
+      <p:sp>
+        <p:nvSpPr>
+          <p:cNvPr id="3" name="Notes Placeholder 2"/>
+          <p:cNvSpPr>
+            <a:spLocks noGrp="1"/>
+          </p:cNvSpPr>
+          <p:nvPr>
+            <p:ph type="body" idx="1"/>
+          </p:nvPr>
+        </p:nvSpPr>
+        <p:spPr/>
+        <p:txBody>
+          <a:bodyPr/>
+          <a:lstStyle/>
+          <a:p>
+            <a:endParaRPr lang="en-US" dirty="0"/>
+          </a:p>
+        </p:txBody>
+      </p:sp>
+      <p:sp>
+        <p:nvSpPr>
+          <p:cNvPr id="5" name="Header Placeholder 4"/>
+          <p:cNvSpPr>
+            <a:spLocks noGrp="1"/>
+          </p:cNvSpPr>
+          <p:nvPr>
+            <p:ph type="hdr" sz="quarter" idx="11"/>
+          </p:nvPr>
+        </p:nvSpPr>
+        <p:spPr/>
+        <p:txBody>
+          <a:bodyPr/>
+          <a:lstStyle/>
+          <a:p>
+            <a:pPr>
+              <a:defRPr/>
+            </a:pPr>
+            <a:r>
+              <a:rPr lang="en-US" smtClean="0"/>
+              <a:t>Elegant Tests</a:t>
+            </a:r>
+            <a:endParaRPr lang="en-US"/>
+          </a:p>
+        </p:txBody>
+      </p:sp>
+      <p:sp>
+        <p:nvSpPr>
+          <p:cNvPr id="7" name="Date Placeholder 6"/>
+          <p:cNvSpPr>
+            <a:spLocks noGrp="1"/>
+          </p:cNvSpPr>
+          <p:nvPr>
+            <p:ph type="dt" idx="13"/>
+          </p:nvPr>
+        </p:nvSpPr>
+        <p:spPr/>
+        <p:txBody>
+          <a:bodyPr/>
+          <a:lstStyle/>
+          <a:p>
+            <a:pPr>
+              <a:defRPr/>
+            </a:pPr>
+            <a:r>
+              <a:rPr lang="en-US" smtClean="0"/>
+              <a:t>Chef Software, Inc.</a:t>
+            </a:r>
+            <a:endParaRPr lang="en-US" dirty="0"/>
+          </a:p>
+        </p:txBody>
+      </p:sp>
+    </p:spTree>
+    <p:extLst>
+      <p:ext uri="{BB962C8B-B14F-4D97-AF65-F5344CB8AC3E}">
+        <p14:creationId xmlns:p14="http://schemas.microsoft.com/office/powerpoint/2010/main" val="103301370"/>
+      </p:ext>
+    </p:extLst>
+  </p:cSld>
+  <p:clrMapOvr>
+    <a:masterClrMapping/>
+  </p:clrMapOvr>
+</p:notes>
+</file>
+
+<file path=ppt/notesSlides/notesSlide16.xml><?xml version="1.0" encoding="utf-8"?>
+<p:notes xmlns:a="http://schemas.openxmlformats.org/drawingml/2006/main" xmlns:r="http://schemas.openxmlformats.org/officeDocument/2006/relationships" xmlns:p="http://schemas.openxmlformats.org/presentationml/2006/main">
+  <p:cSld>
+    <p:spTree>
+      <p:nvGrpSpPr>
+        <p:cNvPr id="1" name=""/>
+        <p:cNvGrpSpPr/>
+        <p:nvPr/>
+      </p:nvGrpSpPr>
+      <p:grpSpPr>
+        <a:xfrm>
+          <a:off x="0" y="0"/>
+          <a:ext cx="0" cy="0"/>
+          <a:chOff x="0" y="0"/>
+          <a:chExt cx="0" cy="0"/>
+        </a:xfrm>
+      </p:grpSpPr>
+      <p:sp>
+        <p:nvSpPr>
+          <p:cNvPr id="2" name="Slide Image Placeholder 1"/>
+          <p:cNvSpPr>
+            <a:spLocks noGrp="1" noRot="1" noChangeAspect="1"/>
+          </p:cNvSpPr>
+          <p:nvPr>
+            <p:ph type="sldImg"/>
+          </p:nvPr>
+        </p:nvSpPr>
+        <p:spPr/>
+      </p:sp>
+      <p:sp>
+        <p:nvSpPr>
+          <p:cNvPr id="3" name="Notes Placeholder 2"/>
+          <p:cNvSpPr>
+            <a:spLocks noGrp="1"/>
+          </p:cNvSpPr>
+          <p:nvPr>
+            <p:ph type="body" idx="1"/>
+          </p:nvPr>
+        </p:nvSpPr>
+        <p:spPr>
+          <a:xfrm>
+            <a:off x="412603" y="4343400"/>
+            <a:ext cx="6074229" cy="4114800"/>
+          </a:xfrm>
+        </p:spPr>
+        <p:txBody>
+          <a:bodyPr/>
+          <a:lstStyle/>
+          <a:p>
+            <a:r>
+              <a:rPr lang="en-US" dirty="0"/>
+              <a:t>Now it is your turn. Refactor the code with this technique. Execute the tests. Find success.</a:t>
+            </a:r>
+            <a:endParaRPr lang="en-US" dirty="0"/>
+          </a:p>
+        </p:txBody>
+      </p:sp>
+      <p:sp>
+        <p:nvSpPr>
+          <p:cNvPr id="5" name="Header Placeholder 4"/>
+          <p:cNvSpPr>
+            <a:spLocks noGrp="1"/>
+          </p:cNvSpPr>
+          <p:nvPr>
+            <p:ph type="hdr" sz="quarter" idx="11"/>
+          </p:nvPr>
+        </p:nvSpPr>
+        <p:spPr/>
+        <p:txBody>
+          <a:bodyPr/>
+          <a:lstStyle/>
+          <a:p>
+            <a:pPr>
+              <a:defRPr/>
+            </a:pPr>
+            <a:r>
+              <a:rPr lang="en-US" smtClean="0"/>
+              <a:t>Elegant Tests</a:t>
+            </a:r>
+            <a:endParaRPr lang="en-US"/>
+          </a:p>
+        </p:txBody>
+      </p:sp>
+      <p:sp>
+        <p:nvSpPr>
+          <p:cNvPr id="7" name="Date Placeholder 6"/>
+          <p:cNvSpPr>
+            <a:spLocks noGrp="1"/>
+          </p:cNvSpPr>
+          <p:nvPr>
+            <p:ph type="dt" idx="13"/>
+          </p:nvPr>
+        </p:nvSpPr>
+        <p:spPr/>
+        <p:txBody>
+          <a:bodyPr/>
+          <a:lstStyle/>
+          <a:p>
+            <a:pPr>
+              <a:defRPr/>
+            </a:pPr>
+            <a:r>
+              <a:rPr lang="en-US" smtClean="0"/>
+              <a:t>Chef Software, Inc.</a:t>
+            </a:r>
+            <a:endParaRPr lang="en-US" dirty="0"/>
+          </a:p>
+        </p:txBody>
+      </p:sp>
+    </p:spTree>
+    <p:extLst>
+      <p:ext uri="{BB962C8B-B14F-4D97-AF65-F5344CB8AC3E}">
+        <p14:creationId xmlns:p14="http://schemas.microsoft.com/office/powerpoint/2010/main" val="2012494481"/>
+      </p:ext>
+    </p:extLst>
+  </p:cSld>
+  <p:clrMapOvr>
+    <a:masterClrMapping/>
+  </p:clrMapOvr>
+</p:notes>
+</file>
+
+<file path=ppt/notesSlides/notesSlide17.xml><?xml version="1.0" encoding="utf-8"?>
+<p:notes xmlns:a="http://schemas.openxmlformats.org/drawingml/2006/main" xmlns:r="http://schemas.openxmlformats.org/officeDocument/2006/relationships" xmlns:p="http://schemas.openxmlformats.org/presentationml/2006/main">
+  <p:cSld>
+    <p:spTree>
+      <p:nvGrpSpPr>
+        <p:cNvPr id="1" name=""/>
+        <p:cNvGrpSpPr/>
+        <p:nvPr/>
+      </p:nvGrpSpPr>
+      <p:grpSpPr>
+        <a:xfrm>
+          <a:off x="0" y="0"/>
+          <a:ext cx="0" cy="0"/>
+          <a:chOff x="0" y="0"/>
+          <a:chExt cx="0" cy="0"/>
+        </a:xfrm>
+      </p:grpSpPr>
+      <p:sp>
+        <p:nvSpPr>
+          <p:cNvPr id="2" name="Slide Image Placeholder 1"/>
+          <p:cNvSpPr>
+            <a:spLocks noGrp="1" noRot="1" noChangeAspect="1"/>
+          </p:cNvSpPr>
+          <p:nvPr>
+            <p:ph type="sldImg"/>
+          </p:nvPr>
+        </p:nvSpPr>
+        <p:spPr/>
+      </p:sp>
+      <p:sp>
+        <p:nvSpPr>
+          <p:cNvPr id="3" name="Notes Placeholder 2"/>
+          <p:cNvSpPr>
+            <a:spLocks noGrp="1"/>
+          </p:cNvSpPr>
+          <p:nvPr>
+            <p:ph type="body" idx="1"/>
+          </p:nvPr>
+        </p:nvSpPr>
+        <p:spPr/>
+        <p:txBody>
+          <a:bodyPr/>
+          <a:lstStyle/>
+          <a:p>
+            <a:endParaRPr lang="en-US" dirty="0"/>
+          </a:p>
+        </p:txBody>
+      </p:sp>
+      <p:sp>
+        <p:nvSpPr>
+          <p:cNvPr id="5" name="Header Placeholder 4"/>
+          <p:cNvSpPr>
+            <a:spLocks noGrp="1"/>
+          </p:cNvSpPr>
+          <p:nvPr>
+            <p:ph type="hdr" sz="quarter" idx="11"/>
+          </p:nvPr>
+        </p:nvSpPr>
+        <p:spPr/>
+        <p:txBody>
+          <a:bodyPr/>
+          <a:lstStyle/>
+          <a:p>
+            <a:pPr>
+              <a:defRPr/>
+            </a:pPr>
+            <a:r>
+              <a:rPr lang="en-US" smtClean="0"/>
+              <a:t>Elegant Tests</a:t>
+            </a:r>
+            <a:endParaRPr lang="en-US"/>
+          </a:p>
+        </p:txBody>
+      </p:sp>
+      <p:sp>
+        <p:nvSpPr>
+          <p:cNvPr id="7" name="Date Placeholder 6"/>
+          <p:cNvSpPr>
+            <a:spLocks noGrp="1"/>
+          </p:cNvSpPr>
+          <p:nvPr>
+            <p:ph type="dt" idx="13"/>
+          </p:nvPr>
+        </p:nvSpPr>
+        <p:spPr/>
+        <p:txBody>
+          <a:bodyPr/>
+          <a:lstStyle/>
+          <a:p>
+            <a:pPr>
+              <a:defRPr/>
+            </a:pPr>
+            <a:r>
+              <a:rPr lang="en-US" smtClean="0"/>
+              <a:t>Chef Software, Inc.</a:t>
+            </a:r>
+            <a:endParaRPr lang="en-US" dirty="0"/>
+          </a:p>
+        </p:txBody>
+      </p:sp>
+    </p:spTree>
+    <p:extLst>
+      <p:ext uri="{BB962C8B-B14F-4D97-AF65-F5344CB8AC3E}">
+        <p14:creationId xmlns:p14="http://schemas.microsoft.com/office/powerpoint/2010/main" val="103301370"/>
+      </p:ext>
+    </p:extLst>
+  </p:cSld>
+  <p:clrMapOvr>
+    <a:masterClrMapping/>
+  </p:clrMapOvr>
+</p:notes>
+</file>
+
+<file path=ppt/notesSlides/notesSlide18.xml><?xml version="1.0" encoding="utf-8"?>
+<p:notes xmlns:a="http://schemas.openxmlformats.org/drawingml/2006/main" xmlns:r="http://schemas.openxmlformats.org/officeDocument/2006/relationships" xmlns:p="http://schemas.openxmlformats.org/presentationml/2006/main">
+  <p:cSld>
+    <p:spTree>
+      <p:nvGrpSpPr>
+        <p:cNvPr id="1" name=""/>
+        <p:cNvGrpSpPr/>
+        <p:nvPr/>
+      </p:nvGrpSpPr>
+      <p:grpSpPr>
+        <a:xfrm>
+          <a:off x="0" y="0"/>
+          <a:ext cx="0" cy="0"/>
+          <a:chOff x="0" y="0"/>
+          <a:chExt cx="0" cy="0"/>
+        </a:xfrm>
+      </p:grpSpPr>
+      <p:sp>
+        <p:nvSpPr>
+          <p:cNvPr id="2" name="Slide Image Placeholder 1"/>
+          <p:cNvSpPr>
+            <a:spLocks noGrp="1" noRot="1" noChangeAspect="1"/>
+          </p:cNvSpPr>
+          <p:nvPr>
+            <p:ph type="sldImg"/>
+          </p:nvPr>
+        </p:nvSpPr>
+        <p:spPr/>
+      </p:sp>
+      <p:sp>
+        <p:nvSpPr>
+          <p:cNvPr id="3" name="Notes Placeholder 2"/>
+          <p:cNvSpPr>
+            <a:spLocks noGrp="1"/>
+          </p:cNvSpPr>
+          <p:nvPr>
+            <p:ph type="body" idx="1"/>
+          </p:nvPr>
+        </p:nvSpPr>
+        <p:spPr/>
+        <p:txBody>
+          <a:bodyPr/>
+          <a:lstStyle/>
+          <a:p>
+            <a:endParaRPr lang="en-US"/>
+          </a:p>
+        </p:txBody>
+      </p:sp>
+      <p:sp>
+        <p:nvSpPr>
+          <p:cNvPr id="4" name="Date Placeholder 3"/>
+          <p:cNvSpPr>
+            <a:spLocks noGrp="1"/>
+          </p:cNvSpPr>
+          <p:nvPr>
+            <p:ph type="dt" idx="10"/>
+          </p:nvPr>
+        </p:nvSpPr>
+        <p:spPr/>
+        <p:txBody>
+          <a:bodyPr/>
+          <a:lstStyle/>
+          <a:p>
+            <a:pPr>
+              <a:defRPr/>
+            </a:pPr>
+            <a:r>
+              <a:rPr lang="en-US" smtClean="0"/>
+              <a:t>Chef Software, Inc.</a:t>
+            </a:r>
+            <a:endParaRPr lang="en-US" dirty="0"/>
+          </a:p>
+        </p:txBody>
+      </p:sp>
+      <p:sp>
+        <p:nvSpPr>
+          <p:cNvPr id="5" name="Header Placeholder 4"/>
+          <p:cNvSpPr>
+            <a:spLocks noGrp="1"/>
+          </p:cNvSpPr>
+          <p:nvPr>
+            <p:ph type="hdr" sz="quarter" idx="11"/>
+          </p:nvPr>
+        </p:nvSpPr>
+        <p:spPr/>
+        <p:txBody>
+          <a:bodyPr/>
+          <a:lstStyle/>
+          <a:p>
+            <a:pPr>
+              <a:defRPr/>
+            </a:pPr>
+            <a:r>
+              <a:rPr lang="en-US" smtClean="0"/>
+              <a:t>Elegant Tests</a:t>
+            </a:r>
+            <a:endParaRPr lang="en-US"/>
+          </a:p>
+        </p:txBody>
+      </p:sp>
+    </p:spTree>
+    <p:extLst>
+      <p:ext uri="{BB962C8B-B14F-4D97-AF65-F5344CB8AC3E}">
+        <p14:creationId xmlns:p14="http://schemas.microsoft.com/office/powerpoint/2010/main" val="1645129841"/>
       </p:ext>
     </p:extLst>
   </p:cSld>
@@ -1050,35 +2100,18 @@
           <a:bodyPr/>
           <a:lstStyle/>
           <a:p>
-            <a:endParaRPr lang="en-US" dirty="0"/>
-          </a:p>
-        </p:txBody>
-      </p:sp>
-      <p:sp>
-        <p:nvSpPr>
-          <p:cNvPr id="4" name="Slide Number Placeholder 3"/>
-          <p:cNvSpPr>
-            <a:spLocks noGrp="1"/>
-          </p:cNvSpPr>
-          <p:nvPr>
-            <p:ph type="sldNum" sz="quarter" idx="10"/>
-          </p:nvPr>
-        </p:nvSpPr>
-        <p:spPr/>
-        <p:txBody>
-          <a:bodyPr/>
-          <a:lstStyle/>
-          <a:p>
-            <a:pPr>
-              <a:defRPr/>
-            </a:pPr>
-            <a:fld id="{DC3734AA-3150-D947-AC52-2F5DF48BFCD5}" type="slidenum">
-              <a:rPr lang="en-US" smtClean="0"/>
-              <a:pPr>
-                <a:defRPr/>
-              </a:pPr>
-              <a:t>2</a:t>
-            </a:fld>
+            <a:r>
+              <a:rPr lang="en-US" dirty="0" smtClean="0"/>
+              <a:t>The objective of this module is to use </a:t>
+            </a:r>
+            <a:r>
+              <a:rPr lang="en-US" dirty="0" err="1" smtClean="0"/>
+              <a:t>shared_examples</a:t>
+            </a:r>
+            <a:r>
+              <a:rPr lang="en-US" dirty="0" smtClean="0"/>
+              <a:t> to help us express our similar examples once in one location and reference those examples.</a:t>
+            </a:r>
             <a:endParaRPr lang="en-US" dirty="0"/>
           </a:p>
         </p:txBody>
@@ -1101,18 +2134,22 @@
             <a:pPr>
               <a:defRPr/>
             </a:pPr>
+            <a:r>
+              <a:rPr lang="en-US" smtClean="0"/>
+              <a:t>Elegant Tests</a:t>
+            </a:r>
             <a:endParaRPr lang="en-US"/>
           </a:p>
         </p:txBody>
       </p:sp>
       <p:sp>
         <p:nvSpPr>
-          <p:cNvPr id="6" name="Footer Placeholder 5"/>
+          <p:cNvPr id="7" name="Date Placeholder 6"/>
           <p:cNvSpPr>
             <a:spLocks noGrp="1"/>
           </p:cNvSpPr>
           <p:nvPr>
-            <p:ph type="ftr" sz="quarter" idx="12"/>
+            <p:ph type="dt" idx="13"/>
           </p:nvPr>
         </p:nvSpPr>
         <p:spPr/>
@@ -1123,7 +2160,11 @@
             <a:pPr>
               <a:defRPr/>
             </a:pPr>
-            <a:endParaRPr lang="en-US"/>
+            <a:r>
+              <a:rPr lang="en-US" smtClean="0"/>
+              <a:t>Chef Software, Inc.</a:t>
+            </a:r>
+            <a:endParaRPr lang="en-US" dirty="0"/>
           </a:p>
         </p:txBody>
       </p:sp>
@@ -1184,35 +2225,14 @@
           <a:bodyPr/>
           <a:lstStyle/>
           <a:p>
-            <a:endParaRPr lang="en-US" dirty="0"/>
-          </a:p>
-        </p:txBody>
-      </p:sp>
-      <p:sp>
-        <p:nvSpPr>
-          <p:cNvPr id="4" name="Slide Number Placeholder 3"/>
-          <p:cNvSpPr>
-            <a:spLocks noGrp="1"/>
-          </p:cNvSpPr>
-          <p:nvPr>
-            <p:ph type="sldNum" sz="quarter" idx="10"/>
-          </p:nvPr>
-        </p:nvSpPr>
-        <p:spPr/>
-        <p:txBody>
-          <a:bodyPr/>
-          <a:lstStyle/>
-          <a:p>
-            <a:pPr>
-              <a:defRPr/>
-            </a:pPr>
-            <a:fld id="{DC3734AA-3150-D947-AC52-2F5DF48BFCD5}" type="slidenum">
-              <a:rPr lang="en-US" smtClean="0"/>
-              <a:pPr>
-                <a:defRPr/>
-              </a:pPr>
-              <a:t>3</a:t>
-            </a:fld>
+            <a:r>
+              <a:rPr lang="en-US" dirty="0"/>
+              <a:t>First we will explore the concepts around this technique, I will demonstrate the use of this technique, we will review what was demonstrated, and then I will ask you to participate in a related exercise</a:t>
+            </a:r>
+            <a:r>
+              <a:rPr lang="en-US" dirty="0" smtClean="0"/>
+              <a:t>.</a:t>
+            </a:r>
             <a:endParaRPr lang="en-US" dirty="0"/>
           </a:p>
         </p:txBody>
@@ -1235,18 +2255,22 @@
             <a:pPr>
               <a:defRPr/>
             </a:pPr>
+            <a:r>
+              <a:rPr lang="en-US" smtClean="0"/>
+              <a:t>Elegant Tests</a:t>
+            </a:r>
             <a:endParaRPr lang="en-US"/>
           </a:p>
         </p:txBody>
       </p:sp>
       <p:sp>
         <p:nvSpPr>
-          <p:cNvPr id="6" name="Footer Placeholder 5"/>
+          <p:cNvPr id="7" name="Date Placeholder 6"/>
           <p:cNvSpPr>
             <a:spLocks noGrp="1"/>
           </p:cNvSpPr>
           <p:nvPr>
-            <p:ph type="ftr" sz="quarter" idx="12"/>
+            <p:ph type="dt" idx="13"/>
           </p:nvPr>
         </p:nvSpPr>
         <p:spPr/>
@@ -1257,7 +2281,11 @@
             <a:pPr>
               <a:defRPr/>
             </a:pPr>
-            <a:endParaRPr lang="en-US"/>
+            <a:r>
+              <a:rPr lang="en-US" smtClean="0"/>
+              <a:t>Chef Software, Inc.</a:t>
+            </a:r>
+            <a:endParaRPr lang="en-US" dirty="0"/>
           </a:p>
         </p:txBody>
       </p:sp>
@@ -1318,18 +2346,48 @@
           <a:bodyPr/>
           <a:lstStyle/>
           <a:p>
+            <a:r>
+              <a:rPr lang="en-US" dirty="0"/>
+              <a:t>When we write our examples we may find ourselves again repeating ourselves or at least it may feel that way. There are ways in RSpec that allows us to extract the examples that we see that are common and re-use them between each of our different example groups</a:t>
+            </a:r>
+            <a:r>
+              <a:rPr lang="en-US" dirty="0" smtClean="0"/>
+              <a:t>.</a:t>
+            </a:r>
+          </a:p>
+          <a:p>
+            <a:r>
+              <a:rPr lang="en-US" dirty="0" smtClean="0"/>
+              <a:t>This can be done through </a:t>
+            </a:r>
+            <a:r>
+              <a:rPr lang="en-US" dirty="0" err="1" smtClean="0"/>
+              <a:t>RSpec's</a:t>
+            </a:r>
+            <a:r>
+              <a:rPr lang="en-US" dirty="0" smtClean="0"/>
+              <a:t> </a:t>
+            </a:r>
+            <a:r>
+              <a:rPr lang="en-US" dirty="0" err="1" smtClean="0"/>
+              <a:t>shared_examples</a:t>
+            </a:r>
+            <a:r>
+              <a:rPr lang="en-US" dirty="0" smtClean="0"/>
+              <a:t>.</a:t>
+            </a:r>
             <a:endParaRPr lang="en-US" dirty="0"/>
           </a:p>
         </p:txBody>
       </p:sp>
       <p:sp>
         <p:nvSpPr>
-          <p:cNvPr id="4" name="Slide Number Placeholder 3"/>
+          <p:cNvPr id="4" name="Date Placeholder 3"/>
           <p:cNvSpPr>
             <a:spLocks noGrp="1"/>
           </p:cNvSpPr>
           <p:nvPr>
-            <p:ph type="sldNum" sz="quarter" idx="10"/>
+            <p:ph type="dt" idx="10"/>
           </p:nvPr>
         </p:nvSpPr>
         <p:spPr/>
@@ -1340,13 +2398,10 @@
             <a:pPr>
               <a:defRPr/>
             </a:pPr>
-            <a:fld id="{DC3734AA-3150-D947-AC52-2F5DF48BFCD5}" type="slidenum">
+            <a:r>
               <a:rPr lang="en-US" smtClean="0"/>
-              <a:pPr>
-                <a:defRPr/>
-              </a:pPr>
-              <a:t>6</a:t>
-            </a:fld>
+              <a:t>Chef Software, Inc.</a:t>
+            </a:r>
             <a:endParaRPr lang="en-US" dirty="0"/>
           </a:p>
         </p:txBody>
@@ -1369,28 +2424,10 @@
             <a:pPr>
               <a:defRPr/>
             </a:pPr>
-            <a:endParaRPr lang="en-US"/>
-          </a:p>
-        </p:txBody>
-      </p:sp>
-      <p:sp>
-        <p:nvSpPr>
-          <p:cNvPr id="6" name="Footer Placeholder 5"/>
-          <p:cNvSpPr>
-            <a:spLocks noGrp="1"/>
-          </p:cNvSpPr>
-          <p:nvPr>
-            <p:ph type="ftr" sz="quarter" idx="12"/>
-          </p:nvPr>
-        </p:nvSpPr>
-        <p:spPr/>
-        <p:txBody>
-          <a:bodyPr/>
-          <a:lstStyle/>
-          <a:p>
-            <a:pPr>
-              <a:defRPr/>
-            </a:pPr>
+            <a:r>
+              <a:rPr lang="en-US" smtClean="0"/>
+              <a:t>Elegant Tests</a:t>
+            </a:r>
             <a:endParaRPr lang="en-US"/>
           </a:p>
         </p:txBody>
@@ -1398,7 +2435,7 @@
     </p:spTree>
     <p:extLst>
       <p:ext uri="{BB962C8B-B14F-4D97-AF65-F5344CB8AC3E}">
-        <p14:creationId xmlns:p14="http://schemas.microsoft.com/office/powerpoint/2010/main" val="103301370"/>
+        <p14:creationId xmlns:p14="http://schemas.microsoft.com/office/powerpoint/2010/main" val="2068357463"/>
       </p:ext>
     </p:extLst>
   </p:cSld>
@@ -1452,18 +2489,46 @@
           <a:bodyPr/>
           <a:lstStyle/>
           <a:p>
-            <a:endParaRPr lang="en-US" dirty="0"/>
-          </a:p>
-        </p:txBody>
-      </p:sp>
-      <p:sp>
-        <p:nvSpPr>
-          <p:cNvPr id="4" name="Slide Number Placeholder 3"/>
+            <a:r>
+              <a:rPr lang="en-US" dirty="0" smtClean="0"/>
+              <a:t>Within this example we have repeated ourselves a number of times ensuring that the packages are all installed on the unspecified platform.</a:t>
+            </a:r>
+          </a:p>
+          <a:p>
+            <a:endParaRPr lang="en-US" dirty="0" smtClean="0"/>
+          </a:p>
+          <a:p>
+            <a:r>
+              <a:rPr lang="en-US" b="1" dirty="0" smtClean="0"/>
+              <a:t>Note:</a:t>
+            </a:r>
+            <a:r>
+              <a:rPr lang="en-US" dirty="0" smtClean="0"/>
+              <a:t> Defining multiple expectations this way can cause problems when executed. Imagine that the recipe as written did not install the first package or the last package. When executing the tests RSpec would report that the first expectation failed but never run any of the remaining expectations. Hiding a failing expectation.</a:t>
+            </a:r>
+          </a:p>
+          <a:p>
+            <a:r>
+              <a:rPr lang="en-US" dirty="0" smtClean="0"/>
+              <a:t>Some people that write tests argue that it is best to write one expectation per example. That way you would never hide any failing expectations.</a:t>
+            </a:r>
+          </a:p>
+          <a:p>
+            <a:r>
+              <a:rPr lang="en-US" dirty="0" smtClean="0"/>
+              <a:t>However, creating an example per expectation increases the length of the test execution which may prevent you from executing the examples in the first place. It also makes it a little more work to maintain and adding more code creates more cognitive load on future maintainers.</a:t>
+            </a:r>
+          </a:p>
+        </p:txBody>
+      </p:sp>
+      <p:sp>
+        <p:nvSpPr>
+          <p:cNvPr id="4" name="Date Placeholder 3"/>
           <p:cNvSpPr>
             <a:spLocks noGrp="1"/>
           </p:cNvSpPr>
           <p:nvPr>
-            <p:ph type="sldNum" sz="quarter" idx="10"/>
+            <p:ph type="dt" idx="10"/>
           </p:nvPr>
         </p:nvSpPr>
         <p:spPr/>
@@ -1474,13 +2539,10 @@
             <a:pPr>
               <a:defRPr/>
             </a:pPr>
-            <a:fld id="{DC3734AA-3150-D947-AC52-2F5DF48BFCD5}" type="slidenum">
+            <a:r>
               <a:rPr lang="en-US" smtClean="0"/>
-              <a:pPr>
-                <a:defRPr/>
-              </a:pPr>
-              <a:t>8</a:t>
-            </a:fld>
+              <a:t>Chef Software, Inc.</a:t>
+            </a:r>
             <a:endParaRPr lang="en-US" dirty="0"/>
           </a:p>
         </p:txBody>
@@ -1503,28 +2565,10 @@
             <a:pPr>
               <a:defRPr/>
             </a:pPr>
-            <a:endParaRPr lang="en-US"/>
-          </a:p>
-        </p:txBody>
-      </p:sp>
-      <p:sp>
-        <p:nvSpPr>
-          <p:cNvPr id="6" name="Footer Placeholder 5"/>
-          <p:cNvSpPr>
-            <a:spLocks noGrp="1"/>
-          </p:cNvSpPr>
-          <p:nvPr>
-            <p:ph type="ftr" sz="quarter" idx="12"/>
-          </p:nvPr>
-        </p:nvSpPr>
-        <p:spPr/>
-        <p:txBody>
-          <a:bodyPr/>
-          <a:lstStyle/>
-          <a:p>
-            <a:pPr>
-              <a:defRPr/>
-            </a:pPr>
+            <a:r>
+              <a:rPr lang="en-US" smtClean="0"/>
+              <a:t>Elegant Tests</a:t>
+            </a:r>
             <a:endParaRPr lang="en-US"/>
           </a:p>
         </p:txBody>
@@ -1532,7 +2576,7 @@
     </p:spTree>
     <p:extLst>
       <p:ext uri="{BB962C8B-B14F-4D97-AF65-F5344CB8AC3E}">
-        <p14:creationId xmlns:p14="http://schemas.microsoft.com/office/powerpoint/2010/main" val="103301370"/>
+        <p14:creationId xmlns:p14="http://schemas.microsoft.com/office/powerpoint/2010/main" val="75239135"/>
       </p:ext>
     </p:extLst>
   </p:cSld>
@@ -1586,18 +2630,164 @@
           <a:bodyPr/>
           <a:lstStyle/>
           <a:p>
+            <a:r>
+              <a:rPr lang="en-US" dirty="0" smtClean="0"/>
+              <a:t>We can start by making this example more elegant by defining an array that contains all the package names. Then iterating through each name in a loop and making an assertion about each package being installed.</a:t>
+            </a:r>
+          </a:p>
+          <a:p>
             <a:endParaRPr lang="en-US" dirty="0"/>
           </a:p>
-        </p:txBody>
-      </p:sp>
-      <p:sp>
-        <p:nvSpPr>
-          <p:cNvPr id="4" name="Slide Number Placeholder 3"/>
+          <a:p>
+            <a:r>
+              <a:rPr lang="en-US" b="1" dirty="0" smtClean="0"/>
+              <a:t>Note</a:t>
+            </a:r>
+            <a:r>
+              <a:rPr lang="en-US" dirty="0" smtClean="0"/>
+              <a:t>: Traditionally arrays are defined with unadorned square brackets. Each element within the array is separated by commas. Strings, which these package names are, would need to have quotes around them. The above array could also be written as the following:</a:t>
+            </a:r>
+            <a:endParaRPr lang="en-US" b="1" dirty="0" smtClean="0"/>
+          </a:p>
+          <a:p>
+            <a:r>
+              <a:rPr lang="en-US" dirty="0" err="1" smtClean="0">
+                <a:latin typeface="Courier New" charset="0"/>
+                <a:ea typeface="Courier New" charset="0"/>
+                <a:cs typeface="Courier New" charset="0"/>
+              </a:rPr>
+              <a:t>installed_packages</a:t>
+            </a:r>
+            <a:r>
+              <a:rPr lang="en-US" dirty="0" smtClean="0">
+                <a:latin typeface="Courier New" charset="0"/>
+                <a:ea typeface="Courier New" charset="0"/>
+                <a:cs typeface="Courier New" charset="0"/>
+              </a:rPr>
+              <a:t> = [ '</a:t>
+            </a:r>
+            <a:r>
+              <a:rPr lang="en-US" dirty="0" err="1" smtClean="0">
+                <a:latin typeface="Courier New" charset="0"/>
+                <a:ea typeface="Courier New" charset="0"/>
+                <a:cs typeface="Courier New" charset="0"/>
+              </a:rPr>
+              <a:t>libtool</a:t>
+            </a:r>
+            <a:r>
+              <a:rPr lang="en-US" dirty="0" smtClean="0">
+                <a:latin typeface="Courier New" charset="0"/>
+                <a:ea typeface="Courier New" charset="0"/>
+                <a:cs typeface="Courier New" charset="0"/>
+              </a:rPr>
+              <a:t>', '</a:t>
+            </a:r>
+            <a:r>
+              <a:rPr lang="en-US" dirty="0" err="1" smtClean="0">
+                <a:latin typeface="Courier New" charset="0"/>
+                <a:ea typeface="Courier New" charset="0"/>
+                <a:cs typeface="Courier New" charset="0"/>
+              </a:rPr>
+              <a:t>autoconf</a:t>
+            </a:r>
+            <a:r>
+              <a:rPr lang="en-US" dirty="0" smtClean="0">
+                <a:latin typeface="Courier New" charset="0"/>
+                <a:ea typeface="Courier New" charset="0"/>
+                <a:cs typeface="Courier New" charset="0"/>
+              </a:rPr>
+              <a:t>', 'unzip', '</a:t>
+            </a:r>
+            <a:r>
+              <a:rPr lang="en-US" dirty="0" err="1" smtClean="0">
+                <a:latin typeface="Courier New" charset="0"/>
+                <a:ea typeface="Courier New" charset="0"/>
+                <a:cs typeface="Courier New" charset="0"/>
+              </a:rPr>
+              <a:t>rsync</a:t>
+            </a:r>
+            <a:r>
+              <a:rPr lang="en-US" dirty="0" smtClean="0">
+                <a:latin typeface="Courier New" charset="0"/>
+                <a:ea typeface="Courier New" charset="0"/>
+                <a:cs typeface="Courier New" charset="0"/>
+              </a:rPr>
+              <a:t>', 'make', '</a:t>
+            </a:r>
+            <a:r>
+              <a:rPr lang="en-US" dirty="0" err="1" smtClean="0">
+                <a:latin typeface="Courier New" charset="0"/>
+                <a:ea typeface="Courier New" charset="0"/>
+                <a:cs typeface="Courier New" charset="0"/>
+              </a:rPr>
+              <a:t>gcc</a:t>
+            </a:r>
+            <a:r>
+              <a:rPr lang="en-US" dirty="0" smtClean="0">
+                <a:latin typeface="Courier New" charset="0"/>
+                <a:ea typeface="Courier New" charset="0"/>
+                <a:cs typeface="Courier New" charset="0"/>
+              </a:rPr>
+              <a:t>', '</a:t>
+            </a:r>
+            <a:r>
+              <a:rPr lang="en-US" dirty="0" err="1" smtClean="0">
+                <a:latin typeface="Courier New" charset="0"/>
+                <a:ea typeface="Courier New" charset="0"/>
+                <a:cs typeface="Courier New" charset="0"/>
+              </a:rPr>
+              <a:t>autogen</a:t>
+            </a:r>
+            <a:r>
+              <a:rPr lang="en-US" dirty="0" smtClean="0">
+                <a:latin typeface="Courier New" charset="0"/>
+                <a:ea typeface="Courier New" charset="0"/>
+                <a:cs typeface="Courier New" charset="0"/>
+              </a:rPr>
+              <a:t>' ]</a:t>
+            </a:r>
+          </a:p>
+          <a:p>
+            <a:r>
+              <a:rPr lang="en-US" dirty="0" smtClean="0">
+                <a:latin typeface="Arial" charset="0"/>
+                <a:ea typeface="Arial" charset="0"/>
+                <a:cs typeface="Arial" charset="0"/>
+              </a:rPr>
+              <a:t>The </a:t>
+            </a:r>
+            <a:r>
+              <a:rPr lang="en-US" b="1" dirty="0" smtClean="0">
+                <a:latin typeface="Courier New" charset="0"/>
+                <a:ea typeface="Courier New" charset="0"/>
+                <a:cs typeface="Courier New" charset="0"/>
+              </a:rPr>
+              <a:t>%w</a:t>
+            </a:r>
+            <a:r>
+              <a:rPr lang="en-US" dirty="0" smtClean="0">
+                <a:latin typeface="Arial" charset="0"/>
+                <a:ea typeface="Arial" charset="0"/>
+                <a:cs typeface="Arial" charset="0"/>
+              </a:rPr>
+              <a:t>, used above, states the contents of the Array are Strings and the whitespace between each element serves as the delimiter. This makes it far easier to maintain Arrays of Strings.</a:t>
+            </a:r>
+            <a:endParaRPr lang="en-US" dirty="0">
+              <a:latin typeface="Arial" charset="0"/>
+              <a:ea typeface="Arial" charset="0"/>
+              <a:cs typeface="Arial" charset="0"/>
+            </a:endParaRPr>
+          </a:p>
+        </p:txBody>
+      </p:sp>
+      <p:sp>
+        <p:nvSpPr>
+          <p:cNvPr id="4" name="Date Placeholder 3"/>
           <p:cNvSpPr>
             <a:spLocks noGrp="1"/>
           </p:cNvSpPr>
           <p:nvPr>
-            <p:ph type="sldNum" sz="quarter" idx="10"/>
+            <p:ph type="dt" idx="10"/>
           </p:nvPr>
         </p:nvSpPr>
         <p:spPr/>
@@ -1608,13 +2798,10 @@
             <a:pPr>
               <a:defRPr/>
             </a:pPr>
-            <a:fld id="{DC3734AA-3150-D947-AC52-2F5DF48BFCD5}" type="slidenum">
+            <a:r>
               <a:rPr lang="en-US" smtClean="0"/>
-              <a:pPr>
-                <a:defRPr/>
-              </a:pPr>
-              <a:t>12</a:t>
-            </a:fld>
+              <a:t>Chef Software, Inc.</a:t>
+            </a:r>
             <a:endParaRPr lang="en-US" dirty="0"/>
           </a:p>
         </p:txBody>
@@ -1637,28 +2824,10 @@
             <a:pPr>
               <a:defRPr/>
             </a:pPr>
-            <a:endParaRPr lang="en-US"/>
-          </a:p>
-        </p:txBody>
-      </p:sp>
-      <p:sp>
-        <p:nvSpPr>
-          <p:cNvPr id="6" name="Footer Placeholder 5"/>
-          <p:cNvSpPr>
-            <a:spLocks noGrp="1"/>
-          </p:cNvSpPr>
-          <p:nvPr>
-            <p:ph type="ftr" sz="quarter" idx="12"/>
-          </p:nvPr>
-        </p:nvSpPr>
-        <p:spPr/>
-        <p:txBody>
-          <a:bodyPr/>
-          <a:lstStyle/>
-          <a:p>
-            <a:pPr>
-              <a:defRPr/>
-            </a:pPr>
+            <a:r>
+              <a:rPr lang="en-US" smtClean="0"/>
+              <a:t>Elegant Tests</a:t>
+            </a:r>
             <a:endParaRPr lang="en-US"/>
           </a:p>
         </p:txBody>
@@ -1666,7 +2835,7 @@
     </p:spTree>
     <p:extLst>
       <p:ext uri="{BB962C8B-B14F-4D97-AF65-F5344CB8AC3E}">
-        <p14:creationId xmlns:p14="http://schemas.microsoft.com/office/powerpoint/2010/main" val="103301370"/>
+        <p14:creationId xmlns:p14="http://schemas.microsoft.com/office/powerpoint/2010/main" val="1115045257"/>
       </p:ext>
     </p:extLst>
   </p:cSld>
@@ -1721,24 +2890,22 @@
           <a:lstStyle/>
           <a:p>
             <a:r>
+              <a:rPr lang="en-US" dirty="0" smtClean="0"/>
+              <a:t>The array defined in the example can be extracted into a let example. Similar to how we extracted the node attributes used within the </a:t>
+            </a:r>
+            <a:r>
               <a:rPr lang="en-US" dirty="0" err="1" smtClean="0"/>
-              <a:t>davidd</a:t>
-            </a:r>
-            <a:r>
-              <a:rPr lang="en-US" baseline="0" dirty="0" smtClean="0"/>
-              <a:t> @ </a:t>
+              <a:t>chef_run</a:t>
             </a:r>
             <a:r>
               <a:rPr lang="en-US" dirty="0" smtClean="0"/>
-              <a:t>https://</a:t>
-            </a:r>
-            <a:r>
-              <a:rPr lang="en-US" dirty="0" err="1" smtClean="0"/>
-              <a:t>flic.kr</a:t>
-            </a:r>
+              <a:t> helper we defined.</a:t>
+            </a:r>
+          </a:p>
+          <a:p>
             <a:r>
               <a:rPr lang="en-US" dirty="0" smtClean="0"/>
-              <a:t>/p/DyTeW1</a:t>
+              <a:t>This should hopefully make it clearer what packages are being installed on the system and make it far easier to understand and update this list if there were changes or issues discovered later.</a:t>
             </a:r>
             <a:endParaRPr lang="en-US" dirty="0"/>
           </a:p>
@@ -1746,12 +2913,12 @@
       </p:sp>
       <p:sp>
         <p:nvSpPr>
-          <p:cNvPr id="4" name="Slide Number Placeholder 3"/>
+          <p:cNvPr id="4" name="Date Placeholder 3"/>
           <p:cNvSpPr>
             <a:spLocks noGrp="1"/>
           </p:cNvSpPr>
           <p:nvPr>
-            <p:ph type="sldNum" sz="quarter" idx="10"/>
+            <p:ph type="dt" idx="10"/>
           </p:nvPr>
         </p:nvSpPr>
         <p:spPr/>
@@ -1762,13 +2929,10 @@
             <a:pPr>
               <a:defRPr/>
             </a:pPr>
-            <a:fld id="{DC3734AA-3150-D947-AC52-2F5DF48BFCD5}" type="slidenum">
+            <a:r>
               <a:rPr lang="en-US" smtClean="0"/>
-              <a:pPr>
-                <a:defRPr/>
-              </a:pPr>
-              <a:t>13</a:t>
-            </a:fld>
+              <a:t>Chef Software, Inc.</a:t>
+            </a:r>
             <a:endParaRPr lang="en-US" dirty="0"/>
           </a:p>
         </p:txBody>
@@ -1791,28 +2955,10 @@
             <a:pPr>
               <a:defRPr/>
             </a:pPr>
-            <a:endParaRPr lang="en-US"/>
-          </a:p>
-        </p:txBody>
-      </p:sp>
-      <p:sp>
-        <p:nvSpPr>
-          <p:cNvPr id="6" name="Footer Placeholder 5"/>
-          <p:cNvSpPr>
-            <a:spLocks noGrp="1"/>
-          </p:cNvSpPr>
-          <p:nvPr>
-            <p:ph type="ftr" sz="quarter" idx="12"/>
-          </p:nvPr>
-        </p:nvSpPr>
-        <p:spPr/>
-        <p:txBody>
-          <a:bodyPr/>
-          <a:lstStyle/>
-          <a:p>
-            <a:pPr>
-              <a:defRPr/>
-            </a:pPr>
+            <a:r>
+              <a:rPr lang="en-US" smtClean="0"/>
+              <a:t>Elegant Tests</a:t>
+            </a:r>
             <a:endParaRPr lang="en-US"/>
           </a:p>
         </p:txBody>
@@ -1820,7 +2966,7 @@
     </p:spTree>
     <p:extLst>
       <p:ext uri="{BB962C8B-B14F-4D97-AF65-F5344CB8AC3E}">
-        <p14:creationId xmlns:p14="http://schemas.microsoft.com/office/powerpoint/2010/main" val="2012494481"/>
+        <p14:creationId xmlns:p14="http://schemas.microsoft.com/office/powerpoint/2010/main" val="484538704"/>
       </p:ext>
     </p:extLst>
   </p:cSld>
@@ -1874,18 +3020,38 @@
           <a:bodyPr/>
           <a:lstStyle/>
           <a:p>
+            <a:r>
+              <a:rPr lang="en-US" dirty="0" smtClean="0"/>
+              <a:t>If you were to perform this same refactoring technique for each of the 'installs the necessary packages' examples you would find that at the end  of it all you would have a lot of similar looking examples. The element that would change in each example group is the Array of package names.</a:t>
+            </a:r>
+          </a:p>
+          <a:p>
+            <a:endParaRPr lang="en-US" dirty="0" smtClean="0"/>
+          </a:p>
+          <a:p>
+            <a:r>
+              <a:rPr lang="en-US" b="1" dirty="0" smtClean="0"/>
+              <a:t>Note</a:t>
+            </a:r>
+            <a:r>
+              <a:rPr lang="en-US" dirty="0" smtClean="0"/>
+              <a:t>: This technique reminds me of the same techniques when working in the field of math. Before adding fractions together you often need to find the common denominator. To solve for a unknown value in Algebra you often found ways to restructure the equation so as to apply a technique. That is exactly what is happening here.</a:t>
+            </a:r>
+            <a:endParaRPr lang="en-US" b="1" dirty="0" smtClean="0"/>
+          </a:p>
+          <a:p>
             <a:endParaRPr lang="en-US" dirty="0"/>
           </a:p>
         </p:txBody>
       </p:sp>
       <p:sp>
         <p:nvSpPr>
-          <p:cNvPr id="4" name="Slide Number Placeholder 3"/>
+          <p:cNvPr id="4" name="Date Placeholder 3"/>
           <p:cNvSpPr>
             <a:spLocks noGrp="1"/>
           </p:cNvSpPr>
           <p:nvPr>
-            <p:ph type="sldNum" sz="quarter" idx="10"/>
+            <p:ph type="dt" idx="10"/>
           </p:nvPr>
         </p:nvSpPr>
         <p:spPr/>
@@ -1896,13 +3062,10 @@
             <a:pPr>
               <a:defRPr/>
             </a:pPr>
-            <a:fld id="{DC3734AA-3150-D947-AC52-2F5DF48BFCD5}" type="slidenum">
+            <a:r>
               <a:rPr lang="en-US" smtClean="0"/>
-              <a:pPr>
-                <a:defRPr/>
-              </a:pPr>
-              <a:t>14</a:t>
-            </a:fld>
+              <a:t>Chef Software, Inc.</a:t>
+            </a:r>
             <a:endParaRPr lang="en-US" dirty="0"/>
           </a:p>
         </p:txBody>
@@ -1925,18 +3088,91 @@
             <a:pPr>
               <a:defRPr/>
             </a:pPr>
+            <a:r>
+              <a:rPr lang="en-US" smtClean="0"/>
+              <a:t>Elegant Tests</a:t>
+            </a:r>
             <a:endParaRPr lang="en-US"/>
           </a:p>
         </p:txBody>
       </p:sp>
-      <p:sp>
-        <p:nvSpPr>
-          <p:cNvPr id="6" name="Footer Placeholder 5"/>
+    </p:spTree>
+    <p:extLst>
+      <p:ext uri="{BB962C8B-B14F-4D97-AF65-F5344CB8AC3E}">
+        <p14:creationId xmlns:p14="http://schemas.microsoft.com/office/powerpoint/2010/main" val="1205660287"/>
+      </p:ext>
+    </p:extLst>
+  </p:cSld>
+  <p:clrMapOvr>
+    <a:masterClrMapping/>
+  </p:clrMapOvr>
+</p:notes>
+</file>
+
+<file path=ppt/notesSlides/notesSlide9.xml><?xml version="1.0" encoding="utf-8"?>
+<p:notes xmlns:a="http://schemas.openxmlformats.org/drawingml/2006/main" xmlns:r="http://schemas.openxmlformats.org/officeDocument/2006/relationships" xmlns:p="http://schemas.openxmlformats.org/presentationml/2006/main">
+  <p:cSld>
+    <p:spTree>
+      <p:nvGrpSpPr>
+        <p:cNvPr id="1" name=""/>
+        <p:cNvGrpSpPr/>
+        <p:nvPr/>
+      </p:nvGrpSpPr>
+      <p:grpSpPr>
+        <a:xfrm>
+          <a:off x="0" y="0"/>
+          <a:ext cx="0" cy="0"/>
+          <a:chOff x="0" y="0"/>
+          <a:chExt cx="0" cy="0"/>
+        </a:xfrm>
+      </p:grpSpPr>
+      <p:sp>
+        <p:nvSpPr>
+          <p:cNvPr id="2" name="Slide Image Placeholder 1"/>
+          <p:cNvSpPr>
+            <a:spLocks noGrp="1" noRot="1" noChangeAspect="1"/>
+          </p:cNvSpPr>
+          <p:nvPr>
+            <p:ph type="sldImg"/>
+          </p:nvPr>
+        </p:nvSpPr>
+        <p:spPr/>
+      </p:sp>
+      <p:sp>
+        <p:nvSpPr>
+          <p:cNvPr id="3" name="Notes Placeholder 2"/>
           <p:cNvSpPr>
             <a:spLocks noGrp="1"/>
           </p:cNvSpPr>
           <p:nvPr>
-            <p:ph type="ftr" sz="quarter" idx="12"/>
+            <p:ph type="body" idx="1"/>
+          </p:nvPr>
+        </p:nvSpPr>
+        <p:spPr/>
+        <p:txBody>
+          <a:bodyPr/>
+          <a:lstStyle/>
+          <a:p>
+            <a:r>
+              <a:rPr lang="en-US" dirty="0"/>
+              <a:t>Now it is time to demonstrate how let can be used to help create more </a:t>
+            </a:r>
+            <a:r>
+              <a:rPr lang="en-US" dirty="0" smtClean="0"/>
+              <a:t>elegant example groups.</a:t>
+            </a:r>
+            <a:endParaRPr lang="en-US" dirty="0"/>
+          </a:p>
+        </p:txBody>
+      </p:sp>
+      <p:sp>
+        <p:nvSpPr>
+          <p:cNvPr id="5" name="Header Placeholder 4"/>
+          <p:cNvSpPr>
+            <a:spLocks noGrp="1"/>
+          </p:cNvSpPr>
+          <p:nvPr>
+            <p:ph type="hdr" sz="quarter" idx="11"/>
           </p:nvPr>
         </p:nvSpPr>
         <p:spPr/>
@@ -1947,7 +3183,37 @@
             <a:pPr>
               <a:defRPr/>
             </a:pPr>
+            <a:r>
+              <a:rPr lang="en-US" smtClean="0"/>
+              <a:t>Elegant Tests</a:t>
+            </a:r>
             <a:endParaRPr lang="en-US"/>
+          </a:p>
+        </p:txBody>
+      </p:sp>
+      <p:sp>
+        <p:nvSpPr>
+          <p:cNvPr id="7" name="Date Placeholder 6"/>
+          <p:cNvSpPr>
+            <a:spLocks noGrp="1"/>
+          </p:cNvSpPr>
+          <p:nvPr>
+            <p:ph type="dt" idx="13"/>
+          </p:nvPr>
+        </p:nvSpPr>
+        <p:spPr/>
+        <p:txBody>
+          <a:bodyPr/>
+          <a:lstStyle/>
+          <a:p>
+            <a:pPr>
+              <a:defRPr/>
+            </a:pPr>
+            <a:r>
+              <a:rPr lang="en-US" smtClean="0"/>
+              <a:t>Chef Software, Inc.</a:t>
+            </a:r>
+            <a:endParaRPr lang="en-US" dirty="0"/>
           </a:p>
         </p:txBody>
       </p:sp>
@@ -2101,7 +3367,7 @@
   <p:clrMapOvr>
     <a:masterClrMapping/>
   </p:clrMapOvr>
-  <p:transition xmlns:p14="http://schemas.microsoft.com/office/powerpoint/2010/main" spd="med">
+  <p:transition spd="med">
     <p:fade/>
   </p:transition>
 </p:sldLayout>
@@ -2389,7 +3655,7 @@
   <p:clrMapOvr>
     <a:overrideClrMapping bg1="lt1" tx1="dk1" bg2="lt2" tx2="dk2" accent1="accent1" accent2="accent2" accent3="accent3" accent4="accent4" accent5="accent5" accent6="accent6" hlink="hlink" folHlink="folHlink"/>
   </p:clrMapOvr>
-  <p:transition xmlns:p14="http://schemas.microsoft.com/office/powerpoint/2010/main" spd="med">
+  <p:transition spd="med">
     <p:fade/>
   </p:transition>
 </p:sldLayout>
@@ -2684,7 +3950,7 @@
   <p:clrMapOvr>
     <a:overrideClrMapping bg1="lt1" tx1="dk1" bg2="lt2" tx2="dk2" accent1="accent1" accent2="accent2" accent3="accent3" accent4="accent4" accent5="accent5" accent6="accent6" hlink="hlink" folHlink="folHlink"/>
   </p:clrMapOvr>
-  <p:transition xmlns:p14="http://schemas.microsoft.com/office/powerpoint/2010/main" spd="med">
+  <p:transition spd="med">
     <p:fade/>
   </p:transition>
 </p:sldLayout>
@@ -2817,14 +4083,14 @@
           </a:ln>
           <a:extLst>
             <a:ext uri="{909E8E84-426E-40dd-AFC4-6F175D3DCCD1}">
-              <a14:hiddenFill xmlns:a14="http://schemas.microsoft.com/office/drawing/2010/main">
+              <a14:hiddenFill xmlns="" xmlns:a14="http://schemas.microsoft.com/office/drawing/2010/main">
                 <a:solidFill>
                   <a:srgbClr val="FFFFFF"/>
                 </a:solidFill>
               </a14:hiddenFill>
             </a:ext>
             <a:ext uri="{91240B29-F687-4f45-9708-019B960494DF}">
-              <a14:hiddenLine xmlns:a14="http://schemas.microsoft.com/office/drawing/2010/main" w="9525">
+              <a14:hiddenLine xmlns="" xmlns:a14="http://schemas.microsoft.com/office/drawing/2010/main" w="9525">
                 <a:solidFill>
                   <a:srgbClr val="000000"/>
                 </a:solidFill>
@@ -2972,14 +4238,14 @@
           </a:ln>
           <a:extLst>
             <a:ext uri="{909E8E84-426E-40dd-AFC4-6F175D3DCCD1}">
-              <a14:hiddenFill xmlns:a14="http://schemas.microsoft.com/office/drawing/2010/main">
+              <a14:hiddenFill xmlns="" xmlns:a14="http://schemas.microsoft.com/office/drawing/2010/main">
                 <a:solidFill>
                   <a:srgbClr val="FFFFFF"/>
                 </a:solidFill>
               </a14:hiddenFill>
             </a:ext>
             <a:ext uri="{91240B29-F687-4f45-9708-019B960494DF}">
-              <a14:hiddenLine xmlns:a14="http://schemas.microsoft.com/office/drawing/2010/main" w="9525">
+              <a14:hiddenLine xmlns="" xmlns:a14="http://schemas.microsoft.com/office/drawing/2010/main" w="9525">
                 <a:solidFill>
                   <a:srgbClr val="000000"/>
                 </a:solidFill>
@@ -3377,7 +4643,7 @@
   <p:clrMapOvr>
     <a:overrideClrMapping bg1="lt1" tx1="dk1" bg2="lt2" tx2="dk2" accent1="accent1" accent2="accent2" accent3="accent3" accent4="accent4" accent5="accent5" accent6="accent6" hlink="hlink" folHlink="folHlink"/>
   </p:clrMapOvr>
-  <p:transition xmlns:p14="http://schemas.microsoft.com/office/powerpoint/2010/main" spd="med">
+  <p:transition spd="med">
     <p:fade/>
   </p:transition>
 </p:sldLayout>
@@ -3470,14 +4736,14 @@
           </a:ln>
           <a:extLst>
             <a:ext uri="{909E8E84-426E-40dd-AFC4-6F175D3DCCD1}">
-              <a14:hiddenFill xmlns:a14="http://schemas.microsoft.com/office/drawing/2010/main">
+              <a14:hiddenFill xmlns="" xmlns:a14="http://schemas.microsoft.com/office/drawing/2010/main">
                 <a:solidFill>
                   <a:srgbClr val="FFFFFF"/>
                 </a:solidFill>
               </a14:hiddenFill>
             </a:ext>
             <a:ext uri="{91240B29-F687-4f45-9708-019B960494DF}">
-              <a14:hiddenLine xmlns:a14="http://schemas.microsoft.com/office/drawing/2010/main" w="9525">
+              <a14:hiddenLine xmlns="" xmlns:a14="http://schemas.microsoft.com/office/drawing/2010/main" w="9525">
                 <a:solidFill>
                   <a:srgbClr val="000000"/>
                 </a:solidFill>
@@ -3499,7 +4765,7 @@
   <p:clrMapOvr>
     <a:masterClrMapping/>
   </p:clrMapOvr>
-  <p:transition xmlns:p14="http://schemas.microsoft.com/office/powerpoint/2010/main" spd="med">
+  <p:transition spd="med">
     <p:fade/>
   </p:transition>
 </p:sldLayout>
@@ -3786,7 +5052,7 @@
   <p:clrMapOvr>
     <a:masterClrMapping/>
   </p:clrMapOvr>
-  <p:transition xmlns:p14="http://schemas.microsoft.com/office/powerpoint/2010/main" spd="med">
+  <p:transition spd="med">
     <p:fade/>
   </p:transition>
 </p:sldLayout>
@@ -4090,7 +5356,7 @@
   <p:clrMapOvr>
     <a:masterClrMapping/>
   </p:clrMapOvr>
-  <p:transition xmlns:p14="http://schemas.microsoft.com/office/powerpoint/2010/main" spd="med">
+  <p:transition spd="med">
     <p:fade/>
   </p:transition>
 </p:sldLayout>
@@ -4377,7 +5643,7 @@
   <p:clrMapOvr>
     <a:masterClrMapping/>
   </p:clrMapOvr>
-  <p:transition xmlns:p14="http://schemas.microsoft.com/office/powerpoint/2010/main" spd="med">
+  <p:transition spd="med">
     <p:fade/>
   </p:transition>
 </p:sldLayout>
@@ -4681,7 +5947,7 @@
   <p:clrMapOvr>
     <a:masterClrMapping/>
   </p:clrMapOvr>
-  <p:transition xmlns:p14="http://schemas.microsoft.com/office/powerpoint/2010/main" spd="med">
+  <p:transition spd="med">
     <p:fade/>
   </p:transition>
 </p:sldLayout>
@@ -5030,7 +6296,7 @@
   <p:clrMapOvr>
     <a:masterClrMapping/>
   </p:clrMapOvr>
-  <p:transition xmlns:p14="http://schemas.microsoft.com/office/powerpoint/2010/main" spd="med">
+  <p:transition spd="med">
     <p:fade/>
   </p:transition>
 </p:sldLayout>
@@ -5317,7 +6583,7 @@
   <p:clrMapOvr>
     <a:masterClrMapping/>
   </p:clrMapOvr>
-  <p:transition xmlns:p14="http://schemas.microsoft.com/office/powerpoint/2010/main" spd="med">
+  <p:transition spd="med">
     <p:fade/>
   </p:transition>
 </p:sldLayout>
@@ -5566,7 +6832,7 @@
   <p:clrMapOvr>
     <a:masterClrMapping/>
   </p:clrMapOvr>
-  <p:transition xmlns:p14="http://schemas.microsoft.com/office/powerpoint/2010/main" spd="med">
+  <p:transition spd="med">
     <p:fade/>
   </p:transition>
 </p:sldLayout>
@@ -5783,14 +7049,14 @@
           </a:ln>
           <a:extLst>
             <a:ext uri="{909E8E84-426E-40dd-AFC4-6F175D3DCCD1}">
-              <a14:hiddenFill xmlns:a14="http://schemas.microsoft.com/office/drawing/2010/main">
+              <a14:hiddenFill xmlns="" xmlns:a14="http://schemas.microsoft.com/office/drawing/2010/main">
                 <a:solidFill>
                   <a:srgbClr val="FFFFFF"/>
                 </a:solidFill>
               </a14:hiddenFill>
             </a:ext>
             <a:ext uri="{91240B29-F687-4f45-9708-019B960494DF}">
-              <a14:hiddenLine xmlns:a14="http://schemas.microsoft.com/office/drawing/2010/main" w="9525">
+              <a14:hiddenLine xmlns="" xmlns:a14="http://schemas.microsoft.com/office/drawing/2010/main" w="9525">
                 <a:solidFill>
                   <a:srgbClr val="000000"/>
                 </a:solidFill>
@@ -5987,7 +7253,7 @@
   <p:clrMapOvr>
     <a:masterClrMapping/>
   </p:clrMapOvr>
-  <p:transition xmlns:p14="http://schemas.microsoft.com/office/powerpoint/2010/main" spd="med">
+  <p:transition spd="med">
     <p:fade/>
   </p:transition>
 </p:sldLayout>
@@ -6292,7 +7558,7 @@
   <p:clrMapOvr>
     <a:masterClrMapping/>
   </p:clrMapOvr>
-  <p:transition xmlns:p14="http://schemas.microsoft.com/office/powerpoint/2010/main" spd="med">
+  <p:transition spd="med">
     <p:fade/>
   </p:transition>
 </p:sldLayout>
@@ -6604,7 +7870,7 @@
   <p:clrMapOvr>
     <a:masterClrMapping/>
   </p:clrMapOvr>
-  <p:transition xmlns:p14="http://schemas.microsoft.com/office/powerpoint/2010/main" spd="med">
+  <p:transition spd="med">
     <p:fade/>
   </p:transition>
 </p:sldLayout>
@@ -6908,7 +8174,7 @@
   <p:clrMapOvr>
     <a:masterClrMapping/>
   </p:clrMapOvr>
-  <p:transition xmlns:p14="http://schemas.microsoft.com/office/powerpoint/2010/main" spd="med">
+  <p:transition spd="med">
     <p:fade/>
   </p:transition>
 </p:sldLayout>
@@ -7145,7 +8411,7 @@
   <p:clrMapOvr>
     <a:overrideClrMapping bg1="lt1" tx1="dk1" bg2="lt2" tx2="dk2" accent1="accent1" accent2="accent2" accent3="accent3" accent4="accent4" accent5="accent5" accent6="accent6" hlink="hlink" folHlink="folHlink"/>
   </p:clrMapOvr>
-  <p:transition xmlns:p14="http://schemas.microsoft.com/office/powerpoint/2010/main" spd="med">
+  <p:transition spd="med">
     <p:fade/>
   </p:transition>
 </p:sldLayout>
@@ -7322,7 +8588,7 @@
   <p:clrMapOvr>
     <a:masterClrMapping/>
   </p:clrMapOvr>
-  <p:transition xmlns:p14="http://schemas.microsoft.com/office/powerpoint/2010/main" spd="med">
+  <p:transition spd="med">
     <p:fade/>
   </p:transition>
 </p:sldLayout>
@@ -7398,14 +8664,14 @@
           </a:ln>
           <a:extLst>
             <a:ext uri="{909E8E84-426E-40dd-AFC4-6F175D3DCCD1}">
-              <a14:hiddenFill xmlns:a14="http://schemas.microsoft.com/office/drawing/2010/main">
+              <a14:hiddenFill xmlns="" xmlns:a14="http://schemas.microsoft.com/office/drawing/2010/main">
                 <a:solidFill>
                   <a:srgbClr val="FFFFFF"/>
                 </a:solidFill>
               </a14:hiddenFill>
             </a:ext>
             <a:ext uri="{91240B29-F687-4f45-9708-019B960494DF}">
-              <a14:hiddenLine xmlns:a14="http://schemas.microsoft.com/office/drawing/2010/main" w="9525">
+              <a14:hiddenLine xmlns="" xmlns:a14="http://schemas.microsoft.com/office/drawing/2010/main" w="9525">
                 <a:solidFill>
                   <a:srgbClr val="000000"/>
                 </a:solidFill>
@@ -7681,7 +8947,7 @@
   <p:clrMapOvr>
     <a:overrideClrMapping bg1="lt1" tx1="dk1" bg2="lt2" tx2="dk2" accent1="accent1" accent2="accent2" accent3="accent3" accent4="accent4" accent5="accent5" accent6="accent6" hlink="hlink" folHlink="folHlink"/>
   </p:clrMapOvr>
-  <p:transition xmlns:p14="http://schemas.microsoft.com/office/powerpoint/2010/main" spd="med">
+  <p:transition spd="med">
     <p:fade/>
   </p:transition>
 </p:sldLayout>
@@ -7887,7 +9153,7 @@
   <p:clrMapOvr>
     <a:overrideClrMapping bg1="lt1" tx1="dk1" bg2="lt2" tx2="dk2" accent1="accent1" accent2="accent2" accent3="accent3" accent4="accent4" accent5="accent5" accent6="accent6" hlink="hlink" folHlink="folHlink"/>
   </p:clrMapOvr>
-  <p:transition xmlns:p14="http://schemas.microsoft.com/office/powerpoint/2010/main" spd="med">
+  <p:transition spd="med">
     <p:fade/>
   </p:transition>
 </p:sldLayout>
@@ -7963,14 +9229,14 @@
           </a:ln>
           <a:extLst>
             <a:ext uri="{909E8E84-426E-40dd-AFC4-6F175D3DCCD1}">
-              <a14:hiddenFill xmlns:a14="http://schemas.microsoft.com/office/drawing/2010/main">
+              <a14:hiddenFill xmlns="" xmlns:a14="http://schemas.microsoft.com/office/drawing/2010/main">
                 <a:solidFill>
                   <a:srgbClr val="FFFFFF"/>
                 </a:solidFill>
               </a14:hiddenFill>
             </a:ext>
             <a:ext uri="{91240B29-F687-4f45-9708-019B960494DF}">
-              <a14:hiddenLine xmlns:a14="http://schemas.microsoft.com/office/drawing/2010/main" w="9525">
+              <a14:hiddenLine xmlns="" xmlns:a14="http://schemas.microsoft.com/office/drawing/2010/main" w="9525">
                 <a:solidFill>
                   <a:srgbClr val="000000"/>
                 </a:solidFill>
@@ -8253,7 +9519,7 @@
   <p:clrMapOvr>
     <a:overrideClrMapping bg1="lt1" tx1="dk1" bg2="lt2" tx2="dk2" accent1="accent1" accent2="accent2" accent3="accent3" accent4="accent4" accent5="accent5" accent6="accent6" hlink="hlink" folHlink="folHlink"/>
   </p:clrMapOvr>
-  <p:transition xmlns:p14="http://schemas.microsoft.com/office/powerpoint/2010/main" spd="med">
+  <p:transition spd="med">
     <p:fade/>
   </p:transition>
 </p:sldLayout>
@@ -8461,7 +9727,7 @@
   <p:clrMapOvr>
     <a:overrideClrMapping bg1="lt1" tx1="dk1" bg2="lt2" tx2="dk2" accent1="accent1" accent2="accent2" accent3="accent3" accent4="accent4" accent5="accent5" accent6="accent6" hlink="hlink" folHlink="folHlink"/>
   </p:clrMapOvr>
-  <p:transition xmlns:p14="http://schemas.microsoft.com/office/powerpoint/2010/main" spd="med">
+  <p:transition spd="med">
     <p:fade/>
   </p:transition>
 </p:sldLayout>
@@ -8537,14 +9803,14 @@
           </a:ln>
           <a:extLst>
             <a:ext uri="{909E8E84-426E-40dd-AFC4-6F175D3DCCD1}">
-              <a14:hiddenFill xmlns:a14="http://schemas.microsoft.com/office/drawing/2010/main">
+              <a14:hiddenFill xmlns="" xmlns:a14="http://schemas.microsoft.com/office/drawing/2010/main">
                 <a:solidFill>
                   <a:srgbClr val="FFFFFF"/>
                 </a:solidFill>
               </a14:hiddenFill>
             </a:ext>
             <a:ext uri="{91240B29-F687-4f45-9708-019B960494DF}">
-              <a14:hiddenLine xmlns:a14="http://schemas.microsoft.com/office/drawing/2010/main" w="9525">
+              <a14:hiddenLine xmlns="" xmlns:a14="http://schemas.microsoft.com/office/drawing/2010/main" w="9525">
                 <a:solidFill>
                   <a:srgbClr val="000000"/>
                 </a:solidFill>
@@ -8812,7 +10078,7 @@
   <p:clrMapOvr>
     <a:overrideClrMapping bg1="lt1" tx1="dk1" bg2="lt2" tx2="dk2" accent1="accent1" accent2="accent2" accent3="accent3" accent4="accent4" accent5="accent5" accent6="accent6" hlink="hlink" folHlink="folHlink"/>
   </p:clrMapOvr>
-  <p:transition xmlns:p14="http://schemas.microsoft.com/office/powerpoint/2010/main" spd="med">
+  <p:transition spd="med">
     <p:fade/>
   </p:transition>
 </p:sldLayout>
@@ -9040,7 +10306,7 @@
   <p:clrMapOvr>
     <a:overrideClrMapping bg1="lt1" tx1="dk1" bg2="lt2" tx2="dk2" accent1="accent1" accent2="accent2" accent3="accent3" accent4="accent4" accent5="accent5" accent6="accent6" hlink="hlink" folHlink="folHlink"/>
   </p:clrMapOvr>
-  <p:transition xmlns:p14="http://schemas.microsoft.com/office/powerpoint/2010/main" spd="med">
+  <p:transition spd="med">
     <p:fade/>
   </p:transition>
 </p:sldLayout>
@@ -9196,14 +10462,14 @@
           </a:ln>
           <a:extLst>
             <a:ext uri="{909E8E84-426E-40dd-AFC4-6F175D3DCCD1}">
-              <a14:hiddenFill xmlns:a14="http://schemas.microsoft.com/office/drawing/2010/main">
+              <a14:hiddenFill xmlns="" xmlns:a14="http://schemas.microsoft.com/office/drawing/2010/main">
                 <a:solidFill>
                   <a:srgbClr val="FFFFFF"/>
                 </a:solidFill>
               </a14:hiddenFill>
             </a:ext>
             <a:ext uri="{91240B29-F687-4f45-9708-019B960494DF}">
-              <a14:hiddenLine xmlns:a14="http://schemas.microsoft.com/office/drawing/2010/main" w="9525">
+              <a14:hiddenLine xmlns="" xmlns:a14="http://schemas.microsoft.com/office/drawing/2010/main" w="9525">
                 <a:solidFill>
                   <a:srgbClr val="000000"/>
                 </a:solidFill>
@@ -9445,13 +10711,13 @@
     <p:sldLayoutId id="2147483868" r:id="rId14"/>
     <p:sldLayoutId id="2147483870" r:id="rId15"/>
   </p:sldLayoutIdLst>
-  <p:transition xmlns:p14="http://schemas.microsoft.com/office/powerpoint/2010/main" spd="med">
+  <p:transition spd="med">
     <p:fade/>
   </p:transition>
   <p:timing>
     <p:tnLst>
       <p:par>
-        <p:cTn xmlns:p14="http://schemas.microsoft.com/office/powerpoint/2010/main" id="1" dur="indefinite" restart="never" nodeType="tmRoot"/>
+        <p:cTn id="1" dur="indefinite" restart="never" nodeType="tmRoot"/>
       </p:par>
     </p:tnLst>
   </p:timing>
@@ -9979,14 +11245,14 @@
           </a:ln>
           <a:extLst>
             <a:ext uri="{909E8E84-426E-40dd-AFC4-6F175D3DCCD1}">
-              <a14:hiddenFill xmlns:a14="http://schemas.microsoft.com/office/drawing/2010/main">
+              <a14:hiddenFill xmlns="" xmlns:a14="http://schemas.microsoft.com/office/drawing/2010/main">
                 <a:solidFill>
                   <a:srgbClr val="FFFFFF"/>
                 </a:solidFill>
               </a14:hiddenFill>
             </a:ext>
             <a:ext uri="{91240B29-F687-4f45-9708-019B960494DF}">
-              <a14:hiddenLine xmlns:a14="http://schemas.microsoft.com/office/drawing/2010/main" w="9525">
+              <a14:hiddenLine xmlns="" xmlns:a14="http://schemas.microsoft.com/office/drawing/2010/main" w="9525">
                 <a:solidFill>
                   <a:srgbClr val="000000"/>
                 </a:solidFill>
@@ -10297,13 +11563,13 @@
     <p:sldLayoutId id="2147483866" r:id="rId8"/>
     <p:sldLayoutId id="2147483869" r:id="rId9"/>
   </p:sldLayoutIdLst>
-  <p:transition xmlns:p14="http://schemas.microsoft.com/office/powerpoint/2010/main" spd="med">
+  <p:transition spd="med">
     <p:fade/>
   </p:transition>
   <p:timing>
     <p:tnLst>
       <p:par>
-        <p:cTn xmlns:p14="http://schemas.microsoft.com/office/powerpoint/2010/main" id="1" dur="indefinite" restart="never" nodeType="tmRoot"/>
+        <p:cTn id="1" dur="indefinite" restart="never" nodeType="tmRoot"/>
       </p:par>
     </p:tnLst>
   </p:timing>
@@ -10886,14 +12152,14 @@
           </a:ln>
           <a:extLst>
             <a:ext uri="{909E8E84-426E-40dd-AFC4-6F175D3DCCD1}">
-              <a14:hiddenFill xmlns:a14="http://schemas.microsoft.com/office/drawing/2010/main">
+              <a14:hiddenFill xmlns="" xmlns:a14="http://schemas.microsoft.com/office/drawing/2010/main">
                 <a:solidFill>
                   <a:srgbClr val="FFFFFF"/>
                 </a:solidFill>
               </a14:hiddenFill>
             </a:ext>
             <a:ext uri="{91240B29-F687-4f45-9708-019B960494DF}">
-              <a14:hiddenLine xmlns:a14="http://schemas.microsoft.com/office/drawing/2010/main" w="9525">
+              <a14:hiddenLine xmlns="" xmlns:a14="http://schemas.microsoft.com/office/drawing/2010/main" w="9525">
                 <a:solidFill>
                   <a:srgbClr val="000000"/>
                 </a:solidFill>
@@ -11127,13 +12393,13 @@
   <p:clrMapOvr>
     <a:masterClrMapping/>
   </p:clrMapOvr>
-  <p:transition xmlns:p14="http://schemas.microsoft.com/office/powerpoint/2010/main" spd="med">
+  <p:transition spd="med">
     <p:fade/>
   </p:transition>
   <p:timing>
     <p:tnLst>
       <p:par>
-        <p:cTn xmlns:p14="http://schemas.microsoft.com/office/powerpoint/2010/main" id="1" dur="indefinite" restart="never" nodeType="tmRoot"/>
+        <p:cTn id="1" dur="indefinite" restart="never" nodeType="tmRoot"/>
       </p:par>
     </p:tnLst>
   </p:timing>
@@ -11164,6 +12430,502 @@
             <a:spLocks noGrp="1"/>
           </p:cNvSpPr>
           <p:nvPr>
+            <p:ph type="ctrTitle"/>
+          </p:nvPr>
+        </p:nvSpPr>
+        <p:spPr/>
+        <p:txBody>
+          <a:bodyPr>
+            <a:normAutofit fontScale="90000"/>
+          </a:bodyPr>
+          <a:lstStyle/>
+          <a:p>
+            <a:r>
+              <a:rPr lang="en-US" dirty="0" smtClean="0"/>
+              <a:t>Live Demonstration</a:t>
+            </a:r>
+            <a:endParaRPr lang="en-US" dirty="0"/>
+          </a:p>
+        </p:txBody>
+      </p:sp>
+      <p:sp>
+        <p:nvSpPr>
+          <p:cNvPr id="3" name="Subtitle 2"/>
+          <p:cNvSpPr>
+            <a:spLocks noGrp="1"/>
+          </p:cNvSpPr>
+          <p:nvPr>
+            <p:ph type="subTitle" idx="1"/>
+          </p:nvPr>
+        </p:nvSpPr>
+        <p:spPr/>
+        <p:txBody>
+          <a:bodyPr anchor="ctr"/>
+          <a:lstStyle/>
+          <a:p>
+            <a:pPr algn="ctr"/>
+            <a:r>
+              <a:rPr lang="en-US" sz="4000" b="1" dirty="0" smtClean="0">
+                <a:hlinkClick r:id="rId3"/>
+              </a:rPr>
+              <a:t>https</a:t>
+            </a:r>
+            <a:r>
+              <a:rPr lang="en-US" sz="4000" b="1" dirty="0">
+                <a:hlinkClick r:id="rId3"/>
+              </a:rPr>
+              <a:t>://</a:t>
+            </a:r>
+            <a:r>
+              <a:rPr lang="en-US" sz="4000" b="1" dirty="0" smtClean="0">
+                <a:hlinkClick r:id="rId3"/>
+              </a:rPr>
+              <a:t>goo.gl/ChkP47</a:t>
+            </a:r>
+            <a:endParaRPr lang="en-US" sz="4000" b="1" dirty="0" smtClean="0"/>
+          </a:p>
+        </p:txBody>
+      </p:sp>
+      <p:sp>
+        <p:nvSpPr>
+          <p:cNvPr id="4" name="TextBox 3"/>
+          <p:cNvSpPr txBox="1"/>
+          <p:nvPr/>
+        </p:nvSpPr>
+        <p:spPr bwMode="white">
+          <a:xfrm>
+            <a:off x="12234041" y="5849007"/>
+            <a:ext cx="914400" cy="914400"/>
+          </a:xfrm>
+          <a:prstGeom prst="rect">
+            <a:avLst/>
+          </a:prstGeom>
+        </p:spPr>
+        <p:txBody>
+          <a:bodyPr vert="horz" wrap="none" lIns="91440" tIns="91440" rIns="91440" bIns="91440" rtlCol="0">
+            <a:normAutofit/>
+          </a:bodyPr>
+          <a:lstStyle/>
+          <a:p>
+            <a:endParaRPr lang="en-US" dirty="0" smtClean="0"/>
+          </a:p>
+        </p:txBody>
+      </p:sp>
+    </p:spTree>
+    <p:extLst>
+      <p:ext uri="{BB962C8B-B14F-4D97-AF65-F5344CB8AC3E}">
+        <p14:creationId xmlns:p14="http://schemas.microsoft.com/office/powerpoint/2010/main" val="2331603093"/>
+      </p:ext>
+    </p:extLst>
+  </p:cSld>
+  <p:clrMapOvr>
+    <a:masterClrMapping/>
+  </p:clrMapOvr>
+  <p:transition spd="med">
+    <p:fade/>
+  </p:transition>
+  <p:timing>
+    <p:tnLst>
+      <p:par>
+        <p:cTn id="1" dur="indefinite" restart="never" nodeType="tmRoot"/>
+      </p:par>
+    </p:tnLst>
+  </p:timing>
+</p:sld>
+</file>
+
+<file path=ppt/slides/slide11.xml><?xml version="1.0" encoding="utf-8"?>
+<p:sld xmlns:a="http://schemas.openxmlformats.org/drawingml/2006/main" xmlns:r="http://schemas.openxmlformats.org/officeDocument/2006/relationships" xmlns:p="http://schemas.openxmlformats.org/presentationml/2006/main">
+  <p:cSld>
+    <p:spTree>
+      <p:nvGrpSpPr>
+        <p:cNvPr id="1" name=""/>
+        <p:cNvGrpSpPr/>
+        <p:nvPr/>
+      </p:nvGrpSpPr>
+      <p:grpSpPr>
+        <a:xfrm>
+          <a:off x="0" y="0"/>
+          <a:ext cx="0" cy="0"/>
+          <a:chOff x="0" y="0"/>
+          <a:chExt cx="0" cy="0"/>
+        </a:xfrm>
+      </p:grpSpPr>
+      <p:sp>
+        <p:nvSpPr>
+          <p:cNvPr id="7" name="Rectangle 6"/>
+          <p:cNvSpPr/>
+          <p:nvPr/>
+        </p:nvSpPr>
+        <p:spPr bwMode="auto">
+          <a:xfrm>
+            <a:off x="0" y="4840941"/>
+            <a:ext cx="16256000" cy="3376707"/>
+          </a:xfrm>
+          <a:prstGeom prst="rect">
+            <a:avLst/>
+          </a:prstGeom>
+          <a:solidFill>
+            <a:schemeClr val="tx2">
+              <a:alpha val="50000"/>
+            </a:schemeClr>
+          </a:solidFill>
+          <a:ln>
+            <a:noFill/>
+            <a:headEnd type="none" w="med" len="med"/>
+            <a:tailEnd type="none" w="med" len="med"/>
+          </a:ln>
+          <a:effectLst/>
+        </p:spPr>
+        <p:style>
+          <a:lnRef idx="1">
+            <a:schemeClr val="accent4"/>
+          </a:lnRef>
+          <a:fillRef idx="3">
+            <a:schemeClr val="accent4"/>
+          </a:fillRef>
+          <a:effectRef idx="2">
+            <a:schemeClr val="accent4"/>
+          </a:effectRef>
+          <a:fontRef idx="minor">
+            <a:schemeClr val="lt1"/>
+          </a:fontRef>
+        </p:style>
+        <p:txBody>
+          <a:bodyPr vert="horz" wrap="square" lIns="91436" tIns="45718" rIns="91436" bIns="45718" numCol="1" rtlCol="0" anchor="ctr" anchorCtr="0" compatLnSpc="1">
+            <a:prstTxWarp prst="textNoShape">
+              <a:avLst/>
+            </a:prstTxWarp>
+          </a:bodyPr>
+          <a:lstStyle/>
+          <a:p>
+            <a:pPr algn="ctr" defTabSz="914099"/>
+            <a:endParaRPr lang="en-US" sz="2400" dirty="0" err="1" smtClean="0">
+              <a:gradFill>
+                <a:gsLst>
+                  <a:gs pos="0">
+                    <a:srgbClr val="FFFFFF"/>
+                  </a:gs>
+                  <a:gs pos="100000">
+                    <a:srgbClr val="FFFFFF"/>
+                  </a:gs>
+                </a:gsLst>
+                <a:lin ang="5400000" scaled="0"/>
+              </a:gradFill>
+            </a:endParaRPr>
+          </a:p>
+        </p:txBody>
+      </p:sp>
+      <p:sp>
+        <p:nvSpPr>
+          <p:cNvPr id="2" name="Title 1"/>
+          <p:cNvSpPr>
+            <a:spLocks noGrp="1"/>
+          </p:cNvSpPr>
+          <p:nvPr>
+            <p:ph type="title"/>
+          </p:nvPr>
+        </p:nvSpPr>
+        <p:spPr>
+          <a:effectLst>
+            <a:outerShdw blurRad="50800" dist="76200" dir="5400000" algn="t" rotWithShape="0">
+              <a:prstClr val="black">
+                <a:alpha val="40000"/>
+              </a:prstClr>
+            </a:outerShdw>
+          </a:effectLst>
+        </p:spPr>
+        <p:txBody>
+          <a:bodyPr>
+            <a:normAutofit/>
+          </a:bodyPr>
+          <a:lstStyle/>
+          <a:p>
+            <a:r>
+              <a:rPr lang="en-US" dirty="0" err="1">
+                <a:latin typeface="Courier New"/>
+                <a:cs typeface="Courier New"/>
+              </a:rPr>
+              <a:t>shared_examples</a:t>
+            </a:r>
+            <a:endParaRPr lang="en-US" dirty="0">
+              <a:latin typeface="Courier New"/>
+              <a:cs typeface="Courier New"/>
+            </a:endParaRPr>
+          </a:p>
+        </p:txBody>
+      </p:sp>
+      <p:sp>
+        <p:nvSpPr>
+          <p:cNvPr id="4" name="Text Placeholder 3"/>
+          <p:cNvSpPr>
+            <a:spLocks noGrp="1"/>
+          </p:cNvSpPr>
+          <p:nvPr>
+            <p:ph type="body" sz="quarter" idx="12"/>
+          </p:nvPr>
+        </p:nvSpPr>
+        <p:spPr>
+          <a:xfrm>
+            <a:off x="650040" y="5213473"/>
+            <a:ext cx="6987278" cy="2765115"/>
+          </a:xfrm>
+        </p:spPr>
+        <p:txBody>
+          <a:bodyPr/>
+          <a:lstStyle/>
+          <a:p>
+            <a:pPr marL="457200" indent="-457200">
+              <a:buFont typeface="Wingdings" charset="2"/>
+              <a:buChar char="ü"/>
+            </a:pPr>
+            <a:r>
+              <a:rPr lang="en-US" b="1" dirty="0" smtClean="0"/>
+              <a:t>Concepts</a:t>
+            </a:r>
+          </a:p>
+          <a:p>
+            <a:pPr marL="457200" indent="-457200">
+              <a:buFont typeface="Wingdings" charset="2"/>
+              <a:buChar char="ü"/>
+            </a:pPr>
+            <a:r>
+              <a:rPr lang="en-US" b="1" dirty="0" smtClean="0"/>
+              <a:t>Demonstration</a:t>
+            </a:r>
+          </a:p>
+          <a:p>
+            <a:pPr marL="457200" indent="-457200">
+              <a:buFont typeface="Wingdings" charset="2"/>
+              <a:buChar char="q"/>
+            </a:pPr>
+            <a:r>
+              <a:rPr lang="en-US" b="1" dirty="0" smtClean="0"/>
+              <a:t>Review</a:t>
+            </a:r>
+          </a:p>
+          <a:p>
+            <a:pPr marL="457200" indent="-457200">
+              <a:buFont typeface="Wingdings" charset="2"/>
+              <a:buChar char="q"/>
+            </a:pPr>
+            <a:r>
+              <a:rPr lang="en-US" b="1" dirty="0" smtClean="0"/>
+              <a:t>Exercise</a:t>
+            </a:r>
+          </a:p>
+        </p:txBody>
+      </p:sp>
+    </p:spTree>
+    <p:extLst>
+      <p:ext uri="{BB962C8B-B14F-4D97-AF65-F5344CB8AC3E}">
+        <p14:creationId xmlns:p14="http://schemas.microsoft.com/office/powerpoint/2010/main" val="3064320720"/>
+      </p:ext>
+    </p:extLst>
+  </p:cSld>
+  <p:clrMapOvr>
+    <a:masterClrMapping/>
+  </p:clrMapOvr>
+  <p:transition spd="med">
+    <p:fade/>
+  </p:transition>
+  <p:timing>
+    <p:tnLst>
+      <p:par>
+        <p:cTn id="1" dur="indefinite" restart="never" nodeType="tmRoot"/>
+      </p:par>
+    </p:tnLst>
+  </p:timing>
+</p:sld>
+</file>
+
+<file path=ppt/slides/slide12.xml><?xml version="1.0" encoding="utf-8"?>
+<p:sld xmlns:a="http://schemas.openxmlformats.org/drawingml/2006/main" xmlns:r="http://schemas.openxmlformats.org/officeDocument/2006/relationships" xmlns:p="http://schemas.openxmlformats.org/presentationml/2006/main">
+  <p:cSld>
+    <p:spTree>
+      <p:nvGrpSpPr>
+        <p:cNvPr id="1" name=""/>
+        <p:cNvGrpSpPr/>
+        <p:nvPr/>
+      </p:nvGrpSpPr>
+      <p:grpSpPr>
+        <a:xfrm>
+          <a:off x="0" y="0"/>
+          <a:ext cx="0" cy="0"/>
+          <a:chOff x="0" y="0"/>
+          <a:chExt cx="0" cy="0"/>
+        </a:xfrm>
+      </p:grpSpPr>
+      <p:sp>
+        <p:nvSpPr>
+          <p:cNvPr id="2" name="Title 1"/>
+          <p:cNvSpPr>
+            <a:spLocks noGrp="1"/>
+          </p:cNvSpPr>
+          <p:nvPr>
+            <p:ph type="ctrTitle"/>
+          </p:nvPr>
+        </p:nvSpPr>
+        <p:spPr/>
+        <p:txBody>
+          <a:bodyPr>
+            <a:normAutofit fontScale="90000"/>
+          </a:bodyPr>
+          <a:lstStyle/>
+          <a:p>
+            <a:r>
+              <a:rPr lang="en-US" dirty="0" err="1" smtClean="0">
+                <a:latin typeface="Courier New"/>
+                <a:cs typeface="Courier New"/>
+              </a:rPr>
+              <a:t>shared_examples</a:t>
+            </a:r>
+            <a:endParaRPr lang="en-US" dirty="0">
+              <a:latin typeface="Courier New"/>
+              <a:cs typeface="Courier New"/>
+            </a:endParaRPr>
+          </a:p>
+        </p:txBody>
+      </p:sp>
+      <p:sp>
+        <p:nvSpPr>
+          <p:cNvPr id="3" name="Subtitle 2"/>
+          <p:cNvSpPr>
+            <a:spLocks noGrp="1"/>
+          </p:cNvSpPr>
+          <p:nvPr>
+            <p:ph type="subTitle" idx="1"/>
+          </p:nvPr>
+        </p:nvSpPr>
+        <p:spPr/>
+        <p:txBody>
+          <a:bodyPr/>
+          <a:lstStyle/>
+          <a:p>
+            <a:r>
+              <a:rPr lang="en-US" dirty="0"/>
+              <a:t>Shared examples let you describe </a:t>
+            </a:r>
+            <a:r>
+              <a:rPr lang="en-US" dirty="0" smtClean="0"/>
+              <a:t>behavior </a:t>
+            </a:r>
+            <a:r>
+              <a:rPr lang="en-US" dirty="0"/>
+              <a:t>of classes or modules. When declared</a:t>
+            </a:r>
+            <a:r>
+              <a:rPr lang="en-US" dirty="0" smtClean="0"/>
+              <a:t>, a </a:t>
+            </a:r>
+            <a:r>
+              <a:rPr lang="en-US" dirty="0"/>
+              <a:t>shared group's content is stored. It is only realized in the context </a:t>
+            </a:r>
+            <a:r>
+              <a:rPr lang="en-US" dirty="0" smtClean="0"/>
+              <a:t>of another </a:t>
+            </a:r>
+            <a:r>
+              <a:rPr lang="en-US" dirty="0"/>
+              <a:t>example group, which provides any context the shared </a:t>
+            </a:r>
+            <a:r>
+              <a:rPr lang="en-US" dirty="0" smtClean="0"/>
+              <a:t>group needs to run</a:t>
+            </a:r>
+            <a:r>
+              <a:rPr lang="en-US" dirty="0"/>
+              <a:t>.</a:t>
+            </a:r>
+          </a:p>
+        </p:txBody>
+      </p:sp>
+      <p:sp>
+        <p:nvSpPr>
+          <p:cNvPr id="4" name="TextBox 3"/>
+          <p:cNvSpPr txBox="1"/>
+          <p:nvPr/>
+        </p:nvSpPr>
+        <p:spPr bwMode="white">
+          <a:xfrm>
+            <a:off x="1676399" y="7010401"/>
+            <a:ext cx="12310534" cy="914400"/>
+          </a:xfrm>
+          <a:prstGeom prst="rect">
+            <a:avLst/>
+          </a:prstGeom>
+        </p:spPr>
+        <p:txBody>
+          <a:bodyPr vert="horz" wrap="none" lIns="91440" tIns="91440" rIns="91440" bIns="91440" rtlCol="0" anchor="ctr">
+            <a:normAutofit/>
+          </a:bodyPr>
+          <a:lstStyle/>
+          <a:p>
+            <a:pPr algn="ctr"/>
+            <a:r>
+              <a:rPr lang="en-US" sz="3200" dirty="0"/>
+              <a:t>https://</a:t>
+            </a:r>
+            <a:r>
+              <a:rPr lang="en-US" sz="3200" dirty="0" err="1"/>
+              <a:t>goo.gl</a:t>
+            </a:r>
+            <a:r>
+              <a:rPr lang="en-US" sz="3200" dirty="0"/>
+              <a:t>/yi12tM</a:t>
+            </a:r>
+            <a:endParaRPr lang="en-US" sz="3200" dirty="0" smtClean="0"/>
+          </a:p>
+        </p:txBody>
+      </p:sp>
+    </p:spTree>
+    <p:extLst>
+      <p:ext uri="{BB962C8B-B14F-4D97-AF65-F5344CB8AC3E}">
+        <p14:creationId xmlns:p14="http://schemas.microsoft.com/office/powerpoint/2010/main" val="3421657502"/>
+      </p:ext>
+    </p:extLst>
+  </p:cSld>
+  <p:clrMapOvr>
+    <a:masterClrMapping/>
+  </p:clrMapOvr>
+  <p:transition spd="med">
+    <p:fade/>
+  </p:transition>
+  <p:timing>
+    <p:tnLst>
+      <p:par>
+        <p:cTn id="1" dur="indefinite" restart="never" nodeType="tmRoot"/>
+      </p:par>
+    </p:tnLst>
+  </p:timing>
+</p:sld>
+</file>
+
+<file path=ppt/slides/slide13.xml><?xml version="1.0" encoding="utf-8"?>
+<p:sld xmlns:a="http://schemas.openxmlformats.org/drawingml/2006/main" xmlns:r="http://schemas.openxmlformats.org/officeDocument/2006/relationships" xmlns:p="http://schemas.openxmlformats.org/presentationml/2006/main">
+  <p:cSld>
+    <p:spTree>
+      <p:nvGrpSpPr>
+        <p:cNvPr id="1" name=""/>
+        <p:cNvGrpSpPr/>
+        <p:nvPr/>
+      </p:nvGrpSpPr>
+      <p:grpSpPr>
+        <a:xfrm>
+          <a:off x="0" y="0"/>
+          <a:ext cx="0" cy="0"/>
+          <a:chOff x="0" y="0"/>
+          <a:chExt cx="0" cy="0"/>
+        </a:xfrm>
+      </p:grpSpPr>
+      <p:sp>
+        <p:nvSpPr>
+          <p:cNvPr id="2" name="Title 1"/>
+          <p:cNvSpPr>
+            <a:spLocks noGrp="1"/>
+          </p:cNvSpPr>
+          <p:nvPr>
             <p:ph type="title"/>
           </p:nvPr>
         </p:nvSpPr>
@@ -11240,15 +13002,7 @@
             </a:pPr>
             <a:r>
               <a:rPr lang="en-US" sz="2400" dirty="0" smtClean="0"/>
-              <a:t>    </a:t>
-            </a:r>
-            <a:r>
-              <a:rPr lang="en-US" sz="2400" dirty="0" smtClean="0"/>
-              <a:t>let</a:t>
-            </a:r>
-            <a:r>
-              <a:rPr lang="en-US" sz="2400" dirty="0" smtClean="0"/>
-              <a:t>(:</a:t>
+              <a:t>    let(:</a:t>
             </a:r>
             <a:r>
               <a:rPr lang="en-US" sz="2400" dirty="0" err="1" smtClean="0"/>
@@ -11401,11 +13155,7 @@
             </a:r>
             <a:r>
               <a:rPr lang="en-US" sz="2400" dirty="0" smtClean="0"/>
-              <a:t>   </a:t>
-            </a:r>
-            <a:r>
-              <a:rPr lang="en-US" sz="2400" dirty="0" smtClean="0"/>
-              <a:t>let</a:t>
+              <a:t>   let</a:t>
             </a:r>
             <a:r>
               <a:rPr lang="en-US" sz="2400" dirty="0"/>
@@ -12125,20 +13875,20 @@
   <p:clrMapOvr>
     <a:masterClrMapping/>
   </p:clrMapOvr>
-  <p:transition xmlns:p14="http://schemas.microsoft.com/office/powerpoint/2010/main" spd="med">
+  <p:transition spd="med">
     <p:fade/>
   </p:transition>
   <p:timing>
     <p:tnLst>
       <p:par>
-        <p:cTn xmlns:p14="http://schemas.microsoft.com/office/powerpoint/2010/main" id="1" dur="indefinite" restart="never" nodeType="tmRoot"/>
+        <p:cTn id="1" dur="indefinite" restart="never" nodeType="tmRoot"/>
       </p:par>
     </p:tnLst>
   </p:timing>
 </p:sld>
 </file>
 
-<file path=ppt/slides/slide11.xml><?xml version="1.0" encoding="utf-8"?>
+<file path=ppt/slides/slide14.xml><?xml version="1.0" encoding="utf-8"?>
 <p:sld xmlns:a="http://schemas.openxmlformats.org/drawingml/2006/main" xmlns:r="http://schemas.openxmlformats.org/officeDocument/2006/relationships" xmlns:p="http://schemas.openxmlformats.org/presentationml/2006/main">
   <p:cSld>
     <p:spTree>
@@ -12619,20 +14369,20 @@
   <p:clrMapOvr>
     <a:masterClrMapping/>
   </p:clrMapOvr>
-  <p:transition xmlns:p14="http://schemas.microsoft.com/office/powerpoint/2010/main" spd="med">
+  <p:transition spd="med">
     <p:fade/>
   </p:transition>
   <p:timing>
     <p:tnLst>
       <p:par>
-        <p:cTn xmlns:p14="http://schemas.microsoft.com/office/powerpoint/2010/main" id="1" dur="indefinite" restart="never" nodeType="tmRoot"/>
+        <p:cTn id="1" dur="indefinite" restart="never" nodeType="tmRoot"/>
       </p:par>
     </p:tnLst>
   </p:timing>
 </p:sld>
 </file>
 
-<file path=ppt/slides/slide12.xml><?xml version="1.0" encoding="utf-8"?>
+<file path=ppt/slides/slide15.xml><?xml version="1.0" encoding="utf-8"?>
 <p:sld xmlns:a="http://schemas.openxmlformats.org/drawingml/2006/main" xmlns:r="http://schemas.openxmlformats.org/officeDocument/2006/relationships" xmlns:p="http://schemas.openxmlformats.org/presentationml/2006/main">
   <p:cSld>
     <p:spTree>
@@ -12824,20 +14574,20 @@
   <p:clrMapOvr>
     <a:masterClrMapping/>
   </p:clrMapOvr>
-  <p:transition xmlns:p14="http://schemas.microsoft.com/office/powerpoint/2010/main" spd="med">
+  <p:transition spd="med">
     <p:fade/>
   </p:transition>
   <p:timing>
     <p:tnLst>
       <p:par>
-        <p:cTn xmlns:p14="http://schemas.microsoft.com/office/powerpoint/2010/main" id="1" dur="indefinite" restart="never" nodeType="tmRoot"/>
+        <p:cTn id="1" dur="indefinite" restart="never" nodeType="tmRoot"/>
       </p:par>
     </p:tnLst>
   </p:timing>
 </p:sld>
 </file>
 
-<file path=ppt/slides/slide13.xml><?xml version="1.0" encoding="utf-8"?>
+<file path=ppt/slides/slide16.xml><?xml version="1.0" encoding="utf-8"?>
 <p:sld xmlns:a="http://schemas.openxmlformats.org/drawingml/2006/main" xmlns:r="http://schemas.openxmlformats.org/officeDocument/2006/relationships" xmlns:p="http://schemas.openxmlformats.org/presentationml/2006/main">
   <p:cSld>
     <p:spTree>
@@ -12899,34 +14649,26 @@
                 <a:ea typeface="Apple Chancery" charset="0"/>
                 <a:cs typeface="Apple Chancery" charset="0"/>
               </a:rPr>
-              <a:t>Find </a:t>
-            </a:r>
-            <a:r>
-              <a:rPr lang="en-US" sz="6000" smtClean="0">
-                <a:latin typeface="Apple Chancery" charset="0"/>
-                <a:ea typeface="Apple Chancery" charset="0"/>
-                <a:cs typeface="Apple Chancery" charset="0"/>
-              </a:rPr>
-              <a:t>shared examples</a:t>
-            </a:r>
+              <a:t>Find shared examples; extract.</a:t>
+            </a:r>
+          </a:p>
+          <a:p>
+            <a:pPr algn="ctr"/>
             <a:r>
               <a:rPr lang="en-US" sz="6000" dirty="0" smtClean="0">
                 <a:latin typeface="Apple Chancery" charset="0"/>
                 <a:ea typeface="Apple Chancery" charset="0"/>
                 <a:cs typeface="Apple Chancery" charset="0"/>
               </a:rPr>
-              <a:t>; extract.</a:t>
-            </a:r>
-          </a:p>
-          <a:p>
-            <a:pPr algn="ctr"/>
+              <a:t>Execute the Tests. Find </a:t>
+            </a:r>
             <a:r>
               <a:rPr lang="en-US" sz="6000" dirty="0" smtClean="0">
                 <a:latin typeface="Apple Chancery" charset="0"/>
                 <a:ea typeface="Apple Chancery" charset="0"/>
                 <a:cs typeface="Apple Chancery" charset="0"/>
               </a:rPr>
-              <a:t>Find Success.</a:t>
+              <a:t>Success.</a:t>
             </a:r>
             <a:endParaRPr lang="en-US" sz="6000" dirty="0">
               <a:latin typeface="Apple Chancery" charset="0"/>
@@ -13164,20 +14906,20 @@
   <p:clrMapOvr>
     <a:masterClrMapping/>
   </p:clrMapOvr>
-  <p:transition xmlns:p14="http://schemas.microsoft.com/office/powerpoint/2010/main" spd="med">
+  <p:transition spd="med">
     <p:fade/>
   </p:transition>
   <p:timing>
     <p:tnLst>
       <p:par>
-        <p:cTn xmlns:p14="http://schemas.microsoft.com/office/powerpoint/2010/main" id="1" dur="indefinite" restart="never" nodeType="tmRoot"/>
+        <p:cTn id="1" dur="indefinite" restart="never" nodeType="tmRoot"/>
       </p:par>
     </p:tnLst>
   </p:timing>
 </p:sld>
 </file>
 
-<file path=ppt/slides/slide14.xml><?xml version="1.0" encoding="utf-8"?>
+<file path=ppt/slides/slide17.xml><?xml version="1.0" encoding="utf-8"?>
 <p:sld xmlns:a="http://schemas.openxmlformats.org/drawingml/2006/main" xmlns:r="http://schemas.openxmlformats.org/officeDocument/2006/relationships" xmlns:p="http://schemas.openxmlformats.org/presentationml/2006/main">
   <p:cSld>
     <p:spTree>
@@ -13369,20 +15111,20 @@
   <p:clrMapOvr>
     <a:masterClrMapping/>
   </p:clrMapOvr>
-  <p:transition xmlns:p14="http://schemas.microsoft.com/office/powerpoint/2010/main" spd="med">
+  <p:transition spd="med">
     <p:fade/>
   </p:transition>
   <p:timing>
     <p:tnLst>
       <p:par>
-        <p:cTn xmlns:p14="http://schemas.microsoft.com/office/powerpoint/2010/main" id="1" dur="indefinite" restart="never" nodeType="tmRoot"/>
+        <p:cTn id="1" dur="indefinite" restart="never" nodeType="tmRoot"/>
       </p:par>
     </p:tnLst>
   </p:timing>
 </p:sld>
 </file>
 
-<file path=ppt/slides/slide15.xml><?xml version="1.0" encoding="utf-8"?>
+<file path=ppt/slides/slide18.xml><?xml version="1.0" encoding="utf-8"?>
 <p:sld xmlns:a="http://schemas.openxmlformats.org/drawingml/2006/main" xmlns:r="http://schemas.openxmlformats.org/officeDocument/2006/relationships" xmlns:p="http://schemas.openxmlformats.org/presentationml/2006/main">
   <p:cSld>
     <p:spTree>
@@ -13409,13 +15151,13 @@
   <p:clrMapOvr>
     <a:masterClrMapping/>
   </p:clrMapOvr>
-  <p:transition xmlns:p14="http://schemas.microsoft.com/office/powerpoint/2010/main" spd="med">
+  <p:transition spd="med">
     <p:fade/>
   </p:transition>
   <p:timing>
     <p:tnLst>
       <p:par>
-        <p:cTn xmlns:p14="http://schemas.microsoft.com/office/powerpoint/2010/main" id="1" dur="indefinite" restart="never" nodeType="tmRoot"/>
+        <p:cTn id="1" dur="indefinite" restart="never" nodeType="tmRoot"/>
       </p:par>
     </p:tnLst>
   </p:timing>
@@ -13521,29 +15263,8 @@
                 <a:ea typeface="Apple Chancery" charset="0"/>
                 <a:cs typeface="Apple Chancery" charset="0"/>
               </a:rPr>
-              <a:t>o </a:t>
-            </a:r>
-            <a:r>
-              <a:rPr lang="en-US" sz="7200" dirty="0" smtClean="0">
-                <a:latin typeface="Apple Chancery" charset="0"/>
-                <a:ea typeface="Apple Chancery" charset="0"/>
-                <a:cs typeface="Apple Chancery" charset="0"/>
-              </a:rPr>
-              <a:t>express </a:t>
-            </a:r>
-            <a:r>
-              <a:rPr lang="en-US" sz="7200" dirty="0" smtClean="0">
-                <a:latin typeface="Apple Chancery" charset="0"/>
-                <a:ea typeface="Apple Chancery" charset="0"/>
-                <a:cs typeface="Apple Chancery" charset="0"/>
-              </a:rPr>
-              <a:t>similarities.</a:t>
-            </a:r>
-            <a:endParaRPr lang="en-US" sz="7200" dirty="0" smtClean="0">
-              <a:latin typeface="Apple Chancery" charset="0"/>
-              <a:ea typeface="Apple Chancery" charset="0"/>
-              <a:cs typeface="Apple Chancery" charset="0"/>
-            </a:endParaRPr>
+              <a:t>o express similarities.</a:t>
+            </a:r>
           </a:p>
         </p:txBody>
       </p:sp>
@@ -13775,13 +15496,13 @@
   <p:clrMapOvr>
     <a:masterClrMapping/>
   </p:clrMapOvr>
-  <p:transition xmlns:p14="http://schemas.microsoft.com/office/powerpoint/2010/main" spd="med">
+  <p:transition spd="med">
     <p:fade/>
   </p:transition>
   <p:timing>
     <p:tnLst>
       <p:par>
-        <p:cTn xmlns:p14="http://schemas.microsoft.com/office/powerpoint/2010/main" id="1" dur="indefinite" restart="never" nodeType="tmRoot"/>
+        <p:cTn id="1" dur="indefinite" restart="never" nodeType="tmRoot"/>
       </p:par>
     </p:tnLst>
   </p:timing>
@@ -13980,13 +15701,13 @@
   <p:clrMapOvr>
     <a:masterClrMapping/>
   </p:clrMapOvr>
-  <p:transition xmlns:p14="http://schemas.microsoft.com/office/powerpoint/2010/main" spd="med">
+  <p:transition spd="med">
     <p:fade/>
   </p:transition>
   <p:timing>
     <p:tnLst>
       <p:par>
-        <p:cTn xmlns:p14="http://schemas.microsoft.com/office/powerpoint/2010/main" id="1" dur="indefinite" restart="never" nodeType="tmRoot"/>
+        <p:cTn id="1" dur="indefinite" restart="never" nodeType="tmRoot"/>
       </p:par>
     </p:tnLst>
   </p:timing>
@@ -14143,13 +15864,13 @@
   <p:clrMapOvr>
     <a:masterClrMapping/>
   </p:clrMapOvr>
-  <p:transition xmlns:p14="http://schemas.microsoft.com/office/powerpoint/2010/main" spd="med">
+  <p:transition spd="med">
     <p:fade/>
   </p:transition>
   <p:timing>
     <p:tnLst>
       <p:par>
-        <p:cTn xmlns:p14="http://schemas.microsoft.com/office/powerpoint/2010/main" id="1" dur="indefinite" restart="never" nodeType="tmRoot"/>
+        <p:cTn id="1" dur="indefinite" restart="never" nodeType="tmRoot"/>
       </p:par>
     </p:tnLst>
   </p:timing>
@@ -14185,14 +15906,16 @@
         </p:nvSpPr>
         <p:spPr/>
         <p:txBody>
-          <a:bodyPr/>
+          <a:bodyPr>
+            <a:normAutofit/>
+          </a:bodyPr>
           <a:lstStyle/>
           <a:p>
             <a:r>
-              <a:rPr lang="en-US" dirty="0" smtClean="0"/>
-              <a:t>Finding Similar Expressed Expectations</a:t>
-            </a:r>
-            <a:endParaRPr lang="en-US" dirty="0"/>
+              <a:rPr lang="en-US" sz="4800" dirty="0" smtClean="0"/>
+              <a:t>Viewing an Example Specific to a Platform</a:t>
+            </a:r>
+            <a:endParaRPr lang="en-US" sz="4800" dirty="0"/>
           </a:p>
         </p:txBody>
       </p:sp>
@@ -14249,6 +15972,258 @@
             <a:endParaRPr lang="en-US" sz="2400" dirty="0"/>
           </a:p>
           <a:p>
+            <a:r>
+              <a:rPr lang="en-US" sz="2400" dirty="0" smtClean="0"/>
+              <a:t>    it </a:t>
+            </a:r>
+            <a:r>
+              <a:rPr lang="en-US" sz="2400" dirty="0"/>
+              <a:t>'installs necessary packages' do</a:t>
+            </a:r>
+          </a:p>
+          <a:p>
+            <a:r>
+              <a:rPr lang="en-US" sz="2400" dirty="0"/>
+              <a:t>  </a:t>
+            </a:r>
+            <a:r>
+              <a:rPr lang="en-US" sz="2400" dirty="0" smtClean="0"/>
+              <a:t>    expect(</a:t>
+            </a:r>
+            <a:r>
+              <a:rPr lang="en-US" sz="2400" dirty="0" err="1" smtClean="0"/>
+              <a:t>chef_run</a:t>
+            </a:r>
+            <a:r>
+              <a:rPr lang="en-US" sz="2400" dirty="0"/>
+              <a:t>).to </a:t>
+            </a:r>
+            <a:r>
+              <a:rPr lang="en-US" sz="2400" dirty="0" err="1"/>
+              <a:t>install_package</a:t>
+            </a:r>
+            <a:r>
+              <a:rPr lang="en-US" sz="2400" dirty="0"/>
+              <a:t>('</a:t>
+            </a:r>
+            <a:r>
+              <a:rPr lang="en-US" sz="2400" dirty="0" err="1"/>
+              <a:t>libtool</a:t>
+            </a:r>
+            <a:r>
+              <a:rPr lang="en-US" sz="2400" dirty="0"/>
+              <a:t>')</a:t>
+            </a:r>
+          </a:p>
+          <a:p>
+            <a:r>
+              <a:rPr lang="en-US" sz="2400" dirty="0"/>
+              <a:t>  </a:t>
+            </a:r>
+            <a:r>
+              <a:rPr lang="en-US" sz="2400" dirty="0" smtClean="0"/>
+              <a:t>    expect(</a:t>
+            </a:r>
+            <a:r>
+              <a:rPr lang="en-US" sz="2400" dirty="0" err="1" smtClean="0"/>
+              <a:t>chef_run</a:t>
+            </a:r>
+            <a:r>
+              <a:rPr lang="en-US" sz="2400" dirty="0"/>
+              <a:t>).to </a:t>
+            </a:r>
+            <a:r>
+              <a:rPr lang="en-US" sz="2400" dirty="0" err="1"/>
+              <a:t>install_package</a:t>
+            </a:r>
+            <a:r>
+              <a:rPr lang="en-US" sz="2400" dirty="0"/>
+              <a:t>('</a:t>
+            </a:r>
+            <a:r>
+              <a:rPr lang="en-US" sz="2400" dirty="0" err="1"/>
+              <a:t>autoconf</a:t>
+            </a:r>
+            <a:r>
+              <a:rPr lang="en-US" sz="2400" dirty="0"/>
+              <a:t>')</a:t>
+            </a:r>
+          </a:p>
+          <a:p>
+            <a:r>
+              <a:rPr lang="en-US" sz="2400" dirty="0" smtClean="0"/>
+              <a:t>      expect(</a:t>
+            </a:r>
+            <a:r>
+              <a:rPr lang="en-US" sz="2400" dirty="0" err="1" smtClean="0"/>
+              <a:t>chef_run</a:t>
+            </a:r>
+            <a:r>
+              <a:rPr lang="en-US" sz="2400" dirty="0"/>
+              <a:t>).to </a:t>
+            </a:r>
+            <a:r>
+              <a:rPr lang="en-US" sz="2400" dirty="0" err="1"/>
+              <a:t>install_package</a:t>
+            </a:r>
+            <a:r>
+              <a:rPr lang="en-US" sz="2400" dirty="0"/>
+              <a:t>('unzip')</a:t>
+            </a:r>
+          </a:p>
+          <a:p>
+            <a:r>
+              <a:rPr lang="en-US" sz="2400" dirty="0" smtClean="0"/>
+              <a:t>      </a:t>
+            </a:r>
+            <a:r>
+              <a:rPr lang="en-US" sz="2400" dirty="0"/>
+              <a:t>expect(</a:t>
+            </a:r>
+            <a:r>
+              <a:rPr lang="en-US" sz="2400" dirty="0" err="1"/>
+              <a:t>chef_run</a:t>
+            </a:r>
+            <a:r>
+              <a:rPr lang="en-US" sz="2400" dirty="0"/>
+              <a:t>).to </a:t>
+            </a:r>
+            <a:r>
+              <a:rPr lang="en-US" sz="2400" dirty="0" err="1"/>
+              <a:t>install_package</a:t>
+            </a:r>
+            <a:r>
+              <a:rPr lang="en-US" sz="2400" dirty="0"/>
+              <a:t>('</a:t>
+            </a:r>
+            <a:r>
+              <a:rPr lang="en-US" sz="2400" dirty="0" err="1"/>
+              <a:t>rsync</a:t>
+            </a:r>
+            <a:r>
+              <a:rPr lang="en-US" sz="2400" dirty="0"/>
+              <a:t>')</a:t>
+            </a:r>
+          </a:p>
+          <a:p>
+            <a:r>
+              <a:rPr lang="en-US" sz="2400" dirty="0" smtClean="0"/>
+              <a:t>      </a:t>
+            </a:r>
+            <a:r>
+              <a:rPr lang="en-US" sz="2400" dirty="0"/>
+              <a:t>expect(</a:t>
+            </a:r>
+            <a:r>
+              <a:rPr lang="en-US" sz="2400" dirty="0" err="1"/>
+              <a:t>chef_run</a:t>
+            </a:r>
+            <a:r>
+              <a:rPr lang="en-US" sz="2400" dirty="0"/>
+              <a:t>).to </a:t>
+            </a:r>
+            <a:r>
+              <a:rPr lang="en-US" sz="2400" dirty="0" err="1"/>
+              <a:t>install_package</a:t>
+            </a:r>
+            <a:r>
+              <a:rPr lang="en-US" sz="2400" dirty="0"/>
+              <a:t>('make')</a:t>
+            </a:r>
+          </a:p>
+          <a:p>
+            <a:r>
+              <a:rPr lang="en-US" sz="2400" dirty="0" smtClean="0"/>
+              <a:t>      </a:t>
+            </a:r>
+            <a:r>
+              <a:rPr lang="en-US" sz="2400" dirty="0"/>
+              <a:t>expect(</a:t>
+            </a:r>
+            <a:r>
+              <a:rPr lang="en-US" sz="2400" dirty="0" err="1"/>
+              <a:t>chef_run</a:t>
+            </a:r>
+            <a:r>
+              <a:rPr lang="en-US" sz="2400" dirty="0"/>
+              <a:t>).to </a:t>
+            </a:r>
+            <a:r>
+              <a:rPr lang="en-US" sz="2400" dirty="0" err="1"/>
+              <a:t>install_package</a:t>
+            </a:r>
+            <a:r>
+              <a:rPr lang="en-US" sz="2400" dirty="0"/>
+              <a:t>('</a:t>
+            </a:r>
+            <a:r>
+              <a:rPr lang="en-US" sz="2400" dirty="0" err="1"/>
+              <a:t>gcc</a:t>
+            </a:r>
+            <a:r>
+              <a:rPr lang="en-US" sz="2400" dirty="0"/>
+              <a:t>')</a:t>
+            </a:r>
+          </a:p>
+          <a:p>
+            <a:r>
+              <a:rPr lang="en-US" sz="2400" dirty="0" smtClean="0"/>
+              <a:t>      </a:t>
+            </a:r>
+            <a:r>
+              <a:rPr lang="en-US" sz="2400" dirty="0"/>
+              <a:t>expect(</a:t>
+            </a:r>
+            <a:r>
+              <a:rPr lang="en-US" sz="2400" dirty="0" err="1"/>
+              <a:t>chef_run</a:t>
+            </a:r>
+            <a:r>
+              <a:rPr lang="en-US" sz="2400" dirty="0"/>
+              <a:t>).to </a:t>
+            </a:r>
+            <a:r>
+              <a:rPr lang="en-US" sz="2400" dirty="0" err="1"/>
+              <a:t>install_package</a:t>
+            </a:r>
+            <a:r>
+              <a:rPr lang="en-US" sz="2400" dirty="0"/>
+              <a:t>('</a:t>
+            </a:r>
+            <a:r>
+              <a:rPr lang="en-US" sz="2400" dirty="0" err="1"/>
+              <a:t>autogen</a:t>
+            </a:r>
+            <a:r>
+              <a:rPr lang="en-US" sz="2400" dirty="0"/>
+              <a:t>')</a:t>
+            </a:r>
+          </a:p>
+          <a:p>
+            <a:r>
+              <a:rPr lang="en-US" sz="2400" dirty="0"/>
+              <a:t> </a:t>
+            </a:r>
+            <a:r>
+              <a:rPr lang="en-US" sz="2400" dirty="0" smtClean="0"/>
+              <a:t>   end</a:t>
+            </a:r>
+          </a:p>
+          <a:p>
+            <a:endParaRPr lang="en-US" sz="2400" dirty="0" smtClean="0"/>
+          </a:p>
+          <a:p>
+            <a:r>
+              <a:rPr lang="en-US" sz="2400" dirty="0"/>
+              <a:t> </a:t>
+            </a:r>
+            <a:r>
+              <a:rPr lang="en-US" sz="2400" dirty="0" smtClean="0"/>
+              <a:t>   # ... remainder of examples within defined within this example group</a:t>
+            </a:r>
+            <a:endParaRPr lang="en-US" sz="2400" dirty="0"/>
+          </a:p>
+          <a:p>
             <a:pPr>
               <a:lnSpc>
                 <a:spcPct val="90000"/>
@@ -14256,25 +16231,93 @@
             </a:pPr>
             <a:r>
               <a:rPr lang="en-US" sz="2400" dirty="0" smtClean="0"/>
-              <a:t>    </a:t>
-            </a:r>
-            <a:r>
-              <a:rPr lang="en-US" sz="2400" dirty="0" smtClean="0"/>
-              <a:t>let</a:t>
-            </a:r>
-            <a:r>
-              <a:rPr lang="en-US" sz="2400" dirty="0" smtClean="0"/>
-              <a:t>(:</a:t>
-            </a:r>
-            <a:r>
-              <a:rPr lang="en-US" sz="2400" dirty="0" err="1" smtClean="0"/>
-              <a:t>installed_packages</a:t>
-            </a:r>
-            <a:r>
-              <a:rPr lang="en-US" sz="2400" dirty="0" smtClean="0"/>
-              <a:t>) ...</a:t>
-            </a:r>
-          </a:p>
+              <a:t>  end</a:t>
+            </a:r>
+            <a:endParaRPr lang="en-US" sz="2400" dirty="0" smtClean="0"/>
+          </a:p>
+        </p:txBody>
+      </p:sp>
+    </p:spTree>
+    <p:extLst>
+      <p:ext uri="{BB962C8B-B14F-4D97-AF65-F5344CB8AC3E}">
+        <p14:creationId xmlns:p14="http://schemas.microsoft.com/office/powerpoint/2010/main" val="1017973312"/>
+      </p:ext>
+    </p:extLst>
+  </p:cSld>
+  <p:clrMapOvr>
+    <a:masterClrMapping/>
+  </p:clrMapOvr>
+  <p:transition spd="med">
+    <p:fade/>
+  </p:transition>
+  <p:timing>
+    <p:tnLst>
+      <p:par>
+        <p:cTn id="1" dur="indefinite" restart="never" nodeType="tmRoot"/>
+      </p:par>
+    </p:tnLst>
+  </p:timing>
+</p:sld>
+</file>
+
+<file path=ppt/slides/slide6.xml><?xml version="1.0" encoding="utf-8"?>
+<p:sld xmlns:a="http://schemas.openxmlformats.org/drawingml/2006/main" xmlns:r="http://schemas.openxmlformats.org/officeDocument/2006/relationships" xmlns:p="http://schemas.openxmlformats.org/presentationml/2006/main">
+  <p:cSld>
+    <p:spTree>
+      <p:nvGrpSpPr>
+        <p:cNvPr id="1" name=""/>
+        <p:cNvGrpSpPr/>
+        <p:nvPr/>
+      </p:nvGrpSpPr>
+      <p:grpSpPr>
+        <a:xfrm>
+          <a:off x="0" y="0"/>
+          <a:ext cx="0" cy="0"/>
+          <a:chOff x="0" y="0"/>
+          <a:chExt cx="0" cy="0"/>
+        </a:xfrm>
+      </p:grpSpPr>
+      <p:sp>
+        <p:nvSpPr>
+          <p:cNvPr id="2" name="Title 1"/>
+          <p:cNvSpPr>
+            <a:spLocks noGrp="1"/>
+          </p:cNvSpPr>
+          <p:nvPr>
+            <p:ph type="title"/>
+          </p:nvPr>
+        </p:nvSpPr>
+        <p:spPr/>
+        <p:txBody>
+          <a:bodyPr>
+            <a:normAutofit/>
+          </a:bodyPr>
+          <a:lstStyle/>
+          <a:p>
+            <a:r>
+              <a:rPr lang="en-US" sz="4800" dirty="0" smtClean="0"/>
+              <a:t>Refactoring the Example</a:t>
+            </a:r>
+            <a:endParaRPr lang="en-US" sz="4800" dirty="0"/>
+          </a:p>
+        </p:txBody>
+      </p:sp>
+      <p:sp>
+        <p:nvSpPr>
+          <p:cNvPr id="3" name="Content Placeholder 2"/>
+          <p:cNvSpPr>
+            <a:spLocks noGrp="1"/>
+          </p:cNvSpPr>
+          <p:nvPr>
+            <p:ph sz="quarter" idx="10"/>
+          </p:nvPr>
+        </p:nvSpPr>
+        <p:spPr/>
+        <p:txBody>
+          <a:bodyPr>
+            <a:noAutofit/>
+          </a:bodyPr>
+          <a:lstStyle/>
           <a:p>
             <a:pPr>
               <a:lnSpc>
@@ -14282,13 +16325,185 @@
               </a:lnSpc>
             </a:pPr>
             <a:r>
+              <a:rPr lang="en-US" sz="2400" dirty="0" smtClean="0"/>
+              <a:t>  context </a:t>
+            </a:r>
+            <a:r>
+              <a:rPr lang="en-US" sz="2400" dirty="0"/>
+              <a:t>'when no attributes are specified, on an </a:t>
+            </a:r>
+            <a:r>
+              <a:rPr lang="en-US" sz="2400" dirty="0" err="1"/>
+              <a:t>unspecif</a:t>
+            </a:r>
+            <a:r>
+              <a:rPr lang="en-US" sz="2400" dirty="0"/>
+              <a:t>...</a:t>
+            </a:r>
+            <a:r>
+              <a:rPr lang="en-US" sz="2400" dirty="0" err="1"/>
+              <a:t>orm</a:t>
+            </a:r>
+            <a:r>
+              <a:rPr lang="en-US" sz="2400" dirty="0"/>
+              <a:t>' </a:t>
+            </a:r>
+            <a:r>
+              <a:rPr lang="en-US" sz="2400" dirty="0" smtClean="0"/>
+              <a:t>do</a:t>
+            </a:r>
+            <a:endParaRPr lang="en-US" sz="2400" dirty="0"/>
+          </a:p>
+          <a:p>
+            <a:r>
+              <a:rPr lang="en-US" sz="2400" dirty="0" smtClean="0"/>
+              <a:t>    it </a:t>
+            </a:r>
+            <a:r>
+              <a:rPr lang="en-US" sz="2400" dirty="0"/>
+              <a:t>'installs necessary packages' do</a:t>
+            </a:r>
+          </a:p>
+          <a:p>
+            <a:r>
               <a:rPr lang="en-US" sz="2400" dirty="0"/>
               <a:t> </a:t>
             </a:r>
             <a:r>
               <a:rPr lang="en-US" sz="2400" dirty="0" smtClean="0"/>
-              <a:t>   it 'installs the necessary packages' do</a:t>
-            </a:r>
+              <a:t>     </a:t>
+            </a:r>
+            <a:r>
+              <a:rPr lang="en-US" sz="2400" dirty="0" err="1" smtClean="0"/>
+              <a:t>installed_packages</a:t>
+            </a:r>
+            <a:r>
+              <a:rPr lang="en-US" sz="2400" dirty="0" smtClean="0"/>
+              <a:t> = %w</a:t>
+            </a:r>
+            <a:r>
+              <a:rPr lang="en-US" sz="2400" dirty="0"/>
+              <a:t>[ </a:t>
+            </a:r>
+            <a:r>
+              <a:rPr lang="en-US" sz="2400" dirty="0" err="1"/>
+              <a:t>libtool</a:t>
+            </a:r>
+            <a:r>
+              <a:rPr lang="en-US" sz="2400" dirty="0"/>
+              <a:t> </a:t>
+            </a:r>
+            <a:r>
+              <a:rPr lang="en-US" sz="2400" dirty="0" err="1"/>
+              <a:t>autoconf</a:t>
+            </a:r>
+            <a:r>
+              <a:rPr lang="en-US" sz="2400" dirty="0"/>
+              <a:t> unzip </a:t>
+            </a:r>
+            <a:r>
+              <a:rPr lang="en-US" sz="2400" dirty="0" err="1"/>
+              <a:t>rsync</a:t>
+            </a:r>
+            <a:r>
+              <a:rPr lang="en-US" sz="2400" dirty="0"/>
+              <a:t> make </a:t>
+            </a:r>
+            <a:r>
+              <a:rPr lang="en-US" sz="2400" dirty="0" err="1"/>
+              <a:t>gcc</a:t>
+            </a:r>
+            <a:r>
+              <a:rPr lang="en-US" sz="2400" dirty="0"/>
+              <a:t> </a:t>
+            </a:r>
+            <a:r>
+              <a:rPr lang="en-US" sz="2400" dirty="0" err="1"/>
+              <a:t>autogen</a:t>
+            </a:r>
+            <a:r>
+              <a:rPr lang="en-US" sz="2400" dirty="0"/>
+              <a:t> </a:t>
+            </a:r>
+            <a:r>
+              <a:rPr lang="en-US" sz="2400" dirty="0" smtClean="0"/>
+              <a:t>]</a:t>
+            </a:r>
+          </a:p>
+          <a:p>
+            <a:r>
+              <a:rPr lang="en-US" sz="2400" dirty="0"/>
+              <a:t> </a:t>
+            </a:r>
+            <a:r>
+              <a:rPr lang="en-US" sz="2400" dirty="0" smtClean="0"/>
+              <a:t>     </a:t>
+            </a:r>
+            <a:r>
+              <a:rPr lang="en-US" sz="2400" dirty="0" err="1" smtClean="0"/>
+              <a:t>installed_packages.each</a:t>
+            </a:r>
+            <a:r>
+              <a:rPr lang="en-US" sz="2400" dirty="0" smtClean="0"/>
+              <a:t> do |name|</a:t>
+            </a:r>
+          </a:p>
+          <a:p>
+            <a:r>
+              <a:rPr lang="en-US" sz="2400" dirty="0" smtClean="0"/>
+              <a:t>        </a:t>
+            </a:r>
+            <a:r>
+              <a:rPr lang="en-US" sz="2400" dirty="0"/>
+              <a:t>expect(</a:t>
+            </a:r>
+            <a:r>
+              <a:rPr lang="en-US" sz="2400" dirty="0" err="1"/>
+              <a:t>chef_run</a:t>
+            </a:r>
+            <a:r>
+              <a:rPr lang="en-US" sz="2400" dirty="0"/>
+              <a:t>).to </a:t>
+            </a:r>
+            <a:r>
+              <a:rPr lang="en-US" sz="2400" dirty="0" err="1"/>
+              <a:t>install_package</a:t>
+            </a:r>
+            <a:r>
+              <a:rPr lang="en-US" sz="2400" dirty="0"/>
+              <a:t>(name</a:t>
+            </a:r>
+            <a:r>
+              <a:rPr lang="en-US" sz="2400" dirty="0" smtClean="0"/>
+              <a:t>)</a:t>
+            </a:r>
+            <a:endParaRPr lang="en-US" sz="2400" dirty="0"/>
+          </a:p>
+          <a:p>
+            <a:r>
+              <a:rPr lang="en-US" sz="2400" dirty="0" smtClean="0"/>
+              <a:t>      end</a:t>
+            </a:r>
+          </a:p>
+          <a:p>
+            <a:r>
+              <a:rPr lang="en-US" sz="2400" dirty="0" smtClean="0"/>
+              <a:t>    end</a:t>
+            </a:r>
+          </a:p>
+          <a:p>
+            <a:endParaRPr lang="en-US" sz="2400" dirty="0" smtClean="0"/>
+          </a:p>
+          <a:p>
+            <a:r>
+              <a:rPr lang="en-US" sz="2400" dirty="0"/>
+              <a:t> </a:t>
+            </a:r>
+            <a:r>
+              <a:rPr lang="en-US" sz="2400" dirty="0" smtClean="0"/>
+              <a:t>   # ... remainder of examples within defined within this example group</a:t>
+            </a:r>
+            <a:endParaRPr lang="en-US" sz="2400" dirty="0"/>
           </a:p>
           <a:p>
             <a:pPr>
@@ -14298,17 +16513,117 @@
             </a:pPr>
             <a:r>
               <a:rPr lang="en-US" sz="2400" dirty="0" smtClean="0"/>
-              <a:t>      </a:t>
-            </a:r>
-            <a:r>
-              <a:rPr lang="en-US" sz="2400" dirty="0" err="1" smtClean="0"/>
-              <a:t>installed_packages.each</a:t>
-            </a:r>
-            <a:r>
-              <a:rPr lang="en-US" sz="2400" dirty="0" smtClean="0"/>
-              <a:t> do |name|</a:t>
-            </a:r>
-          </a:p>
+              <a:t>  end</a:t>
+            </a:r>
+            <a:endParaRPr lang="en-US" sz="2400" dirty="0" smtClean="0"/>
+          </a:p>
+        </p:txBody>
+      </p:sp>
+      <p:sp>
+        <p:nvSpPr>
+          <p:cNvPr id="5" name="Text Placeholder 4"/>
+          <p:cNvSpPr>
+            <a:spLocks noGrp="1"/>
+          </p:cNvSpPr>
+          <p:nvPr>
+            <p:ph type="body" sz="quarter" idx="12"/>
+          </p:nvPr>
+        </p:nvSpPr>
+        <p:spPr>
+          <a:xfrm>
+            <a:off x="621430" y="2254469"/>
+            <a:ext cx="14925911" cy="1816627"/>
+          </a:xfrm>
+        </p:spPr>
+        <p:txBody>
+          <a:bodyPr/>
+          <a:lstStyle/>
+          <a:p>
+            <a:endParaRPr lang="en-US" dirty="0"/>
+          </a:p>
+        </p:txBody>
+      </p:sp>
+    </p:spTree>
+    <p:extLst>
+      <p:ext uri="{BB962C8B-B14F-4D97-AF65-F5344CB8AC3E}">
+        <p14:creationId xmlns:p14="http://schemas.microsoft.com/office/powerpoint/2010/main" val="1977100584"/>
+      </p:ext>
+    </p:extLst>
+  </p:cSld>
+  <p:clrMapOvr>
+    <a:masterClrMapping/>
+  </p:clrMapOvr>
+  <p:transition spd="med">
+    <p:fade/>
+  </p:transition>
+  <p:timing>
+    <p:tnLst>
+      <p:par>
+        <p:cTn id="1" dur="indefinite" restart="never" nodeType="tmRoot"/>
+      </p:par>
+    </p:tnLst>
+  </p:timing>
+</p:sld>
+</file>
+
+<file path=ppt/slides/slide7.xml><?xml version="1.0" encoding="utf-8"?>
+<p:sld xmlns:a="http://schemas.openxmlformats.org/drawingml/2006/main" xmlns:r="http://schemas.openxmlformats.org/officeDocument/2006/relationships" xmlns:p="http://schemas.openxmlformats.org/presentationml/2006/main">
+  <p:cSld>
+    <p:spTree>
+      <p:nvGrpSpPr>
+        <p:cNvPr id="1" name=""/>
+        <p:cNvGrpSpPr/>
+        <p:nvPr/>
+      </p:nvGrpSpPr>
+      <p:grpSpPr>
+        <a:xfrm>
+          <a:off x="0" y="0"/>
+          <a:ext cx="0" cy="0"/>
+          <a:chOff x="0" y="0"/>
+          <a:chExt cx="0" cy="0"/>
+        </a:xfrm>
+      </p:grpSpPr>
+      <p:sp>
+        <p:nvSpPr>
+          <p:cNvPr id="2" name="Title 1"/>
+          <p:cNvSpPr>
+            <a:spLocks noGrp="1"/>
+          </p:cNvSpPr>
+          <p:nvPr>
+            <p:ph type="title"/>
+          </p:nvPr>
+        </p:nvSpPr>
+        <p:spPr/>
+        <p:txBody>
+          <a:bodyPr>
+            <a:normAutofit/>
+          </a:bodyPr>
+          <a:lstStyle/>
+          <a:p>
+            <a:r>
+              <a:rPr lang="en-US" sz="4800" smtClean="0"/>
+              <a:t>Extracting the Packages from the Example</a:t>
+            </a:r>
+            <a:endParaRPr lang="en-US" sz="4800" dirty="0"/>
+          </a:p>
+        </p:txBody>
+      </p:sp>
+      <p:sp>
+        <p:nvSpPr>
+          <p:cNvPr id="3" name="Content Placeholder 2"/>
+          <p:cNvSpPr>
+            <a:spLocks noGrp="1"/>
+          </p:cNvSpPr>
+          <p:nvPr>
+            <p:ph sz="quarter" idx="10"/>
+          </p:nvPr>
+        </p:nvSpPr>
+        <p:spPr/>
+        <p:txBody>
+          <a:bodyPr>
+            <a:noAutofit/>
+          </a:bodyPr>
+          <a:lstStyle/>
           <a:p>
             <a:pPr>
               <a:lnSpc>
@@ -14317,23 +16632,23 @@
             </a:pPr>
             <a:r>
               <a:rPr lang="en-US" sz="2400" dirty="0" smtClean="0"/>
-              <a:t>        expect(</a:t>
+              <a:t>  context 'when no attributes are specified, on an </a:t>
             </a:r>
             <a:r>
               <a:rPr lang="en-US" sz="2400" dirty="0" err="1" smtClean="0"/>
-              <a:t>chef_run</a:t>
+              <a:t>unspecif</a:t>
             </a:r>
             <a:r>
               <a:rPr lang="en-US" sz="2400" dirty="0" smtClean="0"/>
-              <a:t>).to </a:t>
+              <a:t>...</a:t>
             </a:r>
             <a:r>
               <a:rPr lang="en-US" sz="2400" dirty="0" err="1" smtClean="0"/>
-              <a:t>install_package</a:t>
+              <a:t>orm</a:t>
             </a:r>
             <a:r>
               <a:rPr lang="en-US" sz="2400" dirty="0" smtClean="0"/>
-              <a:t>(name)</a:t>
+              <a:t>' do</a:t>
             </a:r>
           </a:p>
           <a:p>
@@ -14344,9 +16659,20 @@
             </a:pPr>
             <a:r>
               <a:rPr lang="en-US" sz="2400" dirty="0" smtClean="0"/>
-              <a:t>      end</a:t>
-            </a:r>
-            <a:endParaRPr lang="en-US" sz="2400" dirty="0"/>
+              <a:t>    let(:</a:t>
+            </a:r>
+            <a:r>
+              <a:rPr lang="en-US" sz="2400" dirty="0" err="1" smtClean="0"/>
+              <a:t>installed_packages</a:t>
+            </a:r>
+            <a:r>
+              <a:rPr lang="en-US" sz="2400" dirty="0" smtClean="0"/>
+              <a:t>) </a:t>
+            </a:r>
+            <a:r>
+              <a:rPr lang="en-US" sz="2400" dirty="0" smtClean="0"/>
+              <a:t>do</a:t>
+            </a:r>
           </a:p>
           <a:p>
             <a:pPr>
@@ -14355,13 +16681,54 @@
               </a:lnSpc>
             </a:pPr>
             <a:r>
-              <a:rPr lang="en-US" sz="2400" dirty="0"/>
+              <a:rPr lang="en-US" sz="2400" dirty="0" smtClean="0"/>
+              <a:t>      </a:t>
+            </a:r>
+            <a:r>
+              <a:rPr lang="en-US" sz="2400" dirty="0" smtClean="0"/>
+              <a:t>%w[ </a:t>
+            </a:r>
+            <a:r>
+              <a:rPr lang="en-US" sz="2400" dirty="0" err="1" smtClean="0"/>
+              <a:t>libtool</a:t>
+            </a:r>
+            <a:r>
+              <a:rPr lang="en-US" sz="2400" dirty="0" smtClean="0"/>
               <a:t> </a:t>
             </a:r>
             <a:r>
+              <a:rPr lang="en-US" sz="2400" dirty="0" err="1" smtClean="0"/>
+              <a:t>autoconf</a:t>
+            </a:r>
+            <a:r>
               <a:rPr lang="en-US" sz="2400" dirty="0" smtClean="0"/>
-              <a:t>   end</a:t>
-            </a:r>
+              <a:t> unzip </a:t>
+            </a:r>
+            <a:r>
+              <a:rPr lang="en-US" sz="2400" dirty="0" err="1" smtClean="0"/>
+              <a:t>rsync</a:t>
+            </a:r>
+            <a:r>
+              <a:rPr lang="en-US" sz="2400" dirty="0" smtClean="0"/>
+              <a:t> make </a:t>
+            </a:r>
+            <a:r>
+              <a:rPr lang="en-US" sz="2400" dirty="0" err="1" smtClean="0"/>
+              <a:t>gcc</a:t>
+            </a:r>
+            <a:r>
+              <a:rPr lang="en-US" sz="2400" dirty="0" smtClean="0"/>
+              <a:t> </a:t>
+            </a:r>
+            <a:r>
+              <a:rPr lang="en-US" sz="2400" dirty="0" err="1" smtClean="0"/>
+              <a:t>autogen</a:t>
+            </a:r>
+            <a:r>
+              <a:rPr lang="en-US" sz="2400" dirty="0" smtClean="0"/>
+              <a:t> ]</a:t>
+            </a:r>
+            <a:endParaRPr lang="en-US" sz="2400" dirty="0" smtClean="0"/>
           </a:p>
           <a:p>
             <a:pPr>
@@ -14370,12 +16737,8 @@
               </a:lnSpc>
             </a:pPr>
             <a:r>
-              <a:rPr lang="en-US" sz="2400" dirty="0"/>
-              <a:t> </a:t>
-            </a:r>
-            <a:r>
               <a:rPr lang="en-US" sz="2400" dirty="0" smtClean="0"/>
-              <a:t> end</a:t>
+              <a:t>    end</a:t>
             </a:r>
           </a:p>
           <a:p>
@@ -14384,26 +16747,7 @@
                 <a:spcPct val="90000"/>
               </a:lnSpc>
             </a:pPr>
-            <a:r>
-              <a:rPr lang="en-US" sz="2400" dirty="0" smtClean="0"/>
-              <a:t>  </a:t>
-            </a:r>
-            <a:r>
-              <a:rPr lang="en-US" sz="2400" dirty="0"/>
-              <a:t>context 'when no attributes are specified, on </a:t>
-            </a:r>
-            <a:r>
-              <a:rPr lang="en-US" sz="2400" dirty="0" err="1"/>
-              <a:t>CentOS'</a:t>
-            </a:r>
-            <a:r>
-              <a:rPr lang="en-US" sz="2400" dirty="0"/>
-              <a:t> </a:t>
-            </a:r>
-            <a:r>
-              <a:rPr lang="en-US" sz="2400" dirty="0" smtClean="0"/>
-              <a:t>do</a:t>
-            </a:r>
+            <a:endParaRPr lang="en-US" sz="2400" dirty="0" smtClean="0"/>
           </a:p>
           <a:p>
             <a:pPr>
@@ -14412,16 +16756,481 @@
               </a:lnSpc>
             </a:pPr>
             <a:r>
+              <a:rPr lang="en-US" sz="2400" dirty="0" smtClean="0"/>
+              <a:t>    it 'installs the necessary packages' do</a:t>
+            </a:r>
+          </a:p>
+          <a:p>
+            <a:pPr>
+              <a:lnSpc>
+                <a:spcPct val="90000"/>
+              </a:lnSpc>
+            </a:pPr>
+            <a:r>
+              <a:rPr lang="en-US" sz="2400" dirty="0" smtClean="0"/>
+              <a:t>      </a:t>
+            </a:r>
+            <a:r>
+              <a:rPr lang="en-US" sz="2400" dirty="0" err="1" smtClean="0"/>
+              <a:t>installed_packages</a:t>
+            </a:r>
+            <a:r>
+              <a:rPr lang="en-US" sz="2400" dirty="0" smtClean="0"/>
+              <a:t> = %w</a:t>
+            </a:r>
+            <a:r>
+              <a:rPr lang="en-US" sz="2400" dirty="0"/>
+              <a:t>[ </a:t>
+            </a:r>
+            <a:r>
+              <a:rPr lang="en-US" sz="2400" dirty="0" err="1"/>
+              <a:t>libtool</a:t>
+            </a:r>
+            <a:r>
               <a:rPr lang="en-US" sz="2400" dirty="0"/>
               <a:t> </a:t>
             </a:r>
             <a:r>
+              <a:rPr lang="en-US" sz="2400" dirty="0" err="1"/>
+              <a:t>autoconf</a:t>
+            </a:r>
+            <a:r>
+              <a:rPr lang="en-US" sz="2400" dirty="0"/>
+              <a:t> unzip </a:t>
+            </a:r>
+            <a:r>
+              <a:rPr lang="en-US" sz="2400" dirty="0" err="1"/>
+              <a:t>rsync</a:t>
+            </a:r>
+            <a:r>
+              <a:rPr lang="en-US" sz="2400" dirty="0"/>
+              <a:t> make </a:t>
+            </a:r>
+            <a:r>
+              <a:rPr lang="en-US" sz="2400" dirty="0" err="1"/>
+              <a:t>gcc</a:t>
+            </a:r>
+            <a:r>
+              <a:rPr lang="en-US" sz="2400" dirty="0"/>
+              <a:t> </a:t>
+            </a:r>
+            <a:r>
+              <a:rPr lang="en-US" sz="2400" dirty="0" err="1"/>
+              <a:t>autogen</a:t>
+            </a:r>
+            <a:r>
+              <a:rPr lang="en-US" sz="2400" dirty="0"/>
+              <a:t> ]</a:t>
+            </a:r>
+            <a:endParaRPr lang="en-US" sz="2400" dirty="0" smtClean="0"/>
+          </a:p>
+          <a:p>
+            <a:pPr>
+              <a:lnSpc>
+                <a:spcPct val="90000"/>
+              </a:lnSpc>
+            </a:pPr>
+            <a:r>
               <a:rPr lang="en-US" sz="2400" dirty="0" smtClean="0"/>
-              <a:t>   </a:t>
+              <a:t>      </a:t>
+            </a:r>
+            <a:r>
+              <a:rPr lang="en-US" sz="2400" dirty="0" err="1" smtClean="0"/>
+              <a:t>installed_packages.each</a:t>
             </a:r>
             <a:r>
               <a:rPr lang="en-US" sz="2400" dirty="0" smtClean="0"/>
-              <a:t>let</a:t>
+              <a:t> do |name|</a:t>
+            </a:r>
+          </a:p>
+          <a:p>
+            <a:pPr>
+              <a:lnSpc>
+                <a:spcPct val="90000"/>
+              </a:lnSpc>
+            </a:pPr>
+            <a:r>
+              <a:rPr lang="en-US" sz="2400" dirty="0" smtClean="0"/>
+              <a:t>        expect(</a:t>
+            </a:r>
+            <a:r>
+              <a:rPr lang="en-US" sz="2400" dirty="0" err="1" smtClean="0"/>
+              <a:t>chef_run</a:t>
+            </a:r>
+            <a:r>
+              <a:rPr lang="en-US" sz="2400" dirty="0" smtClean="0"/>
+              <a:t>).to </a:t>
+            </a:r>
+            <a:r>
+              <a:rPr lang="en-US" sz="2400" dirty="0" err="1" smtClean="0"/>
+              <a:t>install_package</a:t>
+            </a:r>
+            <a:r>
+              <a:rPr lang="en-US" sz="2400" dirty="0" smtClean="0"/>
+              <a:t>(name)</a:t>
+            </a:r>
+          </a:p>
+          <a:p>
+            <a:pPr>
+              <a:lnSpc>
+                <a:spcPct val="90000"/>
+              </a:lnSpc>
+            </a:pPr>
+            <a:r>
+              <a:rPr lang="en-US" sz="2400" dirty="0" smtClean="0"/>
+              <a:t>      end</a:t>
+            </a:r>
+          </a:p>
+          <a:p>
+            <a:pPr>
+              <a:lnSpc>
+                <a:spcPct val="90000"/>
+              </a:lnSpc>
+            </a:pPr>
+            <a:r>
+              <a:rPr lang="en-US" sz="2400" dirty="0" smtClean="0"/>
+              <a:t>    end</a:t>
+            </a:r>
+          </a:p>
+          <a:p>
+            <a:pPr>
+              <a:lnSpc>
+                <a:spcPct val="90000"/>
+              </a:lnSpc>
+            </a:pPr>
+            <a:r>
+              <a:rPr lang="en-US" sz="2400" dirty="0" smtClean="0"/>
+              <a:t>  end</a:t>
+            </a:r>
+            <a:endParaRPr lang="en-US" sz="2400" dirty="0" smtClean="0"/>
+          </a:p>
+        </p:txBody>
+      </p:sp>
+      <p:sp>
+        <p:nvSpPr>
+          <p:cNvPr id="8" name="Text Placeholder 7"/>
+          <p:cNvSpPr>
+            <a:spLocks noGrp="1"/>
+          </p:cNvSpPr>
+          <p:nvPr>
+            <p:ph type="body" sz="quarter" idx="11"/>
+          </p:nvPr>
+        </p:nvSpPr>
+        <p:spPr>
+          <a:xfrm>
+            <a:off x="626598" y="3832177"/>
+            <a:ext cx="14925911" cy="613700"/>
+          </a:xfrm>
+        </p:spPr>
+        <p:txBody>
+          <a:bodyPr/>
+          <a:lstStyle/>
+          <a:p>
+            <a:endParaRPr lang="en-US" dirty="0"/>
+          </a:p>
+        </p:txBody>
+      </p:sp>
+      <p:sp>
+        <p:nvSpPr>
+          <p:cNvPr id="9" name="Text Placeholder 8"/>
+          <p:cNvSpPr>
+            <a:spLocks noGrp="1"/>
+          </p:cNvSpPr>
+          <p:nvPr>
+            <p:ph type="body" sz="quarter" idx="12"/>
+          </p:nvPr>
+        </p:nvSpPr>
+        <p:spPr>
+          <a:xfrm>
+            <a:off x="621429" y="1710357"/>
+            <a:ext cx="14925911" cy="1332388"/>
+          </a:xfrm>
+        </p:spPr>
+        <p:txBody>
+          <a:bodyPr/>
+          <a:lstStyle/>
+          <a:p>
+            <a:endParaRPr lang="en-US" dirty="0"/>
+          </a:p>
+        </p:txBody>
+      </p:sp>
+    </p:spTree>
+    <p:extLst>
+      <p:ext uri="{BB962C8B-B14F-4D97-AF65-F5344CB8AC3E}">
+        <p14:creationId xmlns:p14="http://schemas.microsoft.com/office/powerpoint/2010/main" val="26094556"/>
+      </p:ext>
+    </p:extLst>
+  </p:cSld>
+  <p:clrMapOvr>
+    <a:masterClrMapping/>
+  </p:clrMapOvr>
+  <p:transition spd="med">
+    <p:fade/>
+  </p:transition>
+  <p:timing>
+    <p:tnLst>
+      <p:par>
+        <p:cTn id="1" dur="indefinite" restart="never" nodeType="tmRoot"/>
+      </p:par>
+    </p:tnLst>
+  </p:timing>
+</p:sld>
+</file>
+
+<file path=ppt/slides/slide8.xml><?xml version="1.0" encoding="utf-8"?>
+<p:sld xmlns:a="http://schemas.openxmlformats.org/drawingml/2006/main" xmlns:r="http://schemas.openxmlformats.org/officeDocument/2006/relationships" xmlns:p="http://schemas.openxmlformats.org/presentationml/2006/main">
+  <p:cSld>
+    <p:spTree>
+      <p:nvGrpSpPr>
+        <p:cNvPr id="1" name=""/>
+        <p:cNvGrpSpPr/>
+        <p:nvPr/>
+      </p:nvGrpSpPr>
+      <p:grpSpPr>
+        <a:xfrm>
+          <a:off x="0" y="0"/>
+          <a:ext cx="0" cy="0"/>
+          <a:chOff x="0" y="0"/>
+          <a:chExt cx="0" cy="0"/>
+        </a:xfrm>
+      </p:grpSpPr>
+      <p:sp>
+        <p:nvSpPr>
+          <p:cNvPr id="2" name="Title 1"/>
+          <p:cNvSpPr>
+            <a:spLocks noGrp="1"/>
+          </p:cNvSpPr>
+          <p:nvPr>
+            <p:ph type="title"/>
+          </p:nvPr>
+        </p:nvSpPr>
+        <p:spPr/>
+        <p:txBody>
+          <a:bodyPr/>
+          <a:lstStyle/>
+          <a:p>
+            <a:r>
+              <a:rPr lang="en-US" dirty="0" smtClean="0"/>
+              <a:t>Finding Similar Expressed Expectations</a:t>
+            </a:r>
+            <a:endParaRPr lang="en-US" dirty="0"/>
+          </a:p>
+        </p:txBody>
+      </p:sp>
+      <p:sp>
+        <p:nvSpPr>
+          <p:cNvPr id="3" name="Content Placeholder 2"/>
+          <p:cNvSpPr>
+            <a:spLocks noGrp="1"/>
+          </p:cNvSpPr>
+          <p:nvPr>
+            <p:ph sz="quarter" idx="10"/>
+          </p:nvPr>
+        </p:nvSpPr>
+        <p:spPr/>
+        <p:txBody>
+          <a:bodyPr>
+            <a:noAutofit/>
+          </a:bodyPr>
+          <a:lstStyle/>
+          <a:p>
+            <a:pPr>
+              <a:lnSpc>
+                <a:spcPct val="90000"/>
+              </a:lnSpc>
+            </a:pPr>
+            <a:r>
+              <a:rPr lang="en-US" sz="2400" dirty="0" smtClean="0"/>
+              <a:t>  context </a:t>
+            </a:r>
+            <a:r>
+              <a:rPr lang="en-US" sz="2400" dirty="0"/>
+              <a:t>'when no attributes are specified, on an </a:t>
+            </a:r>
+            <a:r>
+              <a:rPr lang="en-US" sz="2400" dirty="0" err="1"/>
+              <a:t>unspecif</a:t>
+            </a:r>
+            <a:r>
+              <a:rPr lang="en-US" sz="2400" dirty="0"/>
+              <a:t>...</a:t>
+            </a:r>
+            <a:r>
+              <a:rPr lang="en-US" sz="2400" dirty="0" err="1"/>
+              <a:t>orm</a:t>
+            </a:r>
+            <a:r>
+              <a:rPr lang="en-US" sz="2400" dirty="0"/>
+              <a:t>' </a:t>
+            </a:r>
+            <a:r>
+              <a:rPr lang="en-US" sz="2400" dirty="0" smtClean="0"/>
+              <a:t>do</a:t>
+            </a:r>
+            <a:endParaRPr lang="en-US" sz="2400" dirty="0"/>
+          </a:p>
+          <a:p>
+            <a:pPr>
+              <a:lnSpc>
+                <a:spcPct val="90000"/>
+              </a:lnSpc>
+            </a:pPr>
+            <a:r>
+              <a:rPr lang="en-US" sz="2400" dirty="0" smtClean="0"/>
+              <a:t>    let(:</a:t>
+            </a:r>
+            <a:r>
+              <a:rPr lang="en-US" sz="2400" dirty="0" err="1" smtClean="0"/>
+              <a:t>installed_packages</a:t>
+            </a:r>
+            <a:r>
+              <a:rPr lang="en-US" sz="2400" dirty="0" smtClean="0"/>
+              <a:t>) ...</a:t>
+            </a:r>
+          </a:p>
+          <a:p>
+            <a:pPr>
+              <a:lnSpc>
+                <a:spcPct val="90000"/>
+              </a:lnSpc>
+            </a:pPr>
+            <a:r>
+              <a:rPr lang="en-US" sz="2400" dirty="0"/>
+              <a:t> </a:t>
+            </a:r>
+            <a:r>
+              <a:rPr lang="en-US" sz="2400" dirty="0" smtClean="0"/>
+              <a:t>   it 'installs the necessary packages' do</a:t>
+            </a:r>
+          </a:p>
+          <a:p>
+            <a:pPr>
+              <a:lnSpc>
+                <a:spcPct val="90000"/>
+              </a:lnSpc>
+            </a:pPr>
+            <a:r>
+              <a:rPr lang="en-US" sz="2400" dirty="0" smtClean="0"/>
+              <a:t>      </a:t>
+            </a:r>
+            <a:r>
+              <a:rPr lang="en-US" sz="2400" dirty="0" err="1" smtClean="0"/>
+              <a:t>installed_packages.each</a:t>
+            </a:r>
+            <a:r>
+              <a:rPr lang="en-US" sz="2400" dirty="0" smtClean="0"/>
+              <a:t> do |name|</a:t>
+            </a:r>
+          </a:p>
+          <a:p>
+            <a:pPr>
+              <a:lnSpc>
+                <a:spcPct val="90000"/>
+              </a:lnSpc>
+            </a:pPr>
+            <a:r>
+              <a:rPr lang="en-US" sz="2400" dirty="0" smtClean="0"/>
+              <a:t>        expect(</a:t>
+            </a:r>
+            <a:r>
+              <a:rPr lang="en-US" sz="2400" dirty="0" err="1" smtClean="0"/>
+              <a:t>chef_run</a:t>
+            </a:r>
+            <a:r>
+              <a:rPr lang="en-US" sz="2400" dirty="0" smtClean="0"/>
+              <a:t>).to </a:t>
+            </a:r>
+            <a:r>
+              <a:rPr lang="en-US" sz="2400" dirty="0" err="1" smtClean="0"/>
+              <a:t>install_package</a:t>
+            </a:r>
+            <a:r>
+              <a:rPr lang="en-US" sz="2400" dirty="0" smtClean="0"/>
+              <a:t>(name)</a:t>
+            </a:r>
+          </a:p>
+          <a:p>
+            <a:pPr>
+              <a:lnSpc>
+                <a:spcPct val="90000"/>
+              </a:lnSpc>
+            </a:pPr>
+            <a:r>
+              <a:rPr lang="en-US" sz="2400" dirty="0" smtClean="0"/>
+              <a:t>      end</a:t>
+            </a:r>
+            <a:endParaRPr lang="en-US" sz="2400" dirty="0"/>
+          </a:p>
+          <a:p>
+            <a:pPr>
+              <a:lnSpc>
+                <a:spcPct val="90000"/>
+              </a:lnSpc>
+            </a:pPr>
+            <a:r>
+              <a:rPr lang="en-US" sz="2400" dirty="0"/>
+              <a:t> </a:t>
+            </a:r>
+            <a:r>
+              <a:rPr lang="en-US" sz="2400" dirty="0" smtClean="0"/>
+              <a:t>   end</a:t>
+            </a:r>
+          </a:p>
+          <a:p>
+            <a:pPr>
+              <a:lnSpc>
+                <a:spcPct val="90000"/>
+              </a:lnSpc>
+            </a:pPr>
+            <a:r>
+              <a:rPr lang="en-US" sz="2400" dirty="0"/>
+              <a:t> </a:t>
+            </a:r>
+            <a:r>
+              <a:rPr lang="en-US" sz="2400" dirty="0" smtClean="0"/>
+              <a:t> end</a:t>
+            </a:r>
+          </a:p>
+          <a:p>
+            <a:pPr>
+              <a:lnSpc>
+                <a:spcPct val="90000"/>
+              </a:lnSpc>
+            </a:pPr>
+            <a:r>
+              <a:rPr lang="en-US" sz="2400" dirty="0" smtClean="0"/>
+              <a:t>  </a:t>
+            </a:r>
+            <a:r>
+              <a:rPr lang="en-US" sz="2400" dirty="0"/>
+              <a:t>context 'when no attributes are specified, on </a:t>
+            </a:r>
+            <a:r>
+              <a:rPr lang="en-US" sz="2400" dirty="0" err="1"/>
+              <a:t>CentOS'</a:t>
+            </a:r>
+            <a:r>
+              <a:rPr lang="en-US" sz="2400" dirty="0"/>
+              <a:t> </a:t>
+            </a:r>
+            <a:r>
+              <a:rPr lang="en-US" sz="2400" dirty="0" smtClean="0"/>
+              <a:t>do</a:t>
+            </a:r>
+          </a:p>
+          <a:p>
+            <a:pPr>
+              <a:lnSpc>
+                <a:spcPct val="90000"/>
+              </a:lnSpc>
+            </a:pPr>
+            <a:r>
+              <a:rPr lang="en-US" sz="2400" dirty="0"/>
+              <a:t> </a:t>
+            </a:r>
+            <a:r>
+              <a:rPr lang="en-US" sz="2400" dirty="0" smtClean="0"/>
+              <a:t>   let</a:t>
             </a:r>
             <a:r>
               <a:rPr lang="en-US" sz="2400" dirty="0"/>
@@ -14701,8 +17510,8 @@
         </p:nvSpPr>
         <p:spPr bwMode="auto">
           <a:xfrm>
-            <a:off x="13183810" y="1717524"/>
-            <a:ext cx="2152952" cy="532191"/>
+            <a:off x="13183810" y="1622928"/>
+            <a:ext cx="2152952" cy="852255"/>
           </a:xfrm>
           <a:prstGeom prst="rect">
             <a:avLst/>
@@ -14741,7 +17550,7 @@
           <a:p>
             <a:pPr algn="ctr" defTabSz="914099"/>
             <a:r>
-              <a:rPr lang="en-US" sz="2400" b="1" dirty="0" smtClean="0">
+              <a:rPr lang="en-US" sz="2400" b="1" smtClean="0">
                 <a:gradFill>
                   <a:gsLst>
                     <a:gs pos="0">
@@ -14754,8 +17563,21 @@
                   <a:lin ang="5400000" scaled="0"/>
                 </a:gradFill>
               </a:rPr>
-              <a:t>different</a:t>
-            </a:r>
+              <a:t>different input</a:t>
+            </a:r>
+            <a:endParaRPr lang="en-US" sz="2400" b="1" dirty="0" smtClean="0">
+              <a:gradFill>
+                <a:gsLst>
+                  <a:gs pos="0">
+                    <a:srgbClr val="FFFFFF"/>
+                  </a:gs>
+                  <a:gs pos="100000">
+                    <a:srgbClr val="FFFFFF"/>
+                  </a:gs>
+                </a:gsLst>
+                <a:lin ang="5400000" scaled="0"/>
+              </a:gradFill>
+            </a:endParaRPr>
           </a:p>
         </p:txBody>
       </p:sp>
@@ -14767,8 +17589,8 @@
         </p:nvSpPr>
         <p:spPr bwMode="auto">
           <a:xfrm>
-            <a:off x="13179950" y="3010834"/>
-            <a:ext cx="2152952" cy="532191"/>
+            <a:off x="13179950" y="2837411"/>
+            <a:ext cx="2152952" cy="899014"/>
           </a:xfrm>
           <a:prstGeom prst="rect">
             <a:avLst/>
@@ -14807,7 +17629,7 @@
           <a:p>
             <a:pPr algn="ctr" defTabSz="914099"/>
             <a:r>
-              <a:rPr lang="en-US" sz="2400" dirty="0" smtClean="0">
+              <a:rPr lang="en-US" sz="2400" b="1" dirty="0" smtClean="0">
                 <a:gradFill>
                   <a:gsLst>
                     <a:gs pos="0">
@@ -14820,8 +17642,21 @@
                   <a:lin ang="5400000" scaled="0"/>
                 </a:gradFill>
               </a:rPr>
-              <a:t>same</a:t>
-            </a:r>
+              <a:t>same example</a:t>
+            </a:r>
+            <a:endParaRPr lang="en-US" sz="2400" b="1" dirty="0" smtClean="0">
+              <a:gradFill>
+                <a:gsLst>
+                  <a:gs pos="0">
+                    <a:srgbClr val="FFFFFF"/>
+                  </a:gs>
+                  <a:gs pos="100000">
+                    <a:srgbClr val="FFFFFF"/>
+                  </a:gs>
+                </a:gsLst>
+                <a:lin ang="5400000" scaled="0"/>
+              </a:gradFill>
+            </a:endParaRPr>
           </a:p>
         </p:txBody>
       </p:sp>
@@ -14833,8 +17668,8 @@
         </p:nvSpPr>
         <p:spPr bwMode="auto">
           <a:xfrm>
-            <a:off x="13178972" y="5196114"/>
-            <a:ext cx="2152952" cy="532191"/>
+            <a:off x="13178972" y="5029199"/>
+            <a:ext cx="2152952" cy="882869"/>
           </a:xfrm>
           <a:prstGeom prst="rect">
             <a:avLst/>
@@ -14873,7 +17708,7 @@
           <a:p>
             <a:pPr algn="ctr" defTabSz="914099"/>
             <a:r>
-              <a:rPr lang="en-US" sz="2400" b="1" dirty="0" smtClean="0">
+              <a:rPr lang="en-US" sz="2400" b="1" smtClean="0">
                 <a:gradFill>
                   <a:gsLst>
                     <a:gs pos="0">
@@ -14886,8 +17721,21 @@
                   <a:lin ang="5400000" scaled="0"/>
                 </a:gradFill>
               </a:rPr>
-              <a:t>different</a:t>
-            </a:r>
+              <a:t>different input</a:t>
+            </a:r>
+            <a:endParaRPr lang="en-US" sz="2400" b="1" dirty="0" smtClean="0">
+              <a:gradFill>
+                <a:gsLst>
+                  <a:gs pos="0">
+                    <a:srgbClr val="FFFFFF"/>
+                  </a:gs>
+                  <a:gs pos="100000">
+                    <a:srgbClr val="FFFFFF"/>
+                  </a:gs>
+                </a:gsLst>
+                <a:lin ang="5400000" scaled="0"/>
+              </a:gradFill>
+            </a:endParaRPr>
           </a:p>
         </p:txBody>
       </p:sp>
@@ -14899,8 +17747,8 @@
         </p:nvSpPr>
         <p:spPr bwMode="auto">
           <a:xfrm>
-            <a:off x="13178972" y="6432091"/>
-            <a:ext cx="2152952" cy="532191"/>
+            <a:off x="13178972" y="6211371"/>
+            <a:ext cx="2152952" cy="961937"/>
           </a:xfrm>
           <a:prstGeom prst="rect">
             <a:avLst/>
@@ -14955,6 +17803,38 @@
               <a:t>same</a:t>
             </a:r>
           </a:p>
+          <a:p>
+            <a:pPr algn="ctr" defTabSz="914099"/>
+            <a:r>
+              <a:rPr lang="en-US" b="1" dirty="0" smtClean="0">
+                <a:gradFill>
+                  <a:gsLst>
+                    <a:gs pos="0">
+                      <a:srgbClr val="FFFFFF"/>
+                    </a:gs>
+                    <a:gs pos="100000">
+                      <a:srgbClr val="FFFFFF"/>
+                    </a:gs>
+                  </a:gsLst>
+                  <a:lin ang="5400000" scaled="0"/>
+                </a:gradFill>
+              </a:rPr>
+              <a:t>example</a:t>
+            </a:r>
+            <a:endParaRPr lang="en-US" sz="2400" b="1" dirty="0" smtClean="0">
+              <a:gradFill>
+                <a:gsLst>
+                  <a:gs pos="0">
+                    <a:srgbClr val="FFFFFF"/>
+                  </a:gs>
+                  <a:gs pos="100000">
+                    <a:srgbClr val="FFFFFF"/>
+                  </a:gs>
+                </a:gsLst>
+                <a:lin ang="5400000" scaled="0"/>
+              </a:gradFill>
+            </a:endParaRPr>
+          </a:p>
         </p:txBody>
       </p:sp>
       <p:sp>
@@ -15139,20 +18019,20 @@
   <p:clrMapOvr>
     <a:masterClrMapping/>
   </p:clrMapOvr>
-  <p:transition xmlns:p14="http://schemas.microsoft.com/office/powerpoint/2010/main" spd="med">
+  <p:transition spd="med">
     <p:fade/>
   </p:transition>
   <p:timing>
     <p:tnLst>
       <p:par>
-        <p:cTn xmlns:p14="http://schemas.microsoft.com/office/powerpoint/2010/main" id="1" dur="indefinite" restart="never" nodeType="tmRoot"/>
+        <p:cTn id="1" dur="indefinite" restart="never" nodeType="tmRoot"/>
       </p:par>
     </p:tnLst>
   </p:timing>
 </p:sld>
 </file>
 
-<file path=ppt/slides/slide6.xml><?xml version="1.0" encoding="utf-8"?>
+<file path=ppt/slides/slide9.xml><?xml version="1.0" encoding="utf-8"?>
 <p:sld xmlns:a="http://schemas.openxmlformats.org/drawingml/2006/main" xmlns:r="http://schemas.openxmlformats.org/officeDocument/2006/relationships" xmlns:p="http://schemas.openxmlformats.org/presentationml/2006/main">
   <p:cSld>
     <p:spTree>
@@ -15344,484 +18224,13 @@
   <p:clrMapOvr>
     <a:masterClrMapping/>
   </p:clrMapOvr>
-  <p:transition xmlns:p14="http://schemas.microsoft.com/office/powerpoint/2010/main" spd="med">
+  <p:transition spd="med">
     <p:fade/>
   </p:transition>
   <p:timing>
     <p:tnLst>
       <p:par>
-        <p:cTn xmlns:p14="http://schemas.microsoft.com/office/powerpoint/2010/main" id="1" dur="indefinite" restart="never" nodeType="tmRoot"/>
-      </p:par>
-    </p:tnLst>
-  </p:timing>
-</p:sld>
-</file>
-
-<file path=ppt/slides/slide7.xml><?xml version="1.0" encoding="utf-8"?>
-<p:sld xmlns:a="http://schemas.openxmlformats.org/drawingml/2006/main" xmlns:r="http://schemas.openxmlformats.org/officeDocument/2006/relationships" xmlns:p="http://schemas.openxmlformats.org/presentationml/2006/main">
-  <p:cSld>
-    <p:spTree>
-      <p:nvGrpSpPr>
-        <p:cNvPr id="1" name=""/>
-        <p:cNvGrpSpPr/>
-        <p:nvPr/>
-      </p:nvGrpSpPr>
-      <p:grpSpPr>
-        <a:xfrm>
-          <a:off x="0" y="0"/>
-          <a:ext cx="0" cy="0"/>
-          <a:chOff x="0" y="0"/>
-          <a:chExt cx="0" cy="0"/>
-        </a:xfrm>
-      </p:grpSpPr>
-      <p:sp>
-        <p:nvSpPr>
-          <p:cNvPr id="2" name="Title 1"/>
-          <p:cNvSpPr>
-            <a:spLocks noGrp="1"/>
-          </p:cNvSpPr>
-          <p:nvPr>
-            <p:ph type="ctrTitle"/>
-          </p:nvPr>
-        </p:nvSpPr>
-        <p:spPr/>
-        <p:txBody>
-          <a:bodyPr>
-            <a:normAutofit fontScale="90000"/>
-          </a:bodyPr>
-          <a:lstStyle/>
-          <a:p>
-            <a:r>
-              <a:rPr lang="en-US" dirty="0" smtClean="0"/>
-              <a:t>Live Demonstration</a:t>
-            </a:r>
-            <a:endParaRPr lang="en-US" dirty="0"/>
-          </a:p>
-        </p:txBody>
-      </p:sp>
-      <p:sp>
-        <p:nvSpPr>
-          <p:cNvPr id="3" name="Subtitle 2"/>
-          <p:cNvSpPr>
-            <a:spLocks noGrp="1"/>
-          </p:cNvSpPr>
-          <p:nvPr>
-            <p:ph type="subTitle" idx="1"/>
-          </p:nvPr>
-        </p:nvSpPr>
-        <p:spPr/>
-        <p:txBody>
-          <a:bodyPr anchor="ctr"/>
-          <a:lstStyle/>
-          <a:p>
-            <a:pPr algn="ctr"/>
-            <a:r>
-              <a:rPr lang="en-US" sz="4000" b="1" dirty="0" smtClean="0">
-                <a:hlinkClick r:id="rId2"/>
-              </a:rPr>
-              <a:t>https</a:t>
-            </a:r>
-            <a:r>
-              <a:rPr lang="en-US" sz="4000" b="1" dirty="0">
-                <a:hlinkClick r:id="rId2"/>
-              </a:rPr>
-              <a:t>://</a:t>
-            </a:r>
-            <a:r>
-              <a:rPr lang="en-US" sz="4000" b="1" dirty="0" smtClean="0">
-                <a:hlinkClick r:id="rId2"/>
-              </a:rPr>
-              <a:t>goo.gl/ChkP47</a:t>
-            </a:r>
-            <a:endParaRPr lang="en-US" sz="4000" b="1" dirty="0" smtClean="0"/>
-          </a:p>
-        </p:txBody>
-      </p:sp>
-    </p:spTree>
-    <p:extLst>
-      <p:ext uri="{BB962C8B-B14F-4D97-AF65-F5344CB8AC3E}">
-        <p14:creationId xmlns:p14="http://schemas.microsoft.com/office/powerpoint/2010/main" val="2331603093"/>
-      </p:ext>
-    </p:extLst>
-  </p:cSld>
-  <p:clrMapOvr>
-    <a:masterClrMapping/>
-  </p:clrMapOvr>
-  <p:transition xmlns:p14="http://schemas.microsoft.com/office/powerpoint/2010/main" spd="med">
-    <p:fade/>
-  </p:transition>
-  <p:timing>
-    <p:tnLst>
-      <p:par>
-        <p:cTn xmlns:p14="http://schemas.microsoft.com/office/powerpoint/2010/main" id="1" dur="indefinite" restart="never" nodeType="tmRoot"/>
-      </p:par>
-    </p:tnLst>
-  </p:timing>
-</p:sld>
-</file>
-
-<file path=ppt/slides/slide8.xml><?xml version="1.0" encoding="utf-8"?>
-<p:sld xmlns:a="http://schemas.openxmlformats.org/drawingml/2006/main" xmlns:r="http://schemas.openxmlformats.org/officeDocument/2006/relationships" xmlns:p="http://schemas.openxmlformats.org/presentationml/2006/main">
-  <p:cSld>
-    <p:spTree>
-      <p:nvGrpSpPr>
-        <p:cNvPr id="1" name=""/>
-        <p:cNvGrpSpPr/>
-        <p:nvPr/>
-      </p:nvGrpSpPr>
-      <p:grpSpPr>
-        <a:xfrm>
-          <a:off x="0" y="0"/>
-          <a:ext cx="0" cy="0"/>
-          <a:chOff x="0" y="0"/>
-          <a:chExt cx="0" cy="0"/>
-        </a:xfrm>
-      </p:grpSpPr>
-      <p:sp>
-        <p:nvSpPr>
-          <p:cNvPr id="7" name="Rectangle 6"/>
-          <p:cNvSpPr/>
-          <p:nvPr/>
-        </p:nvSpPr>
-        <p:spPr bwMode="auto">
-          <a:xfrm>
-            <a:off x="0" y="4840941"/>
-            <a:ext cx="16256000" cy="3376707"/>
-          </a:xfrm>
-          <a:prstGeom prst="rect">
-            <a:avLst/>
-          </a:prstGeom>
-          <a:solidFill>
-            <a:schemeClr val="tx2">
-              <a:alpha val="50000"/>
-            </a:schemeClr>
-          </a:solidFill>
-          <a:ln>
-            <a:noFill/>
-            <a:headEnd type="none" w="med" len="med"/>
-            <a:tailEnd type="none" w="med" len="med"/>
-          </a:ln>
-          <a:effectLst/>
-        </p:spPr>
-        <p:style>
-          <a:lnRef idx="1">
-            <a:schemeClr val="accent4"/>
-          </a:lnRef>
-          <a:fillRef idx="3">
-            <a:schemeClr val="accent4"/>
-          </a:fillRef>
-          <a:effectRef idx="2">
-            <a:schemeClr val="accent4"/>
-          </a:effectRef>
-          <a:fontRef idx="minor">
-            <a:schemeClr val="lt1"/>
-          </a:fontRef>
-        </p:style>
-        <p:txBody>
-          <a:bodyPr vert="horz" wrap="square" lIns="91436" tIns="45718" rIns="91436" bIns="45718" numCol="1" rtlCol="0" anchor="ctr" anchorCtr="0" compatLnSpc="1">
-            <a:prstTxWarp prst="textNoShape">
-              <a:avLst/>
-            </a:prstTxWarp>
-          </a:bodyPr>
-          <a:lstStyle/>
-          <a:p>
-            <a:pPr algn="ctr" defTabSz="914099"/>
-            <a:endParaRPr lang="en-US" sz="2400" dirty="0" err="1" smtClean="0">
-              <a:gradFill>
-                <a:gsLst>
-                  <a:gs pos="0">
-                    <a:srgbClr val="FFFFFF"/>
-                  </a:gs>
-                  <a:gs pos="100000">
-                    <a:srgbClr val="FFFFFF"/>
-                  </a:gs>
-                </a:gsLst>
-                <a:lin ang="5400000" scaled="0"/>
-              </a:gradFill>
-            </a:endParaRPr>
-          </a:p>
-        </p:txBody>
-      </p:sp>
-      <p:sp>
-        <p:nvSpPr>
-          <p:cNvPr id="2" name="Title 1"/>
-          <p:cNvSpPr>
-            <a:spLocks noGrp="1"/>
-          </p:cNvSpPr>
-          <p:nvPr>
-            <p:ph type="title"/>
-          </p:nvPr>
-        </p:nvSpPr>
-        <p:spPr>
-          <a:effectLst>
-            <a:outerShdw blurRad="50800" dist="76200" dir="5400000" algn="t" rotWithShape="0">
-              <a:prstClr val="black">
-                <a:alpha val="40000"/>
-              </a:prstClr>
-            </a:outerShdw>
-          </a:effectLst>
-        </p:spPr>
-        <p:txBody>
-          <a:bodyPr>
-            <a:normAutofit/>
-          </a:bodyPr>
-          <a:lstStyle/>
-          <a:p>
-            <a:r>
-              <a:rPr lang="en-US" dirty="0" err="1">
-                <a:latin typeface="Courier New"/>
-                <a:cs typeface="Courier New"/>
-              </a:rPr>
-              <a:t>shared_examples</a:t>
-            </a:r>
-            <a:endParaRPr lang="en-US" dirty="0">
-              <a:latin typeface="Courier New"/>
-              <a:cs typeface="Courier New"/>
-            </a:endParaRPr>
-          </a:p>
-        </p:txBody>
-      </p:sp>
-      <p:sp>
-        <p:nvSpPr>
-          <p:cNvPr id="4" name="Text Placeholder 3"/>
-          <p:cNvSpPr>
-            <a:spLocks noGrp="1"/>
-          </p:cNvSpPr>
-          <p:nvPr>
-            <p:ph type="body" sz="quarter" idx="12"/>
-          </p:nvPr>
-        </p:nvSpPr>
-        <p:spPr>
-          <a:xfrm>
-            <a:off x="650040" y="5213473"/>
-            <a:ext cx="6987278" cy="2765115"/>
-          </a:xfrm>
-        </p:spPr>
-        <p:txBody>
-          <a:bodyPr/>
-          <a:lstStyle/>
-          <a:p>
-            <a:pPr marL="457200" indent="-457200">
-              <a:buFont typeface="Wingdings" charset="2"/>
-              <a:buChar char="ü"/>
-            </a:pPr>
-            <a:r>
-              <a:rPr lang="en-US" b="1" dirty="0" smtClean="0"/>
-              <a:t>Concepts</a:t>
-            </a:r>
-          </a:p>
-          <a:p>
-            <a:pPr marL="457200" indent="-457200">
-              <a:buFont typeface="Wingdings" charset="2"/>
-              <a:buChar char="ü"/>
-            </a:pPr>
-            <a:r>
-              <a:rPr lang="en-US" b="1" dirty="0" smtClean="0"/>
-              <a:t>Demonstration</a:t>
-            </a:r>
-          </a:p>
-          <a:p>
-            <a:pPr marL="457200" indent="-457200">
-              <a:buFont typeface="Wingdings" charset="2"/>
-              <a:buChar char="q"/>
-            </a:pPr>
-            <a:r>
-              <a:rPr lang="en-US" b="1" dirty="0" smtClean="0"/>
-              <a:t>Review</a:t>
-            </a:r>
-          </a:p>
-          <a:p>
-            <a:pPr marL="457200" indent="-457200">
-              <a:buFont typeface="Wingdings" charset="2"/>
-              <a:buChar char="q"/>
-            </a:pPr>
-            <a:r>
-              <a:rPr lang="en-US" b="1" dirty="0" smtClean="0"/>
-              <a:t>Exercise</a:t>
-            </a:r>
-          </a:p>
-        </p:txBody>
-      </p:sp>
-    </p:spTree>
-    <p:extLst>
-      <p:ext uri="{BB962C8B-B14F-4D97-AF65-F5344CB8AC3E}">
-        <p14:creationId xmlns:p14="http://schemas.microsoft.com/office/powerpoint/2010/main" val="3064320720"/>
-      </p:ext>
-    </p:extLst>
-  </p:cSld>
-  <p:clrMapOvr>
-    <a:masterClrMapping/>
-  </p:clrMapOvr>
-  <p:transition xmlns:p14="http://schemas.microsoft.com/office/powerpoint/2010/main" spd="med">
-    <p:fade/>
-  </p:transition>
-  <p:timing>
-    <p:tnLst>
-      <p:par>
-        <p:cTn xmlns:p14="http://schemas.microsoft.com/office/powerpoint/2010/main" id="1" dur="indefinite" restart="never" nodeType="tmRoot"/>
-      </p:par>
-    </p:tnLst>
-  </p:timing>
-</p:sld>
-</file>
-
-<file path=ppt/slides/slide9.xml><?xml version="1.0" encoding="utf-8"?>
-<p:sld xmlns:a="http://schemas.openxmlformats.org/drawingml/2006/main" xmlns:r="http://schemas.openxmlformats.org/officeDocument/2006/relationships" xmlns:p="http://schemas.openxmlformats.org/presentationml/2006/main">
-  <p:cSld>
-    <p:spTree>
-      <p:nvGrpSpPr>
-        <p:cNvPr id="1" name=""/>
-        <p:cNvGrpSpPr/>
-        <p:nvPr/>
-      </p:nvGrpSpPr>
-      <p:grpSpPr>
-        <a:xfrm>
-          <a:off x="0" y="0"/>
-          <a:ext cx="0" cy="0"/>
-          <a:chOff x="0" y="0"/>
-          <a:chExt cx="0" cy="0"/>
-        </a:xfrm>
-      </p:grpSpPr>
-      <p:sp>
-        <p:nvSpPr>
-          <p:cNvPr id="2" name="Title 1"/>
-          <p:cNvSpPr>
-            <a:spLocks noGrp="1"/>
-          </p:cNvSpPr>
-          <p:nvPr>
-            <p:ph type="ctrTitle"/>
-          </p:nvPr>
-        </p:nvSpPr>
-        <p:spPr/>
-        <p:txBody>
-          <a:bodyPr>
-            <a:normAutofit fontScale="90000"/>
-          </a:bodyPr>
-          <a:lstStyle/>
-          <a:p>
-            <a:r>
-              <a:rPr lang="en-US" dirty="0" err="1" smtClean="0">
-                <a:latin typeface="Courier New"/>
-                <a:cs typeface="Courier New"/>
-              </a:rPr>
-              <a:t>shared_examples</a:t>
-            </a:r>
-            <a:endParaRPr lang="en-US" dirty="0">
-              <a:latin typeface="Courier New"/>
-              <a:cs typeface="Courier New"/>
-            </a:endParaRPr>
-          </a:p>
-        </p:txBody>
-      </p:sp>
-      <p:sp>
-        <p:nvSpPr>
-          <p:cNvPr id="3" name="Subtitle 2"/>
-          <p:cNvSpPr>
-            <a:spLocks noGrp="1"/>
-          </p:cNvSpPr>
-          <p:nvPr>
-            <p:ph type="subTitle" idx="1"/>
-          </p:nvPr>
-        </p:nvSpPr>
-        <p:spPr/>
-        <p:txBody>
-          <a:bodyPr/>
-          <a:lstStyle/>
-          <a:p>
-            <a:r>
-              <a:rPr lang="en-US" dirty="0"/>
-              <a:t>Shared examples let you describe </a:t>
-            </a:r>
-            <a:r>
-              <a:rPr lang="en-US" dirty="0" smtClean="0"/>
-              <a:t>behavior </a:t>
-            </a:r>
-            <a:r>
-              <a:rPr lang="en-US" dirty="0"/>
-              <a:t>of classes or modules. When declared</a:t>
-            </a:r>
-            <a:r>
-              <a:rPr lang="en-US" dirty="0" smtClean="0"/>
-              <a:t>, a </a:t>
-            </a:r>
-            <a:r>
-              <a:rPr lang="en-US" dirty="0"/>
-              <a:t>shared group's content is stored. It is only realized in the context </a:t>
-            </a:r>
-            <a:r>
-              <a:rPr lang="en-US" dirty="0" smtClean="0"/>
-              <a:t>of another </a:t>
-            </a:r>
-            <a:r>
-              <a:rPr lang="en-US" dirty="0"/>
-              <a:t>example group, which provides any context the shared </a:t>
-            </a:r>
-            <a:r>
-              <a:rPr lang="en-US" dirty="0" smtClean="0"/>
-              <a:t>group needs to run</a:t>
-            </a:r>
-            <a:r>
-              <a:rPr lang="en-US" dirty="0"/>
-              <a:t>.</a:t>
-            </a:r>
-          </a:p>
-        </p:txBody>
-      </p:sp>
-      <p:sp>
-        <p:nvSpPr>
-          <p:cNvPr id="4" name="TextBox 3"/>
-          <p:cNvSpPr txBox="1"/>
-          <p:nvPr/>
-        </p:nvSpPr>
-        <p:spPr bwMode="white">
-          <a:xfrm>
-            <a:off x="1676399" y="7010401"/>
-            <a:ext cx="12310534" cy="914400"/>
-          </a:xfrm>
-          <a:prstGeom prst="rect">
-            <a:avLst/>
-          </a:prstGeom>
-        </p:spPr>
-        <p:txBody>
-          <a:bodyPr vert="horz" wrap="none" lIns="91440" tIns="91440" rIns="91440" bIns="91440" rtlCol="0" anchor="ctr">
-            <a:normAutofit/>
-          </a:bodyPr>
-          <a:lstStyle/>
-          <a:p>
-            <a:pPr algn="ctr"/>
-            <a:r>
-              <a:rPr lang="en-US" sz="3200" dirty="0"/>
-              <a:t>https://</a:t>
-            </a:r>
-            <a:r>
-              <a:rPr lang="en-US" sz="3200" dirty="0" err="1"/>
-              <a:t>goo.gl</a:t>
-            </a:r>
-            <a:r>
-              <a:rPr lang="en-US" sz="3200" dirty="0"/>
-              <a:t>/yi12tM</a:t>
-            </a:r>
-            <a:endParaRPr lang="en-US" sz="3200" dirty="0" smtClean="0"/>
-          </a:p>
-        </p:txBody>
-      </p:sp>
-    </p:spTree>
-    <p:extLst>
-      <p:ext uri="{BB962C8B-B14F-4D97-AF65-F5344CB8AC3E}">
-        <p14:creationId xmlns:p14="http://schemas.microsoft.com/office/powerpoint/2010/main" val="3421657502"/>
-      </p:ext>
-    </p:extLst>
-  </p:cSld>
-  <p:clrMapOvr>
-    <a:masterClrMapping/>
-  </p:clrMapOvr>
-  <p:transition xmlns:p14="http://schemas.microsoft.com/office/powerpoint/2010/main" spd="med">
-    <p:fade/>
-  </p:transition>
-  <p:timing>
-    <p:tnLst>
-      <p:par>
-        <p:cTn xmlns:p14="http://schemas.microsoft.com/office/powerpoint/2010/main" id="1" dur="indefinite" restart="never" nodeType="tmRoot"/>
+        <p:cTn id="1" dur="indefinite" restart="never" nodeType="tmRoot"/>
       </p:par>
     </p:tnLst>
   </p:timing>
@@ -16204,7 +18613,7 @@
   <a:extraClrSchemeLst/>
   <a:extLst>
     <a:ext uri="{05A4C25C-085E-4340-85A3-A5531E510DB2}">
-      <thm15:themeFamily xmlns:thm15="http://schemas.microsoft.com/office/thememl/2012/main" xmlns="" name="Chef-TemplateComps_v09-16x9-Light.potx" id="{078CEFDB-FA7A-4E36-9964-13EF367585CB}" vid="{8B87B0F3-7308-43D5-8388-E1B49EA02652}"/>
+      <thm15:themeFamily xmlns:thm15="http://schemas.microsoft.com/office/thememl/2012/main" name="Chef-TemplateComps_v09-16x9-Light.potx" id="{078CEFDB-FA7A-4E36-9964-13EF367585CB}" vid="{8B87B0F3-7308-43D5-8388-E1B49EA02652}"/>
     </a:ext>
   </a:extLst>
 </a:theme>
@@ -16586,7 +18995,7 @@
   <a:extraClrSchemeLst/>
   <a:extLst>
     <a:ext uri="{05A4C25C-085E-4340-85A3-A5531E510DB2}">
-      <thm15:themeFamily xmlns:thm15="http://schemas.microsoft.com/office/thememl/2012/main" xmlns="" name="Chef-TemplateComps_v09-16x9-Light.potx" id="{078CEFDB-FA7A-4E36-9964-13EF367585CB}" vid="{8B87B0F3-7308-43D5-8388-E1B49EA02652}"/>
+      <thm15:themeFamily xmlns:thm15="http://schemas.microsoft.com/office/thememl/2012/main" name="Chef-TemplateComps_v09-16x9-Light.potx" id="{078CEFDB-FA7A-4E36-9964-13EF367585CB}" vid="{8B87B0F3-7308-43D5-8388-E1B49EA02652}"/>
     </a:ext>
   </a:extLst>
 </a:theme>

--- a/04-shared_examples.pptx
+++ b/04-shared_examples.pptx
@@ -970,7 +970,19 @@
           <a:p>
             <a:r>
               <a:rPr lang="en-US" dirty="0" smtClean="0"/>
-              <a:t>In this demonstration I will show you how to extract the package names into a let helper, create similar looking examples, and then extract those examples into a </a:t>
+              <a:t>In this demonstration I will show you how to extract the package names into a let helper, create similar </a:t>
+            </a:r>
+            <a:r>
+              <a:rPr lang="en-US" smtClean="0"/>
+              <a:t>looking </a:t>
+            </a:r>
+            <a:r>
+              <a:rPr lang="en-US" smtClean="0"/>
+              <a:t>examples</a:t>
+            </a:r>
+            <a:r>
+              <a:rPr lang="en-US" dirty="0" smtClean="0"/>
+              <a:t>, and then extract those examples into a </a:t>
             </a:r>
             <a:r>
               <a:rPr lang="en-US" dirty="0" err="1" smtClean="0"/>
@@ -1761,7 +1773,6 @@
               <a:rPr lang="en-US" dirty="0"/>
               <a:t>Now it is your turn. Refactor the code with this technique. Execute the tests. Find success.</a:t>
             </a:r>
-            <a:endParaRPr lang="en-US" dirty="0"/>
           </a:p>
         </p:txBody>
       </p:sp>
@@ -4083,14 +4094,14 @@
           </a:ln>
           <a:extLst>
             <a:ext uri="{909E8E84-426E-40dd-AFC4-6F175D3DCCD1}">
-              <a14:hiddenFill xmlns="" xmlns:a14="http://schemas.microsoft.com/office/drawing/2010/main">
+              <a14:hiddenFill xmlns:a14="http://schemas.microsoft.com/office/drawing/2010/main" xmlns="">
                 <a:solidFill>
                   <a:srgbClr val="FFFFFF"/>
                 </a:solidFill>
               </a14:hiddenFill>
             </a:ext>
             <a:ext uri="{91240B29-F687-4f45-9708-019B960494DF}">
-              <a14:hiddenLine xmlns="" xmlns:a14="http://schemas.microsoft.com/office/drawing/2010/main" w="9525">
+              <a14:hiddenLine xmlns:a14="http://schemas.microsoft.com/office/drawing/2010/main" xmlns="" w="9525">
                 <a:solidFill>
                   <a:srgbClr val="000000"/>
                 </a:solidFill>
@@ -4238,14 +4249,14 @@
           </a:ln>
           <a:extLst>
             <a:ext uri="{909E8E84-426E-40dd-AFC4-6F175D3DCCD1}">
-              <a14:hiddenFill xmlns="" xmlns:a14="http://schemas.microsoft.com/office/drawing/2010/main">
+              <a14:hiddenFill xmlns:a14="http://schemas.microsoft.com/office/drawing/2010/main" xmlns="">
                 <a:solidFill>
                   <a:srgbClr val="FFFFFF"/>
                 </a:solidFill>
               </a14:hiddenFill>
             </a:ext>
             <a:ext uri="{91240B29-F687-4f45-9708-019B960494DF}">
-              <a14:hiddenLine xmlns="" xmlns:a14="http://schemas.microsoft.com/office/drawing/2010/main" w="9525">
+              <a14:hiddenLine xmlns:a14="http://schemas.microsoft.com/office/drawing/2010/main" xmlns="" w="9525">
                 <a:solidFill>
                   <a:srgbClr val="000000"/>
                 </a:solidFill>
@@ -4736,14 +4747,14 @@
           </a:ln>
           <a:extLst>
             <a:ext uri="{909E8E84-426E-40dd-AFC4-6F175D3DCCD1}">
-              <a14:hiddenFill xmlns="" xmlns:a14="http://schemas.microsoft.com/office/drawing/2010/main">
+              <a14:hiddenFill xmlns:a14="http://schemas.microsoft.com/office/drawing/2010/main" xmlns="">
                 <a:solidFill>
                   <a:srgbClr val="FFFFFF"/>
                 </a:solidFill>
               </a14:hiddenFill>
             </a:ext>
             <a:ext uri="{91240B29-F687-4f45-9708-019B960494DF}">
-              <a14:hiddenLine xmlns="" xmlns:a14="http://schemas.microsoft.com/office/drawing/2010/main" w="9525">
+              <a14:hiddenLine xmlns:a14="http://schemas.microsoft.com/office/drawing/2010/main" xmlns="" w="9525">
                 <a:solidFill>
                   <a:srgbClr val="000000"/>
                 </a:solidFill>
@@ -7049,14 +7060,14 @@
           </a:ln>
           <a:extLst>
             <a:ext uri="{909E8E84-426E-40dd-AFC4-6F175D3DCCD1}">
-              <a14:hiddenFill xmlns="" xmlns:a14="http://schemas.microsoft.com/office/drawing/2010/main">
+              <a14:hiddenFill xmlns:a14="http://schemas.microsoft.com/office/drawing/2010/main" xmlns="">
                 <a:solidFill>
                   <a:srgbClr val="FFFFFF"/>
                 </a:solidFill>
               </a14:hiddenFill>
             </a:ext>
             <a:ext uri="{91240B29-F687-4f45-9708-019B960494DF}">
-              <a14:hiddenLine xmlns="" xmlns:a14="http://schemas.microsoft.com/office/drawing/2010/main" w="9525">
+              <a14:hiddenLine xmlns:a14="http://schemas.microsoft.com/office/drawing/2010/main" xmlns="" w="9525">
                 <a:solidFill>
                   <a:srgbClr val="000000"/>
                 </a:solidFill>
@@ -8664,14 +8675,14 @@
           </a:ln>
           <a:extLst>
             <a:ext uri="{909E8E84-426E-40dd-AFC4-6F175D3DCCD1}">
-              <a14:hiddenFill xmlns="" xmlns:a14="http://schemas.microsoft.com/office/drawing/2010/main">
+              <a14:hiddenFill xmlns:a14="http://schemas.microsoft.com/office/drawing/2010/main" xmlns="">
                 <a:solidFill>
                   <a:srgbClr val="FFFFFF"/>
                 </a:solidFill>
               </a14:hiddenFill>
             </a:ext>
             <a:ext uri="{91240B29-F687-4f45-9708-019B960494DF}">
-              <a14:hiddenLine xmlns="" xmlns:a14="http://schemas.microsoft.com/office/drawing/2010/main" w="9525">
+              <a14:hiddenLine xmlns:a14="http://schemas.microsoft.com/office/drawing/2010/main" xmlns="" w="9525">
                 <a:solidFill>
                   <a:srgbClr val="000000"/>
                 </a:solidFill>
@@ -9229,14 +9240,14 @@
           </a:ln>
           <a:extLst>
             <a:ext uri="{909E8E84-426E-40dd-AFC4-6F175D3DCCD1}">
-              <a14:hiddenFill xmlns="" xmlns:a14="http://schemas.microsoft.com/office/drawing/2010/main">
+              <a14:hiddenFill xmlns:a14="http://schemas.microsoft.com/office/drawing/2010/main" xmlns="">
                 <a:solidFill>
                   <a:srgbClr val="FFFFFF"/>
                 </a:solidFill>
               </a14:hiddenFill>
             </a:ext>
             <a:ext uri="{91240B29-F687-4f45-9708-019B960494DF}">
-              <a14:hiddenLine xmlns="" xmlns:a14="http://schemas.microsoft.com/office/drawing/2010/main" w="9525">
+              <a14:hiddenLine xmlns:a14="http://schemas.microsoft.com/office/drawing/2010/main" xmlns="" w="9525">
                 <a:solidFill>
                   <a:srgbClr val="000000"/>
                 </a:solidFill>
@@ -9803,14 +9814,14 @@
           </a:ln>
           <a:extLst>
             <a:ext uri="{909E8E84-426E-40dd-AFC4-6F175D3DCCD1}">
-              <a14:hiddenFill xmlns="" xmlns:a14="http://schemas.microsoft.com/office/drawing/2010/main">
+              <a14:hiddenFill xmlns:a14="http://schemas.microsoft.com/office/drawing/2010/main" xmlns="">
                 <a:solidFill>
                   <a:srgbClr val="FFFFFF"/>
                 </a:solidFill>
               </a14:hiddenFill>
             </a:ext>
             <a:ext uri="{91240B29-F687-4f45-9708-019B960494DF}">
-              <a14:hiddenLine xmlns="" xmlns:a14="http://schemas.microsoft.com/office/drawing/2010/main" w="9525">
+              <a14:hiddenLine xmlns:a14="http://schemas.microsoft.com/office/drawing/2010/main" xmlns="" w="9525">
                 <a:solidFill>
                   <a:srgbClr val="000000"/>
                 </a:solidFill>
@@ -10462,14 +10473,14 @@
           </a:ln>
           <a:extLst>
             <a:ext uri="{909E8E84-426E-40dd-AFC4-6F175D3DCCD1}">
-              <a14:hiddenFill xmlns="" xmlns:a14="http://schemas.microsoft.com/office/drawing/2010/main">
+              <a14:hiddenFill xmlns:a14="http://schemas.microsoft.com/office/drawing/2010/main" xmlns="">
                 <a:solidFill>
                   <a:srgbClr val="FFFFFF"/>
                 </a:solidFill>
               </a14:hiddenFill>
             </a:ext>
             <a:ext uri="{91240B29-F687-4f45-9708-019B960494DF}">
-              <a14:hiddenLine xmlns="" xmlns:a14="http://schemas.microsoft.com/office/drawing/2010/main" w="9525">
+              <a14:hiddenLine xmlns:a14="http://schemas.microsoft.com/office/drawing/2010/main" xmlns="" w="9525">
                 <a:solidFill>
                   <a:srgbClr val="000000"/>
                 </a:solidFill>
@@ -11245,14 +11256,14 @@
           </a:ln>
           <a:extLst>
             <a:ext uri="{909E8E84-426E-40dd-AFC4-6F175D3DCCD1}">
-              <a14:hiddenFill xmlns="" xmlns:a14="http://schemas.microsoft.com/office/drawing/2010/main">
+              <a14:hiddenFill xmlns:a14="http://schemas.microsoft.com/office/drawing/2010/main" xmlns="">
                 <a:solidFill>
                   <a:srgbClr val="FFFFFF"/>
                 </a:solidFill>
               </a14:hiddenFill>
             </a:ext>
             <a:ext uri="{91240B29-F687-4f45-9708-019B960494DF}">
-              <a14:hiddenLine xmlns="" xmlns:a14="http://schemas.microsoft.com/office/drawing/2010/main" w="9525">
+              <a14:hiddenLine xmlns:a14="http://schemas.microsoft.com/office/drawing/2010/main" xmlns="" w="9525">
                 <a:solidFill>
                   <a:srgbClr val="000000"/>
                 </a:solidFill>
@@ -12152,14 +12163,14 @@
           </a:ln>
           <a:extLst>
             <a:ext uri="{909E8E84-426E-40dd-AFC4-6F175D3DCCD1}">
-              <a14:hiddenFill xmlns="" xmlns:a14="http://schemas.microsoft.com/office/drawing/2010/main">
+              <a14:hiddenFill xmlns:a14="http://schemas.microsoft.com/office/drawing/2010/main" xmlns="">
                 <a:solidFill>
                   <a:srgbClr val="FFFFFF"/>
                 </a:solidFill>
               </a14:hiddenFill>
             </a:ext>
             <a:ext uri="{91240B29-F687-4f45-9708-019B960494DF}">
-              <a14:hiddenLine xmlns="" xmlns:a14="http://schemas.microsoft.com/office/drawing/2010/main" w="9525">
+              <a14:hiddenLine xmlns:a14="http://schemas.microsoft.com/office/drawing/2010/main" xmlns="" w="9525">
                 <a:solidFill>
                   <a:srgbClr val="000000"/>
                 </a:solidFill>
@@ -14660,15 +14671,7 @@
                 <a:ea typeface="Apple Chancery" charset="0"/>
                 <a:cs typeface="Apple Chancery" charset="0"/>
               </a:rPr>
-              <a:t>Execute the Tests. Find </a:t>
-            </a:r>
-            <a:r>
-              <a:rPr lang="en-US" sz="6000" dirty="0" smtClean="0">
-                <a:latin typeface="Apple Chancery" charset="0"/>
-                <a:ea typeface="Apple Chancery" charset="0"/>
-                <a:cs typeface="Apple Chancery" charset="0"/>
-              </a:rPr>
-              <a:t>Success.</a:t>
+              <a:t>Execute the Tests. Find Success.</a:t>
             </a:r>
             <a:endParaRPr lang="en-US" sz="6000" dirty="0">
               <a:latin typeface="Apple Chancery" charset="0"/>
@@ -16233,7 +16236,6 @@
               <a:rPr lang="en-US" sz="2400" dirty="0" smtClean="0"/>
               <a:t>  end</a:t>
             </a:r>
-            <a:endParaRPr lang="en-US" sz="2400" dirty="0" smtClean="0"/>
           </a:p>
         </p:txBody>
       </p:sp>
@@ -16515,7 +16517,6 @@
               <a:rPr lang="en-US" sz="2400" dirty="0" smtClean="0"/>
               <a:t>  end</a:t>
             </a:r>
-            <a:endParaRPr lang="en-US" sz="2400" dirty="0" smtClean="0"/>
           </a:p>
         </p:txBody>
       </p:sp>
@@ -16667,11 +16668,7 @@
             </a:r>
             <a:r>
               <a:rPr lang="en-US" sz="2400" dirty="0" smtClean="0"/>
-              <a:t>) </a:t>
-            </a:r>
-            <a:r>
-              <a:rPr lang="en-US" sz="2400" dirty="0" smtClean="0"/>
-              <a:t>do</a:t>
+              <a:t>) do</a:t>
             </a:r>
           </a:p>
           <a:p>
@@ -16682,11 +16679,7 @@
             </a:pPr>
             <a:r>
               <a:rPr lang="en-US" sz="2400" dirty="0" smtClean="0"/>
-              <a:t>      </a:t>
-            </a:r>
-            <a:r>
-              <a:rPr lang="en-US" sz="2400" dirty="0" smtClean="0"/>
-              <a:t>%w[ </a:t>
+              <a:t>      %w[ </a:t>
             </a:r>
             <a:r>
               <a:rPr lang="en-US" sz="2400" dirty="0" err="1" smtClean="0"/>
@@ -16728,7 +16721,6 @@
               <a:rPr lang="en-US" sz="2400" dirty="0" smtClean="0"/>
               <a:t> ]</a:t>
             </a:r>
-            <a:endParaRPr lang="en-US" sz="2400" dirty="0" smtClean="0"/>
           </a:p>
           <a:p>
             <a:pPr>
@@ -16902,7 +16894,6 @@
               <a:rPr lang="en-US" sz="2400" dirty="0" smtClean="0"/>
               <a:t>  end</a:t>
             </a:r>
-            <a:endParaRPr lang="en-US" sz="2400" dirty="0" smtClean="0"/>
           </a:p>
         </p:txBody>
       </p:sp>
@@ -17644,19 +17635,6 @@
               </a:rPr>
               <a:t>same example</a:t>
             </a:r>
-            <a:endParaRPr lang="en-US" sz="2400" b="1" dirty="0" smtClean="0">
-              <a:gradFill>
-                <a:gsLst>
-                  <a:gs pos="0">
-                    <a:srgbClr val="FFFFFF"/>
-                  </a:gs>
-                  <a:gs pos="100000">
-                    <a:srgbClr val="FFFFFF"/>
-                  </a:gs>
-                </a:gsLst>
-                <a:lin ang="5400000" scaled="0"/>
-              </a:gradFill>
-            </a:endParaRPr>
           </a:p>
         </p:txBody>
       </p:sp>

--- a/04-shared_examples.pptx
+++ b/04-shared_examples.pptx
@@ -835,7 +835,19 @@
           <a:p>
             <a:r>
               <a:rPr lang="en-US" dirty="0" smtClean="0"/>
-              <a:t>The second technique we are going to explore is </a:t>
+              <a:t>The second technique we </a:t>
+            </a:r>
+            <a:r>
+              <a:rPr lang="en-US" smtClean="0"/>
+              <a:t>are </a:t>
+            </a:r>
+            <a:r>
+              <a:rPr lang="en-US" smtClean="0"/>
+              <a:t>going </a:t>
+            </a:r>
+            <a:r>
+              <a:rPr lang="en-US" dirty="0" smtClean="0"/>
+              <a:t>to explore is </a:t>
             </a:r>
             <a:r>
               <a:rPr lang="en-US" dirty="0" err="1" smtClean="0"/>
@@ -970,14 +982,10 @@
           <a:p>
             <a:r>
               <a:rPr lang="en-US" dirty="0" smtClean="0"/>
-              <a:t>In this demonstration I will show you how to extract the package names into a let helper, create similar </a:t>
-            </a:r>
-            <a:r>
-              <a:rPr lang="en-US" smtClean="0"/>
-              <a:t>looking </a:t>
-            </a:r>
-            <a:r>
-              <a:rPr lang="en-US" smtClean="0"/>
+              <a:t>In this demonstration I will show you how to extract the package names into a let helper, create similar looking </a:t>
+            </a:r>
+            <a:r>
+              <a:rPr lang="en-US" dirty="0" smtClean="0"/>
               <a:t>examples</a:t>
             </a:r>
             <a:r>
@@ -10560,7 +10568,7 @@
               <a:defRPr/>
             </a:pPr>
             <a:r>
-              <a:rPr lang="en-US" dirty="0">
+              <a:rPr lang="en-US" dirty="0" smtClean="0">
                 <a:solidFill>
                   <a:srgbClr val="7D868C"/>
                 </a:solidFill>
@@ -10571,7 +10579,7 @@
               <a:t>©</a:t>
             </a:r>
             <a:r>
-              <a:rPr lang="en-US" dirty="0" smtClean="0">
+              <a:rPr lang="is-IS" dirty="0" smtClean="0">
                 <a:solidFill>
                   <a:srgbClr val="7D868C"/>
                 </a:solidFill>
@@ -10579,7 +10587,18 @@
                 <a:ea typeface="+mn-ea"/>
                 <a:cs typeface="+mn-cs"/>
               </a:rPr>
-              <a:t>2016 </a:t>
+              <a:t>2017</a:t>
+            </a:r>
+            <a:r>
+              <a:rPr lang="en-US" dirty="0" smtClean="0">
+                <a:solidFill>
+                  <a:srgbClr val="7D868C"/>
+                </a:solidFill>
+                <a:latin typeface="+mn-lt"/>
+                <a:ea typeface="+mn-ea"/>
+                <a:cs typeface="+mn-cs"/>
+              </a:rPr>
+              <a:t> </a:t>
             </a:r>
             <a:r>
               <a:rPr lang="en-US" dirty="0">
@@ -10658,7 +10677,7 @@
                 <a:ea typeface="+mn-ea"/>
                 <a:cs typeface="+mn-cs"/>
               </a:rPr>
-              <a:t>3</a:t>
+              <a:t>4</a:t>
             </a:r>
             <a:r>
               <a:rPr lang="en-US" dirty="0" smtClean="0">
@@ -10672,7 +10691,7 @@
               <a:t>-</a:t>
             </a:r>
             <a:fld id="{F0B79B2F-E1DD-4D43-95B3-EA08C411D807}" type="slidenum">
-              <a:rPr lang="en-US">
+              <a:rPr lang="en-US" smtClean="0">
                 <a:solidFill>
                   <a:srgbClr val="7F7F7F"/>
                 </a:solidFill>
@@ -11343,7 +11362,7 @@
               <a:defRPr/>
             </a:pPr>
             <a:r>
-              <a:rPr lang="en-US" dirty="0">
+              <a:rPr lang="en-US" dirty="0" smtClean="0">
                 <a:solidFill>
                   <a:srgbClr val="7D868C"/>
                 </a:solidFill>
@@ -11354,7 +11373,7 @@
               <a:t>©</a:t>
             </a:r>
             <a:r>
-              <a:rPr lang="en-US" dirty="0" smtClean="0">
+              <a:rPr lang="is-IS" dirty="0" smtClean="0">
                 <a:solidFill>
                   <a:srgbClr val="7D868C"/>
                 </a:solidFill>
@@ -11362,7 +11381,18 @@
                 <a:ea typeface="+mn-ea"/>
                 <a:cs typeface="+mn-cs"/>
               </a:rPr>
-              <a:t>2016 </a:t>
+              <a:t>2017</a:t>
+            </a:r>
+            <a:r>
+              <a:rPr lang="en-US" dirty="0" smtClean="0">
+                <a:solidFill>
+                  <a:srgbClr val="7D868C"/>
+                </a:solidFill>
+                <a:latin typeface="+mn-lt"/>
+                <a:ea typeface="+mn-ea"/>
+                <a:cs typeface="+mn-cs"/>
+              </a:rPr>
+              <a:t> </a:t>
             </a:r>
             <a:r>
               <a:rPr lang="en-US" dirty="0">
@@ -11441,7 +11471,7 @@
                 <a:ea typeface="+mn-ea"/>
                 <a:cs typeface="+mn-cs"/>
               </a:rPr>
-              <a:t>3</a:t>
+              <a:t>4</a:t>
             </a:r>
             <a:r>
               <a:rPr lang="en-US" dirty="0" smtClean="0">
@@ -11455,7 +11485,7 @@
               <a:t>-</a:t>
             </a:r>
             <a:fld id="{F0B79B2F-E1DD-4D43-95B3-EA08C411D807}" type="slidenum">
-              <a:rPr lang="en-US">
+              <a:rPr lang="en-US" smtClean="0">
                 <a:solidFill>
                   <a:srgbClr val="7F7F7F"/>
                 </a:solidFill>

--- a/04-shared_examples.pptx
+++ b/04-shared_examples.pptx
@@ -839,11 +839,7 @@
             </a:r>
             <a:r>
               <a:rPr lang="en-US" smtClean="0"/>
-              <a:t>are </a:t>
-            </a:r>
-            <a:r>
-              <a:rPr lang="en-US" smtClean="0"/>
-              <a:t>going </a:t>
+              <a:t>are going </a:t>
             </a:r>
             <a:r>
               <a:rPr lang="en-US" dirty="0" smtClean="0"/>
@@ -982,15 +978,7 @@
           <a:p>
             <a:r>
               <a:rPr lang="en-US" dirty="0" smtClean="0"/>
-              <a:t>In this demonstration I will show you how to extract the package names into a let helper, create similar looking </a:t>
-            </a:r>
-            <a:r>
-              <a:rPr lang="en-US" dirty="0" smtClean="0"/>
-              <a:t>examples</a:t>
-            </a:r>
-            <a:r>
-              <a:rPr lang="en-US" dirty="0" smtClean="0"/>
-              <a:t>, and then extract those examples into a </a:t>
+              <a:t>In this demonstration I will show you how to extract the package names into a let helper, create similar looking examples, and then extract those examples into a </a:t>
             </a:r>
             <a:r>
               <a:rPr lang="en-US" dirty="0" err="1" smtClean="0"/>
@@ -3174,7 +3162,19 @@
           <a:p>
             <a:r>
               <a:rPr lang="en-US" dirty="0"/>
-              <a:t>Now it is time to demonstrate how let can be used to help create more </a:t>
+              <a:t>Now it is time to demonstrate how </a:t>
+            </a:r>
+            <a:r>
+              <a:rPr lang="en-US" dirty="0" err="1" smtClean="0"/>
+              <a:t>shared_exaples</a:t>
+            </a:r>
+            <a:r>
+              <a:rPr lang="en-US" smtClean="0"/>
+              <a:t> can </a:t>
+            </a:r>
+            <a:r>
+              <a:rPr lang="en-US" dirty="0"/>
+              <a:t>be used to help create more </a:t>
             </a:r>
             <a:r>
               <a:rPr lang="en-US" dirty="0" smtClean="0"/>
@@ -4102,14 +4102,14 @@
           </a:ln>
           <a:extLst>
             <a:ext uri="{909E8E84-426E-40dd-AFC4-6F175D3DCCD1}">
-              <a14:hiddenFill xmlns:a14="http://schemas.microsoft.com/office/drawing/2010/main" xmlns="">
+              <a14:hiddenFill xmlns="" xmlns:a14="http://schemas.microsoft.com/office/drawing/2010/main">
                 <a:solidFill>
                   <a:srgbClr val="FFFFFF"/>
                 </a:solidFill>
               </a14:hiddenFill>
             </a:ext>
             <a:ext uri="{91240B29-F687-4f45-9708-019B960494DF}">
-              <a14:hiddenLine xmlns:a14="http://schemas.microsoft.com/office/drawing/2010/main" xmlns="" w="9525">
+              <a14:hiddenLine xmlns="" xmlns:a14="http://schemas.microsoft.com/office/drawing/2010/main" w="9525">
                 <a:solidFill>
                   <a:srgbClr val="000000"/>
                 </a:solidFill>
@@ -4257,14 +4257,14 @@
           </a:ln>
           <a:extLst>
             <a:ext uri="{909E8E84-426E-40dd-AFC4-6F175D3DCCD1}">
-              <a14:hiddenFill xmlns:a14="http://schemas.microsoft.com/office/drawing/2010/main" xmlns="">
+              <a14:hiddenFill xmlns="" xmlns:a14="http://schemas.microsoft.com/office/drawing/2010/main">
                 <a:solidFill>
                   <a:srgbClr val="FFFFFF"/>
                 </a:solidFill>
               </a14:hiddenFill>
             </a:ext>
             <a:ext uri="{91240B29-F687-4f45-9708-019B960494DF}">
-              <a14:hiddenLine xmlns:a14="http://schemas.microsoft.com/office/drawing/2010/main" xmlns="" w="9525">
+              <a14:hiddenLine xmlns="" xmlns:a14="http://schemas.microsoft.com/office/drawing/2010/main" w="9525">
                 <a:solidFill>
                   <a:srgbClr val="000000"/>
                 </a:solidFill>
@@ -4755,14 +4755,14 @@
           </a:ln>
           <a:extLst>
             <a:ext uri="{909E8E84-426E-40dd-AFC4-6F175D3DCCD1}">
-              <a14:hiddenFill xmlns:a14="http://schemas.microsoft.com/office/drawing/2010/main" xmlns="">
+              <a14:hiddenFill xmlns="" xmlns:a14="http://schemas.microsoft.com/office/drawing/2010/main">
                 <a:solidFill>
                   <a:srgbClr val="FFFFFF"/>
                 </a:solidFill>
               </a14:hiddenFill>
             </a:ext>
             <a:ext uri="{91240B29-F687-4f45-9708-019B960494DF}">
-              <a14:hiddenLine xmlns:a14="http://schemas.microsoft.com/office/drawing/2010/main" xmlns="" w="9525">
+              <a14:hiddenLine xmlns="" xmlns:a14="http://schemas.microsoft.com/office/drawing/2010/main" w="9525">
                 <a:solidFill>
                   <a:srgbClr val="000000"/>
                 </a:solidFill>
@@ -7068,14 +7068,14 @@
           </a:ln>
           <a:extLst>
             <a:ext uri="{909E8E84-426E-40dd-AFC4-6F175D3DCCD1}">
-              <a14:hiddenFill xmlns:a14="http://schemas.microsoft.com/office/drawing/2010/main" xmlns="">
+              <a14:hiddenFill xmlns="" xmlns:a14="http://schemas.microsoft.com/office/drawing/2010/main">
                 <a:solidFill>
                   <a:srgbClr val="FFFFFF"/>
                 </a:solidFill>
               </a14:hiddenFill>
             </a:ext>
             <a:ext uri="{91240B29-F687-4f45-9708-019B960494DF}">
-              <a14:hiddenLine xmlns:a14="http://schemas.microsoft.com/office/drawing/2010/main" xmlns="" w="9525">
+              <a14:hiddenLine xmlns="" xmlns:a14="http://schemas.microsoft.com/office/drawing/2010/main" w="9525">
                 <a:solidFill>
                   <a:srgbClr val="000000"/>
                 </a:solidFill>
@@ -8683,14 +8683,14 @@
           </a:ln>
           <a:extLst>
             <a:ext uri="{909E8E84-426E-40dd-AFC4-6F175D3DCCD1}">
-              <a14:hiddenFill xmlns:a14="http://schemas.microsoft.com/office/drawing/2010/main" xmlns="">
+              <a14:hiddenFill xmlns="" xmlns:a14="http://schemas.microsoft.com/office/drawing/2010/main">
                 <a:solidFill>
                   <a:srgbClr val="FFFFFF"/>
                 </a:solidFill>
               </a14:hiddenFill>
             </a:ext>
             <a:ext uri="{91240B29-F687-4f45-9708-019B960494DF}">
-              <a14:hiddenLine xmlns:a14="http://schemas.microsoft.com/office/drawing/2010/main" xmlns="" w="9525">
+              <a14:hiddenLine xmlns="" xmlns:a14="http://schemas.microsoft.com/office/drawing/2010/main" w="9525">
                 <a:solidFill>
                   <a:srgbClr val="000000"/>
                 </a:solidFill>
@@ -9248,14 +9248,14 @@
           </a:ln>
           <a:extLst>
             <a:ext uri="{909E8E84-426E-40dd-AFC4-6F175D3DCCD1}">
-              <a14:hiddenFill xmlns:a14="http://schemas.microsoft.com/office/drawing/2010/main" xmlns="">
+              <a14:hiddenFill xmlns="" xmlns:a14="http://schemas.microsoft.com/office/drawing/2010/main">
                 <a:solidFill>
                   <a:srgbClr val="FFFFFF"/>
                 </a:solidFill>
               </a14:hiddenFill>
             </a:ext>
             <a:ext uri="{91240B29-F687-4f45-9708-019B960494DF}">
-              <a14:hiddenLine xmlns:a14="http://schemas.microsoft.com/office/drawing/2010/main" xmlns="" w="9525">
+              <a14:hiddenLine xmlns="" xmlns:a14="http://schemas.microsoft.com/office/drawing/2010/main" w="9525">
                 <a:solidFill>
                   <a:srgbClr val="000000"/>
                 </a:solidFill>
@@ -9822,14 +9822,14 @@
           </a:ln>
           <a:extLst>
             <a:ext uri="{909E8E84-426E-40dd-AFC4-6F175D3DCCD1}">
-              <a14:hiddenFill xmlns:a14="http://schemas.microsoft.com/office/drawing/2010/main" xmlns="">
+              <a14:hiddenFill xmlns="" xmlns:a14="http://schemas.microsoft.com/office/drawing/2010/main">
                 <a:solidFill>
                   <a:srgbClr val="FFFFFF"/>
                 </a:solidFill>
               </a14:hiddenFill>
             </a:ext>
             <a:ext uri="{91240B29-F687-4f45-9708-019B960494DF}">
-              <a14:hiddenLine xmlns:a14="http://schemas.microsoft.com/office/drawing/2010/main" xmlns="" w="9525">
+              <a14:hiddenLine xmlns="" xmlns:a14="http://schemas.microsoft.com/office/drawing/2010/main" w="9525">
                 <a:solidFill>
                   <a:srgbClr val="000000"/>
                 </a:solidFill>
@@ -10481,14 +10481,14 @@
           </a:ln>
           <a:extLst>
             <a:ext uri="{909E8E84-426E-40dd-AFC4-6F175D3DCCD1}">
-              <a14:hiddenFill xmlns:a14="http://schemas.microsoft.com/office/drawing/2010/main" xmlns="">
+              <a14:hiddenFill xmlns="" xmlns:a14="http://schemas.microsoft.com/office/drawing/2010/main">
                 <a:solidFill>
                   <a:srgbClr val="FFFFFF"/>
                 </a:solidFill>
               </a14:hiddenFill>
             </a:ext>
             <a:ext uri="{91240B29-F687-4f45-9708-019B960494DF}">
-              <a14:hiddenLine xmlns:a14="http://schemas.microsoft.com/office/drawing/2010/main" xmlns="" w="9525">
+              <a14:hiddenLine xmlns="" xmlns:a14="http://schemas.microsoft.com/office/drawing/2010/main" w="9525">
                 <a:solidFill>
                   <a:srgbClr val="000000"/>
                 </a:solidFill>
@@ -11275,14 +11275,14 @@
           </a:ln>
           <a:extLst>
             <a:ext uri="{909E8E84-426E-40dd-AFC4-6F175D3DCCD1}">
-              <a14:hiddenFill xmlns:a14="http://schemas.microsoft.com/office/drawing/2010/main" xmlns="">
+              <a14:hiddenFill xmlns="" xmlns:a14="http://schemas.microsoft.com/office/drawing/2010/main">
                 <a:solidFill>
                   <a:srgbClr val="FFFFFF"/>
                 </a:solidFill>
               </a14:hiddenFill>
             </a:ext>
             <a:ext uri="{91240B29-F687-4f45-9708-019B960494DF}">
-              <a14:hiddenLine xmlns:a14="http://schemas.microsoft.com/office/drawing/2010/main" xmlns="" w="9525">
+              <a14:hiddenLine xmlns="" xmlns:a14="http://schemas.microsoft.com/office/drawing/2010/main" w="9525">
                 <a:solidFill>
                   <a:srgbClr val="000000"/>
                 </a:solidFill>
@@ -12193,14 +12193,14 @@
           </a:ln>
           <a:extLst>
             <a:ext uri="{909E8E84-426E-40dd-AFC4-6F175D3DCCD1}">
-              <a14:hiddenFill xmlns:a14="http://schemas.microsoft.com/office/drawing/2010/main" xmlns="">
+              <a14:hiddenFill xmlns="" xmlns:a14="http://schemas.microsoft.com/office/drawing/2010/main">
                 <a:solidFill>
                   <a:srgbClr val="FFFFFF"/>
                 </a:solidFill>
               </a14:hiddenFill>
             </a:ext>
             <a:ext uri="{91240B29-F687-4f45-9708-019B960494DF}">
-              <a14:hiddenLine xmlns:a14="http://schemas.microsoft.com/office/drawing/2010/main" xmlns="" w="9525">
+              <a14:hiddenLine xmlns="" xmlns:a14="http://schemas.microsoft.com/office/drawing/2010/main" w="9525">
                 <a:solidFill>
                   <a:srgbClr val="000000"/>
                 </a:solidFill>
